--- a/Arsitektur Sistem Aplikasi Chat.pptx
+++ b/Arsitektur Sistem Aplikasi Chat.pptx
@@ -15645,15 +15645,28 @@
               <a:t>};{nama</a:t>
             </a:r>
             <a:r>
-              <a:rPr lang="id-ID" dirty="0" smtClean="0"/>
+              <a:rPr lang="id-ID" dirty="0"/>
+              <a:t>}; {id_1};{id_2}:..:{</a:t>
+            </a:r>
+            <a:r>
+              <a:rPr lang="id-ID" dirty="0" err="1"/>
+              <a:t>id_n</a:t>
+            </a:r>
+            <a:r>
+              <a:rPr lang="id-ID"/>
               <a:t>}</a:t>
             </a:r>
+            <a:endParaRPr lang="id-ID" sz="1200"/>
           </a:p>
           <a:p>
             <a:pPr lvl="2"/>
             <a:r>
-              <a:rPr lang="id-ID" dirty="0" smtClean="0"/>
-              <a:t>Format pesan ini akan digunakan ketika </a:t>
+              <a:rPr lang="id-ID" smtClean="0"/>
+              <a:t>Format </a:t>
+            </a:r>
+            <a:r>
+              <a:rPr lang="id-ID" dirty="0" smtClean="0"/>
+              <a:t>pesan ini akan digunakan ketika </a:t>
             </a:r>
             <a:r>
               <a:rPr lang="id-ID" dirty="0" err="1" smtClean="0"/>

--- a/Arsitektur Sistem Aplikasi Chat.pptx
+++ b/Arsitektur Sistem Aplikasi Chat.pptx
@@ -6607,8 +6607,17 @@
             </a:r>
             <a:r>
               <a:rPr lang="id-ID" dirty="0" smtClean="0"/>
+              <a:t>};{</a:t>
+            </a:r>
+            <a:r>
+              <a:rPr lang="id-ID" dirty="0" err="1" smtClean="0"/>
+              <a:t>name</a:t>
+            </a:r>
+            <a:r>
+              <a:rPr lang="id-ID" smtClean="0"/>
               <a:t>}</a:t>
             </a:r>
+            <a:endParaRPr lang="id-ID" dirty="0" smtClean="0"/>
           </a:p>
           <a:p>
             <a:pPr lvl="2"/>
@@ -15642,11 +15651,7 @@
             </a:r>
             <a:r>
               <a:rPr lang="id-ID" dirty="0"/>
-              <a:t>};{nama</a:t>
-            </a:r>
-            <a:r>
-              <a:rPr lang="id-ID" dirty="0"/>
-              <a:t>}; {id_1};{id_2}:..:{</a:t>
+              <a:t>};{nama}; {id_1};{id_2}:..:{</a:t>
             </a:r>
             <a:r>
               <a:rPr lang="id-ID" dirty="0" err="1"/>

--- a/Arsitektur Sistem Aplikasi Chat.pptx
+++ b/Arsitektur Sistem Aplikasi Chat.pptx
@@ -6,45 +6,46 @@
   </p:sldMasterIdLst>
   <p:sldIdLst>
     <p:sldId id="256" r:id="rId2"/>
-    <p:sldId id="258" r:id="rId3"/>
-    <p:sldId id="257" r:id="rId4"/>
-    <p:sldId id="259" r:id="rId5"/>
-    <p:sldId id="260" r:id="rId6"/>
-    <p:sldId id="261" r:id="rId7"/>
-    <p:sldId id="262" r:id="rId8"/>
-    <p:sldId id="263" r:id="rId9"/>
-    <p:sldId id="264" r:id="rId10"/>
-    <p:sldId id="265" r:id="rId11"/>
-    <p:sldId id="266" r:id="rId12"/>
-    <p:sldId id="288" r:id="rId13"/>
-    <p:sldId id="289" r:id="rId14"/>
-    <p:sldId id="290" r:id="rId15"/>
-    <p:sldId id="291" r:id="rId16"/>
-    <p:sldId id="292" r:id="rId17"/>
-    <p:sldId id="293" r:id="rId18"/>
-    <p:sldId id="294" r:id="rId19"/>
-    <p:sldId id="295" r:id="rId20"/>
-    <p:sldId id="267" r:id="rId21"/>
-    <p:sldId id="268" r:id="rId22"/>
-    <p:sldId id="269" r:id="rId23"/>
-    <p:sldId id="270" r:id="rId24"/>
-    <p:sldId id="272" r:id="rId25"/>
-    <p:sldId id="271" r:id="rId26"/>
-    <p:sldId id="273" r:id="rId27"/>
-    <p:sldId id="274" r:id="rId28"/>
-    <p:sldId id="275" r:id="rId29"/>
-    <p:sldId id="276" r:id="rId30"/>
-    <p:sldId id="277" r:id="rId31"/>
-    <p:sldId id="278" r:id="rId32"/>
-    <p:sldId id="279" r:id="rId33"/>
-    <p:sldId id="280" r:id="rId34"/>
-    <p:sldId id="281" r:id="rId35"/>
-    <p:sldId id="282" r:id="rId36"/>
-    <p:sldId id="283" r:id="rId37"/>
-    <p:sldId id="284" r:id="rId38"/>
-    <p:sldId id="287" r:id="rId39"/>
-    <p:sldId id="285" r:id="rId40"/>
-    <p:sldId id="286" r:id="rId41"/>
+    <p:sldId id="296" r:id="rId3"/>
+    <p:sldId id="258" r:id="rId4"/>
+    <p:sldId id="257" r:id="rId5"/>
+    <p:sldId id="259" r:id="rId6"/>
+    <p:sldId id="260" r:id="rId7"/>
+    <p:sldId id="261" r:id="rId8"/>
+    <p:sldId id="262" r:id="rId9"/>
+    <p:sldId id="263" r:id="rId10"/>
+    <p:sldId id="264" r:id="rId11"/>
+    <p:sldId id="265" r:id="rId12"/>
+    <p:sldId id="266" r:id="rId13"/>
+    <p:sldId id="288" r:id="rId14"/>
+    <p:sldId id="289" r:id="rId15"/>
+    <p:sldId id="290" r:id="rId16"/>
+    <p:sldId id="291" r:id="rId17"/>
+    <p:sldId id="292" r:id="rId18"/>
+    <p:sldId id="293" r:id="rId19"/>
+    <p:sldId id="294" r:id="rId20"/>
+    <p:sldId id="295" r:id="rId21"/>
+    <p:sldId id="267" r:id="rId22"/>
+    <p:sldId id="268" r:id="rId23"/>
+    <p:sldId id="269" r:id="rId24"/>
+    <p:sldId id="270" r:id="rId25"/>
+    <p:sldId id="272" r:id="rId26"/>
+    <p:sldId id="271" r:id="rId27"/>
+    <p:sldId id="273" r:id="rId28"/>
+    <p:sldId id="274" r:id="rId29"/>
+    <p:sldId id="275" r:id="rId30"/>
+    <p:sldId id="276" r:id="rId31"/>
+    <p:sldId id="277" r:id="rId32"/>
+    <p:sldId id="278" r:id="rId33"/>
+    <p:sldId id="279" r:id="rId34"/>
+    <p:sldId id="280" r:id="rId35"/>
+    <p:sldId id="281" r:id="rId36"/>
+    <p:sldId id="282" r:id="rId37"/>
+    <p:sldId id="283" r:id="rId38"/>
+    <p:sldId id="284" r:id="rId39"/>
+    <p:sldId id="287" r:id="rId40"/>
+    <p:sldId id="285" r:id="rId41"/>
+    <p:sldId id="286" r:id="rId42"/>
   </p:sldIdLst>
   <p:sldSz cx="12192000" cy="6858000"/>
   <p:notesSz cx="6858000" cy="9144000"/>
@@ -381,7 +382,7 @@
             <a:fld id="{B61BEF0D-F0BB-DE4B-95CE-6DB70DBA9567}" type="datetimeFigureOut">
               <a:rPr lang="en-US" dirty="0"/>
               <a:pPr/>
-              <a:t>11/5/2016</a:t>
+              <a:t>11/6/2016</a:t>
             </a:fld>
             <a:endParaRPr lang="en-US" dirty="0"/>
           </a:p>
@@ -712,7 +713,7 @@
             <a:fld id="{B61BEF0D-F0BB-DE4B-95CE-6DB70DBA9567}" type="datetimeFigureOut">
               <a:rPr lang="en-US" dirty="0"/>
               <a:pPr/>
-              <a:t>11/5/2016</a:t>
+              <a:t>11/6/2016</a:t>
             </a:fld>
             <a:endParaRPr lang="en-US" dirty="0"/>
           </a:p>
@@ -987,7 +988,7 @@
             <a:fld id="{B61BEF0D-F0BB-DE4B-95CE-6DB70DBA9567}" type="datetimeFigureOut">
               <a:rPr lang="en-US" dirty="0"/>
               <a:pPr/>
-              <a:t>11/5/2016</a:t>
+              <a:t>11/6/2016</a:t>
             </a:fld>
             <a:endParaRPr lang="en-US" dirty="0"/>
           </a:p>
@@ -1552,7 +1553,7 @@
             <a:fld id="{B61BEF0D-F0BB-DE4B-95CE-6DB70DBA9567}" type="datetimeFigureOut">
               <a:rPr lang="en-US" dirty="0"/>
               <a:pPr/>
-              <a:t>11/5/2016</a:t>
+              <a:t>11/6/2016</a:t>
             </a:fld>
             <a:endParaRPr lang="en-US" dirty="0"/>
           </a:p>
@@ -1827,7 +1828,7 @@
             <a:fld id="{B61BEF0D-F0BB-DE4B-95CE-6DB70DBA9567}" type="datetimeFigureOut">
               <a:rPr lang="en-US" dirty="0"/>
               <a:pPr/>
-              <a:t>11/5/2016</a:t>
+              <a:t>11/6/2016</a:t>
             </a:fld>
             <a:endParaRPr lang="en-US" dirty="0"/>
           </a:p>
@@ -2386,7 +2387,7 @@
             <a:fld id="{B61BEF0D-F0BB-DE4B-95CE-6DB70DBA9567}" type="datetimeFigureOut">
               <a:rPr lang="en-US" dirty="0"/>
               <a:pPr/>
-              <a:t>11/5/2016</a:t>
+              <a:t>11/6/2016</a:t>
             </a:fld>
             <a:endParaRPr lang="en-US" dirty="0"/>
           </a:p>
@@ -2710,7 +2711,7 @@
             <a:fld id="{B61BEF0D-F0BB-DE4B-95CE-6DB70DBA9567}" type="datetimeFigureOut">
               <a:rPr lang="en-US" dirty="0"/>
               <a:pPr/>
-              <a:t>11/5/2016</a:t>
+              <a:t>11/6/2016</a:t>
             </a:fld>
             <a:endParaRPr lang="en-US" dirty="0"/>
           </a:p>
@@ -2884,7 +2885,7 @@
             <a:fld id="{B61BEF0D-F0BB-DE4B-95CE-6DB70DBA9567}" type="datetimeFigureOut">
               <a:rPr lang="en-US" dirty="0"/>
               <a:pPr/>
-              <a:t>11/5/2016</a:t>
+              <a:t>11/6/2016</a:t>
             </a:fld>
             <a:endParaRPr lang="en-US" dirty="0"/>
           </a:p>
@@ -3119,7 +3120,7 @@
             <a:fld id="{B61BEF0D-F0BB-DE4B-95CE-6DB70DBA9567}" type="datetimeFigureOut">
               <a:rPr lang="en-US" dirty="0"/>
               <a:pPr/>
-              <a:t>11/5/2016</a:t>
+              <a:t>11/6/2016</a:t>
             </a:fld>
             <a:endParaRPr lang="en-US" dirty="0"/>
           </a:p>
@@ -3316,7 +3317,7 @@
             <a:fld id="{B61BEF0D-F0BB-DE4B-95CE-6DB70DBA9567}" type="datetimeFigureOut">
               <a:rPr lang="en-US" dirty="0"/>
               <a:pPr/>
-              <a:t>11/5/2016</a:t>
+              <a:t>11/6/2016</a:t>
             </a:fld>
             <a:endParaRPr lang="en-US" dirty="0"/>
           </a:p>
@@ -3589,7 +3590,7 @@
             <a:fld id="{B61BEF0D-F0BB-DE4B-95CE-6DB70DBA9567}" type="datetimeFigureOut">
               <a:rPr lang="en-US" dirty="0"/>
               <a:pPr/>
-              <a:t>11/5/2016</a:t>
+              <a:t>11/6/2016</a:t>
             </a:fld>
             <a:endParaRPr lang="en-US" dirty="0"/>
           </a:p>
@@ -3852,7 +3853,7 @@
             <a:fld id="{B61BEF0D-F0BB-DE4B-95CE-6DB70DBA9567}" type="datetimeFigureOut">
               <a:rPr lang="en-US" dirty="0"/>
               <a:pPr/>
-              <a:t>11/5/2016</a:t>
+              <a:t>11/6/2016</a:t>
             </a:fld>
             <a:endParaRPr lang="en-US" dirty="0"/>
           </a:p>
@@ -4223,7 +4224,7 @@
             <a:fld id="{B61BEF0D-F0BB-DE4B-95CE-6DB70DBA9567}" type="datetimeFigureOut">
               <a:rPr lang="en-US" dirty="0"/>
               <a:pPr/>
-              <a:t>11/5/2016</a:t>
+              <a:t>11/6/2016</a:t>
             </a:fld>
             <a:endParaRPr lang="en-US" dirty="0"/>
           </a:p>
@@ -4368,7 +4369,7 @@
             <a:fld id="{B61BEF0D-F0BB-DE4B-95CE-6DB70DBA9567}" type="datetimeFigureOut">
               <a:rPr lang="en-US" dirty="0"/>
               <a:pPr/>
-              <a:t>11/5/2016</a:t>
+              <a:t>11/6/2016</a:t>
             </a:fld>
             <a:endParaRPr lang="en-US" dirty="0"/>
           </a:p>
@@ -4490,7 +4491,7 @@
             <a:fld id="{B61BEF0D-F0BB-DE4B-95CE-6DB70DBA9567}" type="datetimeFigureOut">
               <a:rPr lang="en-US" dirty="0"/>
               <a:pPr/>
-              <a:t>11/5/2016</a:t>
+              <a:t>11/6/2016</a:t>
             </a:fld>
             <a:endParaRPr lang="en-US" dirty="0"/>
           </a:p>
@@ -4772,7 +4773,7 @@
             <a:fld id="{B61BEF0D-F0BB-DE4B-95CE-6DB70DBA9567}" type="datetimeFigureOut">
               <a:rPr lang="en-US" dirty="0"/>
               <a:pPr/>
-              <a:t>11/5/2016</a:t>
+              <a:t>11/6/2016</a:t>
             </a:fld>
             <a:endParaRPr lang="en-US" dirty="0"/>
           </a:p>
@@ -5093,7 +5094,7 @@
             <a:fld id="{B61BEF0D-F0BB-DE4B-95CE-6DB70DBA9567}" type="datetimeFigureOut">
               <a:rPr lang="en-US" dirty="0"/>
               <a:pPr/>
-              <a:t>11/5/2016</a:t>
+              <a:t>11/6/2016</a:t>
             </a:fld>
             <a:endParaRPr lang="en-US" dirty="0"/>
           </a:p>
@@ -5304,7 +5305,7 @@
             <a:fld id="{B61BEF0D-F0BB-DE4B-95CE-6DB70DBA9567}" type="datetimeFigureOut">
               <a:rPr lang="en-US" dirty="0"/>
               <a:pPr/>
-              <a:t>11/5/2016</a:t>
+              <a:t>11/6/2016</a:t>
             </a:fld>
             <a:endParaRPr lang="en-US" dirty="0"/>
           </a:p>
@@ -5956,7 +5957,7 @@
             <a:pPr lvl="1"/>
             <a:r>
               <a:rPr lang="id-ID" sz="1400" dirty="0" err="1"/>
-              <a:t>GetChatClient</a:t>
+              <a:t>ChatSend</a:t>
             </a:r>
             <a:endParaRPr lang="id-ID" sz="1400" dirty="0"/>
           </a:p>
@@ -5968,6 +5969,14 @@
             </a:r>
             <a:r>
               <a:rPr lang="id-ID" dirty="0" err="1"/>
+              <a:t>type_chat</a:t>
+            </a:r>
+            <a:r>
+              <a:rPr lang="id-ID" dirty="0"/>
+              <a:t>};{</a:t>
+            </a:r>
+            <a:r>
+              <a:rPr lang="id-ID" dirty="0" err="1"/>
               <a:t>id_pengirim</a:t>
             </a:r>
             <a:r>
@@ -5984,7 +5993,15 @@
             </a:r>
             <a:r>
               <a:rPr lang="id-ID" dirty="0" err="1"/>
-              <a:t>timestamp</a:t>
+              <a:t>group_public_key</a:t>
+            </a:r>
+            <a:r>
+              <a:rPr lang="id-ID" dirty="0"/>
+              <a:t>};{</a:t>
+            </a:r>
+            <a:r>
+              <a:rPr lang="id-ID" dirty="0" err="1"/>
+              <a:t>chat</a:t>
             </a:r>
             <a:r>
               <a:rPr lang="id-ID" dirty="0"/>
@@ -5995,15 +6012,15 @@
             <a:pPr lvl="2"/>
             <a:r>
               <a:rPr lang="id-ID" dirty="0"/>
-              <a:t>Bagian {</a:t>
-            </a:r>
-            <a:r>
-              <a:rPr lang="id-ID" dirty="0" err="1"/>
-              <a:t>timestamp</a:t>
-            </a:r>
-            <a:r>
-              <a:rPr lang="id-ID" dirty="0"/>
-              <a:t>} berguna untuk menunjukkan waktu terakhir </a:t>
+              <a:t>Pada bagian {</a:t>
+            </a:r>
+            <a:r>
+              <a:rPr lang="id-ID" dirty="0" err="1"/>
+              <a:t>type_chat</a:t>
+            </a:r>
+            <a:r>
+              <a:rPr lang="id-ID" dirty="0"/>
+              <a:t>} akan mendefinisikan apakah </a:t>
             </a:r>
             <a:r>
               <a:rPr lang="id-ID" dirty="0" err="1"/>
@@ -6011,15 +6028,47 @@
             </a:r>
             <a:r>
               <a:rPr lang="id-ID" dirty="0"/>
-              <a:t> yang telah dibaca. Bagian {</a:t>
-            </a:r>
-            <a:r>
-              <a:rPr lang="id-ID" dirty="0" err="1"/>
-              <a:t>id_pengirim</a:t>
-            </a:r>
-            <a:r>
-              <a:rPr lang="id-ID" dirty="0"/>
-              <a:t>} dapat merupakan </a:t>
+              <a:t> yang dikirim merupakan </a:t>
+            </a:r>
+            <a:r>
+              <a:rPr lang="id-ID" dirty="0" err="1"/>
+              <a:t>chat</a:t>
+            </a:r>
+            <a:r>
+              <a:rPr lang="id-ID" dirty="0"/>
+              <a:t> </a:t>
+            </a:r>
+            <a:r>
+              <a:rPr lang="id-ID" dirty="0" err="1"/>
+              <a:t>group</a:t>
+            </a:r>
+            <a:r>
+              <a:rPr lang="id-ID" dirty="0"/>
+              <a:t>, </a:t>
+            </a:r>
+            <a:r>
+              <a:rPr lang="id-ID" dirty="0" err="1"/>
+              <a:t>chat</a:t>
+            </a:r>
+            <a:r>
+              <a:rPr lang="id-ID" dirty="0"/>
+              <a:t> pribadi, atau </a:t>
+            </a:r>
+            <a:r>
+              <a:rPr lang="id-ID" dirty="0" err="1"/>
+              <a:t>broadcast</a:t>
+            </a:r>
+            <a:r>
+              <a:rPr lang="id-ID" dirty="0"/>
+              <a:t>. {</a:t>
+            </a:r>
+            <a:r>
+              <a:rPr lang="id-ID" dirty="0" err="1"/>
+              <a:t>id_penerima</a:t>
+            </a:r>
+            <a:r>
+              <a:rPr lang="id-ID" dirty="0"/>
+              <a:t>} dapat berupa </a:t>
             </a:r>
             <a:r>
               <a:rPr lang="id-ID" dirty="0" err="1"/>
@@ -6031,35 +6080,82 @@
             </a:r>
             <a:r>
               <a:rPr lang="id-ID" dirty="0" err="1"/>
-              <a:t>broadcast</a:t>
-            </a:r>
-            <a:r>
-              <a:rPr lang="id-ID" dirty="0"/>
-              <a:t>, </a:t>
-            </a:r>
-            <a:r>
-              <a:rPr lang="id-ID" dirty="0" err="1"/>
               <a:t>user</a:t>
             </a:r>
             <a:r>
               <a:rPr lang="id-ID" dirty="0"/>
-              <a:t>, atau </a:t>
+              <a:t> atau </a:t>
+            </a:r>
+            <a:r>
+              <a:rPr lang="id-ID" dirty="0" err="1"/>
+              <a:t>id</a:t>
+            </a:r>
+            <a:r>
+              <a:rPr lang="id-ID" dirty="0"/>
+              <a:t> </a:t>
             </a:r>
             <a:r>
               <a:rPr lang="id-ID" dirty="0" err="1"/>
               <a:t>group</a:t>
             </a:r>
             <a:r>
+              <a:rPr lang="id-ID" dirty="0"/>
+              <a:t>. Pada bagian {</a:t>
+            </a:r>
+            <a:r>
+              <a:rPr lang="id-ID" dirty="0" err="1"/>
+              <a:t>chat</a:t>
+            </a:r>
+            <a:r>
+              <a:rPr lang="id-ID" dirty="0"/>
+              <a:t>} akan </a:t>
+            </a:r>
+            <a:r>
+              <a:rPr lang="id-ID" dirty="0" err="1"/>
+              <a:t>terenkripsi</a:t>
+            </a:r>
+            <a:r>
+              <a:rPr lang="id-ID" dirty="0"/>
+              <a:t> sehingga tidak dapat di baca ketika sedang dikirimkan melalui jaringan. Bagian {</a:t>
+            </a:r>
+            <a:r>
+              <a:rPr lang="id-ID" dirty="0" err="1"/>
+              <a:t>group_public_key</a:t>
+            </a:r>
+            <a:r>
+              <a:rPr lang="id-ID" dirty="0"/>
+              <a:t>} tidak selalu ada. Bagian {</a:t>
+            </a:r>
+            <a:r>
+              <a:rPr lang="id-ID" dirty="0" err="1"/>
+              <a:t>group_public_key</a:t>
+            </a:r>
+            <a:r>
+              <a:rPr lang="id-ID" dirty="0"/>
+              <a:t>} hanya akan ada ketika </a:t>
+            </a:r>
+            <a:r>
+              <a:rPr lang="id-ID" dirty="0" err="1"/>
+              <a:t>client</a:t>
+            </a:r>
+            <a:r>
+              <a:rPr lang="id-ID" dirty="0"/>
+              <a:t> baru pertama kali mengirimkan pesan kepada </a:t>
+            </a:r>
+            <a:r>
+              <a:rPr lang="id-ID" dirty="0" err="1"/>
+              <a:t>group</a:t>
+            </a:r>
+            <a:r>
               <a:rPr lang="id-ID" dirty="0" smtClean="0"/>
               <a:t>.</a:t>
             </a:r>
-            <a:endParaRPr lang="id-ID" dirty="0"/>
           </a:p>
           <a:p>
             <a:pPr lvl="1"/>
             <a:r>
               <a:rPr lang="id-ID" sz="1400" dirty="0" err="1"/>
-              <a:t>GetChatServer</a:t>
+              <a:t>CreateGroup</a:t>
             </a:r>
             <a:endParaRPr lang="id-ID" sz="1400" dirty="0"/>
           </a:p>
@@ -6070,109 +6166,63 @@
               <a:t>{</a:t>
             </a:r>
             <a:r>
-              <a:rPr lang="id-ID" dirty="0" err="1"/>
-              <a:t>timestamp</a:t>
-            </a:r>
-            <a:r>
-              <a:rPr lang="id-ID" dirty="0"/>
-              <a:t>};{</a:t>
-            </a:r>
-            <a:r>
-              <a:rPr lang="id-ID" dirty="0" err="1"/>
-              <a:t>msg</a:t>
-            </a:r>
-            <a:r>
-              <a:rPr lang="id-ID" dirty="0"/>
+              <a:rPr lang="id-ID" dirty="0" err="1" smtClean="0"/>
+              <a:t>id_group</a:t>
+            </a:r>
+            <a:r>
+              <a:rPr lang="id-ID" dirty="0"/>
+              <a:t>};{nama}; {id_1};{id_2}:..:{</a:t>
+            </a:r>
+            <a:r>
+              <a:rPr lang="id-ID" dirty="0" err="1"/>
+              <a:t>id_n</a:t>
+            </a:r>
+            <a:r>
+              <a:rPr lang="id-ID"/>
               <a:t>}</a:t>
             </a:r>
+            <a:endParaRPr lang="id-ID" sz="1200"/>
           </a:p>
           <a:p>
             <a:pPr lvl="2"/>
             <a:r>
-              <a:rPr lang="id-ID" dirty="0" err="1"/>
-              <a:t>GetChatServer</a:t>
-            </a:r>
-            <a:r>
-              <a:rPr lang="id-ID" dirty="0"/>
-              <a:t> ini adalah protokol dalam </a:t>
-            </a:r>
-            <a:r>
-              <a:rPr lang="id-ID" dirty="0" err="1"/>
-              <a:t>merespon</a:t>
-            </a:r>
-            <a:r>
-              <a:rPr lang="id-ID" dirty="0"/>
+              <a:rPr lang="id-ID" smtClean="0"/>
+              <a:t>Format </a:t>
+            </a:r>
+            <a:r>
+              <a:rPr lang="id-ID" dirty="0" smtClean="0"/>
+              <a:t>pesan ini akan digunakan ketika </a:t>
+            </a:r>
+            <a:r>
+              <a:rPr lang="id-ID" dirty="0" err="1" smtClean="0"/>
+              <a:t>client</a:t>
+            </a:r>
+            <a:r>
+              <a:rPr lang="id-ID" dirty="0" smtClean="0"/>
+              <a:t> hendak membuat </a:t>
+            </a:r>
+            <a:r>
+              <a:rPr lang="id-ID" dirty="0" err="1" smtClean="0"/>
+              <a:t>suatu</a:t>
+            </a:r>
+            <a:r>
+              <a:rPr lang="id-ID" dirty="0" smtClean="0"/>
               <a:t> </a:t>
             </a:r>
             <a:r>
               <a:rPr lang="id-ID" dirty="0" err="1" smtClean="0"/>
-              <a:t>GetChatClient</a:t>
-            </a:r>
-            <a:endParaRPr lang="id-ID" dirty="0" smtClean="0"/>
-          </a:p>
-          <a:p>
-            <a:pPr lvl="1"/>
-            <a:r>
-              <a:rPr lang="id-ID" sz="1400" dirty="0" err="1"/>
-              <a:t>Logout</a:t>
-            </a:r>
-            <a:endParaRPr lang="id-ID" sz="1400" dirty="0"/>
-          </a:p>
-          <a:p>
-            <a:pPr lvl="2"/>
-            <a:r>
-              <a:rPr lang="id-ID" dirty="0"/>
-              <a:t>{</a:t>
-            </a:r>
-            <a:r>
-              <a:rPr lang="id-ID" dirty="0" err="1"/>
-              <a:t>id</a:t>
-            </a:r>
-            <a:r>
-              <a:rPr lang="id-ID" dirty="0" smtClean="0"/>
-              <a:t>}</a:t>
-            </a:r>
-          </a:p>
-          <a:p>
-            <a:pPr lvl="2"/>
-            <a:r>
-              <a:rPr lang="id-ID" dirty="0" smtClean="0"/>
-              <a:t>Format pesan </a:t>
+              <a:t>group</a:t>
+            </a:r>
+            <a:r>
+              <a:rPr lang="id-ID" dirty="0" smtClean="0"/>
+              <a:t> ataupun </a:t>
             </a:r>
             <a:r>
               <a:rPr lang="id-ID" dirty="0" err="1" smtClean="0"/>
-              <a:t>logout</a:t>
-            </a:r>
-            <a:r>
-              <a:rPr lang="id-ID" dirty="0" smtClean="0"/>
-              <a:t> ini akan </a:t>
-            </a:r>
-            <a:r>
-              <a:rPr lang="id-ID" dirty="0"/>
-              <a:t>digunakan ketika </a:t>
-            </a:r>
-            <a:r>
-              <a:rPr lang="id-ID" dirty="0" err="1"/>
-              <a:t>client</a:t>
-            </a:r>
-            <a:r>
-              <a:rPr lang="id-ID" dirty="0"/>
-              <a:t> hendak </a:t>
-            </a:r>
-            <a:r>
-              <a:rPr lang="id-ID" dirty="0" err="1" smtClean="0"/>
-              <a:t>logout</a:t>
-            </a:r>
-            <a:r>
-              <a:rPr lang="id-ID" dirty="0" smtClean="0"/>
-              <a:t> ataupun </a:t>
-            </a:r>
-            <a:r>
-              <a:rPr lang="id-ID" dirty="0" err="1"/>
               <a:t>pempropagasian</a:t>
             </a:r>
             <a:r>
-              <a:rPr lang="id-ID" dirty="0"/>
+              <a:rPr lang="id-ID" dirty="0" smtClean="0"/>
               <a:t> </a:t>
             </a:r>
             <a:r>
@@ -6187,64 +6237,66 @@
           <a:p>
             <a:pPr lvl="1"/>
             <a:r>
-              <a:rPr lang="id-ID" sz="1400" dirty="0" err="1" smtClean="0"/>
-              <a:t>LoginServer</a:t>
-            </a:r>
-            <a:endParaRPr lang="id-ID" sz="1400" dirty="0" smtClean="0"/>
+              <a:rPr lang="id-ID" sz="1400" dirty="0" smtClean="0"/>
+              <a:t>Key</a:t>
+            </a:r>
           </a:p>
           <a:p>
             <a:pPr lvl="2"/>
             <a:r>
-              <a:rPr lang="id-ID" dirty="0" smtClean="0"/>
+              <a:rPr lang="id-ID" sz="1200" dirty="0" smtClean="0"/>
               <a:t>{</a:t>
             </a:r>
             <a:r>
-              <a:rPr lang="id-ID" dirty="0" err="1" smtClean="0"/>
-              <a:t>id</a:t>
-            </a:r>
-            <a:r>
-              <a:rPr lang="id-ID" dirty="0" smtClean="0"/>
+              <a:rPr lang="id-ID" sz="1200" dirty="0" err="1" smtClean="0"/>
+              <a:t>public_key</a:t>
+            </a:r>
+            <a:r>
+              <a:rPr lang="id-ID" sz="1200" dirty="0" smtClean="0"/>
               <a:t>}</a:t>
             </a:r>
           </a:p>
           <a:p>
             <a:pPr lvl="2"/>
             <a:r>
-              <a:rPr lang="id-ID" dirty="0" smtClean="0"/>
-              <a:t>Format ini digunakan </a:t>
-            </a:r>
-            <a:r>
-              <a:rPr lang="id-ID" dirty="0" err="1" smtClean="0"/>
-              <a:t>untui</a:t>
-            </a:r>
-            <a:r>
-              <a:rPr lang="id-ID" dirty="0" smtClean="0"/>
+              <a:rPr lang="id-ID" sz="1200" dirty="0" smtClean="0"/>
+              <a:t>Format ini digunakan ketika ada yang meminta </a:t>
+            </a:r>
+            <a:r>
+              <a:rPr lang="id-ID" sz="1200" dirty="0" err="1" smtClean="0"/>
+              <a:t>public</a:t>
+            </a:r>
+            <a:r>
+              <a:rPr lang="id-ID" sz="1200" dirty="0" smtClean="0"/>
               <a:t> </a:t>
             </a:r>
             <a:r>
-              <a:rPr lang="id-ID" dirty="0" err="1" smtClean="0"/>
-              <a:t>mempropagasikan</a:t>
-            </a:r>
-            <a:r>
-              <a:rPr lang="id-ID" dirty="0"/>
-              <a:t> </a:t>
-            </a:r>
-            <a:r>
-              <a:rPr lang="id-ID" dirty="0" err="1" smtClean="0"/>
+              <a:rPr lang="id-ID" sz="1200" dirty="0" err="1" smtClean="0"/>
+              <a:t>key</a:t>
+            </a:r>
+            <a:r>
+              <a:rPr lang="id-ID" sz="1200" dirty="0" smtClean="0"/>
+              <a:t> dari </a:t>
+            </a:r>
+            <a:r>
+              <a:rPr lang="id-ID" sz="1200" dirty="0" err="1" smtClean="0"/>
               <a:t>server</a:t>
             </a:r>
             <a:r>
-              <a:rPr lang="id-ID" dirty="0" smtClean="0"/>
+              <a:rPr lang="id-ID" sz="1200" dirty="0" smtClean="0"/>
               <a:t>.</a:t>
             </a:r>
-            <a:endParaRPr lang="id-ID" dirty="0"/>
+          </a:p>
+          <a:p>
+            <a:pPr lvl="3"/>
+            <a:endParaRPr lang="id-ID" sz="1400" dirty="0"/>
           </a:p>
         </p:txBody>
       </p:sp>
     </p:spTree>
     <p:extLst>
       <p:ext uri="{BB962C8B-B14F-4D97-AF65-F5344CB8AC3E}">
-        <p14:creationId xmlns:p14="http://schemas.microsoft.com/office/powerpoint/2010/main" val="2823680106"/>
+        <p14:creationId xmlns:p14="http://schemas.microsoft.com/office/powerpoint/2010/main" val="3523864549"/>
       </p:ext>
     </p:extLst>
   </p:cSld>
@@ -6319,6 +6371,379 @@
             <p:ph idx="1"/>
           </p:nvPr>
         </p:nvSpPr>
+        <p:spPr/>
+        <p:txBody>
+          <a:bodyPr>
+            <a:noAutofit/>
+          </a:bodyPr>
+          <a:lstStyle/>
+          <a:p>
+            <a:pPr lvl="1"/>
+            <a:r>
+              <a:rPr lang="id-ID" sz="1400" dirty="0" err="1"/>
+              <a:t>GetChatClient</a:t>
+            </a:r>
+            <a:endParaRPr lang="id-ID" sz="1400" dirty="0"/>
+          </a:p>
+          <a:p>
+            <a:pPr lvl="2"/>
+            <a:r>
+              <a:rPr lang="id-ID" dirty="0"/>
+              <a:t>{</a:t>
+            </a:r>
+            <a:r>
+              <a:rPr lang="id-ID" dirty="0" err="1"/>
+              <a:t>id_pengirim</a:t>
+            </a:r>
+            <a:r>
+              <a:rPr lang="id-ID" dirty="0"/>
+              <a:t>};{</a:t>
+            </a:r>
+            <a:r>
+              <a:rPr lang="id-ID" dirty="0" err="1"/>
+              <a:t>id_penerima</a:t>
+            </a:r>
+            <a:r>
+              <a:rPr lang="id-ID" dirty="0"/>
+              <a:t>};{</a:t>
+            </a:r>
+            <a:r>
+              <a:rPr lang="id-ID" dirty="0" err="1"/>
+              <a:t>timestamp</a:t>
+            </a:r>
+            <a:r>
+              <a:rPr lang="id-ID" dirty="0"/>
+              <a:t>}</a:t>
+            </a:r>
+          </a:p>
+          <a:p>
+            <a:pPr lvl="2"/>
+            <a:r>
+              <a:rPr lang="id-ID" dirty="0"/>
+              <a:t>Bagian {</a:t>
+            </a:r>
+            <a:r>
+              <a:rPr lang="id-ID" dirty="0" err="1"/>
+              <a:t>timestamp</a:t>
+            </a:r>
+            <a:r>
+              <a:rPr lang="id-ID" dirty="0"/>
+              <a:t>} berguna untuk menunjukkan waktu terakhir </a:t>
+            </a:r>
+            <a:r>
+              <a:rPr lang="id-ID" dirty="0" err="1"/>
+              <a:t>chat</a:t>
+            </a:r>
+            <a:r>
+              <a:rPr lang="id-ID" dirty="0"/>
+              <a:t> yang telah dibaca. Bagian {</a:t>
+            </a:r>
+            <a:r>
+              <a:rPr lang="id-ID" dirty="0" err="1"/>
+              <a:t>id_pengirim</a:t>
+            </a:r>
+            <a:r>
+              <a:rPr lang="id-ID" dirty="0"/>
+              <a:t>} dapat merupakan </a:t>
+            </a:r>
+            <a:r>
+              <a:rPr lang="id-ID" dirty="0" err="1"/>
+              <a:t>id</a:t>
+            </a:r>
+            <a:r>
+              <a:rPr lang="id-ID" dirty="0"/>
+              <a:t> </a:t>
+            </a:r>
+            <a:r>
+              <a:rPr lang="id-ID" dirty="0" err="1"/>
+              <a:t>broadcast</a:t>
+            </a:r>
+            <a:r>
+              <a:rPr lang="id-ID" dirty="0"/>
+              <a:t>, </a:t>
+            </a:r>
+            <a:r>
+              <a:rPr lang="id-ID" dirty="0" err="1"/>
+              <a:t>user</a:t>
+            </a:r>
+            <a:r>
+              <a:rPr lang="id-ID" dirty="0"/>
+              <a:t>, atau </a:t>
+            </a:r>
+            <a:r>
+              <a:rPr lang="id-ID" dirty="0" err="1"/>
+              <a:t>group</a:t>
+            </a:r>
+            <a:r>
+              <a:rPr lang="id-ID" dirty="0" smtClean="0"/>
+              <a:t>.</a:t>
+            </a:r>
+            <a:endParaRPr lang="id-ID" dirty="0"/>
+          </a:p>
+          <a:p>
+            <a:pPr lvl="1"/>
+            <a:r>
+              <a:rPr lang="id-ID" sz="1400" dirty="0" err="1"/>
+              <a:t>GetChatServer</a:t>
+            </a:r>
+            <a:endParaRPr lang="id-ID" sz="1400" dirty="0"/>
+          </a:p>
+          <a:p>
+            <a:pPr lvl="2"/>
+            <a:r>
+              <a:rPr lang="id-ID" dirty="0"/>
+              <a:t>{</a:t>
+            </a:r>
+            <a:r>
+              <a:rPr lang="id-ID" dirty="0" err="1"/>
+              <a:t>timestamp</a:t>
+            </a:r>
+            <a:r>
+              <a:rPr lang="id-ID" dirty="0"/>
+              <a:t>};{</a:t>
+            </a:r>
+            <a:r>
+              <a:rPr lang="id-ID" dirty="0" err="1"/>
+              <a:t>msg</a:t>
+            </a:r>
+            <a:r>
+              <a:rPr lang="id-ID" dirty="0"/>
+              <a:t>}</a:t>
+            </a:r>
+          </a:p>
+          <a:p>
+            <a:pPr lvl="2"/>
+            <a:r>
+              <a:rPr lang="id-ID" dirty="0" err="1"/>
+              <a:t>GetChatServer</a:t>
+            </a:r>
+            <a:r>
+              <a:rPr lang="id-ID" dirty="0"/>
+              <a:t> ini adalah protokol dalam </a:t>
+            </a:r>
+            <a:r>
+              <a:rPr lang="id-ID" dirty="0" err="1"/>
+              <a:t>merespon</a:t>
+            </a:r>
+            <a:r>
+              <a:rPr lang="id-ID" dirty="0"/>
+              <a:t> </a:t>
+            </a:r>
+            <a:r>
+              <a:rPr lang="id-ID" dirty="0" err="1" smtClean="0"/>
+              <a:t>GetChatClient</a:t>
+            </a:r>
+            <a:endParaRPr lang="id-ID" dirty="0" smtClean="0"/>
+          </a:p>
+          <a:p>
+            <a:pPr lvl="1"/>
+            <a:r>
+              <a:rPr lang="id-ID" sz="1400" dirty="0" err="1"/>
+              <a:t>Logout</a:t>
+            </a:r>
+            <a:endParaRPr lang="id-ID" sz="1400" dirty="0"/>
+          </a:p>
+          <a:p>
+            <a:pPr lvl="2"/>
+            <a:r>
+              <a:rPr lang="id-ID" dirty="0"/>
+              <a:t>{</a:t>
+            </a:r>
+            <a:r>
+              <a:rPr lang="id-ID" dirty="0" err="1"/>
+              <a:t>id</a:t>
+            </a:r>
+            <a:r>
+              <a:rPr lang="id-ID" dirty="0" smtClean="0"/>
+              <a:t>}</a:t>
+            </a:r>
+          </a:p>
+          <a:p>
+            <a:pPr lvl="2"/>
+            <a:r>
+              <a:rPr lang="id-ID" dirty="0" smtClean="0"/>
+              <a:t>Format pesan </a:t>
+            </a:r>
+            <a:r>
+              <a:rPr lang="id-ID" dirty="0" err="1" smtClean="0"/>
+              <a:t>logout</a:t>
+            </a:r>
+            <a:r>
+              <a:rPr lang="id-ID" dirty="0" smtClean="0"/>
+              <a:t> ini akan </a:t>
+            </a:r>
+            <a:r>
+              <a:rPr lang="id-ID" dirty="0"/>
+              <a:t>digunakan ketika </a:t>
+            </a:r>
+            <a:r>
+              <a:rPr lang="id-ID" dirty="0" err="1"/>
+              <a:t>client</a:t>
+            </a:r>
+            <a:r>
+              <a:rPr lang="id-ID" dirty="0"/>
+              <a:t> hendak </a:t>
+            </a:r>
+            <a:r>
+              <a:rPr lang="id-ID" dirty="0" err="1" smtClean="0"/>
+              <a:t>logout</a:t>
+            </a:r>
+            <a:r>
+              <a:rPr lang="id-ID" dirty="0" smtClean="0"/>
+              <a:t> ataupun </a:t>
+            </a:r>
+            <a:r>
+              <a:rPr lang="id-ID" dirty="0" err="1"/>
+              <a:t>pempropagasian</a:t>
+            </a:r>
+            <a:r>
+              <a:rPr lang="id-ID" dirty="0"/>
+              <a:t> </a:t>
+            </a:r>
+            <a:r>
+              <a:rPr lang="id-ID" dirty="0" err="1" smtClean="0"/>
+              <a:t>server</a:t>
+            </a:r>
+            <a:r>
+              <a:rPr lang="id-ID" dirty="0" smtClean="0"/>
+              <a:t>.</a:t>
+            </a:r>
+          </a:p>
+          <a:p>
+            <a:pPr lvl="1"/>
+            <a:r>
+              <a:rPr lang="id-ID" sz="1400" dirty="0" err="1" smtClean="0"/>
+              <a:t>LoginServer</a:t>
+            </a:r>
+            <a:endParaRPr lang="id-ID" sz="1400" dirty="0" smtClean="0"/>
+          </a:p>
+          <a:p>
+            <a:pPr lvl="2"/>
+            <a:r>
+              <a:rPr lang="id-ID" dirty="0" smtClean="0"/>
+              <a:t>{</a:t>
+            </a:r>
+            <a:r>
+              <a:rPr lang="id-ID" dirty="0" err="1" smtClean="0"/>
+              <a:t>id</a:t>
+            </a:r>
+            <a:r>
+              <a:rPr lang="id-ID" dirty="0" smtClean="0"/>
+              <a:t>}</a:t>
+            </a:r>
+          </a:p>
+          <a:p>
+            <a:pPr lvl="2"/>
+            <a:r>
+              <a:rPr lang="id-ID" dirty="0" smtClean="0"/>
+              <a:t>Format ini digunakan </a:t>
+            </a:r>
+            <a:r>
+              <a:rPr lang="id-ID" dirty="0" err="1" smtClean="0"/>
+              <a:t>untui</a:t>
+            </a:r>
+            <a:r>
+              <a:rPr lang="id-ID" dirty="0" smtClean="0"/>
+              <a:t> </a:t>
+            </a:r>
+            <a:r>
+              <a:rPr lang="id-ID" dirty="0" err="1" smtClean="0"/>
+              <a:t>mempropagasikan</a:t>
+            </a:r>
+            <a:r>
+              <a:rPr lang="id-ID" dirty="0"/>
+              <a:t> </a:t>
+            </a:r>
+            <a:r>
+              <a:rPr lang="id-ID" dirty="0" err="1" smtClean="0"/>
+              <a:t>server</a:t>
+            </a:r>
+            <a:r>
+              <a:rPr lang="id-ID" dirty="0" smtClean="0"/>
+              <a:t>.</a:t>
+            </a:r>
+            <a:endParaRPr lang="id-ID" dirty="0"/>
+          </a:p>
+        </p:txBody>
+      </p:sp>
+    </p:spTree>
+    <p:extLst>
+      <p:ext uri="{BB962C8B-B14F-4D97-AF65-F5344CB8AC3E}">
+        <p14:creationId xmlns:p14="http://schemas.microsoft.com/office/powerpoint/2010/main" val="2823680106"/>
+      </p:ext>
+    </p:extLst>
+  </p:cSld>
+  <p:clrMapOvr>
+    <a:masterClrMapping/>
+  </p:clrMapOvr>
+  <p:timing>
+    <p:tnLst>
+      <p:par>
+        <p:cTn id="1" dur="indefinite" restart="never" nodeType="tmRoot"/>
+      </p:par>
+    </p:tnLst>
+  </p:timing>
+</p:sld>
+</file>
+
+<file path=ppt/slides/slide12.xml><?xml version="1.0" encoding="utf-8"?>
+<p:sld xmlns:a="http://schemas.openxmlformats.org/drawingml/2006/main" xmlns:r="http://schemas.openxmlformats.org/officeDocument/2006/relationships" xmlns:p="http://schemas.openxmlformats.org/presentationml/2006/main">
+  <p:cSld>
+    <p:spTree>
+      <p:nvGrpSpPr>
+        <p:cNvPr id="1" name=""/>
+        <p:cNvGrpSpPr/>
+        <p:nvPr/>
+      </p:nvGrpSpPr>
+      <p:grpSpPr>
+        <a:xfrm>
+          <a:off x="0" y="0"/>
+          <a:ext cx="0" cy="0"/>
+          <a:chOff x="0" y="0"/>
+          <a:chExt cx="0" cy="0"/>
+        </a:xfrm>
+      </p:grpSpPr>
+      <p:sp>
+        <p:nvSpPr>
+          <p:cNvPr id="2" name="Title 1"/>
+          <p:cNvSpPr>
+            <a:spLocks noGrp="1"/>
+          </p:cNvSpPr>
+          <p:nvPr>
+            <p:ph type="title"/>
+          </p:nvPr>
+        </p:nvSpPr>
+        <p:spPr/>
+        <p:txBody>
+          <a:bodyPr/>
+          <a:lstStyle/>
+          <a:p>
+            <a:r>
+              <a:rPr lang="id-ID" b="1" dirty="0"/>
+              <a:t>Arsitektur sistem (bagian-bagian </a:t>
+            </a:r>
+            <a:r>
+              <a:rPr lang="id-ID" b="1" dirty="0" err="1" smtClean="0"/>
+              <a:t>body</a:t>
+            </a:r>
+            <a:r>
+              <a:rPr lang="id-ID" b="1" dirty="0" smtClean="0"/>
+              <a:t> data)</a:t>
+            </a:r>
+            <a:endParaRPr lang="id-ID" dirty="0"/>
+          </a:p>
+        </p:txBody>
+      </p:sp>
+      <p:sp>
+        <p:nvSpPr>
+          <p:cNvPr id="3" name="Content Placeholder 2"/>
+          <p:cNvSpPr>
+            <a:spLocks noGrp="1"/>
+          </p:cNvSpPr>
+          <p:nvPr>
+            <p:ph idx="1"/>
+          </p:nvPr>
+        </p:nvSpPr>
         <p:spPr>
           <a:xfrm>
             <a:off x="685800" y="2319867"/>
@@ -6692,7 +7117,7 @@
 </p:sld>
 </file>
 
-<file path=ppt/slides/slide12.xml><?xml version="1.0" encoding="utf-8"?>
+<file path=ppt/slides/slide13.xml><?xml version="1.0" encoding="utf-8"?>
 <p:sld xmlns:a="http://schemas.openxmlformats.org/drawingml/2006/main" xmlns:r="http://schemas.openxmlformats.org/officeDocument/2006/relationships" xmlns:p="http://schemas.openxmlformats.org/presentationml/2006/main">
   <p:cSld>
     <p:spTree>
@@ -6810,7 +7235,7 @@
 </p:sld>
 </file>
 
-<file path=ppt/slides/slide13.xml><?xml version="1.0" encoding="utf-8"?>
+<file path=ppt/slides/slide14.xml><?xml version="1.0" encoding="utf-8"?>
 <p:sld xmlns:a="http://schemas.openxmlformats.org/drawingml/2006/main" xmlns:r="http://schemas.openxmlformats.org/officeDocument/2006/relationships" xmlns:p="http://schemas.openxmlformats.org/presentationml/2006/main">
   <p:cSld>
     <p:spTree>
@@ -6928,7 +7353,7 @@
 </p:sld>
 </file>
 
-<file path=ppt/slides/slide14.xml><?xml version="1.0" encoding="utf-8"?>
+<file path=ppt/slides/slide15.xml><?xml version="1.0" encoding="utf-8"?>
 <p:sld xmlns:a="http://schemas.openxmlformats.org/drawingml/2006/main" xmlns:r="http://schemas.openxmlformats.org/officeDocument/2006/relationships" xmlns:p="http://schemas.openxmlformats.org/presentationml/2006/main">
   <p:cSld>
     <p:spTree>
@@ -7046,7 +7471,7 @@
 </p:sld>
 </file>
 
-<file path=ppt/slides/slide15.xml><?xml version="1.0" encoding="utf-8"?>
+<file path=ppt/slides/slide16.xml><?xml version="1.0" encoding="utf-8"?>
 <p:sld xmlns:a="http://schemas.openxmlformats.org/drawingml/2006/main" xmlns:r="http://schemas.openxmlformats.org/officeDocument/2006/relationships" xmlns:p="http://schemas.openxmlformats.org/presentationml/2006/main">
   <p:cSld>
     <p:spTree>
@@ -7164,7 +7589,7 @@
 </p:sld>
 </file>
 
-<file path=ppt/slides/slide16.xml><?xml version="1.0" encoding="utf-8"?>
+<file path=ppt/slides/slide17.xml><?xml version="1.0" encoding="utf-8"?>
 <p:sld xmlns:a="http://schemas.openxmlformats.org/drawingml/2006/main" xmlns:r="http://schemas.openxmlformats.org/officeDocument/2006/relationships" xmlns:p="http://schemas.openxmlformats.org/presentationml/2006/main">
   <p:cSld>
     <p:spTree>
@@ -7274,7 +7699,7 @@
 </p:sld>
 </file>
 
-<file path=ppt/slides/slide17.xml><?xml version="1.0" encoding="utf-8"?>
+<file path=ppt/slides/slide18.xml><?xml version="1.0" encoding="utf-8"?>
 <p:sld xmlns:a="http://schemas.openxmlformats.org/drawingml/2006/main" xmlns:r="http://schemas.openxmlformats.org/officeDocument/2006/relationships" xmlns:p="http://schemas.openxmlformats.org/presentationml/2006/main">
   <p:cSld>
     <p:spTree>
@@ -7384,7 +7809,7 @@
 </p:sld>
 </file>
 
-<file path=ppt/slides/slide18.xml><?xml version="1.0" encoding="utf-8"?>
+<file path=ppt/slides/slide19.xml><?xml version="1.0" encoding="utf-8"?>
 <p:sld xmlns:a="http://schemas.openxmlformats.org/drawingml/2006/main" xmlns:r="http://schemas.openxmlformats.org/officeDocument/2006/relationships" xmlns:p="http://schemas.openxmlformats.org/presentationml/2006/main">
   <p:cSld>
     <p:spTree>
@@ -7502,7 +7927,86 @@
 </p:sld>
 </file>
 
-<file path=ppt/slides/slide19.xml><?xml version="1.0" encoding="utf-8"?>
+<file path=ppt/slides/slide2.xml><?xml version="1.0" encoding="utf-8"?>
+<p:sld xmlns:a="http://schemas.openxmlformats.org/drawingml/2006/main" xmlns:r="http://schemas.openxmlformats.org/officeDocument/2006/relationships" xmlns:p="http://schemas.openxmlformats.org/presentationml/2006/main">
+  <p:cSld>
+    <p:spTree>
+      <p:nvGrpSpPr>
+        <p:cNvPr id="1" name=""/>
+        <p:cNvGrpSpPr/>
+        <p:nvPr/>
+      </p:nvGrpSpPr>
+      <p:grpSpPr>
+        <a:xfrm>
+          <a:off x="0" y="0"/>
+          <a:ext cx="0" cy="0"/>
+          <a:chOff x="0" y="0"/>
+          <a:chExt cx="0" cy="0"/>
+        </a:xfrm>
+      </p:grpSpPr>
+      <p:sp>
+        <p:nvSpPr>
+          <p:cNvPr id="2" name="Title 1"/>
+          <p:cNvSpPr>
+            <a:spLocks noGrp="1"/>
+          </p:cNvSpPr>
+          <p:nvPr>
+            <p:ph type="title"/>
+          </p:nvPr>
+        </p:nvSpPr>
+        <p:spPr/>
+        <p:txBody>
+          <a:bodyPr/>
+          <a:lstStyle/>
+          <a:p>
+            <a:r>
+              <a:rPr lang="id-ID" dirty="0" err="1" smtClean="0"/>
+              <a:t>tesUbah</a:t>
+            </a:r>
+            <a:r>
+              <a:rPr lang="id-ID" smtClean="0"/>
+              <a:t/>
+            </a:r>
+            <a:br>
+              <a:rPr lang="id-ID" smtClean="0"/>
+            </a:br>
+            <a:endParaRPr lang="id-ID"/>
+          </a:p>
+        </p:txBody>
+      </p:sp>
+      <p:sp>
+        <p:nvSpPr>
+          <p:cNvPr id="3" name="Content Placeholder 2"/>
+          <p:cNvSpPr>
+            <a:spLocks noGrp="1"/>
+          </p:cNvSpPr>
+          <p:nvPr>
+            <p:ph idx="1"/>
+          </p:nvPr>
+        </p:nvSpPr>
+        <p:spPr/>
+        <p:txBody>
+          <a:bodyPr/>
+          <a:lstStyle/>
+          <a:p>
+            <a:endParaRPr lang="id-ID"/>
+          </a:p>
+        </p:txBody>
+      </p:sp>
+    </p:spTree>
+    <p:extLst>
+      <p:ext uri="{BB962C8B-B14F-4D97-AF65-F5344CB8AC3E}">
+        <p14:creationId xmlns:p14="http://schemas.microsoft.com/office/powerpoint/2010/main" val="1688029939"/>
+      </p:ext>
+    </p:extLst>
+  </p:cSld>
+  <p:clrMapOvr>
+    <a:masterClrMapping/>
+  </p:clrMapOvr>
+</p:sld>
+</file>
+
+<file path=ppt/slides/slide20.xml><?xml version="1.0" encoding="utf-8"?>
 <p:sld xmlns:a="http://schemas.openxmlformats.org/drawingml/2006/main" xmlns:r="http://schemas.openxmlformats.org/officeDocument/2006/relationships" xmlns:p="http://schemas.openxmlformats.org/presentationml/2006/main">
   <p:cSld>
     <p:spTree>
@@ -7604,302 +8108,7 @@
 </p:sld>
 </file>
 
-<file path=ppt/slides/slide2.xml><?xml version="1.0" encoding="utf-8"?>
-<p:sld xmlns:a="http://schemas.openxmlformats.org/drawingml/2006/main" xmlns:r="http://schemas.openxmlformats.org/officeDocument/2006/relationships" xmlns:p="http://schemas.openxmlformats.org/presentationml/2006/main">
-  <p:cSld>
-    <p:spTree>
-      <p:nvGrpSpPr>
-        <p:cNvPr id="1" name=""/>
-        <p:cNvGrpSpPr/>
-        <p:nvPr/>
-      </p:nvGrpSpPr>
-      <p:grpSpPr>
-        <a:xfrm>
-          <a:off x="0" y="0"/>
-          <a:ext cx="0" cy="0"/>
-          <a:chOff x="0" y="0"/>
-          <a:chExt cx="0" cy="0"/>
-        </a:xfrm>
-      </p:grpSpPr>
-      <p:sp>
-        <p:nvSpPr>
-          <p:cNvPr id="2" name="Title 1"/>
-          <p:cNvSpPr>
-            <a:spLocks noGrp="1"/>
-          </p:cNvSpPr>
-          <p:nvPr>
-            <p:ph type="title"/>
-          </p:nvPr>
-        </p:nvSpPr>
-        <p:spPr/>
-        <p:txBody>
-          <a:bodyPr/>
-          <a:lstStyle/>
-          <a:p>
-            <a:r>
-              <a:rPr lang="id-ID" dirty="0" smtClean="0"/>
-              <a:t>Deskripsi Kasus</a:t>
-            </a:r>
-            <a:endParaRPr lang="id-ID" dirty="0"/>
-          </a:p>
-        </p:txBody>
-      </p:sp>
-      <p:sp>
-        <p:nvSpPr>
-          <p:cNvPr id="3" name="Content Placeholder 2"/>
-          <p:cNvSpPr>
-            <a:spLocks noGrp="1"/>
-          </p:cNvSpPr>
-          <p:nvPr>
-            <p:ph idx="1"/>
-          </p:nvPr>
-        </p:nvSpPr>
-        <p:spPr/>
-        <p:txBody>
-          <a:bodyPr/>
-          <a:lstStyle/>
-          <a:p>
-            <a:pPr marL="0" indent="0">
-              <a:buNone/>
-            </a:pPr>
-            <a:r>
-              <a:rPr lang="id-ID" dirty="0"/>
-              <a:t>Aplikasi yang akan dibuat adalah aplikasi IM(</a:t>
-            </a:r>
-            <a:r>
-              <a:rPr lang="id-ID" dirty="0" err="1"/>
-              <a:t>Instant</a:t>
-            </a:r>
-            <a:r>
-              <a:rPr lang="id-ID" dirty="0"/>
-              <a:t> </a:t>
-            </a:r>
-            <a:r>
-              <a:rPr lang="id-ID" dirty="0" err="1"/>
-              <a:t>Messaging</a:t>
-            </a:r>
-            <a:r>
-              <a:rPr lang="id-ID" dirty="0"/>
-              <a:t>) untuk bertukar pesan </a:t>
-            </a:r>
-            <a:r>
-              <a:rPr lang="id-ID" dirty="0" smtClean="0"/>
-              <a:t>dan berkolaborasi</a:t>
-            </a:r>
-            <a:r>
-              <a:rPr lang="id-ID" dirty="0"/>
-              <a:t>, seperti: </a:t>
-            </a:r>
-            <a:r>
-              <a:rPr lang="id-ID" dirty="0" err="1"/>
-              <a:t>whatsapp</a:t>
-            </a:r>
-            <a:r>
-              <a:rPr lang="id-ID" dirty="0"/>
-              <a:t>, </a:t>
-            </a:r>
-            <a:r>
-              <a:rPr lang="id-ID" dirty="0" err="1"/>
-              <a:t>line</a:t>
-            </a:r>
-            <a:r>
-              <a:rPr lang="id-ID" dirty="0"/>
-              <a:t>, </a:t>
-            </a:r>
-            <a:r>
-              <a:rPr lang="id-ID" dirty="0" err="1"/>
-              <a:t>bbm</a:t>
-            </a:r>
-            <a:r>
-              <a:rPr lang="id-ID" dirty="0"/>
-              <a:t> dan sejenisnya</a:t>
-            </a:r>
-            <a:r>
-              <a:rPr lang="id-ID" dirty="0" smtClean="0"/>
-              <a:t>. </a:t>
-            </a:r>
-            <a:endParaRPr lang="id-ID" dirty="0"/>
-          </a:p>
-          <a:p>
-            <a:pPr marL="0" indent="0">
-              <a:buNone/>
-            </a:pPr>
-            <a:r>
-              <a:rPr lang="id-ID" dirty="0" smtClean="0"/>
-              <a:t>Aplikasi </a:t>
-            </a:r>
-            <a:r>
-              <a:rPr lang="id-ID" dirty="0" err="1" smtClean="0"/>
-              <a:t>chat</a:t>
-            </a:r>
-            <a:r>
-              <a:rPr lang="id-ID" dirty="0" smtClean="0"/>
-              <a:t> yang akan dibuat harus memiliki fungsi </a:t>
-            </a:r>
-            <a:r>
-              <a:rPr lang="id-ID" dirty="0"/>
-              <a:t>yang harus didukung oleh aplikasi ini sekurang-kurangnya: registrasi </a:t>
-            </a:r>
-            <a:r>
-              <a:rPr lang="id-ID" dirty="0" err="1"/>
-              <a:t>user</a:t>
-            </a:r>
-            <a:r>
-              <a:rPr lang="id-ID" dirty="0"/>
-              <a:t>, </a:t>
-            </a:r>
-            <a:r>
-              <a:rPr lang="id-ID" dirty="0" err="1"/>
-              <a:t>login</a:t>
-            </a:r>
-            <a:r>
-              <a:rPr lang="id-ID" dirty="0"/>
-              <a:t>, </a:t>
-            </a:r>
-            <a:r>
-              <a:rPr lang="id-ID" dirty="0" err="1" smtClean="0"/>
-              <a:t>logout</a:t>
-            </a:r>
-            <a:r>
-              <a:rPr lang="id-ID" dirty="0" smtClean="0"/>
-              <a:t>, notifikasi </a:t>
-            </a:r>
-            <a:r>
-              <a:rPr lang="id-ID" dirty="0"/>
-              <a:t>jika </a:t>
-            </a:r>
-            <a:r>
-              <a:rPr lang="id-ID" dirty="0" err="1"/>
-              <a:t>user</a:t>
-            </a:r>
-            <a:r>
-              <a:rPr lang="id-ID" dirty="0"/>
-              <a:t> </a:t>
-            </a:r>
-            <a:r>
-              <a:rPr lang="id-ID" dirty="0" err="1"/>
-              <a:t>login</a:t>
-            </a:r>
-            <a:r>
-              <a:rPr lang="id-ID" dirty="0"/>
-              <a:t> atau </a:t>
-            </a:r>
-            <a:r>
-              <a:rPr lang="id-ID" dirty="0" err="1"/>
-              <a:t>logout</a:t>
-            </a:r>
-            <a:r>
-              <a:rPr lang="id-ID" dirty="0"/>
-              <a:t>, membuat </a:t>
-            </a:r>
-            <a:r>
-              <a:rPr lang="id-ID" dirty="0" err="1"/>
-              <a:t>group</a:t>
-            </a:r>
-            <a:r>
-              <a:rPr lang="id-ID" dirty="0"/>
-              <a:t> tertentu yang beranggotakan </a:t>
-            </a:r>
-            <a:r>
-              <a:rPr lang="id-ID" dirty="0" err="1"/>
-              <a:t>user-user</a:t>
-            </a:r>
-            <a:r>
-              <a:rPr lang="id-ID" dirty="0"/>
-              <a:t> </a:t>
-            </a:r>
-            <a:r>
-              <a:rPr lang="id-ID" dirty="0" smtClean="0"/>
-              <a:t>yang sudah </a:t>
-            </a:r>
-            <a:r>
-              <a:rPr lang="id-ID" dirty="0"/>
-              <a:t>terdaftar, mengirimkan pesan multimedia kepada </a:t>
-            </a:r>
-            <a:r>
-              <a:rPr lang="id-ID" dirty="0" err="1"/>
-              <a:t>user</a:t>
-            </a:r>
-            <a:r>
-              <a:rPr lang="id-ID" dirty="0"/>
-              <a:t> (lain) atau </a:t>
-            </a:r>
-            <a:r>
-              <a:rPr lang="id-ID" dirty="0" err="1"/>
-              <a:t>group</a:t>
-            </a:r>
-            <a:r>
-              <a:rPr lang="id-ID" dirty="0"/>
-              <a:t> tertentu (baik </a:t>
-            </a:r>
-            <a:r>
-              <a:rPr lang="id-ID" dirty="0" smtClean="0"/>
-              <a:t>bercakap-cakap atau </a:t>
-            </a:r>
-            <a:r>
-              <a:rPr lang="id-ID" dirty="0"/>
-              <a:t>meninggalkan pesan), mengirimkan pesan </a:t>
-            </a:r>
-            <a:r>
-              <a:rPr lang="id-ID" dirty="0" err="1" smtClean="0"/>
-              <a:t>broadcast</a:t>
-            </a:r>
-            <a:r>
-              <a:rPr lang="id-ID" dirty="0" smtClean="0"/>
-              <a:t> </a:t>
-            </a:r>
-            <a:r>
-              <a:rPr lang="id-ID" dirty="0"/>
-              <a:t>ke beberapa </a:t>
-            </a:r>
-            <a:r>
-              <a:rPr lang="id-ID" dirty="0" err="1"/>
-              <a:t>group</a:t>
-            </a:r>
-            <a:r>
-              <a:rPr lang="id-ID" dirty="0"/>
-              <a:t> dan </a:t>
-            </a:r>
-            <a:r>
-              <a:rPr lang="id-ID" dirty="0" smtClean="0"/>
-              <a:t>beberapa </a:t>
-            </a:r>
-            <a:r>
-              <a:rPr lang="id-ID" dirty="0" err="1" smtClean="0"/>
-              <a:t>user</a:t>
-            </a:r>
-            <a:r>
-              <a:rPr lang="id-ID" dirty="0" smtClean="0"/>
-              <a:t> </a:t>
-            </a:r>
-            <a:r>
-              <a:rPr lang="id-ID" dirty="0"/>
-              <a:t>sekaligus.</a:t>
-            </a:r>
-          </a:p>
-        </p:txBody>
-      </p:sp>
-    </p:spTree>
-    <p:extLst>
-      <p:ext uri="{BB962C8B-B14F-4D97-AF65-F5344CB8AC3E}">
-        <p14:creationId xmlns:p14="http://schemas.microsoft.com/office/powerpoint/2010/main" val="2265078022"/>
-      </p:ext>
-    </p:extLst>
-  </p:cSld>
-  <p:clrMapOvr>
-    <a:masterClrMapping/>
-  </p:clrMapOvr>
-  <p:timing>
-    <p:tnLst>
-      <p:par>
-        <p:cTn id="1" dur="indefinite" restart="never" nodeType="tmRoot"/>
-      </p:par>
-    </p:tnLst>
-  </p:timing>
-</p:sld>
-</file>
-
-<file path=ppt/slides/slide20.xml><?xml version="1.0" encoding="utf-8"?>
+<file path=ppt/slides/slide21.xml><?xml version="1.0" encoding="utf-8"?>
 <p:sld xmlns:a="http://schemas.openxmlformats.org/drawingml/2006/main" xmlns:r="http://schemas.openxmlformats.org/officeDocument/2006/relationships" xmlns:p="http://schemas.openxmlformats.org/presentationml/2006/main">
   <p:cSld>
     <p:spTree>
@@ -8256,393 +8465,6 @@
 </p:sld>
 </file>
 
-<file path=ppt/slides/slide21.xml><?xml version="1.0" encoding="utf-8"?>
-<p:sld xmlns:a="http://schemas.openxmlformats.org/drawingml/2006/main" xmlns:r="http://schemas.openxmlformats.org/officeDocument/2006/relationships" xmlns:p="http://schemas.openxmlformats.org/presentationml/2006/main">
-  <p:cSld>
-    <p:spTree>
-      <p:nvGrpSpPr>
-        <p:cNvPr id="1" name=""/>
-        <p:cNvGrpSpPr/>
-        <p:nvPr/>
-      </p:nvGrpSpPr>
-      <p:grpSpPr>
-        <a:xfrm>
-          <a:off x="0" y="0"/>
-          <a:ext cx="0" cy="0"/>
-          <a:chOff x="0" y="0"/>
-          <a:chExt cx="0" cy="0"/>
-        </a:xfrm>
-      </p:grpSpPr>
-      <p:sp>
-        <p:nvSpPr>
-          <p:cNvPr id="2" name="Title 1"/>
-          <p:cNvSpPr>
-            <a:spLocks noGrp="1"/>
-          </p:cNvSpPr>
-          <p:nvPr>
-            <p:ph type="title"/>
-          </p:nvPr>
-        </p:nvSpPr>
-        <p:spPr/>
-        <p:txBody>
-          <a:bodyPr/>
-          <a:lstStyle/>
-          <a:p>
-            <a:r>
-              <a:rPr lang="id-ID" dirty="0"/>
-              <a:t>Arsitektur </a:t>
-            </a:r>
-            <a:r>
-              <a:rPr lang="id-ID" dirty="0" smtClean="0"/>
-              <a:t>detail(1. </a:t>
-            </a:r>
-            <a:r>
-              <a:rPr lang="id-ID" dirty="0" err="1" smtClean="0"/>
-              <a:t>Connection</a:t>
-            </a:r>
-            <a:r>
-              <a:rPr lang="id-ID" dirty="0" smtClean="0"/>
-              <a:t> </a:t>
-            </a:r>
-            <a:r>
-              <a:rPr lang="id-ID" dirty="0" err="1" smtClean="0"/>
-              <a:t>Manager</a:t>
-            </a:r>
-            <a:r>
-              <a:rPr lang="id-ID" dirty="0" smtClean="0"/>
-              <a:t>)</a:t>
-            </a:r>
-            <a:endParaRPr lang="id-ID" dirty="0"/>
-          </a:p>
-        </p:txBody>
-      </p:sp>
-      <p:sp>
-        <p:nvSpPr>
-          <p:cNvPr id="3" name="Content Placeholder 2"/>
-          <p:cNvSpPr>
-            <a:spLocks noGrp="1"/>
-          </p:cNvSpPr>
-          <p:nvPr>
-            <p:ph idx="1"/>
-          </p:nvPr>
-        </p:nvSpPr>
-        <p:spPr>
-          <a:xfrm>
-            <a:off x="685800" y="1905001"/>
-            <a:ext cx="10131425" cy="4203700"/>
-          </a:xfrm>
-          <a:solidFill>
-            <a:schemeClr val="bg1"/>
-          </a:solidFill>
-        </p:spPr>
-        <p:txBody>
-          <a:bodyPr>
-            <a:normAutofit fontScale="77500" lnSpcReduction="20000"/>
-          </a:bodyPr>
-          <a:lstStyle/>
-          <a:p>
-            <a:pPr marL="0" indent="0">
-              <a:buNone/>
-            </a:pPr>
-            <a:r>
-              <a:rPr lang="id-ID" dirty="0"/>
-              <a:t>start</a:t>
-            </a:r>
-            <a:r>
-              <a:rPr lang="id-ID" dirty="0" smtClean="0"/>
-              <a:t>;</a:t>
-            </a:r>
-          </a:p>
-          <a:p>
-            <a:pPr marL="0" indent="0">
-              <a:buNone/>
-            </a:pPr>
-            <a:r>
-              <a:rPr lang="id-ID" dirty="0" smtClean="0"/>
-              <a:t>Membaca </a:t>
-            </a:r>
-            <a:r>
-              <a:rPr lang="id-ID" dirty="0" err="1" smtClean="0"/>
-              <a:t>database</a:t>
-            </a:r>
-            <a:r>
-              <a:rPr lang="id-ID" dirty="0" smtClean="0"/>
-              <a:t> untuk mengetahui alamat-alamat </a:t>
-            </a:r>
-            <a:r>
-              <a:rPr lang="id-ID" dirty="0" err="1" smtClean="0"/>
-              <a:t>server</a:t>
-            </a:r>
-            <a:r>
-              <a:rPr lang="id-ID" dirty="0" smtClean="0"/>
-              <a:t> lain;</a:t>
-            </a:r>
-          </a:p>
-          <a:p>
-            <a:pPr marL="0" indent="0">
-              <a:buNone/>
-            </a:pPr>
-            <a:r>
-              <a:rPr lang="id-ID" dirty="0" smtClean="0"/>
-              <a:t>Membuat koneksi-koneksi dengan </a:t>
-            </a:r>
-            <a:r>
-              <a:rPr lang="id-ID" dirty="0" err="1" smtClean="0"/>
-              <a:t>server</a:t>
-            </a:r>
-            <a:r>
-              <a:rPr lang="id-ID" dirty="0" smtClean="0"/>
-              <a:t> lain, proses ini akan membuat </a:t>
-            </a:r>
-            <a:r>
-              <a:rPr lang="id-ID" dirty="0" err="1" smtClean="0"/>
-              <a:t>suatu</a:t>
-            </a:r>
-            <a:r>
-              <a:rPr lang="id-ID" dirty="0" smtClean="0"/>
-              <a:t> </a:t>
-            </a:r>
-            <a:r>
-              <a:rPr lang="id-ID" dirty="0" err="1" smtClean="0"/>
-              <a:t>socket</a:t>
-            </a:r>
-            <a:r>
-              <a:rPr lang="id-ID" dirty="0" smtClean="0"/>
-              <a:t> baru.;</a:t>
-            </a:r>
-          </a:p>
-          <a:p>
-            <a:pPr marL="0" indent="0">
-              <a:buNone/>
-            </a:pPr>
-            <a:r>
-              <a:rPr lang="id-ID" dirty="0" smtClean="0"/>
-              <a:t>Memasukkan </a:t>
-            </a:r>
-            <a:r>
-              <a:rPr lang="id-ID" dirty="0" err="1" smtClean="0"/>
-              <a:t>socket</a:t>
-            </a:r>
-            <a:r>
-              <a:rPr lang="id-ID" dirty="0" smtClean="0"/>
-              <a:t> ke dalam </a:t>
-            </a:r>
-            <a:r>
-              <a:rPr lang="id-ID" dirty="0" err="1" smtClean="0"/>
-              <a:t>list</a:t>
-            </a:r>
-            <a:r>
-              <a:rPr lang="id-ID" dirty="0"/>
-              <a:t>;</a:t>
-            </a:r>
-          </a:p>
-          <a:p>
-            <a:pPr marL="0" indent="0">
-              <a:buNone/>
-            </a:pPr>
-            <a:r>
-              <a:rPr lang="id-ID" dirty="0" err="1"/>
-              <a:t>while</a:t>
-            </a:r>
-            <a:r>
-              <a:rPr lang="id-ID" dirty="0"/>
-              <a:t>(tidak diberhentikan){</a:t>
-            </a:r>
-          </a:p>
-          <a:p>
-            <a:pPr marL="457200" lvl="1" indent="0">
-              <a:buNone/>
-            </a:pPr>
-            <a:r>
-              <a:rPr lang="id-ID" dirty="0"/>
-              <a:t>  </a:t>
-            </a:r>
-            <a:r>
-              <a:rPr lang="id-ID" dirty="0" err="1"/>
-              <a:t>if</a:t>
-            </a:r>
-            <a:r>
-              <a:rPr lang="id-ID" dirty="0"/>
-              <a:t>(jumlah koneksi &lt; limit koneksi){</a:t>
-            </a:r>
-          </a:p>
-          <a:p>
-            <a:pPr marL="914400" lvl="2" indent="0">
-              <a:buNone/>
-            </a:pPr>
-            <a:r>
-              <a:rPr lang="id-ID" dirty="0"/>
-              <a:t>    menunggu </a:t>
-            </a:r>
-            <a:r>
-              <a:rPr lang="id-ID" dirty="0" err="1"/>
-              <a:t>socket</a:t>
-            </a:r>
-            <a:r>
-              <a:rPr lang="id-ID" dirty="0"/>
-              <a:t> yang masuk;</a:t>
-            </a:r>
-          </a:p>
-          <a:p>
-            <a:pPr marL="914400" lvl="2" indent="0">
-              <a:buNone/>
-            </a:pPr>
-            <a:r>
-              <a:rPr lang="id-ID" dirty="0"/>
-              <a:t>    membuat </a:t>
-            </a:r>
-            <a:r>
-              <a:rPr lang="id-ID" dirty="0" err="1"/>
-              <a:t>Connection</a:t>
-            </a:r>
-            <a:r>
-              <a:rPr lang="id-ID" dirty="0"/>
-              <a:t> dengan </a:t>
-            </a:r>
-            <a:r>
-              <a:rPr lang="id-ID" dirty="0" err="1"/>
-              <a:t>thread</a:t>
-            </a:r>
-            <a:r>
-              <a:rPr lang="id-ID" dirty="0"/>
-              <a:t> baru</a:t>
-            </a:r>
-            <a:r>
-              <a:rPr lang="id-ID" dirty="0" smtClean="0"/>
-              <a:t>;</a:t>
-            </a:r>
-          </a:p>
-          <a:p>
-            <a:pPr marL="914400" lvl="2" indent="0">
-              <a:buNone/>
-            </a:pPr>
-            <a:r>
-              <a:rPr lang="id-ID" dirty="0" smtClean="0"/>
-              <a:t>    memasukkan </a:t>
-            </a:r>
-            <a:r>
-              <a:rPr lang="id-ID" dirty="0" err="1" smtClean="0"/>
-              <a:t>socket</a:t>
-            </a:r>
-            <a:r>
-              <a:rPr lang="id-ID" dirty="0" smtClean="0"/>
-              <a:t> ke dalam </a:t>
-            </a:r>
-            <a:r>
-              <a:rPr lang="id-ID" dirty="0" err="1" smtClean="0"/>
-              <a:t>list</a:t>
-            </a:r>
-            <a:r>
-              <a:rPr lang="id-ID" dirty="0" smtClean="0"/>
-              <a:t>;</a:t>
-            </a:r>
-            <a:endParaRPr lang="id-ID" dirty="0"/>
-          </a:p>
-          <a:p>
-            <a:pPr marL="457200" lvl="1" indent="0">
-              <a:buNone/>
-            </a:pPr>
-            <a:r>
-              <a:rPr lang="id-ID" dirty="0"/>
-              <a:t>  }</a:t>
-            </a:r>
-            <a:r>
-              <a:rPr lang="id-ID" dirty="0" err="1"/>
-              <a:t>else</a:t>
-            </a:r>
-            <a:r>
-              <a:rPr lang="id-ID" dirty="0"/>
-              <a:t>{</a:t>
-            </a:r>
-          </a:p>
-          <a:p>
-            <a:pPr marL="914400" lvl="2" indent="0">
-              <a:buNone/>
-            </a:pPr>
-            <a:r>
-              <a:rPr lang="id-ID" dirty="0"/>
-              <a:t>    membalas koneksi dengan saran </a:t>
-            </a:r>
-            <a:r>
-              <a:rPr lang="id-ID" dirty="0" err="1"/>
-              <a:t>ip</a:t>
-            </a:r>
-            <a:r>
-              <a:rPr lang="id-ID" dirty="0"/>
-              <a:t> dan </a:t>
-            </a:r>
-            <a:r>
-              <a:rPr lang="id-ID" dirty="0" err="1"/>
-              <a:t>port</a:t>
-            </a:r>
-            <a:r>
-              <a:rPr lang="id-ID" dirty="0"/>
-              <a:t> </a:t>
-            </a:r>
-            <a:r>
-              <a:rPr lang="id-ID" dirty="0" err="1"/>
-              <a:t>server</a:t>
-            </a:r>
-            <a:r>
-              <a:rPr lang="id-ID" dirty="0"/>
-              <a:t> selanjutnya;</a:t>
-            </a:r>
-          </a:p>
-          <a:p>
-            <a:pPr marL="914400" lvl="2" indent="0">
-              <a:buNone/>
-            </a:pPr>
-            <a:r>
-              <a:rPr lang="id-ID" dirty="0"/>
-              <a:t>    memutuskan koneksi;</a:t>
-            </a:r>
-          </a:p>
-          <a:p>
-            <a:pPr marL="457200" lvl="1" indent="0">
-              <a:buNone/>
-            </a:pPr>
-            <a:r>
-              <a:rPr lang="id-ID" dirty="0"/>
-              <a:t>  }</a:t>
-            </a:r>
-          </a:p>
-          <a:p>
-            <a:pPr marL="0" indent="0">
-              <a:buNone/>
-            </a:pPr>
-            <a:r>
-              <a:rPr lang="id-ID" dirty="0"/>
-              <a:t>}</a:t>
-            </a:r>
-          </a:p>
-          <a:p>
-            <a:pPr marL="0" indent="0">
-              <a:buNone/>
-            </a:pPr>
-            <a:endParaRPr lang="id-ID" dirty="0"/>
-          </a:p>
-        </p:txBody>
-      </p:sp>
-    </p:spTree>
-    <p:extLst>
-      <p:ext uri="{BB962C8B-B14F-4D97-AF65-F5344CB8AC3E}">
-        <p14:creationId xmlns:p14="http://schemas.microsoft.com/office/powerpoint/2010/main" val="173438699"/>
-      </p:ext>
-    </p:extLst>
-  </p:cSld>
-  <p:clrMapOvr>
-    <a:masterClrMapping/>
-  </p:clrMapOvr>
-  <p:timing>
-    <p:tnLst>
-      <p:par>
-        <p:cTn id="1" dur="indefinite" restart="never" nodeType="tmRoot"/>
-      </p:par>
-    </p:tnLst>
-  </p:timing>
-</p:sld>
-</file>
-
 <file path=ppt/slides/slide22.xml><?xml version="1.0" encoding="utf-8"?>
 <p:sld xmlns:a="http://schemas.openxmlformats.org/drawingml/2006/main" xmlns:r="http://schemas.openxmlformats.org/officeDocument/2006/relationships" xmlns:p="http://schemas.openxmlformats.org/presentationml/2006/main">
   <p:cSld>
@@ -8681,11 +8503,11 @@
             </a:r>
             <a:r>
               <a:rPr lang="id-ID" dirty="0" smtClean="0"/>
-              <a:t>detail(2. </a:t>
+              <a:t>detail(1. </a:t>
             </a:r>
             <a:r>
               <a:rPr lang="id-ID" dirty="0" err="1" smtClean="0"/>
-              <a:t>Receiver</a:t>
+              <a:t>Connection</a:t>
             </a:r>
             <a:r>
               <a:rPr lang="id-ID" dirty="0" smtClean="0"/>
@@ -8693,7 +8515,7 @@
             </a:r>
             <a:r>
               <a:rPr lang="id-ID" dirty="0" err="1" smtClean="0"/>
-              <a:t>Thread</a:t>
+              <a:t>Manager</a:t>
             </a:r>
             <a:r>
               <a:rPr lang="id-ID" dirty="0" smtClean="0"/>
@@ -8714,13 +8536,17 @@
           </p:nvPr>
         </p:nvSpPr>
         <p:spPr>
+          <a:xfrm>
+            <a:off x="685800" y="1905001"/>
+            <a:ext cx="10131425" cy="4203700"/>
+          </a:xfrm>
           <a:solidFill>
             <a:schemeClr val="bg1"/>
           </a:solidFill>
         </p:spPr>
         <p:txBody>
           <a:bodyPr>
-            <a:normAutofit/>
+            <a:normAutofit fontScale="77500" lnSpcReduction="20000"/>
           </a:bodyPr>
           <a:lstStyle/>
           <a:p>
@@ -8729,7 +8555,11 @@
             </a:pPr>
             <a:r>
               <a:rPr lang="id-ID" dirty="0"/>
-              <a:t>start;</a:t>
+              <a:t>start</a:t>
+            </a:r>
+            <a:r>
+              <a:rPr lang="id-ID" dirty="0" smtClean="0"/>
+              <a:t>;</a:t>
             </a:r>
           </a:p>
           <a:p>
@@ -8737,12 +8567,95 @@
               <a:buNone/>
             </a:pPr>
             <a:r>
+              <a:rPr lang="id-ID" dirty="0" smtClean="0"/>
+              <a:t>Membaca </a:t>
+            </a:r>
+            <a:r>
+              <a:rPr lang="id-ID" dirty="0" err="1" smtClean="0"/>
+              <a:t>database</a:t>
+            </a:r>
+            <a:r>
+              <a:rPr lang="id-ID" dirty="0" smtClean="0"/>
+              <a:t> untuk mengetahui alamat-alamat </a:t>
+            </a:r>
+            <a:r>
+              <a:rPr lang="id-ID" dirty="0" err="1" smtClean="0"/>
+              <a:t>server</a:t>
+            </a:r>
+            <a:r>
+              <a:rPr lang="id-ID" dirty="0" smtClean="0"/>
+              <a:t> lain;</a:t>
+            </a:r>
+          </a:p>
+          <a:p>
+            <a:pPr marL="0" indent="0">
+              <a:buNone/>
+            </a:pPr>
+            <a:r>
+              <a:rPr lang="id-ID" dirty="0" smtClean="0"/>
+              <a:t>Membuat koneksi-koneksi dengan </a:t>
+            </a:r>
+            <a:r>
+              <a:rPr lang="id-ID" dirty="0" err="1" smtClean="0"/>
+              <a:t>server</a:t>
+            </a:r>
+            <a:r>
+              <a:rPr lang="id-ID" dirty="0" smtClean="0"/>
+              <a:t> lain, proses ini akan membuat </a:t>
+            </a:r>
+            <a:r>
+              <a:rPr lang="id-ID" dirty="0" err="1" smtClean="0"/>
+              <a:t>suatu</a:t>
+            </a:r>
+            <a:r>
+              <a:rPr lang="id-ID" dirty="0" smtClean="0"/>
+              <a:t> </a:t>
+            </a:r>
+            <a:r>
+              <a:rPr lang="id-ID" dirty="0" err="1" smtClean="0"/>
+              <a:t>socket</a:t>
+            </a:r>
+            <a:r>
+              <a:rPr lang="id-ID" dirty="0" smtClean="0"/>
+              <a:t> baru.;</a:t>
+            </a:r>
+          </a:p>
+          <a:p>
+            <a:pPr marL="0" indent="0">
+              <a:buNone/>
+            </a:pPr>
+            <a:r>
+              <a:rPr lang="id-ID" dirty="0" smtClean="0"/>
+              <a:t>Memasukkan </a:t>
+            </a:r>
+            <a:r>
+              <a:rPr lang="id-ID" dirty="0" err="1" smtClean="0"/>
+              <a:t>socket</a:t>
+            </a:r>
+            <a:r>
+              <a:rPr lang="id-ID" dirty="0" smtClean="0"/>
+              <a:t> ke dalam </a:t>
+            </a:r>
+            <a:r>
+              <a:rPr lang="id-ID" dirty="0" err="1" smtClean="0"/>
+              <a:t>list</a:t>
+            </a:r>
+            <a:r>
+              <a:rPr lang="id-ID" dirty="0"/>
+              <a:t>;</a:t>
+            </a:r>
+          </a:p>
+          <a:p>
+            <a:pPr marL="0" indent="0">
+              <a:buNone/>
+            </a:pPr>
+            <a:r>
               <a:rPr lang="id-ID" dirty="0" err="1"/>
               <a:t>while</a:t>
             </a:r>
             <a:r>
               <a:rPr lang="id-ID" dirty="0"/>
-              <a:t>(koneksi masih terhubung){</a:t>
+              <a:t>(tidak diberhentikan){</a:t>
             </a:r>
           </a:p>
           <a:p>
@@ -8751,28 +8664,146 @@
             </a:pPr>
             <a:r>
               <a:rPr lang="id-ID" dirty="0"/>
-              <a:t>menerima data dari </a:t>
-            </a:r>
-            <a:r>
-              <a:rPr lang="id-ID" dirty="0" err="1"/>
-              <a:t>client</a:t>
-            </a:r>
-            <a:r>
-              <a:rPr lang="id-ID" dirty="0"/>
+              <a:t>  </a:t>
+            </a:r>
+            <a:r>
+              <a:rPr lang="id-ID" dirty="0" err="1"/>
+              <a:t>if</a:t>
+            </a:r>
+            <a:r>
+              <a:rPr lang="id-ID" dirty="0"/>
+              <a:t>(jumlah koneksi &lt; limit koneksi){</a:t>
+            </a:r>
+          </a:p>
+          <a:p>
+            <a:pPr marL="914400" lvl="2" indent="0">
+              <a:buNone/>
+            </a:pPr>
+            <a:r>
+              <a:rPr lang="id-ID" dirty="0"/>
+              <a:t>    menunggu </a:t>
+            </a:r>
+            <a:r>
+              <a:rPr lang="id-ID" dirty="0" err="1"/>
+              <a:t>socket</a:t>
+            </a:r>
+            <a:r>
+              <a:rPr lang="id-ID" dirty="0"/>
+              <a:t> yang masuk;</a:t>
+            </a:r>
+          </a:p>
+          <a:p>
+            <a:pPr marL="914400" lvl="2" indent="0">
+              <a:buNone/>
+            </a:pPr>
+            <a:r>
+              <a:rPr lang="id-ID" dirty="0"/>
+              <a:t>    membuat </a:t>
+            </a:r>
+            <a:r>
+              <a:rPr lang="id-ID" dirty="0" err="1"/>
+              <a:t>Connection</a:t>
+            </a:r>
+            <a:r>
+              <a:rPr lang="id-ID" dirty="0"/>
+              <a:t> dengan </a:t>
+            </a:r>
+            <a:r>
+              <a:rPr lang="id-ID" dirty="0" err="1"/>
+              <a:t>thread</a:t>
+            </a:r>
+            <a:r>
+              <a:rPr lang="id-ID" dirty="0"/>
+              <a:t> baru</a:t>
+            </a:r>
+            <a:r>
+              <a:rPr lang="id-ID" dirty="0" smtClean="0"/>
               <a:t>;</a:t>
             </a:r>
           </a:p>
           <a:p>
+            <a:pPr marL="914400" lvl="2" indent="0">
+              <a:buNone/>
+            </a:pPr>
+            <a:r>
+              <a:rPr lang="id-ID" dirty="0" smtClean="0"/>
+              <a:t>    memasukkan </a:t>
+            </a:r>
+            <a:r>
+              <a:rPr lang="id-ID" dirty="0" err="1" smtClean="0"/>
+              <a:t>socket</a:t>
+            </a:r>
+            <a:r>
+              <a:rPr lang="id-ID" dirty="0" smtClean="0"/>
+              <a:t> ke dalam </a:t>
+            </a:r>
+            <a:r>
+              <a:rPr lang="id-ID" dirty="0" err="1" smtClean="0"/>
+              <a:t>list</a:t>
+            </a:r>
+            <a:r>
+              <a:rPr lang="id-ID" dirty="0" smtClean="0"/>
+              <a:t>;</a:t>
+            </a:r>
+            <a:endParaRPr lang="id-ID" dirty="0"/>
+          </a:p>
+          <a:p>
             <a:pPr marL="457200" lvl="1" indent="0">
               <a:buNone/>
             </a:pPr>
             <a:r>
-              <a:rPr lang="id-ID" dirty="0" err="1"/>
-              <a:t>mendekrip</a:t>
-            </a:r>
-            <a:r>
-              <a:rPr lang="id-ID" dirty="0"/>
-              <a:t> data yang diterima;</a:t>
+              <a:rPr lang="id-ID" dirty="0"/>
+              <a:t>  }</a:t>
+            </a:r>
+            <a:r>
+              <a:rPr lang="id-ID" dirty="0" err="1"/>
+              <a:t>else</a:t>
+            </a:r>
+            <a:r>
+              <a:rPr lang="id-ID" dirty="0"/>
+              <a:t>{</a:t>
+            </a:r>
+          </a:p>
+          <a:p>
+            <a:pPr marL="914400" lvl="2" indent="0">
+              <a:buNone/>
+            </a:pPr>
+            <a:r>
+              <a:rPr lang="id-ID" dirty="0"/>
+              <a:t>    membalas koneksi dengan saran </a:t>
+            </a:r>
+            <a:r>
+              <a:rPr lang="id-ID" dirty="0" err="1"/>
+              <a:t>ip</a:t>
+            </a:r>
+            <a:r>
+              <a:rPr lang="id-ID" dirty="0"/>
+              <a:t> dan </a:t>
+            </a:r>
+            <a:r>
+              <a:rPr lang="id-ID" dirty="0" err="1"/>
+              <a:t>port</a:t>
+            </a:r>
+            <a:r>
+              <a:rPr lang="id-ID" dirty="0"/>
+              <a:t> </a:t>
+            </a:r>
+            <a:r>
+              <a:rPr lang="id-ID" dirty="0" err="1"/>
+              <a:t>server</a:t>
+            </a:r>
+            <a:r>
+              <a:rPr lang="id-ID" dirty="0"/>
+              <a:t> selanjutnya;</a:t>
+            </a:r>
+          </a:p>
+          <a:p>
+            <a:pPr marL="914400" lvl="2" indent="0">
+              <a:buNone/>
+            </a:pPr>
+            <a:r>
+              <a:rPr lang="id-ID" dirty="0"/>
+              <a:t>    memutuskan koneksi;</a:t>
             </a:r>
           </a:p>
           <a:p>
@@ -8780,61 +8811,8 @@
               <a:buNone/>
             </a:pPr>
             <a:r>
-              <a:rPr lang="id-ID" dirty="0" err="1"/>
-              <a:t>mengkonversikan</a:t>
-            </a:r>
-            <a:r>
-              <a:rPr lang="id-ID" dirty="0"/>
-              <a:t> data menjadi </a:t>
-            </a:r>
-            <a:r>
-              <a:rPr lang="id-ID" dirty="0" err="1"/>
-              <a:t>suatu</a:t>
-            </a:r>
-            <a:r>
-              <a:rPr lang="id-ID" dirty="0"/>
-              <a:t> </a:t>
-            </a:r>
-            <a:r>
-              <a:rPr lang="id-ID" dirty="0" err="1"/>
-              <a:t>class</a:t>
-            </a:r>
-            <a:r>
-              <a:rPr lang="id-ID" dirty="0"/>
-              <a:t> </a:t>
-            </a:r>
-            <a:r>
-              <a:rPr lang="id-ID" dirty="0" err="1"/>
-              <a:t>packet</a:t>
-            </a:r>
-            <a:r>
-              <a:rPr lang="id-ID" dirty="0"/>
-              <a:t> untuk diproses;</a:t>
-            </a:r>
-          </a:p>
-          <a:p>
-            <a:pPr marL="457200" lvl="1" indent="0">
-              <a:buNone/>
-            </a:pPr>
-            <a:r>
-              <a:rPr lang="id-ID" dirty="0"/>
-              <a:t>memasukkan </a:t>
-            </a:r>
-            <a:r>
-              <a:rPr lang="id-ID" dirty="0" err="1"/>
-              <a:t>packet</a:t>
-            </a:r>
-            <a:r>
-              <a:rPr lang="id-ID" dirty="0"/>
-              <a:t> tersebut ke dalam </a:t>
-            </a:r>
-            <a:r>
-              <a:rPr lang="id-ID" dirty="0" err="1"/>
-              <a:t>queue</a:t>
-            </a:r>
-            <a:r>
-              <a:rPr lang="id-ID" dirty="0"/>
-              <a:t>;</a:t>
+              <a:rPr lang="id-ID" dirty="0"/>
+              <a:t>  }</a:t>
             </a:r>
           </a:p>
           <a:p>
@@ -8857,7 +8835,7 @@
     </p:spTree>
     <p:extLst>
       <p:ext uri="{BB962C8B-B14F-4D97-AF65-F5344CB8AC3E}">
-        <p14:creationId xmlns:p14="http://schemas.microsoft.com/office/powerpoint/2010/main" val="3381824777"/>
+        <p14:creationId xmlns:p14="http://schemas.microsoft.com/office/powerpoint/2010/main" val="173438699"/>
       </p:ext>
     </p:extLst>
   </p:cSld>
@@ -8912,22 +8890,18 @@
             </a:r>
             <a:r>
               <a:rPr lang="id-ID" dirty="0" smtClean="0"/>
-              <a:t>detail(3. </a:t>
-            </a:r>
-            <a:r>
-              <a:rPr lang="id-ID" dirty="0"/>
-              <a:t>Task </a:t>
-            </a:r>
-            <a:r>
-              <a:rPr lang="id-ID" dirty="0" err="1"/>
-              <a:t>Manager</a:t>
-            </a:r>
-            <a:r>
-              <a:rPr lang="id-ID" dirty="0"/>
+              <a:t>detail(2. </a:t>
+            </a:r>
+            <a:r>
+              <a:rPr lang="id-ID" dirty="0" err="1" smtClean="0"/>
+              <a:t>Receiver</a:t>
+            </a:r>
+            <a:r>
+              <a:rPr lang="id-ID" dirty="0" smtClean="0"/>
               <a:t> </a:t>
             </a:r>
             <a:r>
-              <a:rPr lang="id-ID" dirty="0" err="1"/>
+              <a:rPr lang="id-ID" dirty="0" err="1" smtClean="0"/>
               <a:t>Thread</a:t>
             </a:r>
             <a:r>
@@ -8977,7 +8951,7 @@
             </a:r>
             <a:r>
               <a:rPr lang="id-ID" dirty="0"/>
-              <a:t>(tidak diberhentikan){</a:t>
+              <a:t>(koneksi masih terhubung){</a:t>
             </a:r>
           </a:p>
           <a:p>
@@ -8986,15 +8960,82 @@
             </a:pPr>
             <a:r>
               <a:rPr lang="id-ID" dirty="0"/>
-              <a:t>  membaca </a:t>
-            </a:r>
-            <a:r>
-              <a:rPr lang="id-ID" dirty="0" err="1"/>
-              <a:t>task-task</a:t>
-            </a:r>
-            <a:r>
-              <a:rPr lang="id-ID" dirty="0"/>
-              <a:t> pada </a:t>
+              <a:t>menerima data dari </a:t>
+            </a:r>
+            <a:r>
+              <a:rPr lang="id-ID" dirty="0" err="1"/>
+              <a:t>client</a:t>
+            </a:r>
+            <a:r>
+              <a:rPr lang="id-ID" dirty="0"/>
+              <a:t>;</a:t>
+            </a:r>
+          </a:p>
+          <a:p>
+            <a:pPr marL="457200" lvl="1" indent="0">
+              <a:buNone/>
+            </a:pPr>
+            <a:r>
+              <a:rPr lang="id-ID" dirty="0" err="1"/>
+              <a:t>mendekrip</a:t>
+            </a:r>
+            <a:r>
+              <a:rPr lang="id-ID" dirty="0"/>
+              <a:t> data yang diterima;</a:t>
+            </a:r>
+          </a:p>
+          <a:p>
+            <a:pPr marL="457200" lvl="1" indent="0">
+              <a:buNone/>
+            </a:pPr>
+            <a:r>
+              <a:rPr lang="id-ID" dirty="0" err="1"/>
+              <a:t>mengkonversikan</a:t>
+            </a:r>
+            <a:r>
+              <a:rPr lang="id-ID" dirty="0"/>
+              <a:t> data menjadi </a:t>
+            </a:r>
+            <a:r>
+              <a:rPr lang="id-ID" dirty="0" err="1"/>
+              <a:t>suatu</a:t>
+            </a:r>
+            <a:r>
+              <a:rPr lang="id-ID" dirty="0"/>
+              <a:t> </a:t>
+            </a:r>
+            <a:r>
+              <a:rPr lang="id-ID" dirty="0" err="1"/>
+              <a:t>class</a:t>
+            </a:r>
+            <a:r>
+              <a:rPr lang="id-ID" dirty="0"/>
+              <a:t> </a:t>
+            </a:r>
+            <a:r>
+              <a:rPr lang="id-ID" dirty="0" err="1"/>
+              <a:t>packet</a:t>
+            </a:r>
+            <a:r>
+              <a:rPr lang="id-ID" dirty="0"/>
+              <a:t> untuk diproses;</a:t>
+            </a:r>
+          </a:p>
+          <a:p>
+            <a:pPr marL="457200" lvl="1" indent="0">
+              <a:buNone/>
+            </a:pPr>
+            <a:r>
+              <a:rPr lang="id-ID" dirty="0"/>
+              <a:t>memasukkan </a:t>
+            </a:r>
+            <a:r>
+              <a:rPr lang="id-ID" dirty="0" err="1"/>
+              <a:t>packet</a:t>
+            </a:r>
+            <a:r>
+              <a:rPr lang="id-ID" dirty="0"/>
+              <a:t> tersebut ke dalam </a:t>
             </a:r>
             <a:r>
               <a:rPr lang="id-ID" dirty="0" err="1"/>
@@ -9006,70 +9047,26 @@
             </a:r>
           </a:p>
           <a:p>
-            <a:pPr marL="457200" lvl="1" indent="0">
+            <a:pPr marL="0" indent="0">
               <a:buNone/>
             </a:pPr>
             <a:r>
               <a:rPr lang="id-ID" dirty="0"/>
-              <a:t>  membuat </a:t>
-            </a:r>
-            <a:r>
-              <a:rPr lang="id-ID" dirty="0" err="1"/>
-              <a:t>suatu</a:t>
-            </a:r>
-            <a:r>
-              <a:rPr lang="id-ID" dirty="0"/>
-              <a:t> </a:t>
-            </a:r>
-            <a:r>
-              <a:rPr lang="id-ID" dirty="0" err="1"/>
-              <a:t>TaskExecutor</a:t>
-            </a:r>
-            <a:r>
-              <a:rPr lang="id-ID" dirty="0"/>
-              <a:t> sesuai dengan Paket yang didapat;</a:t>
-            </a:r>
-          </a:p>
-          <a:p>
-            <a:pPr marL="457200" lvl="1" indent="0">
+              <a:t>}</a:t>
+            </a:r>
+          </a:p>
+          <a:p>
+            <a:pPr marL="0" indent="0">
               <a:buNone/>
             </a:pPr>
-            <a:r>
-              <a:rPr lang="id-ID" dirty="0"/>
-              <a:t>  menjalankan </a:t>
-            </a:r>
-            <a:r>
-              <a:rPr lang="id-ID" dirty="0" err="1"/>
-              <a:t>thread</a:t>
-            </a:r>
-            <a:r>
-              <a:rPr lang="id-ID" dirty="0"/>
-              <a:t> baru untuk </a:t>
-            </a:r>
-            <a:r>
-              <a:rPr lang="id-ID" dirty="0" err="1"/>
-              <a:t>TaskExecutor</a:t>
-            </a:r>
-            <a:r>
-              <a:rPr lang="id-ID" dirty="0"/>
-              <a:t>;</a:t>
-            </a:r>
-          </a:p>
-          <a:p>
-            <a:pPr marL="0" indent="0">
-              <a:buNone/>
-            </a:pPr>
-            <a:r>
-              <a:rPr lang="id-ID" dirty="0"/>
-              <a:t>}</a:t>
-            </a:r>
+            <a:endParaRPr lang="id-ID" dirty="0"/>
           </a:p>
         </p:txBody>
       </p:sp>
     </p:spTree>
     <p:extLst>
       <p:ext uri="{BB962C8B-B14F-4D97-AF65-F5344CB8AC3E}">
-        <p14:creationId xmlns:p14="http://schemas.microsoft.com/office/powerpoint/2010/main" val="2011174227"/>
+        <p14:creationId xmlns:p14="http://schemas.microsoft.com/office/powerpoint/2010/main" val="3381824777"/>
       </p:ext>
     </p:extLst>
   </p:cSld>
@@ -9124,6 +9121,218 @@
             </a:r>
             <a:r>
               <a:rPr lang="id-ID" dirty="0" smtClean="0"/>
+              <a:t>detail(3. </a:t>
+            </a:r>
+            <a:r>
+              <a:rPr lang="id-ID" dirty="0"/>
+              <a:t>Task </a:t>
+            </a:r>
+            <a:r>
+              <a:rPr lang="id-ID" dirty="0" err="1"/>
+              <a:t>Manager</a:t>
+            </a:r>
+            <a:r>
+              <a:rPr lang="id-ID" dirty="0"/>
+              <a:t> </a:t>
+            </a:r>
+            <a:r>
+              <a:rPr lang="id-ID" dirty="0" err="1"/>
+              <a:t>Thread</a:t>
+            </a:r>
+            <a:r>
+              <a:rPr lang="id-ID" dirty="0" smtClean="0"/>
+              <a:t>)</a:t>
+            </a:r>
+            <a:endParaRPr lang="id-ID" dirty="0"/>
+          </a:p>
+        </p:txBody>
+      </p:sp>
+      <p:sp>
+        <p:nvSpPr>
+          <p:cNvPr id="3" name="Content Placeholder 2"/>
+          <p:cNvSpPr>
+            <a:spLocks noGrp="1"/>
+          </p:cNvSpPr>
+          <p:nvPr>
+            <p:ph idx="1"/>
+          </p:nvPr>
+        </p:nvSpPr>
+        <p:spPr>
+          <a:solidFill>
+            <a:schemeClr val="bg1"/>
+          </a:solidFill>
+        </p:spPr>
+        <p:txBody>
+          <a:bodyPr>
+            <a:normAutofit/>
+          </a:bodyPr>
+          <a:lstStyle/>
+          <a:p>
+            <a:pPr marL="0" indent="0">
+              <a:buNone/>
+            </a:pPr>
+            <a:r>
+              <a:rPr lang="id-ID" dirty="0"/>
+              <a:t>start;</a:t>
+            </a:r>
+          </a:p>
+          <a:p>
+            <a:pPr marL="0" indent="0">
+              <a:buNone/>
+            </a:pPr>
+            <a:r>
+              <a:rPr lang="id-ID" dirty="0" err="1"/>
+              <a:t>while</a:t>
+            </a:r>
+            <a:r>
+              <a:rPr lang="id-ID" dirty="0"/>
+              <a:t>(tidak diberhentikan){</a:t>
+            </a:r>
+          </a:p>
+          <a:p>
+            <a:pPr marL="457200" lvl="1" indent="0">
+              <a:buNone/>
+            </a:pPr>
+            <a:r>
+              <a:rPr lang="id-ID" dirty="0"/>
+              <a:t>  membaca </a:t>
+            </a:r>
+            <a:r>
+              <a:rPr lang="id-ID" dirty="0" err="1"/>
+              <a:t>task-task</a:t>
+            </a:r>
+            <a:r>
+              <a:rPr lang="id-ID" dirty="0"/>
+              <a:t> pada </a:t>
+            </a:r>
+            <a:r>
+              <a:rPr lang="id-ID" dirty="0" err="1"/>
+              <a:t>queue</a:t>
+            </a:r>
+            <a:r>
+              <a:rPr lang="id-ID" dirty="0"/>
+              <a:t>;</a:t>
+            </a:r>
+          </a:p>
+          <a:p>
+            <a:pPr marL="457200" lvl="1" indent="0">
+              <a:buNone/>
+            </a:pPr>
+            <a:r>
+              <a:rPr lang="id-ID" dirty="0"/>
+              <a:t>  membuat </a:t>
+            </a:r>
+            <a:r>
+              <a:rPr lang="id-ID" dirty="0" err="1"/>
+              <a:t>suatu</a:t>
+            </a:r>
+            <a:r>
+              <a:rPr lang="id-ID" dirty="0"/>
+              <a:t> </a:t>
+            </a:r>
+            <a:r>
+              <a:rPr lang="id-ID" dirty="0" err="1"/>
+              <a:t>TaskExecutor</a:t>
+            </a:r>
+            <a:r>
+              <a:rPr lang="id-ID" dirty="0"/>
+              <a:t> sesuai dengan Paket yang didapat;</a:t>
+            </a:r>
+          </a:p>
+          <a:p>
+            <a:pPr marL="457200" lvl="1" indent="0">
+              <a:buNone/>
+            </a:pPr>
+            <a:r>
+              <a:rPr lang="id-ID" dirty="0"/>
+              <a:t>  menjalankan </a:t>
+            </a:r>
+            <a:r>
+              <a:rPr lang="id-ID" dirty="0" err="1"/>
+              <a:t>thread</a:t>
+            </a:r>
+            <a:r>
+              <a:rPr lang="id-ID" dirty="0"/>
+              <a:t> baru untuk </a:t>
+            </a:r>
+            <a:r>
+              <a:rPr lang="id-ID" dirty="0" err="1"/>
+              <a:t>TaskExecutor</a:t>
+            </a:r>
+            <a:r>
+              <a:rPr lang="id-ID" dirty="0"/>
+              <a:t>;</a:t>
+            </a:r>
+          </a:p>
+          <a:p>
+            <a:pPr marL="0" indent="0">
+              <a:buNone/>
+            </a:pPr>
+            <a:r>
+              <a:rPr lang="id-ID" dirty="0"/>
+              <a:t>}</a:t>
+            </a:r>
+          </a:p>
+        </p:txBody>
+      </p:sp>
+    </p:spTree>
+    <p:extLst>
+      <p:ext uri="{BB962C8B-B14F-4D97-AF65-F5344CB8AC3E}">
+        <p14:creationId xmlns:p14="http://schemas.microsoft.com/office/powerpoint/2010/main" val="2011174227"/>
+      </p:ext>
+    </p:extLst>
+  </p:cSld>
+  <p:clrMapOvr>
+    <a:masterClrMapping/>
+  </p:clrMapOvr>
+  <p:timing>
+    <p:tnLst>
+      <p:par>
+        <p:cTn id="1" dur="indefinite" restart="never" nodeType="tmRoot"/>
+      </p:par>
+    </p:tnLst>
+  </p:timing>
+</p:sld>
+</file>
+
+<file path=ppt/slides/slide25.xml><?xml version="1.0" encoding="utf-8"?>
+<p:sld xmlns:a="http://schemas.openxmlformats.org/drawingml/2006/main" xmlns:r="http://schemas.openxmlformats.org/officeDocument/2006/relationships" xmlns:p="http://schemas.openxmlformats.org/presentationml/2006/main">
+  <p:cSld>
+    <p:spTree>
+      <p:nvGrpSpPr>
+        <p:cNvPr id="1" name=""/>
+        <p:cNvGrpSpPr/>
+        <p:nvPr/>
+      </p:nvGrpSpPr>
+      <p:grpSpPr>
+        <a:xfrm>
+          <a:off x="0" y="0"/>
+          <a:ext cx="0" cy="0"/>
+          <a:chOff x="0" y="0"/>
+          <a:chExt cx="0" cy="0"/>
+        </a:xfrm>
+      </p:grpSpPr>
+      <p:sp>
+        <p:nvSpPr>
+          <p:cNvPr id="2" name="Title 1"/>
+          <p:cNvSpPr>
+            <a:spLocks noGrp="1"/>
+          </p:cNvSpPr>
+          <p:nvPr>
+            <p:ph type="title"/>
+          </p:nvPr>
+        </p:nvSpPr>
+        <p:spPr/>
+        <p:txBody>
+          <a:bodyPr/>
+          <a:lstStyle/>
+          <a:p>
+            <a:r>
+              <a:rPr lang="id-ID" dirty="0"/>
+              <a:t>Arsitektur </a:t>
+            </a:r>
+            <a:r>
+              <a:rPr lang="id-ID" dirty="0" smtClean="0"/>
               <a:t>detail(4. </a:t>
             </a:r>
             <a:r>
@@ -9283,7 +9492,7 @@
 </p:sld>
 </file>
 
-<file path=ppt/slides/slide25.xml><?xml version="1.0" encoding="utf-8"?>
+<file path=ppt/slides/slide26.xml><?xml version="1.0" encoding="utf-8"?>
 <p:sld xmlns:a="http://schemas.openxmlformats.org/drawingml/2006/main" xmlns:r="http://schemas.openxmlformats.org/officeDocument/2006/relationships" xmlns:p="http://schemas.openxmlformats.org/presentationml/2006/main">
   <p:cSld>
     <p:spTree>
@@ -10527,176 +10736,6 @@
 </p:sld>
 </file>
 
-<file path=ppt/slides/slide26.xml><?xml version="1.0" encoding="utf-8"?>
-<p:sld xmlns:a="http://schemas.openxmlformats.org/drawingml/2006/main" xmlns:r="http://schemas.openxmlformats.org/officeDocument/2006/relationships" xmlns:p="http://schemas.openxmlformats.org/presentationml/2006/main">
-  <p:cSld>
-    <p:spTree>
-      <p:nvGrpSpPr>
-        <p:cNvPr id="1" name=""/>
-        <p:cNvGrpSpPr/>
-        <p:nvPr/>
-      </p:nvGrpSpPr>
-      <p:grpSpPr>
-        <a:xfrm>
-          <a:off x="0" y="0"/>
-          <a:ext cx="0" cy="0"/>
-          <a:chOff x="0" y="0"/>
-          <a:chExt cx="0" cy="0"/>
-        </a:xfrm>
-      </p:grpSpPr>
-      <p:sp>
-        <p:nvSpPr>
-          <p:cNvPr id="2" name="Title 1"/>
-          <p:cNvSpPr>
-            <a:spLocks noGrp="1"/>
-          </p:cNvSpPr>
-          <p:nvPr>
-            <p:ph type="title"/>
-          </p:nvPr>
-        </p:nvSpPr>
-        <p:spPr/>
-        <p:txBody>
-          <a:bodyPr/>
-          <a:lstStyle/>
-          <a:p>
-            <a:r>
-              <a:rPr lang="id-ID" dirty="0"/>
-              <a:t>Arsitektur </a:t>
-            </a:r>
-            <a:r>
-              <a:rPr lang="id-ID" dirty="0" smtClean="0"/>
-              <a:t>detail(4.2 Task </a:t>
-            </a:r>
-            <a:r>
-              <a:rPr lang="id-ID" dirty="0" err="1" smtClean="0"/>
-              <a:t>Executor</a:t>
-            </a:r>
-            <a:r>
-              <a:rPr lang="id-ID" dirty="0" smtClean="0"/>
-              <a:t> </a:t>
-            </a:r>
-            <a:r>
-              <a:rPr lang="id-ID" dirty="0" err="1" smtClean="0"/>
-              <a:t>Get</a:t>
-            </a:r>
-            <a:r>
-              <a:rPr lang="id-ID" dirty="0" smtClean="0"/>
-              <a:t> </a:t>
-            </a:r>
-            <a:r>
-              <a:rPr lang="id-ID" dirty="0" err="1" smtClean="0"/>
-              <a:t>chat</a:t>
-            </a:r>
-            <a:r>
-              <a:rPr lang="id-ID" dirty="0" smtClean="0"/>
-              <a:t>)</a:t>
-            </a:r>
-            <a:endParaRPr lang="id-ID" dirty="0"/>
-          </a:p>
-        </p:txBody>
-      </p:sp>
-      <p:sp>
-        <p:nvSpPr>
-          <p:cNvPr id="3" name="Content Placeholder 2"/>
-          <p:cNvSpPr>
-            <a:spLocks noGrp="1"/>
-          </p:cNvSpPr>
-          <p:nvPr>
-            <p:ph idx="1"/>
-          </p:nvPr>
-        </p:nvSpPr>
-        <p:spPr>
-          <a:solidFill>
-            <a:schemeClr val="bg1"/>
-          </a:solidFill>
-        </p:spPr>
-        <p:txBody>
-          <a:bodyPr>
-            <a:normAutofit/>
-          </a:bodyPr>
-          <a:lstStyle/>
-          <a:p>
-            <a:pPr marL="0" indent="0">
-              <a:buNone/>
-            </a:pPr>
-            <a:r>
-              <a:rPr lang="id-ID" dirty="0"/>
-              <a:t>start;</a:t>
-            </a:r>
-          </a:p>
-          <a:p>
-            <a:pPr marL="0" indent="0">
-              <a:buNone/>
-            </a:pPr>
-            <a:r>
-              <a:rPr lang="id-ID" dirty="0"/>
-              <a:t>membuka informasi paket yang diterima;</a:t>
-            </a:r>
-          </a:p>
-          <a:p>
-            <a:pPr marL="0" indent="0">
-              <a:buNone/>
-            </a:pPr>
-            <a:r>
-              <a:rPr lang="id-ID" dirty="0"/>
-              <a:t>mengambil </a:t>
-            </a:r>
-            <a:r>
-              <a:rPr lang="id-ID" dirty="0" err="1"/>
-              <a:t>chat-chat</a:t>
-            </a:r>
-            <a:r>
-              <a:rPr lang="id-ID" dirty="0"/>
-              <a:t> yang belum diterima oleh </a:t>
-            </a:r>
-            <a:r>
-              <a:rPr lang="id-ID" dirty="0" err="1"/>
-              <a:t>client</a:t>
-            </a:r>
-            <a:r>
-              <a:rPr lang="id-ID" dirty="0"/>
-              <a:t>;</a:t>
-            </a:r>
-          </a:p>
-          <a:p>
-            <a:pPr marL="0" indent="0">
-              <a:buNone/>
-            </a:pPr>
-            <a:r>
-              <a:rPr lang="id-ID" dirty="0"/>
-              <a:t>mengirimkannya kepada </a:t>
-            </a:r>
-            <a:r>
-              <a:rPr lang="id-ID" dirty="0" err="1"/>
-              <a:t>client</a:t>
-            </a:r>
-            <a:r>
-              <a:rPr lang="id-ID" dirty="0"/>
-              <a:t>;</a:t>
-            </a:r>
-          </a:p>
-        </p:txBody>
-      </p:sp>
-    </p:spTree>
-    <p:extLst>
-      <p:ext uri="{BB962C8B-B14F-4D97-AF65-F5344CB8AC3E}">
-        <p14:creationId xmlns:p14="http://schemas.microsoft.com/office/powerpoint/2010/main" val="3522002570"/>
-      </p:ext>
-    </p:extLst>
-  </p:cSld>
-  <p:clrMapOvr>
-    <a:masterClrMapping/>
-  </p:clrMapOvr>
-  <p:timing>
-    <p:tnLst>
-      <p:par>
-        <p:cTn id="1" dur="indefinite" restart="never" nodeType="tmRoot"/>
-      </p:par>
-    </p:tnLst>
-  </p:timing>
-</p:sld>
-</file>
-
 <file path=ppt/slides/slide27.xml><?xml version="1.0" encoding="utf-8"?>
 <p:sld xmlns:a="http://schemas.openxmlformats.org/drawingml/2006/main" xmlns:r="http://schemas.openxmlformats.org/officeDocument/2006/relationships" xmlns:p="http://schemas.openxmlformats.org/presentationml/2006/main">
   <p:cSld>
@@ -10735,7 +10774,7 @@
             </a:r>
             <a:r>
               <a:rPr lang="id-ID" dirty="0" smtClean="0"/>
-              <a:t>detail(4.3 Task </a:t>
+              <a:t>detail(4.2 Task </a:t>
             </a:r>
             <a:r>
               <a:rPr lang="id-ID" dirty="0" err="1" smtClean="0"/>
@@ -10747,7 +10786,7 @@
             </a:r>
             <a:r>
               <a:rPr lang="id-ID" dirty="0" err="1" smtClean="0"/>
-              <a:t>create</a:t>
+              <a:t>Get</a:t>
             </a:r>
             <a:r>
               <a:rPr lang="id-ID" dirty="0" smtClean="0"/>
@@ -10755,7 +10794,7 @@
             </a:r>
             <a:r>
               <a:rPr lang="id-ID" dirty="0" err="1" smtClean="0"/>
-              <a:t>group</a:t>
+              <a:t>chat</a:t>
             </a:r>
             <a:r>
               <a:rPr lang="id-ID" dirty="0" smtClean="0"/>
@@ -10809,11 +10848,19 @@
             </a:pPr>
             <a:r>
               <a:rPr lang="id-ID" dirty="0"/>
-              <a:t>memasukkan data-data dalam paket ke tabel Group pada </a:t>
-            </a:r>
-            <a:r>
-              <a:rPr lang="id-ID" dirty="0" err="1"/>
-              <a:t>database</a:t>
+              <a:t>mengambil </a:t>
+            </a:r>
+            <a:r>
+              <a:rPr lang="id-ID" dirty="0" err="1"/>
+              <a:t>chat-chat</a:t>
+            </a:r>
+            <a:r>
+              <a:rPr lang="id-ID" dirty="0"/>
+              <a:t> yang belum diterima oleh </a:t>
+            </a:r>
+            <a:r>
+              <a:rPr lang="id-ID" dirty="0" err="1"/>
+              <a:t>client</a:t>
             </a:r>
             <a:r>
               <a:rPr lang="id-ID" dirty="0"/>
@@ -10826,7 +10873,7 @@
             </a:pPr>
             <a:r>
               <a:rPr lang="id-ID" dirty="0"/>
-              <a:t>mengirimkan notifikasi pada </a:t>
+              <a:t>mengirimkannya kepada </a:t>
             </a:r>
             <a:r>
               <a:rPr lang="id-ID" dirty="0" err="1"/>
@@ -10834,62 +10881,7 @@
             </a:r>
             <a:r>
               <a:rPr lang="id-ID" dirty="0"/>
-              <a:t> yang terhubung dan termasuk dalam anggota grup;</a:t>
-            </a:r>
-          </a:p>
-          <a:p>
-            <a:pPr marL="0" indent="0">
-              <a:buNone/>
-            </a:pPr>
-            <a:r>
-              <a:rPr lang="id-ID" dirty="0" err="1"/>
-              <a:t>if</a:t>
-            </a:r>
-            <a:r>
-              <a:rPr lang="id-ID" dirty="0"/>
-              <a:t>(paket diterima dari </a:t>
-            </a:r>
-            <a:r>
-              <a:rPr lang="id-ID" dirty="0" err="1"/>
-              <a:t>client</a:t>
-            </a:r>
-            <a:r>
-              <a:rPr lang="id-ID" dirty="0"/>
-              <a:t>){</a:t>
-            </a:r>
-          </a:p>
-          <a:p>
-            <a:pPr marL="0" indent="0">
-              <a:buNone/>
-            </a:pPr>
-            <a:r>
-              <a:rPr lang="id-ID" dirty="0"/>
-              <a:t> </a:t>
-            </a:r>
-            <a:r>
-              <a:rPr lang="id-ID" dirty="0" smtClean="0"/>
-              <a:t>	 </a:t>
-            </a:r>
-            <a:r>
-              <a:rPr lang="id-ID" dirty="0"/>
-              <a:t>kirim ke </a:t>
-            </a:r>
-            <a:r>
-              <a:rPr lang="id-ID" dirty="0" err="1"/>
-              <a:t>server</a:t>
-            </a:r>
-            <a:r>
-              <a:rPr lang="id-ID" dirty="0"/>
-              <a:t> lainnya;</a:t>
-            </a:r>
-          </a:p>
-          <a:p>
-            <a:pPr marL="0" indent="0">
-              <a:buNone/>
-            </a:pPr>
-            <a:r>
-              <a:rPr lang="id-ID" dirty="0"/>
-              <a:t>}</a:t>
+              <a:t>;</a:t>
             </a:r>
           </a:p>
         </p:txBody>
@@ -10897,7 +10889,7 @@
     </p:spTree>
     <p:extLst>
       <p:ext uri="{BB962C8B-B14F-4D97-AF65-F5344CB8AC3E}">
-        <p14:creationId xmlns:p14="http://schemas.microsoft.com/office/powerpoint/2010/main" val="2477084305"/>
+        <p14:creationId xmlns:p14="http://schemas.microsoft.com/office/powerpoint/2010/main" val="3522002570"/>
       </p:ext>
     </p:extLst>
   </p:cSld>
@@ -10952,7 +10944,7 @@
             </a:r>
             <a:r>
               <a:rPr lang="id-ID" dirty="0" smtClean="0"/>
-              <a:t>detail(4.4 Task </a:t>
+              <a:t>detail(4.3 Task </a:t>
             </a:r>
             <a:r>
               <a:rPr lang="id-ID" dirty="0" err="1" smtClean="0"/>
@@ -10964,7 +10956,7 @@
             </a:r>
             <a:r>
               <a:rPr lang="id-ID" dirty="0" err="1" smtClean="0"/>
-              <a:t>get</a:t>
+              <a:t>create</a:t>
             </a:r>
             <a:r>
               <a:rPr lang="id-ID" dirty="0" smtClean="0"/>
@@ -10972,7 +10964,7 @@
             </a:r>
             <a:r>
               <a:rPr lang="id-ID" dirty="0" err="1" smtClean="0"/>
-              <a:t>online</a:t>
+              <a:t>group</a:t>
             </a:r>
             <a:r>
               <a:rPr lang="id-ID" dirty="0" smtClean="0"/>
@@ -11026,19 +11018,11 @@
             </a:pPr>
             <a:r>
               <a:rPr lang="id-ID" dirty="0"/>
-              <a:t>mengambil data </a:t>
-            </a:r>
-            <a:r>
-              <a:rPr lang="id-ID" dirty="0" err="1"/>
-              <a:t>id</a:t>
-            </a:r>
-            <a:r>
-              <a:rPr lang="id-ID" dirty="0"/>
-              <a:t> yang sedang </a:t>
-            </a:r>
-            <a:r>
-              <a:rPr lang="id-ID" dirty="0" err="1"/>
-              <a:t>online</a:t>
+              <a:t>memasukkan data-data dalam paket ke tabel Group pada </a:t>
+            </a:r>
+            <a:r>
+              <a:rPr lang="id-ID" dirty="0" err="1"/>
+              <a:t>database</a:t>
             </a:r>
             <a:r>
               <a:rPr lang="id-ID" dirty="0"/>
@@ -11051,23 +11035,7 @@
             </a:pPr>
             <a:r>
               <a:rPr lang="id-ID" dirty="0"/>
-              <a:t>mengirimkan seluruh </a:t>
-            </a:r>
-            <a:r>
-              <a:rPr lang="id-ID" dirty="0" err="1"/>
-              <a:t>id</a:t>
-            </a:r>
-            <a:r>
-              <a:rPr lang="id-ID" dirty="0"/>
-              <a:t> yang sedang </a:t>
-            </a:r>
-            <a:r>
-              <a:rPr lang="id-ID" dirty="0" err="1"/>
-              <a:t>online</a:t>
-            </a:r>
-            <a:r>
-              <a:rPr lang="id-ID" dirty="0"/>
-              <a:t> ke </a:t>
+              <a:t>mengirimkan notifikasi pada </a:t>
             </a:r>
             <a:r>
               <a:rPr lang="id-ID" dirty="0" err="1"/>
@@ -11075,7 +11043,62 @@
             </a:r>
             <a:r>
               <a:rPr lang="id-ID" dirty="0"/>
-              <a:t>;</a:t>
+              <a:t> yang terhubung dan termasuk dalam anggota grup;</a:t>
+            </a:r>
+          </a:p>
+          <a:p>
+            <a:pPr marL="0" indent="0">
+              <a:buNone/>
+            </a:pPr>
+            <a:r>
+              <a:rPr lang="id-ID" dirty="0" err="1"/>
+              <a:t>if</a:t>
+            </a:r>
+            <a:r>
+              <a:rPr lang="id-ID" dirty="0"/>
+              <a:t>(paket diterima dari </a:t>
+            </a:r>
+            <a:r>
+              <a:rPr lang="id-ID" dirty="0" err="1"/>
+              <a:t>client</a:t>
+            </a:r>
+            <a:r>
+              <a:rPr lang="id-ID" dirty="0"/>
+              <a:t>){</a:t>
+            </a:r>
+          </a:p>
+          <a:p>
+            <a:pPr marL="0" indent="0">
+              <a:buNone/>
+            </a:pPr>
+            <a:r>
+              <a:rPr lang="id-ID" dirty="0"/>
+              <a:t> </a:t>
+            </a:r>
+            <a:r>
+              <a:rPr lang="id-ID" dirty="0" smtClean="0"/>
+              <a:t>	 </a:t>
+            </a:r>
+            <a:r>
+              <a:rPr lang="id-ID" dirty="0"/>
+              <a:t>kirim ke </a:t>
+            </a:r>
+            <a:r>
+              <a:rPr lang="id-ID" dirty="0" err="1"/>
+              <a:t>server</a:t>
+            </a:r>
+            <a:r>
+              <a:rPr lang="id-ID" dirty="0"/>
+              <a:t> lainnya;</a:t>
+            </a:r>
+          </a:p>
+          <a:p>
+            <a:pPr marL="0" indent="0">
+              <a:buNone/>
+            </a:pPr>
+            <a:r>
+              <a:rPr lang="id-ID" dirty="0"/>
+              <a:t>}</a:t>
             </a:r>
           </a:p>
         </p:txBody>
@@ -11083,7 +11106,7 @@
     </p:spTree>
     <p:extLst>
       <p:ext uri="{BB962C8B-B14F-4D97-AF65-F5344CB8AC3E}">
-        <p14:creationId xmlns:p14="http://schemas.microsoft.com/office/powerpoint/2010/main" val="1172395248"/>
+        <p14:creationId xmlns:p14="http://schemas.microsoft.com/office/powerpoint/2010/main" val="2477084305"/>
       </p:ext>
     </p:extLst>
   </p:cSld>
@@ -11138,7 +11161,7 @@
             </a:r>
             <a:r>
               <a:rPr lang="id-ID" dirty="0" smtClean="0"/>
-              <a:t>detail(4.5 Task </a:t>
+              <a:t>detail(4.4 Task </a:t>
             </a:r>
             <a:r>
               <a:rPr lang="id-ID" dirty="0" err="1" smtClean="0"/>
@@ -11150,7 +11173,15 @@
             </a:r>
             <a:r>
               <a:rPr lang="id-ID" dirty="0" err="1" smtClean="0"/>
-              <a:t>Login</a:t>
+              <a:t>get</a:t>
+            </a:r>
+            <a:r>
+              <a:rPr lang="id-ID" dirty="0" smtClean="0"/>
+              <a:t> </a:t>
+            </a:r>
+            <a:r>
+              <a:rPr lang="id-ID" dirty="0" err="1" smtClean="0"/>
+              <a:t>online</a:t>
             </a:r>
             <a:r>
               <a:rPr lang="id-ID" dirty="0" smtClean="0"/>
@@ -11177,7 +11208,7 @@
         </p:spPr>
         <p:txBody>
           <a:bodyPr>
-            <a:normAutofit fontScale="77500" lnSpcReduction="20000"/>
+            <a:normAutofit/>
           </a:bodyPr>
           <a:lstStyle/>
           <a:p>
@@ -11186,7 +11217,7 @@
             </a:pPr>
             <a:r>
               <a:rPr lang="id-ID" dirty="0"/>
-              <a:t>start; </a:t>
+              <a:t>start;</a:t>
             </a:r>
           </a:p>
           <a:p>
@@ -11203,12 +11234,8 @@
               <a:buNone/>
             </a:pPr>
             <a:r>
-              <a:rPr lang="id-ID" dirty="0" err="1"/>
-              <a:t>if</a:t>
-            </a:r>
-            <a:r>
-              <a:rPr lang="id-ID" dirty="0"/>
-              <a:t>(</a:t>
+              <a:rPr lang="id-ID" dirty="0"/>
+              <a:t>mengambil data </a:t>
             </a:r>
             <a:r>
               <a:rPr lang="id-ID" dirty="0" err="1"/>
@@ -11216,15 +11243,15 @@
             </a:r>
             <a:r>
               <a:rPr lang="id-ID" dirty="0"/>
-              <a:t> dengan </a:t>
-            </a:r>
-            <a:r>
-              <a:rPr lang="id-ID" dirty="0" err="1"/>
-              <a:t>password</a:t>
-            </a:r>
-            <a:r>
-              <a:rPr lang="id-ID" dirty="0"/>
-              <a:t> tidak cocok){</a:t>
+              <a:t> yang sedang </a:t>
+            </a:r>
+            <a:r>
+              <a:rPr lang="id-ID" dirty="0" err="1"/>
+              <a:t>online</a:t>
+            </a:r>
+            <a:r>
+              <a:rPr lang="id-ID" dirty="0"/>
+              <a:t>;</a:t>
             </a:r>
           </a:p>
           <a:p>
@@ -11233,19 +11260,19 @@
             </a:pPr>
             <a:r>
               <a:rPr lang="id-ID" dirty="0"/>
-              <a:t>  mengirimkan </a:t>
-            </a:r>
-            <a:r>
-              <a:rPr lang="id-ID" dirty="0" err="1"/>
-              <a:t>respon</a:t>
-            </a:r>
-            <a:r>
-              <a:rPr lang="id-ID" dirty="0"/>
-              <a:t> </a:t>
-            </a:r>
-            <a:r>
-              <a:rPr lang="id-ID" dirty="0" err="1"/>
-              <a:t>error</a:t>
+              <a:t>mengirimkan seluruh </a:t>
+            </a:r>
+            <a:r>
+              <a:rPr lang="id-ID" dirty="0" err="1"/>
+              <a:t>id</a:t>
+            </a:r>
+            <a:r>
+              <a:rPr lang="id-ID" dirty="0"/>
+              <a:t> yang sedang </a:t>
+            </a:r>
+            <a:r>
+              <a:rPr lang="id-ID" dirty="0" err="1"/>
+              <a:t>online</a:t>
             </a:r>
             <a:r>
               <a:rPr lang="id-ID" dirty="0"/>
@@ -11258,158 +11285,6 @@
             <a:r>
               <a:rPr lang="id-ID" dirty="0"/>
               <a:t>;</a:t>
-            </a:r>
-          </a:p>
-          <a:p>
-            <a:pPr marL="0" indent="0">
-              <a:buNone/>
-            </a:pPr>
-            <a:r>
-              <a:rPr lang="id-ID" dirty="0"/>
-              <a:t>}</a:t>
-            </a:r>
-            <a:r>
-              <a:rPr lang="id-ID" dirty="0" err="1"/>
-              <a:t>else</a:t>
-            </a:r>
-            <a:r>
-              <a:rPr lang="id-ID" dirty="0"/>
-              <a:t>{</a:t>
-            </a:r>
-          </a:p>
-          <a:p>
-            <a:pPr marL="0" indent="0">
-              <a:buNone/>
-            </a:pPr>
-            <a:r>
-              <a:rPr lang="id-ID" dirty="0"/>
-              <a:t>  mengedit status </a:t>
-            </a:r>
-            <a:r>
-              <a:rPr lang="id-ID" dirty="0" err="1"/>
-              <a:t>Client</a:t>
-            </a:r>
-            <a:r>
-              <a:rPr lang="id-ID" dirty="0"/>
-              <a:t> pada </a:t>
-            </a:r>
-            <a:r>
-              <a:rPr lang="id-ID" dirty="0" err="1"/>
-              <a:t>database</a:t>
-            </a:r>
-            <a:r>
-              <a:rPr lang="id-ID" dirty="0"/>
-              <a:t> menjadi </a:t>
-            </a:r>
-            <a:r>
-              <a:rPr lang="id-ID" dirty="0" err="1"/>
-              <a:t>online</a:t>
-            </a:r>
-            <a:r>
-              <a:rPr lang="id-ID" dirty="0"/>
-              <a:t>;</a:t>
-            </a:r>
-          </a:p>
-          <a:p>
-            <a:pPr marL="0" indent="0">
-              <a:buNone/>
-            </a:pPr>
-            <a:r>
-              <a:rPr lang="id-ID" dirty="0"/>
-              <a:t>  </a:t>
-            </a:r>
-            <a:r>
-              <a:rPr lang="id-ID" dirty="0" err="1"/>
-              <a:t>if</a:t>
-            </a:r>
-            <a:r>
-              <a:rPr lang="id-ID" dirty="0"/>
-              <a:t>(paket diterima dari </a:t>
-            </a:r>
-            <a:r>
-              <a:rPr lang="id-ID" dirty="0" err="1"/>
-              <a:t>client</a:t>
-            </a:r>
-            <a:r>
-              <a:rPr lang="id-ID" dirty="0"/>
-              <a:t>){</a:t>
-            </a:r>
-          </a:p>
-          <a:p>
-            <a:pPr marL="0" indent="0">
-              <a:buNone/>
-            </a:pPr>
-            <a:r>
-              <a:rPr lang="id-ID" dirty="0"/>
-              <a:t>    mengirimkan notifikasi ke seluruh </a:t>
-            </a:r>
-            <a:r>
-              <a:rPr lang="id-ID" dirty="0" err="1"/>
-              <a:t>client</a:t>
-            </a:r>
-            <a:r>
-              <a:rPr lang="id-ID" dirty="0"/>
-              <a:t> yang dan </a:t>
-            </a:r>
-            <a:r>
-              <a:rPr lang="id-ID" dirty="0" err="1"/>
-              <a:t>server</a:t>
-            </a:r>
-            <a:r>
-              <a:rPr lang="id-ID" dirty="0"/>
-              <a:t> yang terhubung;</a:t>
-            </a:r>
-          </a:p>
-          <a:p>
-            <a:pPr marL="0" indent="0">
-              <a:buNone/>
-            </a:pPr>
-            <a:r>
-              <a:rPr lang="id-ID" dirty="0"/>
-              <a:t>  }</a:t>
-            </a:r>
-            <a:r>
-              <a:rPr lang="id-ID" dirty="0" err="1"/>
-              <a:t>else</a:t>
-            </a:r>
-            <a:r>
-              <a:rPr lang="id-ID" dirty="0"/>
-              <a:t>{</a:t>
-            </a:r>
-          </a:p>
-          <a:p>
-            <a:pPr marL="0" indent="0">
-              <a:buNone/>
-            </a:pPr>
-            <a:r>
-              <a:rPr lang="id-ID" dirty="0"/>
-              <a:t>    mengirimkan notifikasi ke seluruh </a:t>
-            </a:r>
-            <a:r>
-              <a:rPr lang="id-ID" dirty="0" err="1"/>
-              <a:t>client</a:t>
-            </a:r>
-            <a:r>
-              <a:rPr lang="id-ID" dirty="0"/>
-              <a:t> yang terhubung;</a:t>
-            </a:r>
-          </a:p>
-          <a:p>
-            <a:pPr marL="0" indent="0">
-              <a:buNone/>
-            </a:pPr>
-            <a:r>
-              <a:rPr lang="id-ID" dirty="0"/>
-              <a:t>  }</a:t>
-            </a:r>
-          </a:p>
-          <a:p>
-            <a:pPr marL="0" indent="0">
-              <a:buNone/>
-            </a:pPr>
-            <a:r>
-              <a:rPr lang="id-ID" dirty="0"/>
-              <a:t>}</a:t>
             </a:r>
           </a:p>
         </p:txBody>
@@ -11417,7 +11292,7 @@
     </p:spTree>
     <p:extLst>
       <p:ext uri="{BB962C8B-B14F-4D97-AF65-F5344CB8AC3E}">
-        <p14:creationId xmlns:p14="http://schemas.microsoft.com/office/powerpoint/2010/main" val="1019335167"/>
+        <p14:creationId xmlns:p14="http://schemas.microsoft.com/office/powerpoint/2010/main" val="1172395248"/>
       </p:ext>
     </p:extLst>
   </p:cSld>
@@ -11467,50 +11342,252 @@
           <a:lstStyle/>
           <a:p>
             <a:r>
-              <a:rPr lang="id-ID" b="1" dirty="0" smtClean="0"/>
-              <a:t>Arsitektur sistem (Gambaran Global)</a:t>
+              <a:rPr lang="id-ID" dirty="0" smtClean="0"/>
+              <a:t>Deskripsi Kasus</a:t>
             </a:r>
             <a:endParaRPr lang="id-ID" dirty="0"/>
           </a:p>
         </p:txBody>
       </p:sp>
-      <p:pic>
-        <p:nvPicPr>
-          <p:cNvPr id="4" name="Picture 3" descr="C:\Users\Ega Prianto\Documents\MEGA\SAT\Tugas Besar\Diagram Arsitektur Total.png"/>
-          <p:cNvPicPr/>
-          <p:nvPr/>
-        </p:nvPicPr>
-        <p:blipFill>
-          <a:blip r:embed="rId2">
-            <a:extLst>
-              <a:ext uri="{28A0092B-C50C-407E-A947-70E740481C1C}">
-                <a14:useLocalDpi xmlns:a14="http://schemas.microsoft.com/office/drawing/2010/main" val="0"/>
-              </a:ext>
-            </a:extLst>
-          </a:blip>
-          <a:srcRect/>
-          <a:stretch>
-            <a:fillRect/>
-          </a:stretch>
-        </p:blipFill>
-        <p:spPr bwMode="auto">
-          <a:xfrm>
-            <a:off x="2601913" y="2142067"/>
-            <a:ext cx="6299199" cy="4042615"/>
-          </a:xfrm>
-          <a:prstGeom prst="rect">
-            <a:avLst/>
-          </a:prstGeom>
-          <a:noFill/>
-          <a:ln>
-            <a:noFill/>
-          </a:ln>
-        </p:spPr>
-      </p:pic>
+      <p:sp>
+        <p:nvSpPr>
+          <p:cNvPr id="3" name="Content Placeholder 2"/>
+          <p:cNvSpPr>
+            <a:spLocks noGrp="1"/>
+          </p:cNvSpPr>
+          <p:nvPr>
+            <p:ph idx="1"/>
+          </p:nvPr>
+        </p:nvSpPr>
+        <p:spPr/>
+        <p:txBody>
+          <a:bodyPr/>
+          <a:lstStyle/>
+          <a:p>
+            <a:pPr marL="0" indent="0">
+              <a:buNone/>
+            </a:pPr>
+            <a:r>
+              <a:rPr lang="id-ID" dirty="0"/>
+              <a:t>Aplikasi yang akan dibuat adalah aplikasi IM(</a:t>
+            </a:r>
+            <a:r>
+              <a:rPr lang="id-ID" dirty="0" err="1"/>
+              <a:t>Instant</a:t>
+            </a:r>
+            <a:r>
+              <a:rPr lang="id-ID" dirty="0"/>
+              <a:t> </a:t>
+            </a:r>
+            <a:r>
+              <a:rPr lang="id-ID" dirty="0" err="1"/>
+              <a:t>Messaging</a:t>
+            </a:r>
+            <a:r>
+              <a:rPr lang="id-ID" dirty="0"/>
+              <a:t>) untuk bertukar pesan </a:t>
+            </a:r>
+            <a:r>
+              <a:rPr lang="id-ID" dirty="0" smtClean="0"/>
+              <a:t>dan berkolaborasi</a:t>
+            </a:r>
+            <a:r>
+              <a:rPr lang="id-ID" dirty="0"/>
+              <a:t>, seperti: </a:t>
+            </a:r>
+            <a:r>
+              <a:rPr lang="id-ID" dirty="0" err="1"/>
+              <a:t>whatsapp</a:t>
+            </a:r>
+            <a:r>
+              <a:rPr lang="id-ID" dirty="0"/>
+              <a:t>, </a:t>
+            </a:r>
+            <a:r>
+              <a:rPr lang="id-ID" dirty="0" err="1"/>
+              <a:t>line</a:t>
+            </a:r>
+            <a:r>
+              <a:rPr lang="id-ID" dirty="0"/>
+              <a:t>, </a:t>
+            </a:r>
+            <a:r>
+              <a:rPr lang="id-ID" dirty="0" err="1"/>
+              <a:t>bbm</a:t>
+            </a:r>
+            <a:r>
+              <a:rPr lang="id-ID" dirty="0"/>
+              <a:t> dan sejenisnya</a:t>
+            </a:r>
+            <a:r>
+              <a:rPr lang="id-ID" dirty="0" smtClean="0"/>
+              <a:t>. </a:t>
+            </a:r>
+            <a:endParaRPr lang="id-ID" dirty="0"/>
+          </a:p>
+          <a:p>
+            <a:pPr marL="0" indent="0">
+              <a:buNone/>
+            </a:pPr>
+            <a:r>
+              <a:rPr lang="id-ID" dirty="0" smtClean="0"/>
+              <a:t>Aplikasi </a:t>
+            </a:r>
+            <a:r>
+              <a:rPr lang="id-ID" dirty="0" err="1" smtClean="0"/>
+              <a:t>chat</a:t>
+            </a:r>
+            <a:r>
+              <a:rPr lang="id-ID" dirty="0" smtClean="0"/>
+              <a:t> yang akan dibuat harus memiliki fungsi </a:t>
+            </a:r>
+            <a:r>
+              <a:rPr lang="id-ID" dirty="0"/>
+              <a:t>yang harus didukung oleh aplikasi ini sekurang-kurangnya: registrasi </a:t>
+            </a:r>
+            <a:r>
+              <a:rPr lang="id-ID" dirty="0" err="1"/>
+              <a:t>user</a:t>
+            </a:r>
+            <a:r>
+              <a:rPr lang="id-ID" dirty="0"/>
+              <a:t>, </a:t>
+            </a:r>
+            <a:r>
+              <a:rPr lang="id-ID" dirty="0" err="1"/>
+              <a:t>login</a:t>
+            </a:r>
+            <a:r>
+              <a:rPr lang="id-ID" dirty="0"/>
+              <a:t>, </a:t>
+            </a:r>
+            <a:r>
+              <a:rPr lang="id-ID" dirty="0" err="1" smtClean="0"/>
+              <a:t>logout</a:t>
+            </a:r>
+            <a:r>
+              <a:rPr lang="id-ID" dirty="0" smtClean="0"/>
+              <a:t>, notifikasi </a:t>
+            </a:r>
+            <a:r>
+              <a:rPr lang="id-ID" dirty="0"/>
+              <a:t>jika </a:t>
+            </a:r>
+            <a:r>
+              <a:rPr lang="id-ID" dirty="0" err="1"/>
+              <a:t>user</a:t>
+            </a:r>
+            <a:r>
+              <a:rPr lang="id-ID" dirty="0"/>
+              <a:t> </a:t>
+            </a:r>
+            <a:r>
+              <a:rPr lang="id-ID" dirty="0" err="1"/>
+              <a:t>login</a:t>
+            </a:r>
+            <a:r>
+              <a:rPr lang="id-ID" dirty="0"/>
+              <a:t> atau </a:t>
+            </a:r>
+            <a:r>
+              <a:rPr lang="id-ID" dirty="0" err="1"/>
+              <a:t>logout</a:t>
+            </a:r>
+            <a:r>
+              <a:rPr lang="id-ID" dirty="0"/>
+              <a:t>, membuat </a:t>
+            </a:r>
+            <a:r>
+              <a:rPr lang="id-ID" dirty="0" err="1"/>
+              <a:t>group</a:t>
+            </a:r>
+            <a:r>
+              <a:rPr lang="id-ID" dirty="0"/>
+              <a:t> tertentu yang beranggotakan </a:t>
+            </a:r>
+            <a:r>
+              <a:rPr lang="id-ID" dirty="0" err="1"/>
+              <a:t>user-user</a:t>
+            </a:r>
+            <a:r>
+              <a:rPr lang="id-ID" dirty="0"/>
+              <a:t> </a:t>
+            </a:r>
+            <a:r>
+              <a:rPr lang="id-ID" dirty="0" smtClean="0"/>
+              <a:t>yang sudah </a:t>
+            </a:r>
+            <a:r>
+              <a:rPr lang="id-ID" dirty="0"/>
+              <a:t>terdaftar, mengirimkan pesan multimedia kepada </a:t>
+            </a:r>
+            <a:r>
+              <a:rPr lang="id-ID" dirty="0" err="1"/>
+              <a:t>user</a:t>
+            </a:r>
+            <a:r>
+              <a:rPr lang="id-ID" dirty="0"/>
+              <a:t> (lain) atau </a:t>
+            </a:r>
+            <a:r>
+              <a:rPr lang="id-ID" dirty="0" err="1"/>
+              <a:t>group</a:t>
+            </a:r>
+            <a:r>
+              <a:rPr lang="id-ID" dirty="0"/>
+              <a:t> tertentu (baik </a:t>
+            </a:r>
+            <a:r>
+              <a:rPr lang="id-ID" dirty="0" smtClean="0"/>
+              <a:t>bercakap-cakap atau </a:t>
+            </a:r>
+            <a:r>
+              <a:rPr lang="id-ID" dirty="0"/>
+              <a:t>meninggalkan pesan), mengirimkan pesan </a:t>
+            </a:r>
+            <a:r>
+              <a:rPr lang="id-ID" dirty="0" err="1" smtClean="0"/>
+              <a:t>broadcast</a:t>
+            </a:r>
+            <a:r>
+              <a:rPr lang="id-ID" dirty="0" smtClean="0"/>
+              <a:t> </a:t>
+            </a:r>
+            <a:r>
+              <a:rPr lang="id-ID" dirty="0"/>
+              <a:t>ke beberapa </a:t>
+            </a:r>
+            <a:r>
+              <a:rPr lang="id-ID" dirty="0" err="1"/>
+              <a:t>group</a:t>
+            </a:r>
+            <a:r>
+              <a:rPr lang="id-ID" dirty="0"/>
+              <a:t> dan </a:t>
+            </a:r>
+            <a:r>
+              <a:rPr lang="id-ID" dirty="0" smtClean="0"/>
+              <a:t>beberapa </a:t>
+            </a:r>
+            <a:r>
+              <a:rPr lang="id-ID" dirty="0" err="1" smtClean="0"/>
+              <a:t>user</a:t>
+            </a:r>
+            <a:r>
+              <a:rPr lang="id-ID" dirty="0" smtClean="0"/>
+              <a:t> </a:t>
+            </a:r>
+            <a:r>
+              <a:rPr lang="id-ID" dirty="0"/>
+              <a:t>sekaligus.</a:t>
+            </a:r>
+          </a:p>
+        </p:txBody>
+      </p:sp>
     </p:spTree>
     <p:extLst>
       <p:ext uri="{BB962C8B-B14F-4D97-AF65-F5344CB8AC3E}">
-        <p14:creationId xmlns:p14="http://schemas.microsoft.com/office/powerpoint/2010/main" val="1298258912"/>
+        <p14:creationId xmlns:p14="http://schemas.microsoft.com/office/powerpoint/2010/main" val="2265078022"/>
       </p:ext>
     </p:extLst>
   </p:cSld>
@@ -11565,7 +11642,7 @@
             </a:r>
             <a:r>
               <a:rPr lang="id-ID" dirty="0" smtClean="0"/>
-              <a:t>detail(4.6 Task </a:t>
+              <a:t>detail(4.5 Task </a:t>
             </a:r>
             <a:r>
               <a:rPr lang="id-ID" dirty="0" err="1" smtClean="0"/>
@@ -11577,7 +11654,7 @@
             </a:r>
             <a:r>
               <a:rPr lang="id-ID" dirty="0" err="1" smtClean="0"/>
-              <a:t>logout</a:t>
+              <a:t>Login</a:t>
             </a:r>
             <a:r>
               <a:rPr lang="id-ID" dirty="0" smtClean="0"/>
@@ -11604,7 +11681,7 @@
         </p:spPr>
         <p:txBody>
           <a:bodyPr>
-            <a:normAutofit/>
+            <a:normAutofit fontScale="77500" lnSpcReduction="20000"/>
           </a:bodyPr>
           <a:lstStyle/>
           <a:p>
@@ -11630,8 +11707,87 @@
               <a:buNone/>
             </a:pPr>
             <a:r>
-              <a:rPr lang="id-ID" dirty="0"/>
-              <a:t>mengedit status </a:t>
+              <a:rPr lang="id-ID" dirty="0" err="1"/>
+              <a:t>if</a:t>
+            </a:r>
+            <a:r>
+              <a:rPr lang="id-ID" dirty="0"/>
+              <a:t>(</a:t>
+            </a:r>
+            <a:r>
+              <a:rPr lang="id-ID" dirty="0" err="1"/>
+              <a:t>id</a:t>
+            </a:r>
+            <a:r>
+              <a:rPr lang="id-ID" dirty="0"/>
+              <a:t> dengan </a:t>
+            </a:r>
+            <a:r>
+              <a:rPr lang="id-ID" dirty="0" err="1"/>
+              <a:t>password</a:t>
+            </a:r>
+            <a:r>
+              <a:rPr lang="id-ID" dirty="0"/>
+              <a:t> tidak cocok){</a:t>
+            </a:r>
+          </a:p>
+          <a:p>
+            <a:pPr marL="0" indent="0">
+              <a:buNone/>
+            </a:pPr>
+            <a:r>
+              <a:rPr lang="id-ID" dirty="0"/>
+              <a:t>  mengirimkan </a:t>
+            </a:r>
+            <a:r>
+              <a:rPr lang="id-ID" dirty="0" err="1"/>
+              <a:t>respon</a:t>
+            </a:r>
+            <a:r>
+              <a:rPr lang="id-ID" dirty="0"/>
+              <a:t> </a:t>
+            </a:r>
+            <a:r>
+              <a:rPr lang="id-ID" dirty="0" err="1"/>
+              <a:t>error</a:t>
+            </a:r>
+            <a:r>
+              <a:rPr lang="id-ID" dirty="0"/>
+              <a:t> ke </a:t>
+            </a:r>
+            <a:r>
+              <a:rPr lang="id-ID" dirty="0" err="1"/>
+              <a:t>client</a:t>
+            </a:r>
+            <a:r>
+              <a:rPr lang="id-ID" dirty="0"/>
+              <a:t>;</a:t>
+            </a:r>
+          </a:p>
+          <a:p>
+            <a:pPr marL="0" indent="0">
+              <a:buNone/>
+            </a:pPr>
+            <a:r>
+              <a:rPr lang="id-ID" dirty="0"/>
+              <a:t>}</a:t>
+            </a:r>
+            <a:r>
+              <a:rPr lang="id-ID" dirty="0" err="1"/>
+              <a:t>else</a:t>
+            </a:r>
+            <a:r>
+              <a:rPr lang="id-ID" dirty="0"/>
+              <a:t>{</a:t>
+            </a:r>
+          </a:p>
+          <a:p>
+            <a:pPr marL="0" indent="0">
+              <a:buNone/>
+            </a:pPr>
+            <a:r>
+              <a:rPr lang="id-ID" dirty="0"/>
+              <a:t>  mengedit status </a:t>
             </a:r>
             <a:r>
               <a:rPr lang="id-ID" dirty="0" err="1"/>
@@ -11651,7 +11807,7 @@
             </a:r>
             <a:r>
               <a:rPr lang="id-ID" dirty="0" err="1"/>
-              <a:t>offline</a:t>
+              <a:t>online</a:t>
             </a:r>
             <a:r>
               <a:rPr lang="id-ID" dirty="0"/>
@@ -11663,6 +11819,10 @@
               <a:buNone/>
             </a:pPr>
             <a:r>
+              <a:rPr lang="id-ID" dirty="0"/>
+              <a:t>  </a:t>
+            </a:r>
+            <a:r>
               <a:rPr lang="id-ID" dirty="0" err="1"/>
               <a:t>if</a:t>
             </a:r>
@@ -11685,7 +11845,7 @@
             </a:pPr>
             <a:r>
               <a:rPr lang="id-ID" dirty="0"/>
-              <a:t>  mengirimkan notifikasi ke seluruh </a:t>
+              <a:t>    mengirimkan notifikasi ke seluruh </a:t>
             </a:r>
             <a:r>
               <a:rPr lang="id-ID" dirty="0" err="1"/>
@@ -11710,7 +11870,7 @@
             </a:pPr>
             <a:r>
               <a:rPr lang="id-ID" dirty="0"/>
-              <a:t>}</a:t>
+              <a:t>  }</a:t>
             </a:r>
             <a:r>
               <a:rPr lang="id-ID" dirty="0" err="1"/>
@@ -11727,7 +11887,7 @@
             </a:pPr>
             <a:r>
               <a:rPr lang="id-ID" dirty="0"/>
-              <a:t>  mengirimkan notifikasi ke seluruh </a:t>
+              <a:t>    mengirimkan notifikasi ke seluruh </a:t>
             </a:r>
             <a:r>
               <a:rPr lang="id-ID" dirty="0" err="1"/>
@@ -11736,6 +11896,15 @@
             <a:r>
               <a:rPr lang="id-ID" dirty="0"/>
               <a:t> yang terhubung;</a:t>
+            </a:r>
+          </a:p>
+          <a:p>
+            <a:pPr marL="0" indent="0">
+              <a:buNone/>
+            </a:pPr>
+            <a:r>
+              <a:rPr lang="id-ID" dirty="0"/>
+              <a:t>  }</a:t>
             </a:r>
           </a:p>
           <a:p>
@@ -11752,7 +11921,7 @@
     </p:spTree>
     <p:extLst>
       <p:ext uri="{BB962C8B-B14F-4D97-AF65-F5344CB8AC3E}">
-        <p14:creationId xmlns:p14="http://schemas.microsoft.com/office/powerpoint/2010/main" val="2591378314"/>
+        <p14:creationId xmlns:p14="http://schemas.microsoft.com/office/powerpoint/2010/main" val="1019335167"/>
       </p:ext>
     </p:extLst>
   </p:cSld>
@@ -11807,7 +11976,7 @@
             </a:r>
             <a:r>
               <a:rPr lang="id-ID" dirty="0" smtClean="0"/>
-              <a:t>detail(4.7 Task </a:t>
+              <a:t>detail(4.6 Task </a:t>
             </a:r>
             <a:r>
               <a:rPr lang="id-ID" dirty="0" err="1" smtClean="0"/>
@@ -11819,15 +11988,7 @@
             </a:r>
             <a:r>
               <a:rPr lang="id-ID" dirty="0" err="1" smtClean="0"/>
-              <a:t>get</a:t>
-            </a:r>
-            <a:r>
-              <a:rPr lang="id-ID" dirty="0" smtClean="0"/>
-              <a:t> </a:t>
-            </a:r>
-            <a:r>
-              <a:rPr lang="id-ID" dirty="0" err="1" smtClean="0"/>
-              <a:t>key</a:t>
+              <a:t>logout</a:t>
             </a:r>
             <a:r>
               <a:rPr lang="id-ID" dirty="0" smtClean="0"/>
@@ -11854,7 +12015,7 @@
         </p:spPr>
         <p:txBody>
           <a:bodyPr>
-            <a:normAutofit fontScale="92500" lnSpcReduction="10000"/>
+            <a:normAutofit/>
           </a:bodyPr>
           <a:lstStyle/>
           <a:p>
@@ -11880,16 +12041,49 @@
               <a:buNone/>
             </a:pPr>
             <a:r>
+              <a:rPr lang="id-ID" dirty="0"/>
+              <a:t>mengedit status </a:t>
+            </a:r>
+            <a:r>
+              <a:rPr lang="id-ID" dirty="0" err="1"/>
+              <a:t>Client</a:t>
+            </a:r>
+            <a:r>
+              <a:rPr lang="id-ID" dirty="0"/>
+              <a:t> pada </a:t>
+            </a:r>
+            <a:r>
+              <a:rPr lang="id-ID" dirty="0" err="1"/>
+              <a:t>database</a:t>
+            </a:r>
+            <a:r>
+              <a:rPr lang="id-ID" dirty="0"/>
+              <a:t> menjadi </a:t>
+            </a:r>
+            <a:r>
+              <a:rPr lang="id-ID" dirty="0" err="1"/>
+              <a:t>offline</a:t>
+            </a:r>
+            <a:r>
+              <a:rPr lang="id-ID" dirty="0"/>
+              <a:t>;</a:t>
+            </a:r>
+          </a:p>
+          <a:p>
+            <a:pPr marL="0" indent="0">
+              <a:buNone/>
+            </a:pPr>
+            <a:r>
               <a:rPr lang="id-ID" dirty="0" err="1"/>
               <a:t>if</a:t>
             </a:r>
             <a:r>
               <a:rPr lang="id-ID" dirty="0"/>
-              <a:t>(kunci yang diminta adalah kunci </a:t>
-            </a:r>
-            <a:r>
-              <a:rPr lang="id-ID" dirty="0" err="1"/>
-              <a:t>group</a:t>
+              <a:t>(paket diterima dari </a:t>
+            </a:r>
+            <a:r>
+              <a:rPr lang="id-ID" dirty="0" err="1"/>
+              <a:t>client</a:t>
             </a:r>
             <a:r>
               <a:rPr lang="id-ID" dirty="0"/>
@@ -11902,23 +12096,23 @@
             </a:pPr>
             <a:r>
               <a:rPr lang="id-ID" dirty="0"/>
-              <a:t>  membaca relasi </a:t>
-            </a:r>
-            <a:r>
-              <a:rPr lang="id-ID" dirty="0" err="1"/>
-              <a:t>user</a:t>
-            </a:r>
-            <a:r>
-              <a:rPr lang="id-ID" dirty="0"/>
-              <a:t> dengan </a:t>
-            </a:r>
-            <a:r>
-              <a:rPr lang="id-ID" dirty="0" err="1"/>
-              <a:t>group</a:t>
-            </a:r>
-            <a:r>
-              <a:rPr lang="id-ID" dirty="0"/>
-              <a:t>;</a:t>
+              <a:t>  mengirimkan notifikasi ke seluruh </a:t>
+            </a:r>
+            <a:r>
+              <a:rPr lang="id-ID" dirty="0" err="1"/>
+              <a:t>client</a:t>
+            </a:r>
+            <a:r>
+              <a:rPr lang="id-ID" dirty="0"/>
+              <a:t> yang dan </a:t>
+            </a:r>
+            <a:r>
+              <a:rPr lang="id-ID" dirty="0" err="1"/>
+              <a:t>server</a:t>
+            </a:r>
+            <a:r>
+              <a:rPr lang="id-ID" dirty="0"/>
+              <a:t> yang terhubung;</a:t>
             </a:r>
           </a:p>
           <a:p>
@@ -11927,39 +12121,15 @@
             </a:pPr>
             <a:r>
               <a:rPr lang="id-ID" dirty="0"/>
-              <a:t>  mengambil </a:t>
-            </a:r>
-            <a:r>
-              <a:rPr lang="id-ID" dirty="0" err="1"/>
-              <a:t>public</a:t>
-            </a:r>
-            <a:r>
-              <a:rPr lang="id-ID" dirty="0"/>
-              <a:t> </a:t>
-            </a:r>
-            <a:r>
-              <a:rPr lang="id-ID" dirty="0" err="1"/>
-              <a:t>key</a:t>
-            </a:r>
-            <a:r>
-              <a:rPr lang="id-ID" dirty="0"/>
-              <a:t> yang sesuai dengan </a:t>
-            </a:r>
-            <a:r>
-              <a:rPr lang="id-ID" dirty="0" err="1"/>
-              <a:t>id_pengirim</a:t>
-            </a:r>
-            <a:r>
-              <a:rPr lang="id-ID" dirty="0"/>
-              <a:t> dan </a:t>
-            </a:r>
-            <a:r>
-              <a:rPr lang="id-ID" dirty="0" err="1"/>
-              <a:t>id_groupnya</a:t>
-            </a:r>
-            <a:r>
-              <a:rPr lang="id-ID" dirty="0"/>
-              <a:t>;</a:t>
+              <a:t>}</a:t>
+            </a:r>
+            <a:r>
+              <a:rPr lang="id-ID" dirty="0" err="1"/>
+              <a:t>else</a:t>
+            </a:r>
+            <a:r>
+              <a:rPr lang="id-ID" dirty="0"/>
+              <a:t>{</a:t>
             </a:r>
           </a:p>
           <a:p>
@@ -11968,99 +12138,24 @@
             </a:pPr>
             <a:r>
               <a:rPr lang="id-ID" dirty="0"/>
+              <a:t>  mengirimkan notifikasi ke seluruh </a:t>
+            </a:r>
+            <a:r>
+              <a:rPr lang="id-ID" dirty="0" err="1"/>
+              <a:t>client</a:t>
+            </a:r>
+            <a:r>
+              <a:rPr lang="id-ID" dirty="0"/>
+              <a:t> yang terhubung;</a:t>
+            </a:r>
+          </a:p>
+          <a:p>
+            <a:pPr marL="0" indent="0">
+              <a:buNone/>
+            </a:pPr>
+            <a:r>
+              <a:rPr lang="id-ID" dirty="0"/>
               <a:t>}</a:t>
-            </a:r>
-            <a:r>
-              <a:rPr lang="id-ID" dirty="0" err="1"/>
-              <a:t>else</a:t>
-            </a:r>
-            <a:r>
-              <a:rPr lang="id-ID" dirty="0"/>
-              <a:t>{</a:t>
-            </a:r>
-          </a:p>
-          <a:p>
-            <a:pPr marL="0" indent="0">
-              <a:buNone/>
-            </a:pPr>
-            <a:r>
-              <a:rPr lang="id-ID" dirty="0"/>
-              <a:t>  membaca tabel </a:t>
-            </a:r>
-            <a:r>
-              <a:rPr lang="id-ID" dirty="0" err="1"/>
-              <a:t>user</a:t>
-            </a:r>
-            <a:r>
-              <a:rPr lang="id-ID" dirty="0"/>
-              <a:t>;</a:t>
-            </a:r>
-          </a:p>
-          <a:p>
-            <a:pPr marL="0" indent="0">
-              <a:buNone/>
-            </a:pPr>
-            <a:r>
-              <a:rPr lang="id-ID" dirty="0"/>
-              <a:t>  mengambil </a:t>
-            </a:r>
-            <a:r>
-              <a:rPr lang="id-ID" dirty="0" err="1"/>
-              <a:t>public</a:t>
-            </a:r>
-            <a:r>
-              <a:rPr lang="id-ID" dirty="0"/>
-              <a:t> </a:t>
-            </a:r>
-            <a:r>
-              <a:rPr lang="id-ID" dirty="0" err="1"/>
-              <a:t>keu</a:t>
-            </a:r>
-            <a:r>
-              <a:rPr lang="id-ID" dirty="0"/>
-              <a:t> </a:t>
-            </a:r>
-            <a:r>
-              <a:rPr lang="id-ID" dirty="0" err="1"/>
-              <a:t>user</a:t>
-            </a:r>
-            <a:r>
-              <a:rPr lang="id-ID" dirty="0"/>
-              <a:t>, sesuai dengan </a:t>
-            </a:r>
-            <a:r>
-              <a:rPr lang="id-ID" dirty="0" err="1"/>
-              <a:t>id_pengirimnya</a:t>
-            </a:r>
-            <a:r>
-              <a:rPr lang="id-ID" dirty="0"/>
-              <a:t>;</a:t>
-            </a:r>
-          </a:p>
-          <a:p>
-            <a:pPr marL="0" indent="0">
-              <a:buNone/>
-            </a:pPr>
-            <a:r>
-              <a:rPr lang="id-ID" dirty="0"/>
-              <a:t>}</a:t>
-            </a:r>
-          </a:p>
-          <a:p>
-            <a:pPr marL="0" indent="0">
-              <a:buNone/>
-            </a:pPr>
-            <a:r>
-              <a:rPr lang="id-ID" dirty="0"/>
-              <a:t>mengirimkan kunci </a:t>
-            </a:r>
-            <a:r>
-              <a:rPr lang="id-ID" dirty="0" err="1"/>
-              <a:t>publicnya</a:t>
-            </a:r>
-            <a:r>
-              <a:rPr lang="id-ID" dirty="0"/>
-              <a:t>;</a:t>
             </a:r>
           </a:p>
         </p:txBody>
@@ -12068,7 +12163,7 @@
     </p:spTree>
     <p:extLst>
       <p:ext uri="{BB962C8B-B14F-4D97-AF65-F5344CB8AC3E}">
-        <p14:creationId xmlns:p14="http://schemas.microsoft.com/office/powerpoint/2010/main" val="3344943415"/>
+        <p14:creationId xmlns:p14="http://schemas.microsoft.com/office/powerpoint/2010/main" val="2591378314"/>
       </p:ext>
     </p:extLst>
   </p:cSld>
@@ -12123,6 +12218,322 @@
             </a:r>
             <a:r>
               <a:rPr lang="id-ID" dirty="0" smtClean="0"/>
+              <a:t>detail(4.7 Task </a:t>
+            </a:r>
+            <a:r>
+              <a:rPr lang="id-ID" dirty="0" err="1" smtClean="0"/>
+              <a:t>Executor</a:t>
+            </a:r>
+            <a:r>
+              <a:rPr lang="id-ID" dirty="0" smtClean="0"/>
+              <a:t> </a:t>
+            </a:r>
+            <a:r>
+              <a:rPr lang="id-ID" dirty="0" err="1" smtClean="0"/>
+              <a:t>get</a:t>
+            </a:r>
+            <a:r>
+              <a:rPr lang="id-ID" dirty="0" smtClean="0"/>
+              <a:t> </a:t>
+            </a:r>
+            <a:r>
+              <a:rPr lang="id-ID" dirty="0" err="1" smtClean="0"/>
+              <a:t>key</a:t>
+            </a:r>
+            <a:r>
+              <a:rPr lang="id-ID" dirty="0" smtClean="0"/>
+              <a:t>)</a:t>
+            </a:r>
+            <a:endParaRPr lang="id-ID" dirty="0"/>
+          </a:p>
+        </p:txBody>
+      </p:sp>
+      <p:sp>
+        <p:nvSpPr>
+          <p:cNvPr id="3" name="Content Placeholder 2"/>
+          <p:cNvSpPr>
+            <a:spLocks noGrp="1"/>
+          </p:cNvSpPr>
+          <p:nvPr>
+            <p:ph idx="1"/>
+          </p:nvPr>
+        </p:nvSpPr>
+        <p:spPr>
+          <a:solidFill>
+            <a:schemeClr val="bg1"/>
+          </a:solidFill>
+        </p:spPr>
+        <p:txBody>
+          <a:bodyPr>
+            <a:normAutofit fontScale="92500" lnSpcReduction="10000"/>
+          </a:bodyPr>
+          <a:lstStyle/>
+          <a:p>
+            <a:pPr marL="0" indent="0">
+              <a:buNone/>
+            </a:pPr>
+            <a:r>
+              <a:rPr lang="id-ID" dirty="0"/>
+              <a:t>start; </a:t>
+            </a:r>
+          </a:p>
+          <a:p>
+            <a:pPr marL="0" indent="0">
+              <a:buNone/>
+            </a:pPr>
+            <a:r>
+              <a:rPr lang="id-ID" dirty="0"/>
+              <a:t>membuka informasi paket yang diterima;</a:t>
+            </a:r>
+          </a:p>
+          <a:p>
+            <a:pPr marL="0" indent="0">
+              <a:buNone/>
+            </a:pPr>
+            <a:r>
+              <a:rPr lang="id-ID" dirty="0" err="1"/>
+              <a:t>if</a:t>
+            </a:r>
+            <a:r>
+              <a:rPr lang="id-ID" dirty="0"/>
+              <a:t>(kunci yang diminta adalah kunci </a:t>
+            </a:r>
+            <a:r>
+              <a:rPr lang="id-ID" dirty="0" err="1"/>
+              <a:t>group</a:t>
+            </a:r>
+            <a:r>
+              <a:rPr lang="id-ID" dirty="0"/>
+              <a:t>){</a:t>
+            </a:r>
+          </a:p>
+          <a:p>
+            <a:pPr marL="0" indent="0">
+              <a:buNone/>
+            </a:pPr>
+            <a:r>
+              <a:rPr lang="id-ID" dirty="0"/>
+              <a:t>  membaca relasi </a:t>
+            </a:r>
+            <a:r>
+              <a:rPr lang="id-ID" dirty="0" err="1"/>
+              <a:t>user</a:t>
+            </a:r>
+            <a:r>
+              <a:rPr lang="id-ID" dirty="0"/>
+              <a:t> dengan </a:t>
+            </a:r>
+            <a:r>
+              <a:rPr lang="id-ID" dirty="0" err="1"/>
+              <a:t>group</a:t>
+            </a:r>
+            <a:r>
+              <a:rPr lang="id-ID" dirty="0"/>
+              <a:t>;</a:t>
+            </a:r>
+          </a:p>
+          <a:p>
+            <a:pPr marL="0" indent="0">
+              <a:buNone/>
+            </a:pPr>
+            <a:r>
+              <a:rPr lang="id-ID" dirty="0"/>
+              <a:t>  mengambil </a:t>
+            </a:r>
+            <a:r>
+              <a:rPr lang="id-ID" dirty="0" err="1"/>
+              <a:t>public</a:t>
+            </a:r>
+            <a:r>
+              <a:rPr lang="id-ID" dirty="0"/>
+              <a:t> </a:t>
+            </a:r>
+            <a:r>
+              <a:rPr lang="id-ID" dirty="0" err="1"/>
+              <a:t>key</a:t>
+            </a:r>
+            <a:r>
+              <a:rPr lang="id-ID" dirty="0"/>
+              <a:t> yang sesuai dengan </a:t>
+            </a:r>
+            <a:r>
+              <a:rPr lang="id-ID" dirty="0" err="1"/>
+              <a:t>id_pengirim</a:t>
+            </a:r>
+            <a:r>
+              <a:rPr lang="id-ID" dirty="0"/>
+              <a:t> dan </a:t>
+            </a:r>
+            <a:r>
+              <a:rPr lang="id-ID" dirty="0" err="1"/>
+              <a:t>id_groupnya</a:t>
+            </a:r>
+            <a:r>
+              <a:rPr lang="id-ID" dirty="0"/>
+              <a:t>;</a:t>
+            </a:r>
+          </a:p>
+          <a:p>
+            <a:pPr marL="0" indent="0">
+              <a:buNone/>
+            </a:pPr>
+            <a:r>
+              <a:rPr lang="id-ID" dirty="0"/>
+              <a:t>}</a:t>
+            </a:r>
+            <a:r>
+              <a:rPr lang="id-ID" dirty="0" err="1"/>
+              <a:t>else</a:t>
+            </a:r>
+            <a:r>
+              <a:rPr lang="id-ID" dirty="0"/>
+              <a:t>{</a:t>
+            </a:r>
+          </a:p>
+          <a:p>
+            <a:pPr marL="0" indent="0">
+              <a:buNone/>
+            </a:pPr>
+            <a:r>
+              <a:rPr lang="id-ID" dirty="0"/>
+              <a:t>  membaca tabel </a:t>
+            </a:r>
+            <a:r>
+              <a:rPr lang="id-ID" dirty="0" err="1"/>
+              <a:t>user</a:t>
+            </a:r>
+            <a:r>
+              <a:rPr lang="id-ID" dirty="0"/>
+              <a:t>;</a:t>
+            </a:r>
+          </a:p>
+          <a:p>
+            <a:pPr marL="0" indent="0">
+              <a:buNone/>
+            </a:pPr>
+            <a:r>
+              <a:rPr lang="id-ID" dirty="0"/>
+              <a:t>  mengambil </a:t>
+            </a:r>
+            <a:r>
+              <a:rPr lang="id-ID" dirty="0" err="1"/>
+              <a:t>public</a:t>
+            </a:r>
+            <a:r>
+              <a:rPr lang="id-ID" dirty="0"/>
+              <a:t> </a:t>
+            </a:r>
+            <a:r>
+              <a:rPr lang="id-ID" dirty="0" err="1"/>
+              <a:t>keu</a:t>
+            </a:r>
+            <a:r>
+              <a:rPr lang="id-ID" dirty="0"/>
+              <a:t> </a:t>
+            </a:r>
+            <a:r>
+              <a:rPr lang="id-ID" dirty="0" err="1"/>
+              <a:t>user</a:t>
+            </a:r>
+            <a:r>
+              <a:rPr lang="id-ID" dirty="0"/>
+              <a:t>, sesuai dengan </a:t>
+            </a:r>
+            <a:r>
+              <a:rPr lang="id-ID" dirty="0" err="1"/>
+              <a:t>id_pengirimnya</a:t>
+            </a:r>
+            <a:r>
+              <a:rPr lang="id-ID" dirty="0"/>
+              <a:t>;</a:t>
+            </a:r>
+          </a:p>
+          <a:p>
+            <a:pPr marL="0" indent="0">
+              <a:buNone/>
+            </a:pPr>
+            <a:r>
+              <a:rPr lang="id-ID" dirty="0"/>
+              <a:t>}</a:t>
+            </a:r>
+          </a:p>
+          <a:p>
+            <a:pPr marL="0" indent="0">
+              <a:buNone/>
+            </a:pPr>
+            <a:r>
+              <a:rPr lang="id-ID" dirty="0"/>
+              <a:t>mengirimkan kunci </a:t>
+            </a:r>
+            <a:r>
+              <a:rPr lang="id-ID" dirty="0" err="1"/>
+              <a:t>publicnya</a:t>
+            </a:r>
+            <a:r>
+              <a:rPr lang="id-ID" dirty="0"/>
+              <a:t>;</a:t>
+            </a:r>
+          </a:p>
+        </p:txBody>
+      </p:sp>
+    </p:spTree>
+    <p:extLst>
+      <p:ext uri="{BB962C8B-B14F-4D97-AF65-F5344CB8AC3E}">
+        <p14:creationId xmlns:p14="http://schemas.microsoft.com/office/powerpoint/2010/main" val="3344943415"/>
+      </p:ext>
+    </p:extLst>
+  </p:cSld>
+  <p:clrMapOvr>
+    <a:masterClrMapping/>
+  </p:clrMapOvr>
+  <p:timing>
+    <p:tnLst>
+      <p:par>
+        <p:cTn id="1" dur="indefinite" restart="never" nodeType="tmRoot"/>
+      </p:par>
+    </p:tnLst>
+  </p:timing>
+</p:sld>
+</file>
+
+<file path=ppt/slides/slide33.xml><?xml version="1.0" encoding="utf-8"?>
+<p:sld xmlns:a="http://schemas.openxmlformats.org/drawingml/2006/main" xmlns:r="http://schemas.openxmlformats.org/officeDocument/2006/relationships" xmlns:p="http://schemas.openxmlformats.org/presentationml/2006/main">
+  <p:cSld>
+    <p:spTree>
+      <p:nvGrpSpPr>
+        <p:cNvPr id="1" name=""/>
+        <p:cNvGrpSpPr/>
+        <p:nvPr/>
+      </p:nvGrpSpPr>
+      <p:grpSpPr>
+        <a:xfrm>
+          <a:off x="0" y="0"/>
+          <a:ext cx="0" cy="0"/>
+          <a:chOff x="0" y="0"/>
+          <a:chExt cx="0" cy="0"/>
+        </a:xfrm>
+      </p:grpSpPr>
+      <p:sp>
+        <p:nvSpPr>
+          <p:cNvPr id="2" name="Title 1"/>
+          <p:cNvSpPr>
+            <a:spLocks noGrp="1"/>
+          </p:cNvSpPr>
+          <p:nvPr>
+            <p:ph type="title"/>
+          </p:nvPr>
+        </p:nvSpPr>
+        <p:spPr/>
+        <p:txBody>
+          <a:bodyPr/>
+          <a:lstStyle/>
+          <a:p>
+            <a:r>
+              <a:rPr lang="id-ID" dirty="0"/>
+              <a:t>Arsitektur </a:t>
+            </a:r>
+            <a:r>
+              <a:rPr lang="id-ID" dirty="0" smtClean="0"/>
               <a:t>detail(4.8 Task </a:t>
             </a:r>
             <a:r>
@@ -12456,7 +12867,7 @@
 </p:sld>
 </file>
 
-<file path=ppt/slides/slide33.xml><?xml version="1.0" encoding="utf-8"?>
+<file path=ppt/slides/slide34.xml><?xml version="1.0" encoding="utf-8"?>
 <p:sld xmlns:a="http://schemas.openxmlformats.org/drawingml/2006/main" xmlns:r="http://schemas.openxmlformats.org/officeDocument/2006/relationships" xmlns:p="http://schemas.openxmlformats.org/presentationml/2006/main">
   <p:cSld>
     <p:spTree>
@@ -12835,7 +13246,7 @@
 </p:sld>
 </file>
 
-<file path=ppt/slides/slide34.xml><?xml version="1.0" encoding="utf-8"?>
+<file path=ppt/slides/slide35.xml><?xml version="1.0" encoding="utf-8"?>
 <p:sld xmlns:a="http://schemas.openxmlformats.org/drawingml/2006/main" xmlns:r="http://schemas.openxmlformats.org/officeDocument/2006/relationships" xmlns:p="http://schemas.openxmlformats.org/presentationml/2006/main">
   <p:cSld>
     <p:spTree>
@@ -13035,7 +13446,7 @@
 </p:sld>
 </file>
 
-<file path=ppt/slides/slide35.xml><?xml version="1.0" encoding="utf-8"?>
+<file path=ppt/slides/slide36.xml><?xml version="1.0" encoding="utf-8"?>
 <p:sld xmlns:a="http://schemas.openxmlformats.org/drawingml/2006/main" xmlns:r="http://schemas.openxmlformats.org/officeDocument/2006/relationships" xmlns:p="http://schemas.openxmlformats.org/presentationml/2006/main">
   <p:cSld>
     <p:spTree>
@@ -13212,7 +13623,7 @@
 </p:sld>
 </file>
 
-<file path=ppt/slides/slide36.xml><?xml version="1.0" encoding="utf-8"?>
+<file path=ppt/slides/slide37.xml><?xml version="1.0" encoding="utf-8"?>
 <p:sld xmlns:a="http://schemas.openxmlformats.org/drawingml/2006/main" xmlns:r="http://schemas.openxmlformats.org/officeDocument/2006/relationships" xmlns:p="http://schemas.openxmlformats.org/presentationml/2006/main">
   <p:cSld>
     <p:spTree>
@@ -13377,459 +13788,6 @@
 </p:sld>
 </file>
 
-<file path=ppt/slides/slide37.xml><?xml version="1.0" encoding="utf-8"?>
-<p:sld xmlns:a="http://schemas.openxmlformats.org/drawingml/2006/main" xmlns:r="http://schemas.openxmlformats.org/officeDocument/2006/relationships" xmlns:p="http://schemas.openxmlformats.org/presentationml/2006/main">
-  <p:cSld>
-    <p:spTree>
-      <p:nvGrpSpPr>
-        <p:cNvPr id="1" name=""/>
-        <p:cNvGrpSpPr/>
-        <p:nvPr/>
-      </p:nvGrpSpPr>
-      <p:grpSpPr>
-        <a:xfrm>
-          <a:off x="0" y="0"/>
-          <a:ext cx="0" cy="0"/>
-          <a:chOff x="0" y="0"/>
-          <a:chExt cx="0" cy="0"/>
-        </a:xfrm>
-      </p:grpSpPr>
-      <p:sp>
-        <p:nvSpPr>
-          <p:cNvPr id="2" name="Title 1"/>
-          <p:cNvSpPr>
-            <a:spLocks noGrp="1"/>
-          </p:cNvSpPr>
-          <p:nvPr>
-            <p:ph type="title"/>
-          </p:nvPr>
-        </p:nvSpPr>
-        <p:spPr/>
-        <p:txBody>
-          <a:bodyPr/>
-          <a:lstStyle/>
-          <a:p>
-            <a:r>
-              <a:rPr lang="id-ID" dirty="0" smtClean="0"/>
-              <a:t>Tabel </a:t>
-            </a:r>
-            <a:r>
-              <a:rPr lang="id-ID" dirty="0" err="1" smtClean="0"/>
-              <a:t>User</a:t>
-            </a:r>
-            <a:endParaRPr lang="id-ID" dirty="0"/>
-          </a:p>
-        </p:txBody>
-      </p:sp>
-      <p:sp>
-        <p:nvSpPr>
-          <p:cNvPr id="3" name="Content Placeholder 2"/>
-          <p:cNvSpPr>
-            <a:spLocks noGrp="1"/>
-          </p:cNvSpPr>
-          <p:nvPr>
-            <p:ph idx="1"/>
-          </p:nvPr>
-        </p:nvSpPr>
-        <p:spPr/>
-        <p:txBody>
-          <a:bodyPr>
-            <a:normAutofit fontScale="92500" lnSpcReduction="20000"/>
-          </a:bodyPr>
-          <a:lstStyle/>
-          <a:p>
-            <a:r>
-              <a:rPr lang="id-ID" dirty="0" err="1"/>
-              <a:t>Field</a:t>
-            </a:r>
-            <a:r>
-              <a:rPr lang="id-ID" dirty="0"/>
-              <a:t> </a:t>
-            </a:r>
-            <a:r>
-              <a:rPr lang="id-ID" dirty="0" err="1"/>
-              <a:t>id</a:t>
-            </a:r>
-            <a:r>
-              <a:rPr lang="id-ID" dirty="0"/>
-              <a:t> berfungsi sebagai identitas unik dari </a:t>
-            </a:r>
-            <a:r>
-              <a:rPr lang="id-ID" dirty="0" err="1"/>
-              <a:t>user</a:t>
-            </a:r>
-            <a:r>
-              <a:rPr lang="id-ID" dirty="0" smtClean="0"/>
-              <a:t>.</a:t>
-            </a:r>
-          </a:p>
-          <a:p>
-            <a:r>
-              <a:rPr lang="id-ID" dirty="0" err="1" smtClean="0"/>
-              <a:t>Field</a:t>
-            </a:r>
-            <a:r>
-              <a:rPr lang="id-ID" dirty="0" smtClean="0"/>
-              <a:t> </a:t>
-            </a:r>
-            <a:r>
-              <a:rPr lang="id-ID" dirty="0" err="1"/>
-              <a:t>name</a:t>
-            </a:r>
-            <a:r>
-              <a:rPr lang="id-ID" dirty="0"/>
-              <a:t> berisi nama dari </a:t>
-            </a:r>
-            <a:r>
-              <a:rPr lang="id-ID" dirty="0" err="1" smtClean="0"/>
-              <a:t>user</a:t>
-            </a:r>
-            <a:r>
-              <a:rPr lang="id-ID" dirty="0" smtClean="0"/>
-              <a:t>.</a:t>
-            </a:r>
-          </a:p>
-          <a:p>
-            <a:r>
-              <a:rPr lang="id-ID" dirty="0" err="1" smtClean="0"/>
-              <a:t>Field</a:t>
-            </a:r>
-            <a:r>
-              <a:rPr lang="id-ID" dirty="0" smtClean="0"/>
-              <a:t> </a:t>
-            </a:r>
-            <a:r>
-              <a:rPr lang="id-ID" dirty="0" err="1"/>
-              <a:t>ip_address</a:t>
-            </a:r>
-            <a:r>
-              <a:rPr lang="id-ID" dirty="0"/>
-              <a:t> berisi alamat IP dari </a:t>
-            </a:r>
-            <a:r>
-              <a:rPr lang="id-ID" dirty="0" err="1" smtClean="0"/>
-              <a:t>user</a:t>
-            </a:r>
-            <a:r>
-              <a:rPr lang="id-ID" dirty="0" smtClean="0"/>
-              <a:t>.</a:t>
-            </a:r>
-          </a:p>
-          <a:p>
-            <a:r>
-              <a:rPr lang="id-ID" dirty="0" err="1" smtClean="0"/>
-              <a:t>Field</a:t>
-            </a:r>
-            <a:r>
-              <a:rPr lang="id-ID" dirty="0" smtClean="0"/>
-              <a:t> </a:t>
-            </a:r>
-            <a:r>
-              <a:rPr lang="id-ID" dirty="0" err="1" smtClean="0"/>
-              <a:t>id_server</a:t>
-            </a:r>
-            <a:r>
-              <a:rPr lang="id-ID" dirty="0" smtClean="0"/>
-              <a:t> berfungsi sebagai </a:t>
-            </a:r>
-            <a:r>
-              <a:rPr lang="id-ID" dirty="0" err="1" smtClean="0"/>
-              <a:t>foreign</a:t>
-            </a:r>
-            <a:r>
-              <a:rPr lang="id-ID" dirty="0" smtClean="0"/>
-              <a:t> </a:t>
-            </a:r>
-            <a:r>
-              <a:rPr lang="id-ID" dirty="0" err="1" smtClean="0"/>
-              <a:t>key</a:t>
-            </a:r>
-            <a:r>
-              <a:rPr lang="id-ID" dirty="0" smtClean="0"/>
-              <a:t> pada tabel </a:t>
-            </a:r>
-            <a:r>
-              <a:rPr lang="id-ID" dirty="0" err="1" smtClean="0"/>
-              <a:t>server</a:t>
-            </a:r>
-            <a:r>
-              <a:rPr lang="id-ID" dirty="0" smtClean="0"/>
-              <a:t>. </a:t>
-            </a:r>
-            <a:r>
-              <a:rPr lang="id-ID" dirty="0" err="1" smtClean="0"/>
-              <a:t>Field</a:t>
-            </a:r>
-            <a:r>
-              <a:rPr lang="id-ID" dirty="0" smtClean="0"/>
-              <a:t> ini mendefinisikan ke </a:t>
-            </a:r>
-            <a:r>
-              <a:rPr lang="id-ID" dirty="0" err="1" smtClean="0"/>
-              <a:t>server</a:t>
-            </a:r>
-            <a:r>
-              <a:rPr lang="id-ID" dirty="0" smtClean="0"/>
-              <a:t> </a:t>
-            </a:r>
-            <a:r>
-              <a:rPr lang="id-ID" dirty="0" err="1" smtClean="0"/>
-              <a:t>manakan</a:t>
-            </a:r>
-            <a:r>
-              <a:rPr lang="id-ID" dirty="0" smtClean="0"/>
-              <a:t> terakhir </a:t>
-            </a:r>
-            <a:r>
-              <a:rPr lang="id-ID" dirty="0" err="1" smtClean="0"/>
-              <a:t>client</a:t>
-            </a:r>
-            <a:r>
-              <a:rPr lang="id-ID" dirty="0" smtClean="0"/>
-              <a:t> terhubung.</a:t>
-            </a:r>
-          </a:p>
-          <a:p>
-            <a:r>
-              <a:rPr lang="id-ID" dirty="0" err="1"/>
-              <a:t>Field</a:t>
-            </a:r>
-            <a:r>
-              <a:rPr lang="id-ID" dirty="0"/>
-              <a:t> </a:t>
-            </a:r>
-            <a:r>
-              <a:rPr lang="id-ID" dirty="0" err="1"/>
-              <a:t>password</a:t>
-            </a:r>
-            <a:r>
-              <a:rPr lang="id-ID" dirty="0"/>
-              <a:t> berisi </a:t>
-            </a:r>
-            <a:r>
-              <a:rPr lang="id-ID" dirty="0" err="1"/>
-              <a:t>password</a:t>
-            </a:r>
-            <a:r>
-              <a:rPr lang="id-ID" dirty="0"/>
-              <a:t> yang digunakan </a:t>
-            </a:r>
-            <a:r>
-              <a:rPr lang="id-ID" dirty="0" err="1"/>
-              <a:t>user</a:t>
-            </a:r>
-            <a:r>
-              <a:rPr lang="id-ID" dirty="0"/>
-              <a:t> untuk melakukan </a:t>
-            </a:r>
-            <a:r>
-              <a:rPr lang="id-ID" dirty="0" err="1"/>
-              <a:t>login</a:t>
-            </a:r>
-            <a:r>
-              <a:rPr lang="id-ID" dirty="0" smtClean="0"/>
-              <a:t>.</a:t>
-            </a:r>
-          </a:p>
-          <a:p>
-            <a:r>
-              <a:rPr lang="id-ID" dirty="0" err="1" smtClean="0"/>
-              <a:t>Field</a:t>
-            </a:r>
-            <a:r>
-              <a:rPr lang="id-ID" dirty="0" smtClean="0"/>
-              <a:t> </a:t>
-            </a:r>
-            <a:r>
-              <a:rPr lang="id-ID" dirty="0"/>
-              <a:t>status berisi penanda apakah </a:t>
-            </a:r>
-            <a:r>
-              <a:rPr lang="id-ID" dirty="0" err="1"/>
-              <a:t>user</a:t>
-            </a:r>
-            <a:r>
-              <a:rPr lang="id-ID" dirty="0"/>
-              <a:t> sedang </a:t>
-            </a:r>
-            <a:r>
-              <a:rPr lang="id-ID" dirty="0" err="1"/>
-              <a:t>online</a:t>
-            </a:r>
-            <a:r>
-              <a:rPr lang="id-ID" dirty="0"/>
-              <a:t> atau tidak. </a:t>
-            </a:r>
-            <a:endParaRPr lang="id-ID" dirty="0" smtClean="0"/>
-          </a:p>
-          <a:p>
-            <a:r>
-              <a:rPr lang="id-ID" dirty="0" err="1"/>
-              <a:t>Field</a:t>
-            </a:r>
-            <a:r>
-              <a:rPr lang="id-ID" dirty="0"/>
-              <a:t> </a:t>
-            </a:r>
-            <a:r>
-              <a:rPr lang="id-ID" dirty="0" err="1"/>
-              <a:t>public_key</a:t>
-            </a:r>
-            <a:r>
-              <a:rPr lang="id-ID" dirty="0"/>
-              <a:t> berisi </a:t>
-            </a:r>
-            <a:r>
-              <a:rPr lang="id-ID" dirty="0" err="1"/>
-              <a:t>public</a:t>
-            </a:r>
-            <a:r>
-              <a:rPr lang="id-ID" dirty="0"/>
-              <a:t> </a:t>
-            </a:r>
-            <a:r>
-              <a:rPr lang="id-ID" dirty="0" err="1"/>
-              <a:t>key</a:t>
-            </a:r>
-            <a:r>
-              <a:rPr lang="id-ID" dirty="0"/>
-              <a:t> milik </a:t>
-            </a:r>
-            <a:r>
-              <a:rPr lang="id-ID" dirty="0" err="1"/>
-              <a:t>user</a:t>
-            </a:r>
-            <a:r>
-              <a:rPr lang="id-ID" dirty="0"/>
-              <a:t> yang nantinya digunakan untuk </a:t>
-            </a:r>
-            <a:r>
-              <a:rPr lang="id-ID" dirty="0" err="1"/>
-              <a:t>mengenkripsi</a:t>
-            </a:r>
-            <a:r>
-              <a:rPr lang="id-ID" dirty="0"/>
-              <a:t> </a:t>
-            </a:r>
-            <a:r>
-              <a:rPr lang="id-ID" dirty="0" err="1" smtClean="0"/>
-              <a:t>message</a:t>
-            </a:r>
-            <a:r>
-              <a:rPr lang="id-ID" dirty="0" smtClean="0"/>
-              <a:t> jika </a:t>
-            </a:r>
-            <a:r>
-              <a:rPr lang="id-ID" dirty="0" err="1" smtClean="0"/>
-              <a:t>message</a:t>
-            </a:r>
-            <a:r>
-              <a:rPr lang="id-ID" dirty="0" smtClean="0"/>
-              <a:t> yang dikirim </a:t>
-            </a:r>
-            <a:r>
-              <a:rPr lang="id-ID" dirty="0" err="1" smtClean="0"/>
-              <a:t>kan</a:t>
-            </a:r>
-            <a:r>
-              <a:rPr lang="id-ID" dirty="0" smtClean="0"/>
-              <a:t> ditujukan kepada </a:t>
-            </a:r>
-            <a:r>
-              <a:rPr lang="id-ID" dirty="0" err="1" smtClean="0"/>
-              <a:t>user</a:t>
-            </a:r>
-            <a:r>
-              <a:rPr lang="id-ID" dirty="0" smtClean="0"/>
-              <a:t>, dan </a:t>
-            </a:r>
-            <a:r>
-              <a:rPr lang="id-ID" dirty="0" err="1" smtClean="0"/>
-              <a:t>mengdekripsi</a:t>
-            </a:r>
-            <a:r>
-              <a:rPr lang="id-ID" dirty="0" smtClean="0"/>
-              <a:t> </a:t>
-            </a:r>
-            <a:r>
-              <a:rPr lang="id-ID" dirty="0" err="1" smtClean="0"/>
-              <a:t>message</a:t>
-            </a:r>
-            <a:r>
-              <a:rPr lang="id-ID" dirty="0" smtClean="0"/>
-              <a:t> jika </a:t>
-            </a:r>
-            <a:r>
-              <a:rPr lang="id-ID" dirty="0" err="1" smtClean="0"/>
-              <a:t>message</a:t>
-            </a:r>
-            <a:r>
-              <a:rPr lang="id-ID" dirty="0" smtClean="0"/>
-              <a:t> merupakan </a:t>
-            </a:r>
-            <a:r>
-              <a:rPr lang="id-ID" dirty="0" err="1" smtClean="0"/>
-              <a:t>broadcast</a:t>
-            </a:r>
-            <a:r>
-              <a:rPr lang="id-ID" dirty="0" smtClean="0"/>
-              <a:t> dari pengirim.</a:t>
-            </a:r>
-          </a:p>
-          <a:p>
-            <a:r>
-              <a:rPr lang="id-ID" dirty="0" err="1" smtClean="0"/>
-              <a:t>User</a:t>
-            </a:r>
-            <a:r>
-              <a:rPr lang="id-ID" dirty="0" smtClean="0"/>
-              <a:t> </a:t>
-            </a:r>
-            <a:r>
-              <a:rPr lang="id-ID" dirty="0"/>
-              <a:t>dapat memiliki banyak </a:t>
-            </a:r>
-            <a:r>
-              <a:rPr lang="id-ID" dirty="0" smtClean="0"/>
-              <a:t>Group.</a:t>
-            </a:r>
-          </a:p>
-          <a:p>
-            <a:r>
-              <a:rPr lang="id-ID" dirty="0" smtClean="0"/>
-              <a:t>Tabel ini dapat memiliki banyak </a:t>
-            </a:r>
-            <a:r>
-              <a:rPr lang="id-ID" dirty="0" err="1" smtClean="0"/>
-              <a:t>chat</a:t>
-            </a:r>
-            <a:r>
-              <a:rPr lang="id-ID" dirty="0" smtClean="0"/>
-              <a:t>.</a:t>
-            </a:r>
-          </a:p>
-        </p:txBody>
-      </p:sp>
-    </p:spTree>
-    <p:extLst>
-      <p:ext uri="{BB962C8B-B14F-4D97-AF65-F5344CB8AC3E}">
-        <p14:creationId xmlns:p14="http://schemas.microsoft.com/office/powerpoint/2010/main" val="1678688300"/>
-      </p:ext>
-    </p:extLst>
-  </p:cSld>
-  <p:clrMapOvr>
-    <a:masterClrMapping/>
-  </p:clrMapOvr>
-  <p:timing>
-    <p:tnLst>
-      <p:par>
-        <p:cTn id="1" dur="indefinite" restart="never" nodeType="tmRoot"/>
-      </p:par>
-    </p:tnLst>
-  </p:timing>
-</p:sld>
-</file>
-
 <file path=ppt/slides/slide38.xml><?xml version="1.0" encoding="utf-8"?>
 <p:sld xmlns:a="http://schemas.openxmlformats.org/drawingml/2006/main" xmlns:r="http://schemas.openxmlformats.org/officeDocument/2006/relationships" xmlns:p="http://schemas.openxmlformats.org/presentationml/2006/main">
   <p:cSld>
@@ -13864,7 +13822,11 @@
           <a:p>
             <a:r>
               <a:rPr lang="id-ID" dirty="0" smtClean="0"/>
-              <a:t>Tabel Server</a:t>
+              <a:t>Tabel </a:t>
+            </a:r>
+            <a:r>
+              <a:rPr lang="id-ID" dirty="0" err="1" smtClean="0"/>
+              <a:t>User</a:t>
             </a:r>
             <a:endParaRPr lang="id-ID" dirty="0"/>
           </a:p>
@@ -13883,13 +13845,119 @@
         <p:spPr/>
         <p:txBody>
           <a:bodyPr>
-            <a:normAutofit/>
+            <a:normAutofit fontScale="92500" lnSpcReduction="20000"/>
           </a:bodyPr>
           <a:lstStyle/>
           <a:p>
             <a:r>
-              <a:rPr lang="id-ID" dirty="0" smtClean="0"/>
-              <a:t>Tabel </a:t>
+              <a:rPr lang="id-ID" dirty="0" err="1"/>
+              <a:t>Field</a:t>
+            </a:r>
+            <a:r>
+              <a:rPr lang="id-ID" dirty="0"/>
+              <a:t> </a:t>
+            </a:r>
+            <a:r>
+              <a:rPr lang="id-ID" dirty="0" err="1"/>
+              <a:t>id</a:t>
+            </a:r>
+            <a:r>
+              <a:rPr lang="id-ID" dirty="0"/>
+              <a:t> berfungsi sebagai identitas unik dari </a:t>
+            </a:r>
+            <a:r>
+              <a:rPr lang="id-ID" dirty="0" err="1"/>
+              <a:t>user</a:t>
+            </a:r>
+            <a:r>
+              <a:rPr lang="id-ID" dirty="0" smtClean="0"/>
+              <a:t>.</a:t>
+            </a:r>
+          </a:p>
+          <a:p>
+            <a:r>
+              <a:rPr lang="id-ID" dirty="0" err="1" smtClean="0"/>
+              <a:t>Field</a:t>
+            </a:r>
+            <a:r>
+              <a:rPr lang="id-ID" dirty="0" smtClean="0"/>
+              <a:t> </a:t>
+            </a:r>
+            <a:r>
+              <a:rPr lang="id-ID" dirty="0" err="1"/>
+              <a:t>name</a:t>
+            </a:r>
+            <a:r>
+              <a:rPr lang="id-ID" dirty="0"/>
+              <a:t> berisi nama dari </a:t>
+            </a:r>
+            <a:r>
+              <a:rPr lang="id-ID" dirty="0" err="1" smtClean="0"/>
+              <a:t>user</a:t>
+            </a:r>
+            <a:r>
+              <a:rPr lang="id-ID" dirty="0" smtClean="0"/>
+              <a:t>.</a:t>
+            </a:r>
+          </a:p>
+          <a:p>
+            <a:r>
+              <a:rPr lang="id-ID" dirty="0" err="1" smtClean="0"/>
+              <a:t>Field</a:t>
+            </a:r>
+            <a:r>
+              <a:rPr lang="id-ID" dirty="0" smtClean="0"/>
+              <a:t> </a:t>
+            </a:r>
+            <a:r>
+              <a:rPr lang="id-ID" dirty="0" err="1"/>
+              <a:t>ip_address</a:t>
+            </a:r>
+            <a:r>
+              <a:rPr lang="id-ID" dirty="0"/>
+              <a:t> berisi alamat IP dari </a:t>
+            </a:r>
+            <a:r>
+              <a:rPr lang="id-ID" dirty="0" err="1" smtClean="0"/>
+              <a:t>user</a:t>
+            </a:r>
+            <a:r>
+              <a:rPr lang="id-ID" dirty="0" smtClean="0"/>
+              <a:t>.</a:t>
+            </a:r>
+          </a:p>
+          <a:p>
+            <a:r>
+              <a:rPr lang="id-ID" dirty="0" err="1" smtClean="0"/>
+              <a:t>Field</a:t>
+            </a:r>
+            <a:r>
+              <a:rPr lang="id-ID" dirty="0" smtClean="0"/>
+              <a:t> </a:t>
+            </a:r>
+            <a:r>
+              <a:rPr lang="id-ID" dirty="0" err="1" smtClean="0"/>
+              <a:t>id_server</a:t>
+            </a:r>
+            <a:r>
+              <a:rPr lang="id-ID" dirty="0" smtClean="0"/>
+              <a:t> berfungsi sebagai </a:t>
+            </a:r>
+            <a:r>
+              <a:rPr lang="id-ID" dirty="0" err="1" smtClean="0"/>
+              <a:t>foreign</a:t>
+            </a:r>
+            <a:r>
+              <a:rPr lang="id-ID" dirty="0" smtClean="0"/>
+              <a:t> </a:t>
+            </a:r>
+            <a:r>
+              <a:rPr lang="id-ID" dirty="0" err="1" smtClean="0"/>
+              <a:t>key</a:t>
+            </a:r>
+            <a:r>
+              <a:rPr lang="id-ID" dirty="0" smtClean="0"/>
+              <a:t> pada tabel </a:t>
             </a:r>
             <a:r>
               <a:rPr lang="id-ID" dirty="0" err="1" smtClean="0"/>
@@ -13897,7 +13965,15 @@
             </a:r>
             <a:r>
               <a:rPr lang="id-ID" dirty="0" smtClean="0"/>
-              <a:t> ini akan digunakan untuk konfigurasi awal </a:t>
+              <a:t>. </a:t>
+            </a:r>
+            <a:r>
+              <a:rPr lang="id-ID" dirty="0" err="1" smtClean="0"/>
+              <a:t>Field</a:t>
+            </a:r>
+            <a:r>
+              <a:rPr lang="id-ID" dirty="0" smtClean="0"/>
+              <a:t> ini mendefinisikan ke </a:t>
             </a:r>
             <a:r>
               <a:rPr lang="id-ID" dirty="0" err="1" smtClean="0"/>
@@ -13905,23 +13981,65 @@
             </a:r>
             <a:r>
               <a:rPr lang="id-ID" dirty="0" smtClean="0"/>
-              <a:t> dalam membuat koneksi(</a:t>
+              <a:t> </a:t>
             </a:r>
             <a:r>
               <a:rPr lang="id-ID" dirty="0" err="1" smtClean="0"/>
-              <a:t>socket</a:t>
-            </a:r>
-            <a:r>
-              <a:rPr lang="id-ID" dirty="0" smtClean="0"/>
-              <a:t>) dengan </a:t>
+              <a:t>manakan</a:t>
+            </a:r>
+            <a:r>
+              <a:rPr lang="id-ID" dirty="0" smtClean="0"/>
+              <a:t> terakhir </a:t>
             </a:r>
             <a:r>
               <a:rPr lang="id-ID" dirty="0" err="1" smtClean="0"/>
-              <a:t>server</a:t>
-            </a:r>
-            <a:r>
-              <a:rPr lang="id-ID" dirty="0" smtClean="0"/>
-              <a:t> lain.</a:t>
+              <a:t>client</a:t>
+            </a:r>
+            <a:r>
+              <a:rPr lang="id-ID" dirty="0" smtClean="0"/>
+              <a:t> terhubung.</a:t>
+            </a:r>
+          </a:p>
+          <a:p>
+            <a:r>
+              <a:rPr lang="id-ID" dirty="0" err="1"/>
+              <a:t>Field</a:t>
+            </a:r>
+            <a:r>
+              <a:rPr lang="id-ID" dirty="0"/>
+              <a:t> </a:t>
+            </a:r>
+            <a:r>
+              <a:rPr lang="id-ID" dirty="0" err="1"/>
+              <a:t>password</a:t>
+            </a:r>
+            <a:r>
+              <a:rPr lang="id-ID" dirty="0"/>
+              <a:t> berisi </a:t>
+            </a:r>
+            <a:r>
+              <a:rPr lang="id-ID" dirty="0" err="1"/>
+              <a:t>password</a:t>
+            </a:r>
+            <a:r>
+              <a:rPr lang="id-ID" dirty="0"/>
+              <a:t> yang digunakan </a:t>
+            </a:r>
+            <a:r>
+              <a:rPr lang="id-ID" dirty="0" err="1"/>
+              <a:t>user</a:t>
+            </a:r>
+            <a:r>
+              <a:rPr lang="id-ID" dirty="0"/>
+              <a:t> untuk melakukan </a:t>
+            </a:r>
+            <a:r>
+              <a:rPr lang="id-ID" dirty="0" err="1"/>
+              <a:t>login</a:t>
+            </a:r>
+            <a:r>
+              <a:rPr lang="id-ID" dirty="0" smtClean="0"/>
+              <a:t>.</a:t>
             </a:r>
           </a:p>
           <a:p>
@@ -13934,141 +14052,179 @@
               <a:t> </a:t>
             </a:r>
             <a:r>
+              <a:rPr lang="id-ID" dirty="0"/>
+              <a:t>status berisi penanda apakah </a:t>
+            </a:r>
+            <a:r>
+              <a:rPr lang="id-ID" dirty="0" err="1"/>
+              <a:t>user</a:t>
+            </a:r>
+            <a:r>
+              <a:rPr lang="id-ID" dirty="0"/>
+              <a:t> sedang </a:t>
+            </a:r>
+            <a:r>
+              <a:rPr lang="id-ID" dirty="0" err="1"/>
+              <a:t>online</a:t>
+            </a:r>
+            <a:r>
+              <a:rPr lang="id-ID" dirty="0"/>
+              <a:t> atau tidak. </a:t>
+            </a:r>
+            <a:endParaRPr lang="id-ID" dirty="0" smtClean="0"/>
+          </a:p>
+          <a:p>
+            <a:r>
+              <a:rPr lang="id-ID" dirty="0" err="1"/>
+              <a:t>Field</a:t>
+            </a:r>
+            <a:r>
+              <a:rPr lang="id-ID" dirty="0"/>
+              <a:t> </a:t>
+            </a:r>
+            <a:r>
+              <a:rPr lang="id-ID" dirty="0" err="1"/>
+              <a:t>public_key</a:t>
+            </a:r>
+            <a:r>
+              <a:rPr lang="id-ID" dirty="0"/>
+              <a:t> berisi </a:t>
+            </a:r>
+            <a:r>
+              <a:rPr lang="id-ID" dirty="0" err="1"/>
+              <a:t>public</a:t>
+            </a:r>
+            <a:r>
+              <a:rPr lang="id-ID" dirty="0"/>
+              <a:t> </a:t>
+            </a:r>
+            <a:r>
+              <a:rPr lang="id-ID" dirty="0" err="1"/>
+              <a:t>key</a:t>
+            </a:r>
+            <a:r>
+              <a:rPr lang="id-ID" dirty="0"/>
+              <a:t> milik </a:t>
+            </a:r>
+            <a:r>
+              <a:rPr lang="id-ID" dirty="0" err="1"/>
+              <a:t>user</a:t>
+            </a:r>
+            <a:r>
+              <a:rPr lang="id-ID" dirty="0"/>
+              <a:t> yang nantinya digunakan untuk </a:t>
+            </a:r>
+            <a:r>
+              <a:rPr lang="id-ID" dirty="0" err="1"/>
+              <a:t>mengenkripsi</a:t>
+            </a:r>
+            <a:r>
+              <a:rPr lang="id-ID" dirty="0"/>
+              <a:t> </a:t>
+            </a:r>
+            <a:r>
               <a:rPr lang="id-ID" dirty="0" err="1" smtClean="0"/>
-              <a:t>id</a:t>
-            </a:r>
-            <a:r>
-              <a:rPr lang="id-ID" dirty="0" smtClean="0"/>
-              <a:t> berfungsi sebagai identitas dari </a:t>
+              <a:t>message</a:t>
+            </a:r>
+            <a:r>
+              <a:rPr lang="id-ID" dirty="0" smtClean="0"/>
+              <a:t> jika </a:t>
             </a:r>
             <a:r>
               <a:rPr lang="id-ID" dirty="0" err="1" smtClean="0"/>
-              <a:t>server</a:t>
+              <a:t>message</a:t>
+            </a:r>
+            <a:r>
+              <a:rPr lang="id-ID" dirty="0" smtClean="0"/>
+              <a:t> yang dikirim </a:t>
+            </a:r>
+            <a:r>
+              <a:rPr lang="id-ID" dirty="0" err="1" smtClean="0"/>
+              <a:t>kan</a:t>
+            </a:r>
+            <a:r>
+              <a:rPr lang="id-ID" dirty="0" smtClean="0"/>
+              <a:t> ditujukan kepada </a:t>
+            </a:r>
+            <a:r>
+              <a:rPr lang="id-ID" dirty="0" err="1" smtClean="0"/>
+              <a:t>user</a:t>
+            </a:r>
+            <a:r>
+              <a:rPr lang="id-ID" dirty="0" smtClean="0"/>
+              <a:t>, dan </a:t>
+            </a:r>
+            <a:r>
+              <a:rPr lang="id-ID" dirty="0" err="1" smtClean="0"/>
+              <a:t>mengdekripsi</a:t>
+            </a:r>
+            <a:r>
+              <a:rPr lang="id-ID" dirty="0" smtClean="0"/>
+              <a:t> </a:t>
+            </a:r>
+            <a:r>
+              <a:rPr lang="id-ID" dirty="0" err="1" smtClean="0"/>
+              <a:t>message</a:t>
+            </a:r>
+            <a:r>
+              <a:rPr lang="id-ID" dirty="0" smtClean="0"/>
+              <a:t> jika </a:t>
+            </a:r>
+            <a:r>
+              <a:rPr lang="id-ID" dirty="0" err="1" smtClean="0"/>
+              <a:t>message</a:t>
+            </a:r>
+            <a:r>
+              <a:rPr lang="id-ID" dirty="0" smtClean="0"/>
+              <a:t> merupakan </a:t>
+            </a:r>
+            <a:r>
+              <a:rPr lang="id-ID" dirty="0" err="1" smtClean="0"/>
+              <a:t>broadcast</a:t>
+            </a:r>
+            <a:r>
+              <a:rPr lang="id-ID" dirty="0" smtClean="0"/>
+              <a:t> dari pengirim.</a:t>
+            </a:r>
+          </a:p>
+          <a:p>
+            <a:r>
+              <a:rPr lang="id-ID" dirty="0" err="1" smtClean="0"/>
+              <a:t>User</a:t>
+            </a:r>
+            <a:r>
+              <a:rPr lang="id-ID" dirty="0" smtClean="0"/>
+              <a:t> </a:t>
+            </a:r>
+            <a:r>
+              <a:rPr lang="id-ID" dirty="0"/>
+              <a:t>dapat memiliki banyak </a:t>
+            </a:r>
+            <a:r>
+              <a:rPr lang="id-ID" dirty="0" smtClean="0"/>
+              <a:t>Group.</a:t>
+            </a:r>
+          </a:p>
+          <a:p>
+            <a:r>
+              <a:rPr lang="id-ID" dirty="0" smtClean="0"/>
+              <a:t>Tabel ini dapat memiliki banyak </a:t>
+            </a:r>
+            <a:r>
+              <a:rPr lang="id-ID" dirty="0" err="1" smtClean="0"/>
+              <a:t>chat</a:t>
             </a:r>
             <a:r>
               <a:rPr lang="id-ID" dirty="0" smtClean="0"/>
               <a:t>.</a:t>
             </a:r>
-            <a:endParaRPr lang="id-ID" dirty="0"/>
-          </a:p>
-          <a:p>
-            <a:r>
-              <a:rPr lang="id-ID" dirty="0" err="1"/>
-              <a:t>Field</a:t>
-            </a:r>
-            <a:r>
-              <a:rPr lang="id-ID" dirty="0"/>
-              <a:t> </a:t>
-            </a:r>
-            <a:r>
-              <a:rPr lang="id-ID" dirty="0" err="1"/>
-              <a:t>ip_address</a:t>
-            </a:r>
-            <a:r>
-              <a:rPr lang="id-ID" dirty="0"/>
-              <a:t> berisi alamat IP dari </a:t>
-            </a:r>
-            <a:r>
-              <a:rPr lang="id-ID" dirty="0" err="1" smtClean="0"/>
-              <a:t>server</a:t>
-            </a:r>
-            <a:r>
-              <a:rPr lang="id-ID" dirty="0" smtClean="0"/>
-              <a:t>.</a:t>
-            </a:r>
-            <a:endParaRPr lang="id-ID" dirty="0"/>
-          </a:p>
-          <a:p>
-            <a:r>
-              <a:rPr lang="id-ID" dirty="0" err="1"/>
-              <a:t>Field</a:t>
-            </a:r>
-            <a:r>
-              <a:rPr lang="id-ID" dirty="0"/>
-              <a:t> </a:t>
-            </a:r>
-            <a:r>
-              <a:rPr lang="id-ID" dirty="0" err="1" smtClean="0"/>
-              <a:t>port</a:t>
-            </a:r>
-            <a:r>
-              <a:rPr lang="id-ID" dirty="0" smtClean="0"/>
-              <a:t> berisi </a:t>
-            </a:r>
-            <a:r>
-              <a:rPr lang="id-ID" dirty="0"/>
-              <a:t>alamat </a:t>
-            </a:r>
-            <a:r>
-              <a:rPr lang="id-ID" dirty="0" err="1" smtClean="0"/>
-              <a:t>port</a:t>
-            </a:r>
-            <a:r>
-              <a:rPr lang="id-ID" dirty="0" smtClean="0"/>
-              <a:t> </a:t>
-            </a:r>
-            <a:r>
-              <a:rPr lang="id-ID" dirty="0"/>
-              <a:t>dari </a:t>
-            </a:r>
-            <a:r>
-              <a:rPr lang="id-ID" dirty="0" err="1" smtClean="0"/>
-              <a:t>server</a:t>
-            </a:r>
-            <a:r>
-              <a:rPr lang="id-ID" dirty="0" smtClean="0"/>
-              <a:t>.</a:t>
-            </a:r>
-          </a:p>
-          <a:p>
-            <a:r>
-              <a:rPr lang="id-ID" dirty="0" err="1" smtClean="0"/>
-              <a:t>Field</a:t>
-            </a:r>
-            <a:r>
-              <a:rPr lang="id-ID" dirty="0" smtClean="0"/>
-              <a:t> status berisi dengan status </a:t>
-            </a:r>
-            <a:r>
-              <a:rPr lang="id-ID" dirty="0" err="1" smtClean="0"/>
-              <a:t>server</a:t>
-            </a:r>
-            <a:r>
-              <a:rPr lang="id-ID" dirty="0" smtClean="0"/>
-              <a:t> apakah </a:t>
-            </a:r>
-            <a:r>
-              <a:rPr lang="id-ID" dirty="0" err="1" smtClean="0"/>
-              <a:t>offline</a:t>
-            </a:r>
-            <a:r>
-              <a:rPr lang="id-ID" dirty="0" smtClean="0"/>
-              <a:t> ataukah </a:t>
-            </a:r>
-            <a:r>
-              <a:rPr lang="id-ID" dirty="0" err="1" smtClean="0"/>
-              <a:t>online</a:t>
-            </a:r>
-            <a:r>
-              <a:rPr lang="id-ID" dirty="0"/>
-              <a:t>.</a:t>
-            </a:r>
-          </a:p>
-          <a:p>
-            <a:endParaRPr lang="id-ID" dirty="0"/>
-          </a:p>
-          <a:p>
-            <a:endParaRPr lang="id-ID" dirty="0" smtClean="0"/>
-          </a:p>
-          <a:p>
-            <a:endParaRPr lang="id-ID" dirty="0" smtClean="0"/>
           </a:p>
         </p:txBody>
       </p:sp>
     </p:spTree>
     <p:extLst>
       <p:ext uri="{BB962C8B-B14F-4D97-AF65-F5344CB8AC3E}">
-        <p14:creationId xmlns:p14="http://schemas.microsoft.com/office/powerpoint/2010/main" val="2038851192"/>
+        <p14:creationId xmlns:p14="http://schemas.microsoft.com/office/powerpoint/2010/main" val="1678688300"/>
       </p:ext>
     </p:extLst>
   </p:cSld>
@@ -14118,12 +14274,8 @@
           <a:lstStyle/>
           <a:p>
             <a:r>
-              <a:rPr lang="id-ID" dirty="0"/>
-              <a:t>Tabel Chat dan </a:t>
-            </a:r>
-            <a:r>
-              <a:rPr lang="id-ID" dirty="0" err="1"/>
-              <a:t>Group_Chat</a:t>
+              <a:rPr lang="id-ID" dirty="0" smtClean="0"/>
+              <a:t>Tabel Server</a:t>
             </a:r>
             <a:endParaRPr lang="id-ID" dirty="0"/>
           </a:p>
@@ -14147,67 +14299,50 @@
           <a:lstStyle/>
           <a:p>
             <a:r>
-              <a:rPr lang="id-ID" dirty="0" err="1"/>
+              <a:rPr lang="id-ID" dirty="0" smtClean="0"/>
+              <a:t>Tabel </a:t>
+            </a:r>
+            <a:r>
+              <a:rPr lang="id-ID" dirty="0" err="1" smtClean="0"/>
+              <a:t>server</a:t>
+            </a:r>
+            <a:r>
+              <a:rPr lang="id-ID" dirty="0" smtClean="0"/>
+              <a:t> ini akan digunakan untuk konfigurasi awal </a:t>
+            </a:r>
+            <a:r>
+              <a:rPr lang="id-ID" dirty="0" err="1" smtClean="0"/>
+              <a:t>server</a:t>
+            </a:r>
+            <a:r>
+              <a:rPr lang="id-ID" dirty="0" smtClean="0"/>
+              <a:t> dalam membuat koneksi(</a:t>
+            </a:r>
+            <a:r>
+              <a:rPr lang="id-ID" dirty="0" err="1" smtClean="0"/>
+              <a:t>socket</a:t>
+            </a:r>
+            <a:r>
+              <a:rPr lang="id-ID" dirty="0" smtClean="0"/>
+              <a:t>) dengan </a:t>
+            </a:r>
+            <a:r>
+              <a:rPr lang="id-ID" dirty="0" err="1" smtClean="0"/>
+              <a:t>server</a:t>
+            </a:r>
+            <a:r>
+              <a:rPr lang="id-ID" dirty="0" smtClean="0"/>
+              <a:t> lain.</a:t>
+            </a:r>
+          </a:p>
+          <a:p>
+            <a:r>
+              <a:rPr lang="id-ID" dirty="0" err="1" smtClean="0"/>
               <a:t>Field</a:t>
             </a:r>
             <a:r>
-              <a:rPr lang="id-ID" dirty="0"/>
+              <a:rPr lang="id-ID" dirty="0" smtClean="0"/>
               <a:t> </a:t>
-            </a:r>
-            <a:r>
-              <a:rPr lang="id-ID" dirty="0" err="1"/>
-              <a:t>id_sender</a:t>
-            </a:r>
-            <a:r>
-              <a:rPr lang="id-ID" dirty="0"/>
-              <a:t> berisi </a:t>
-            </a:r>
-            <a:r>
-              <a:rPr lang="id-ID" dirty="0" err="1"/>
-              <a:t>id</a:t>
-            </a:r>
-            <a:r>
-              <a:rPr lang="id-ID" dirty="0"/>
-              <a:t> dari pengirim pesan sedangkan </a:t>
-            </a:r>
-            <a:r>
-              <a:rPr lang="id-ID" dirty="0" err="1"/>
-              <a:t>id_receiver</a:t>
-            </a:r>
-            <a:r>
-              <a:rPr lang="id-ID" dirty="0"/>
-              <a:t> berisi </a:t>
-            </a:r>
-            <a:r>
-              <a:rPr lang="id-ID" dirty="0" err="1"/>
-              <a:t>id</a:t>
-            </a:r>
-            <a:r>
-              <a:rPr lang="id-ID" dirty="0"/>
-              <a:t> dari penerima pesan. </a:t>
-            </a:r>
-            <a:endParaRPr lang="id-ID" dirty="0" smtClean="0"/>
-          </a:p>
-          <a:p>
-            <a:r>
-              <a:rPr lang="id-ID" dirty="0" smtClean="0"/>
-              <a:t>Pada </a:t>
-            </a:r>
-            <a:r>
-              <a:rPr lang="id-ID" dirty="0" err="1" smtClean="0"/>
-              <a:t>field</a:t>
-            </a:r>
-            <a:r>
-              <a:rPr lang="id-ID" dirty="0" smtClean="0"/>
-              <a:t> </a:t>
-            </a:r>
-            <a:r>
-              <a:rPr lang="id-ID" dirty="0" err="1" smtClean="0"/>
-              <a:t>id_receiver</a:t>
-            </a:r>
-            <a:r>
-              <a:rPr lang="id-ID" dirty="0" smtClean="0"/>
-              <a:t> di tabel Chat, dapat juga didefinisikan dengan </a:t>
             </a:r>
             <a:r>
               <a:rPr lang="id-ID" dirty="0" err="1" smtClean="0"/>
@@ -14215,16 +14350,44 @@
             </a:r>
             <a:r>
               <a:rPr lang="id-ID" dirty="0" smtClean="0"/>
+              <a:t> berfungsi sebagai identitas dari </a:t>
+            </a:r>
+            <a:r>
+              <a:rPr lang="id-ID" dirty="0" err="1" smtClean="0"/>
+              <a:t>server</a:t>
+            </a:r>
+            <a:r>
+              <a:rPr lang="id-ID" dirty="0" smtClean="0"/>
+              <a:t>.</a:t>
+            </a:r>
+            <a:endParaRPr lang="id-ID" dirty="0"/>
+          </a:p>
+          <a:p>
+            <a:r>
+              <a:rPr lang="id-ID" dirty="0" err="1"/>
+              <a:t>Field</a:t>
+            </a:r>
+            <a:r>
+              <a:rPr lang="id-ID" dirty="0"/>
               <a:t> </a:t>
             </a:r>
             <a:r>
+              <a:rPr lang="id-ID" dirty="0" err="1"/>
+              <a:t>ip_address</a:t>
+            </a:r>
+            <a:r>
+              <a:rPr lang="id-ID" dirty="0"/>
+              <a:t> berisi alamat IP dari </a:t>
+            </a:r>
+            <a:r>
               <a:rPr lang="id-ID" dirty="0" err="1" smtClean="0"/>
-              <a:t>broadcast</a:t>
-            </a:r>
-            <a:r>
-              <a:rPr lang="id-ID" dirty="0" smtClean="0"/>
-              <a:t>. </a:t>
-            </a:r>
+              <a:t>server</a:t>
+            </a:r>
+            <a:r>
+              <a:rPr lang="id-ID" dirty="0" smtClean="0"/>
+              <a:t>.</a:t>
+            </a:r>
+            <a:endParaRPr lang="id-ID" dirty="0"/>
           </a:p>
           <a:p>
             <a:r>
@@ -14236,14 +14399,37 @@
               <a:t> </a:t>
             </a:r>
             <a:r>
-              <a:rPr lang="id-ID" dirty="0" err="1"/>
-              <a:t>timestamp</a:t>
-            </a:r>
-            <a:r>
-              <a:rPr lang="id-ID" dirty="0"/>
-              <a:t> berisi waktu pesan dikirim. </a:t>
-            </a:r>
-            <a:endParaRPr lang="id-ID" dirty="0" smtClean="0"/>
+              <a:rPr lang="id-ID" dirty="0" err="1" smtClean="0"/>
+              <a:t>port</a:t>
+            </a:r>
+            <a:r>
+              <a:rPr lang="id-ID" dirty="0" smtClean="0"/>
+              <a:t> berisi </a:t>
+            </a:r>
+            <a:r>
+              <a:rPr lang="id-ID" dirty="0"/>
+              <a:t>alamat </a:t>
+            </a:r>
+            <a:r>
+              <a:rPr lang="id-ID" dirty="0" err="1" smtClean="0"/>
+              <a:t>port</a:t>
+            </a:r>
+            <a:r>
+              <a:rPr lang="id-ID" dirty="0" smtClean="0"/>
+              <a:t> </a:t>
+            </a:r>
+            <a:r>
+              <a:rPr lang="id-ID" dirty="0"/>
+              <a:t>dari </a:t>
+            </a:r>
+            <a:r>
+              <a:rPr lang="id-ID" dirty="0" err="1" smtClean="0"/>
+              <a:t>server</a:t>
+            </a:r>
+            <a:r>
+              <a:rPr lang="id-ID" dirty="0" smtClean="0"/>
+              <a:t>.</a:t>
+            </a:r>
           </a:p>
           <a:p>
             <a:r>
@@ -14252,74 +14438,38 @@
             </a:r>
             <a:r>
               <a:rPr lang="id-ID" dirty="0" smtClean="0"/>
-              <a:t> </a:t>
-            </a:r>
-            <a:r>
-              <a:rPr lang="id-ID" dirty="0" err="1"/>
-              <a:t>chat_message</a:t>
-            </a:r>
-            <a:r>
-              <a:rPr lang="id-ID" dirty="0"/>
-              <a:t> berisi isi pesan yang dikirimkan</a:t>
-            </a:r>
-            <a:r>
-              <a:rPr lang="id-ID" dirty="0" smtClean="0"/>
+              <a:t> status berisi dengan status </a:t>
+            </a:r>
+            <a:r>
+              <a:rPr lang="id-ID" dirty="0" err="1" smtClean="0"/>
+              <a:t>server</a:t>
+            </a:r>
+            <a:r>
+              <a:rPr lang="id-ID" dirty="0" smtClean="0"/>
+              <a:t> apakah </a:t>
+            </a:r>
+            <a:r>
+              <a:rPr lang="id-ID" dirty="0" err="1" smtClean="0"/>
+              <a:t>offline</a:t>
+            </a:r>
+            <a:r>
+              <a:rPr lang="id-ID" dirty="0" smtClean="0"/>
+              <a:t> ataukah </a:t>
+            </a:r>
+            <a:r>
+              <a:rPr lang="id-ID" dirty="0" err="1" smtClean="0"/>
+              <a:t>online</a:t>
+            </a:r>
+            <a:r>
+              <a:rPr lang="id-ID" dirty="0"/>
               <a:t>.</a:t>
             </a:r>
           </a:p>
           <a:p>
-            <a:r>
-              <a:rPr lang="id-ID" dirty="0"/>
-              <a:t>Tabel </a:t>
-            </a:r>
-            <a:r>
-              <a:rPr lang="id-ID" dirty="0" err="1" smtClean="0"/>
-              <a:t>chat</a:t>
-            </a:r>
-            <a:r>
-              <a:rPr lang="id-ID" dirty="0" smtClean="0"/>
-              <a:t> akan </a:t>
-            </a:r>
-            <a:r>
-              <a:rPr lang="id-ID" dirty="0"/>
-              <a:t>dimiliki oleh 1 orang </a:t>
-            </a:r>
-            <a:r>
-              <a:rPr lang="id-ID" dirty="0" err="1" smtClean="0"/>
-              <a:t>user</a:t>
-            </a:r>
-            <a:r>
-              <a:rPr lang="id-ID" dirty="0" smtClean="0"/>
-              <a:t>.</a:t>
-            </a:r>
             <a:endParaRPr lang="id-ID" dirty="0"/>
           </a:p>
           <a:p>
-            <a:r>
-              <a:rPr lang="id-ID" dirty="0"/>
-              <a:t>Tabel </a:t>
-            </a:r>
-            <a:r>
-              <a:rPr lang="id-ID" dirty="0" err="1" smtClean="0"/>
-              <a:t>group</a:t>
-            </a:r>
-            <a:r>
-              <a:rPr lang="id-ID" dirty="0" smtClean="0"/>
-              <a:t> </a:t>
-            </a:r>
-            <a:r>
-              <a:rPr lang="id-ID" dirty="0"/>
-              <a:t>akan dimiliki oleh 1 orang </a:t>
-            </a:r>
-            <a:r>
-              <a:rPr lang="id-ID" dirty="0" err="1" smtClean="0"/>
-              <a:t>group</a:t>
-            </a:r>
-            <a:r>
-              <a:rPr lang="id-ID" dirty="0" smtClean="0"/>
-              <a:t>.</a:t>
-            </a:r>
-            <a:endParaRPr lang="id-ID" dirty="0"/>
+            <a:endParaRPr lang="id-ID" dirty="0" smtClean="0"/>
           </a:p>
           <a:p>
             <a:endParaRPr lang="id-ID" dirty="0" smtClean="0"/>
@@ -14329,7 +14479,7 @@
     </p:spTree>
     <p:extLst>
       <p:ext uri="{BB962C8B-B14F-4D97-AF65-F5344CB8AC3E}">
-        <p14:creationId xmlns:p14="http://schemas.microsoft.com/office/powerpoint/2010/main" val="1601222981"/>
+        <p14:creationId xmlns:p14="http://schemas.microsoft.com/office/powerpoint/2010/main" val="2038851192"/>
       </p:ext>
     </p:extLst>
   </p:cSld>
@@ -14379,157 +14529,50 @@
           <a:lstStyle/>
           <a:p>
             <a:r>
-              <a:rPr lang="id-ID" b="1" dirty="0"/>
+              <a:rPr lang="id-ID" b="1" dirty="0" smtClean="0"/>
               <a:t>Arsitektur sistem (Gambaran Global)</a:t>
             </a:r>
             <a:endParaRPr lang="id-ID" dirty="0"/>
           </a:p>
         </p:txBody>
       </p:sp>
-      <p:sp>
-        <p:nvSpPr>
-          <p:cNvPr id="3" name="Content Placeholder 2"/>
-          <p:cNvSpPr>
-            <a:spLocks noGrp="1"/>
-          </p:cNvSpPr>
-          <p:nvPr>
-            <p:ph idx="1"/>
-          </p:nvPr>
-        </p:nvSpPr>
-        <p:spPr/>
-        <p:txBody>
-          <a:bodyPr/>
-          <a:lstStyle/>
-          <a:p>
-            <a:pPr marL="0" indent="0">
-              <a:buNone/>
-            </a:pPr>
-            <a:r>
-              <a:rPr lang="id-ID" dirty="0"/>
-              <a:t>Pada gambar </a:t>
-            </a:r>
-            <a:r>
-              <a:rPr lang="id-ID" dirty="0" smtClean="0"/>
-              <a:t>diagram arsitektur sebelumnya, semua </a:t>
-            </a:r>
-            <a:r>
-              <a:rPr lang="id-ID" dirty="0"/>
-              <a:t>Chat Server terhubung dengan Chat Server lainnya. </a:t>
-            </a:r>
-            <a:r>
-              <a:rPr lang="id-ID" dirty="0" err="1"/>
-              <a:t>Client</a:t>
-            </a:r>
-            <a:r>
-              <a:rPr lang="id-ID" dirty="0"/>
-              <a:t> yang terhubung dengan </a:t>
-            </a:r>
-            <a:r>
-              <a:rPr lang="id-ID" dirty="0" err="1"/>
-              <a:t>suatu</a:t>
-            </a:r>
-            <a:r>
-              <a:rPr lang="id-ID" dirty="0"/>
-              <a:t> Chat Server harus dapat berkomunikasi dengan </a:t>
-            </a:r>
-            <a:r>
-              <a:rPr lang="id-ID" dirty="0" err="1"/>
-              <a:t>Client</a:t>
-            </a:r>
-            <a:r>
-              <a:rPr lang="id-ID" dirty="0"/>
-              <a:t> yang terhubung dengan Chat </a:t>
-            </a:r>
-            <a:r>
-              <a:rPr lang="id-ID" dirty="0" err="1"/>
-              <a:t>server</a:t>
-            </a:r>
-            <a:r>
-              <a:rPr lang="id-ID" dirty="0"/>
-              <a:t> yang berbeda. Server akan memberikan saran </a:t>
-            </a:r>
-            <a:r>
-              <a:rPr lang="id-ID" dirty="0" err="1"/>
-              <a:t>server</a:t>
-            </a:r>
-            <a:r>
-              <a:rPr lang="id-ID" dirty="0"/>
-              <a:t> lain ketika kepenuhan dengan metode </a:t>
-            </a:r>
-            <a:r>
-              <a:rPr lang="id-ID" dirty="0" err="1"/>
-              <a:t>round-robin</a:t>
-            </a:r>
-            <a:r>
-              <a:rPr lang="id-ID" dirty="0"/>
-              <a:t>, yaitu dengan memberikan saran </a:t>
-            </a:r>
-            <a:r>
-              <a:rPr lang="id-ID" dirty="0" err="1"/>
-              <a:t>server</a:t>
-            </a:r>
-            <a:r>
-              <a:rPr lang="id-ID" dirty="0"/>
-              <a:t> secara berurutan hingga akhirnya kembali ke </a:t>
-            </a:r>
-            <a:r>
-              <a:rPr lang="id-ID" dirty="0" err="1"/>
-              <a:t>server</a:t>
-            </a:r>
-            <a:r>
-              <a:rPr lang="id-ID" dirty="0"/>
-              <a:t> itu sendiri jika seluruh </a:t>
-            </a:r>
-            <a:r>
-              <a:rPr lang="id-ID" dirty="0" err="1"/>
-              <a:t>server</a:t>
-            </a:r>
-            <a:r>
-              <a:rPr lang="id-ID" dirty="0"/>
-              <a:t> kepenuhan</a:t>
-            </a:r>
-            <a:r>
-              <a:rPr lang="id-ID" dirty="0" smtClean="0"/>
-              <a:t>. Setiap </a:t>
-            </a:r>
-            <a:r>
-              <a:rPr lang="id-ID" dirty="0" err="1" smtClean="0"/>
-              <a:t>server</a:t>
-            </a:r>
-            <a:r>
-              <a:rPr lang="id-ID" dirty="0" smtClean="0"/>
-              <a:t> memiliki </a:t>
-            </a:r>
-            <a:r>
-              <a:rPr lang="id-ID" dirty="0" err="1" smtClean="0"/>
-              <a:t>databasenya</a:t>
-            </a:r>
-            <a:r>
-              <a:rPr lang="id-ID" dirty="0" smtClean="0"/>
-              <a:t> masing-masing dan harus memiliki isi yang sama untuk setiap </a:t>
-            </a:r>
-            <a:r>
-              <a:rPr lang="id-ID" dirty="0" err="1" smtClean="0"/>
-              <a:t>servernya</a:t>
-            </a:r>
-            <a:r>
-              <a:rPr lang="id-ID" dirty="0" smtClean="0"/>
-              <a:t>. </a:t>
-            </a:r>
-            <a:endParaRPr lang="id-ID" dirty="0"/>
-          </a:p>
-          <a:p>
-            <a:pPr marL="0" indent="0">
-              <a:buNone/>
-            </a:pPr>
-            <a:endParaRPr lang="id-ID" dirty="0"/>
-          </a:p>
-        </p:txBody>
-      </p:sp>
+      <p:pic>
+        <p:nvPicPr>
+          <p:cNvPr id="4" name="Picture 3" descr="C:\Users\Ega Prianto\Documents\MEGA\SAT\Tugas Besar\Diagram Arsitektur Total.png"/>
+          <p:cNvPicPr/>
+          <p:nvPr/>
+        </p:nvPicPr>
+        <p:blipFill>
+          <a:blip r:embed="rId2">
+            <a:extLst>
+              <a:ext uri="{28A0092B-C50C-407E-A947-70E740481C1C}">
+                <a14:useLocalDpi xmlns:a14="http://schemas.microsoft.com/office/drawing/2010/main" val="0"/>
+              </a:ext>
+            </a:extLst>
+          </a:blip>
+          <a:srcRect/>
+          <a:stretch>
+            <a:fillRect/>
+          </a:stretch>
+        </p:blipFill>
+        <p:spPr bwMode="auto">
+          <a:xfrm>
+            <a:off x="2601913" y="2142067"/>
+            <a:ext cx="6299199" cy="4042615"/>
+          </a:xfrm>
+          <a:prstGeom prst="rect">
+            <a:avLst/>
+          </a:prstGeom>
+          <a:noFill/>
+          <a:ln>
+            <a:noFill/>
+          </a:ln>
+        </p:spPr>
+      </p:pic>
     </p:spTree>
     <p:extLst>
       <p:ext uri="{BB962C8B-B14F-4D97-AF65-F5344CB8AC3E}">
-        <p14:creationId xmlns:p14="http://schemas.microsoft.com/office/powerpoint/2010/main" val="2613997224"/>
+        <p14:creationId xmlns:p14="http://schemas.microsoft.com/office/powerpoint/2010/main" val="1298258912"/>
       </p:ext>
     </p:extLst>
   </p:cSld>
@@ -14547,6 +14590,267 @@
 </file>
 
 <file path=ppt/slides/slide40.xml><?xml version="1.0" encoding="utf-8"?>
+<p:sld xmlns:a="http://schemas.openxmlformats.org/drawingml/2006/main" xmlns:r="http://schemas.openxmlformats.org/officeDocument/2006/relationships" xmlns:p="http://schemas.openxmlformats.org/presentationml/2006/main">
+  <p:cSld>
+    <p:spTree>
+      <p:nvGrpSpPr>
+        <p:cNvPr id="1" name=""/>
+        <p:cNvGrpSpPr/>
+        <p:nvPr/>
+      </p:nvGrpSpPr>
+      <p:grpSpPr>
+        <a:xfrm>
+          <a:off x="0" y="0"/>
+          <a:ext cx="0" cy="0"/>
+          <a:chOff x="0" y="0"/>
+          <a:chExt cx="0" cy="0"/>
+        </a:xfrm>
+      </p:grpSpPr>
+      <p:sp>
+        <p:nvSpPr>
+          <p:cNvPr id="2" name="Title 1"/>
+          <p:cNvSpPr>
+            <a:spLocks noGrp="1"/>
+          </p:cNvSpPr>
+          <p:nvPr>
+            <p:ph type="title"/>
+          </p:nvPr>
+        </p:nvSpPr>
+        <p:spPr/>
+        <p:txBody>
+          <a:bodyPr/>
+          <a:lstStyle/>
+          <a:p>
+            <a:r>
+              <a:rPr lang="id-ID" dirty="0"/>
+              <a:t>Tabel Chat dan </a:t>
+            </a:r>
+            <a:r>
+              <a:rPr lang="id-ID" dirty="0" err="1"/>
+              <a:t>Group_Chat</a:t>
+            </a:r>
+            <a:endParaRPr lang="id-ID" dirty="0"/>
+          </a:p>
+        </p:txBody>
+      </p:sp>
+      <p:sp>
+        <p:nvSpPr>
+          <p:cNvPr id="3" name="Content Placeholder 2"/>
+          <p:cNvSpPr>
+            <a:spLocks noGrp="1"/>
+          </p:cNvSpPr>
+          <p:nvPr>
+            <p:ph idx="1"/>
+          </p:nvPr>
+        </p:nvSpPr>
+        <p:spPr/>
+        <p:txBody>
+          <a:bodyPr>
+            <a:normAutofit/>
+          </a:bodyPr>
+          <a:lstStyle/>
+          <a:p>
+            <a:r>
+              <a:rPr lang="id-ID" dirty="0" err="1"/>
+              <a:t>Field</a:t>
+            </a:r>
+            <a:r>
+              <a:rPr lang="id-ID" dirty="0"/>
+              <a:t> </a:t>
+            </a:r>
+            <a:r>
+              <a:rPr lang="id-ID" dirty="0" err="1"/>
+              <a:t>id_sender</a:t>
+            </a:r>
+            <a:r>
+              <a:rPr lang="id-ID" dirty="0"/>
+              <a:t> berisi </a:t>
+            </a:r>
+            <a:r>
+              <a:rPr lang="id-ID" dirty="0" err="1"/>
+              <a:t>id</a:t>
+            </a:r>
+            <a:r>
+              <a:rPr lang="id-ID" dirty="0"/>
+              <a:t> dari pengirim pesan sedangkan </a:t>
+            </a:r>
+            <a:r>
+              <a:rPr lang="id-ID" dirty="0" err="1"/>
+              <a:t>id_receiver</a:t>
+            </a:r>
+            <a:r>
+              <a:rPr lang="id-ID" dirty="0"/>
+              <a:t> berisi </a:t>
+            </a:r>
+            <a:r>
+              <a:rPr lang="id-ID" dirty="0" err="1"/>
+              <a:t>id</a:t>
+            </a:r>
+            <a:r>
+              <a:rPr lang="id-ID" dirty="0"/>
+              <a:t> dari penerima pesan. </a:t>
+            </a:r>
+            <a:endParaRPr lang="id-ID" dirty="0" smtClean="0"/>
+          </a:p>
+          <a:p>
+            <a:r>
+              <a:rPr lang="id-ID" dirty="0" smtClean="0"/>
+              <a:t>Pada </a:t>
+            </a:r>
+            <a:r>
+              <a:rPr lang="id-ID" dirty="0" err="1" smtClean="0"/>
+              <a:t>field</a:t>
+            </a:r>
+            <a:r>
+              <a:rPr lang="id-ID" dirty="0" smtClean="0"/>
+              <a:t> </a:t>
+            </a:r>
+            <a:r>
+              <a:rPr lang="id-ID" dirty="0" err="1" smtClean="0"/>
+              <a:t>id_receiver</a:t>
+            </a:r>
+            <a:r>
+              <a:rPr lang="id-ID" dirty="0" smtClean="0"/>
+              <a:t> di tabel Chat, dapat juga didefinisikan dengan </a:t>
+            </a:r>
+            <a:r>
+              <a:rPr lang="id-ID" dirty="0" err="1" smtClean="0"/>
+              <a:t>id</a:t>
+            </a:r>
+            <a:r>
+              <a:rPr lang="id-ID" dirty="0" smtClean="0"/>
+              <a:t> </a:t>
+            </a:r>
+            <a:r>
+              <a:rPr lang="id-ID" dirty="0" err="1" smtClean="0"/>
+              <a:t>broadcast</a:t>
+            </a:r>
+            <a:r>
+              <a:rPr lang="id-ID" dirty="0" smtClean="0"/>
+              <a:t>. </a:t>
+            </a:r>
+          </a:p>
+          <a:p>
+            <a:r>
+              <a:rPr lang="id-ID" dirty="0" err="1"/>
+              <a:t>Field</a:t>
+            </a:r>
+            <a:r>
+              <a:rPr lang="id-ID" dirty="0"/>
+              <a:t> </a:t>
+            </a:r>
+            <a:r>
+              <a:rPr lang="id-ID" dirty="0" err="1"/>
+              <a:t>timestamp</a:t>
+            </a:r>
+            <a:r>
+              <a:rPr lang="id-ID" dirty="0"/>
+              <a:t> berisi waktu pesan dikirim. </a:t>
+            </a:r>
+            <a:endParaRPr lang="id-ID" dirty="0" smtClean="0"/>
+          </a:p>
+          <a:p>
+            <a:r>
+              <a:rPr lang="id-ID" dirty="0" err="1" smtClean="0"/>
+              <a:t>Field</a:t>
+            </a:r>
+            <a:r>
+              <a:rPr lang="id-ID" dirty="0" smtClean="0"/>
+              <a:t> </a:t>
+            </a:r>
+            <a:r>
+              <a:rPr lang="id-ID" dirty="0" err="1"/>
+              <a:t>chat_message</a:t>
+            </a:r>
+            <a:r>
+              <a:rPr lang="id-ID" dirty="0"/>
+              <a:t> berisi isi pesan yang dikirimkan</a:t>
+            </a:r>
+            <a:r>
+              <a:rPr lang="id-ID" dirty="0" smtClean="0"/>
+              <a:t>.</a:t>
+            </a:r>
+          </a:p>
+          <a:p>
+            <a:r>
+              <a:rPr lang="id-ID" dirty="0"/>
+              <a:t>Tabel </a:t>
+            </a:r>
+            <a:r>
+              <a:rPr lang="id-ID" dirty="0" err="1" smtClean="0"/>
+              <a:t>chat</a:t>
+            </a:r>
+            <a:r>
+              <a:rPr lang="id-ID" dirty="0" smtClean="0"/>
+              <a:t> akan </a:t>
+            </a:r>
+            <a:r>
+              <a:rPr lang="id-ID" dirty="0"/>
+              <a:t>dimiliki oleh 1 orang </a:t>
+            </a:r>
+            <a:r>
+              <a:rPr lang="id-ID" dirty="0" err="1" smtClean="0"/>
+              <a:t>user</a:t>
+            </a:r>
+            <a:r>
+              <a:rPr lang="id-ID" dirty="0" smtClean="0"/>
+              <a:t>.</a:t>
+            </a:r>
+            <a:endParaRPr lang="id-ID" dirty="0"/>
+          </a:p>
+          <a:p>
+            <a:r>
+              <a:rPr lang="id-ID" dirty="0"/>
+              <a:t>Tabel </a:t>
+            </a:r>
+            <a:r>
+              <a:rPr lang="id-ID" dirty="0" err="1" smtClean="0"/>
+              <a:t>group</a:t>
+            </a:r>
+            <a:r>
+              <a:rPr lang="id-ID" dirty="0" smtClean="0"/>
+              <a:t> </a:t>
+            </a:r>
+            <a:r>
+              <a:rPr lang="id-ID" dirty="0"/>
+              <a:t>akan dimiliki oleh 1 orang </a:t>
+            </a:r>
+            <a:r>
+              <a:rPr lang="id-ID" dirty="0" err="1" smtClean="0"/>
+              <a:t>group</a:t>
+            </a:r>
+            <a:r>
+              <a:rPr lang="id-ID" dirty="0" smtClean="0"/>
+              <a:t>.</a:t>
+            </a:r>
+            <a:endParaRPr lang="id-ID" dirty="0"/>
+          </a:p>
+          <a:p>
+            <a:endParaRPr lang="id-ID" dirty="0" smtClean="0"/>
+          </a:p>
+        </p:txBody>
+      </p:sp>
+    </p:spTree>
+    <p:extLst>
+      <p:ext uri="{BB962C8B-B14F-4D97-AF65-F5344CB8AC3E}">
+        <p14:creationId xmlns:p14="http://schemas.microsoft.com/office/powerpoint/2010/main" val="1601222981"/>
+      </p:ext>
+    </p:extLst>
+  </p:cSld>
+  <p:clrMapOvr>
+    <a:masterClrMapping/>
+  </p:clrMapOvr>
+  <p:timing>
+    <p:tnLst>
+      <p:par>
+        <p:cTn id="1" dur="indefinite" restart="never" nodeType="tmRoot"/>
+      </p:par>
+    </p:tnLst>
+  </p:timing>
+</p:sld>
+</file>
+
+<file path=ppt/slides/slide41.xml><?xml version="1.0" encoding="utf-8"?>
 <p:sld xmlns:a="http://schemas.openxmlformats.org/drawingml/2006/main" xmlns:r="http://schemas.openxmlformats.org/officeDocument/2006/relationships" xmlns:p="http://schemas.openxmlformats.org/presentationml/2006/main">
   <p:cSld>
     <p:spTree>
@@ -14758,10 +15062,10 @@
           <a:lstStyle/>
           <a:p>
             <a:r>
-              <a:rPr lang="id-ID" b="1" dirty="0" smtClean="0"/>
-              <a:t>Arsitektur sistem (Protokol komunikasi)</a:t>
-            </a:r>
-            <a:endParaRPr lang="id-ID" b="1" dirty="0"/>
+              <a:rPr lang="id-ID" b="1" dirty="0"/>
+              <a:t>Arsitektur sistem (Gambaran Global)</a:t>
+            </a:r>
+            <a:endParaRPr lang="id-ID" dirty="0"/>
           </a:p>
         </p:txBody>
       </p:sp>
@@ -14777,125 +15081,138 @@
         </p:nvSpPr>
         <p:spPr/>
         <p:txBody>
-          <a:bodyPr>
-            <a:normAutofit/>
-          </a:bodyPr>
+          <a:bodyPr/>
           <a:lstStyle/>
           <a:p>
-            <a:r>
-              <a:rPr lang="id-ID" sz="2800" dirty="0"/>
-              <a:t>Data yang akan dikirimkan akan berupa </a:t>
-            </a:r>
-            <a:r>
-              <a:rPr lang="id-ID" sz="2800" dirty="0" err="1"/>
-              <a:t>string</a:t>
-            </a:r>
-            <a:r>
-              <a:rPr lang="id-ID" sz="2800" dirty="0"/>
+            <a:pPr marL="0" indent="0">
+              <a:buNone/>
+            </a:pPr>
+            <a:r>
+              <a:rPr lang="id-ID" dirty="0"/>
+              <a:t>Pada gambar </a:t>
+            </a:r>
+            <a:r>
+              <a:rPr lang="id-ID" dirty="0" smtClean="0"/>
+              <a:t>diagram arsitektur sebelumnya, semua </a:t>
+            </a:r>
+            <a:r>
+              <a:rPr lang="id-ID" dirty="0"/>
+              <a:t>Chat Server terhubung dengan Chat Server lainnya. </a:t>
+            </a:r>
+            <a:r>
+              <a:rPr lang="id-ID" dirty="0" err="1"/>
+              <a:t>Client</a:t>
+            </a:r>
+            <a:r>
+              <a:rPr lang="id-ID" dirty="0"/>
+              <a:t> yang terhubung dengan </a:t>
+            </a:r>
+            <a:r>
+              <a:rPr lang="id-ID" dirty="0" err="1"/>
+              <a:t>suatu</a:t>
+            </a:r>
+            <a:r>
+              <a:rPr lang="id-ID" dirty="0"/>
+              <a:t> Chat Server harus dapat berkomunikasi dengan </a:t>
+            </a:r>
+            <a:r>
+              <a:rPr lang="id-ID" dirty="0" err="1"/>
+              <a:t>Client</a:t>
+            </a:r>
+            <a:r>
+              <a:rPr lang="id-ID" dirty="0"/>
+              <a:t> yang terhubung dengan Chat </a:t>
+            </a:r>
+            <a:r>
+              <a:rPr lang="id-ID" dirty="0" err="1"/>
+              <a:t>server</a:t>
+            </a:r>
+            <a:r>
+              <a:rPr lang="id-ID" dirty="0"/>
+              <a:t> yang berbeda. Server akan memberikan saran </a:t>
+            </a:r>
+            <a:r>
+              <a:rPr lang="id-ID" dirty="0" err="1"/>
+              <a:t>server</a:t>
+            </a:r>
+            <a:r>
+              <a:rPr lang="id-ID" dirty="0"/>
+              <a:t> lain ketika kepenuhan dengan metode </a:t>
+            </a:r>
+            <a:r>
+              <a:rPr lang="id-ID" dirty="0" err="1"/>
+              <a:t>round-robin</a:t>
+            </a:r>
+            <a:r>
+              <a:rPr lang="id-ID" dirty="0"/>
+              <a:t>, yaitu dengan memberikan saran </a:t>
+            </a:r>
+            <a:r>
+              <a:rPr lang="id-ID" dirty="0" err="1"/>
+              <a:t>server</a:t>
+            </a:r>
+            <a:r>
+              <a:rPr lang="id-ID" dirty="0"/>
+              <a:t> secara berurutan hingga akhirnya kembali ke </a:t>
+            </a:r>
+            <a:r>
+              <a:rPr lang="id-ID" dirty="0" err="1"/>
+              <a:t>server</a:t>
+            </a:r>
+            <a:r>
+              <a:rPr lang="id-ID" dirty="0"/>
+              <a:t> itu sendiri jika seluruh </a:t>
+            </a:r>
+            <a:r>
+              <a:rPr lang="id-ID" dirty="0" err="1"/>
+              <a:t>server</a:t>
+            </a:r>
+            <a:r>
+              <a:rPr lang="id-ID" dirty="0"/>
+              <a:t> kepenuhan</a:t>
+            </a:r>
+            <a:r>
+              <a:rPr lang="id-ID" dirty="0" smtClean="0"/>
+              <a:t>. Setiap </a:t>
+            </a:r>
+            <a:r>
+              <a:rPr lang="id-ID" dirty="0" err="1" smtClean="0"/>
+              <a:t>server</a:t>
+            </a:r>
+            <a:r>
+              <a:rPr lang="id-ID" dirty="0" smtClean="0"/>
+              <a:t> memiliki </a:t>
+            </a:r>
+            <a:r>
+              <a:rPr lang="id-ID" dirty="0" err="1" smtClean="0"/>
+              <a:t>databasenya</a:t>
+            </a:r>
+            <a:r>
+              <a:rPr lang="id-ID" dirty="0" smtClean="0"/>
+              <a:t> masing-masing dan harus memiliki isi yang sama untuk setiap </a:t>
+            </a:r>
+            <a:r>
+              <a:rPr lang="id-ID" dirty="0" err="1" smtClean="0"/>
+              <a:t>servernya</a:t>
+            </a:r>
+            <a:r>
+              <a:rPr lang="id-ID" dirty="0" smtClean="0"/>
               <a:t>. </a:t>
             </a:r>
-            <a:r>
-              <a:rPr lang="id-ID" sz="2800" dirty="0" err="1"/>
-              <a:t>String</a:t>
-            </a:r>
-            <a:r>
-              <a:rPr lang="id-ID" sz="2800" dirty="0"/>
-              <a:t> tersebut akan memiliki karakter </a:t>
-            </a:r>
-            <a:r>
-              <a:rPr lang="id-ID" sz="2800" dirty="0" err="1"/>
-              <a:t>semicolon</a:t>
-            </a:r>
-            <a:r>
-              <a:rPr lang="id-ID" sz="2800" dirty="0"/>
-              <a:t>(;) sebagai </a:t>
-            </a:r>
-            <a:r>
-              <a:rPr lang="id-ID" sz="2800" dirty="0" err="1"/>
-              <a:t>separator</a:t>
-            </a:r>
-            <a:r>
-              <a:rPr lang="id-ID" sz="2800" dirty="0"/>
-              <a:t>. </a:t>
-            </a:r>
-            <a:r>
-              <a:rPr lang="id-ID" sz="2800" dirty="0" err="1"/>
-              <a:t>String</a:t>
-            </a:r>
-            <a:r>
-              <a:rPr lang="id-ID" sz="2800" dirty="0"/>
-              <a:t> data tersebut akan berformat sebagai berikut:</a:t>
-            </a:r>
-          </a:p>
-          <a:p>
-            <a:r>
-              <a:rPr lang="id-ID" sz="2800" dirty="0"/>
-              <a:t>{</a:t>
-            </a:r>
-            <a:r>
-              <a:rPr lang="id-ID" sz="2800" dirty="0" err="1"/>
-              <a:t>command</a:t>
-            </a:r>
-            <a:r>
-              <a:rPr lang="id-ID" sz="2800" dirty="0"/>
-              <a:t>};{</a:t>
-            </a:r>
-            <a:r>
-              <a:rPr lang="id-ID" sz="2800" dirty="0" err="1"/>
-              <a:t>server_load</a:t>
-            </a:r>
-            <a:r>
-              <a:rPr lang="id-ID" sz="2800" dirty="0"/>
-              <a:t>};{</a:t>
-            </a:r>
-            <a:r>
-              <a:rPr lang="id-ID" sz="2800" dirty="0" err="1"/>
-              <a:t>source_type</a:t>
-            </a:r>
-            <a:r>
-              <a:rPr lang="id-ID" sz="2800" dirty="0"/>
-              <a:t>};{</a:t>
-            </a:r>
-            <a:r>
-              <a:rPr lang="id-ID" sz="2800" dirty="0" err="1"/>
-              <a:t>body_data</a:t>
-            </a:r>
-            <a:r>
-              <a:rPr lang="id-ID" sz="2800" dirty="0" smtClean="0"/>
-              <a:t>}</a:t>
-            </a:r>
-          </a:p>
-          <a:p>
-            <a:r>
-              <a:rPr lang="id-ID" sz="2800" dirty="0"/>
-              <a:t>Bagian-bagian tersebut </a:t>
-            </a:r>
-            <a:r>
-              <a:rPr lang="id-ID" sz="2800" dirty="0" smtClean="0"/>
-              <a:t>akan dijelaskan pada </a:t>
-            </a:r>
-            <a:r>
-              <a:rPr lang="id-ID" sz="2800" dirty="0" err="1" smtClean="0"/>
-              <a:t>slide</a:t>
-            </a:r>
-            <a:r>
-              <a:rPr lang="id-ID" sz="2800" dirty="0" smtClean="0"/>
-              <a:t> berikutnya.</a:t>
-            </a:r>
-            <a:endParaRPr lang="id-ID" sz="2800" dirty="0"/>
-          </a:p>
-          <a:p>
-            <a:endParaRPr lang="id-ID" sz="2800" dirty="0"/>
-          </a:p>
-          <a:p>
-            <a:endParaRPr lang="id-ID" sz="2800" dirty="0"/>
+            <a:endParaRPr lang="id-ID" dirty="0"/>
+          </a:p>
+          <a:p>
+            <a:pPr marL="0" indent="0">
+              <a:buNone/>
+            </a:pPr>
+            <a:endParaRPr lang="id-ID" dirty="0"/>
           </a:p>
         </p:txBody>
       </p:sp>
     </p:spTree>
     <p:extLst>
       <p:ext uri="{BB962C8B-B14F-4D97-AF65-F5344CB8AC3E}">
-        <p14:creationId xmlns:p14="http://schemas.microsoft.com/office/powerpoint/2010/main" val="1335769359"/>
+        <p14:creationId xmlns:p14="http://schemas.microsoft.com/office/powerpoint/2010/main" val="2613997224"/>
       </p:ext>
     </p:extLst>
   </p:cSld>
@@ -14945,18 +15262,10 @@
           <a:lstStyle/>
           <a:p>
             <a:r>
-              <a:rPr lang="id-ID" b="1" dirty="0"/>
-              <a:t>Arsitektur sistem </a:t>
-            </a:r>
-            <a:r>
               <a:rPr lang="id-ID" b="1" dirty="0" smtClean="0"/>
-              <a:t>(bagian-bagian Protokol </a:t>
-            </a:r>
-            <a:r>
-              <a:rPr lang="id-ID" b="1" dirty="0"/>
-              <a:t>komunikasi)</a:t>
-            </a:r>
-            <a:endParaRPr lang="id-ID" dirty="0"/>
+              <a:t>Arsitektur sistem (Protokol komunikasi)</a:t>
+            </a:r>
+            <a:endParaRPr lang="id-ID" b="1" dirty="0"/>
           </a:p>
         </p:txBody>
       </p:sp>
@@ -14977,7 +15286,52 @@
           </a:bodyPr>
           <a:lstStyle/>
           <a:p>
-            <a:pPr lvl="0"/>
+            <a:r>
+              <a:rPr lang="id-ID" sz="2800" dirty="0"/>
+              <a:t>Data yang akan dikirimkan akan berupa </a:t>
+            </a:r>
+            <a:r>
+              <a:rPr lang="id-ID" sz="2800" dirty="0" err="1"/>
+              <a:t>string</a:t>
+            </a:r>
+            <a:r>
+              <a:rPr lang="id-ID" sz="2800" dirty="0"/>
+              <a:t>. </a:t>
+            </a:r>
+            <a:r>
+              <a:rPr lang="id-ID" sz="2800" dirty="0" err="1"/>
+              <a:t>String</a:t>
+            </a:r>
+            <a:r>
+              <a:rPr lang="id-ID" sz="2800" dirty="0"/>
+              <a:t> tersebut akan memiliki karakter </a:t>
+            </a:r>
+            <a:r>
+              <a:rPr lang="id-ID" sz="2800" dirty="0" err="1"/>
+              <a:t>semicolon</a:t>
+            </a:r>
+            <a:r>
+              <a:rPr lang="id-ID" sz="2800" dirty="0"/>
+              <a:t>(;) sebagai </a:t>
+            </a:r>
+            <a:r>
+              <a:rPr lang="id-ID" sz="2800" dirty="0" err="1"/>
+              <a:t>separator</a:t>
+            </a:r>
+            <a:r>
+              <a:rPr lang="id-ID" sz="2800" dirty="0"/>
+              <a:t>. </a:t>
+            </a:r>
+            <a:r>
+              <a:rPr lang="id-ID" sz="2800" dirty="0" err="1"/>
+              <a:t>String</a:t>
+            </a:r>
+            <a:r>
+              <a:rPr lang="id-ID" sz="2800" dirty="0"/>
+              <a:t> data tersebut akan berformat sebagai berikut:</a:t>
+            </a:r>
+          </a:p>
+          <a:p>
             <a:r>
               <a:rPr lang="id-ID" sz="2800" dirty="0"/>
               <a:t>{</a:t>
@@ -14988,56 +15342,54 @@
             </a:r>
             <a:r>
               <a:rPr lang="id-ID" sz="2800" dirty="0"/>
-              <a:t>} akan mendefinisikan jenis perintah apa yang di minta </a:t>
+              <a:t>};{</a:t>
             </a:r>
             <a:r>
               <a:rPr lang="id-ID" sz="2800" dirty="0" err="1"/>
-              <a:t>client</a:t>
+              <a:t>server_load</a:t>
             </a:r>
             <a:r>
               <a:rPr lang="id-ID" sz="2800" dirty="0"/>
-              <a:t>. Perintah-perintah yang dimaksud adalah seperti </a:t>
+              <a:t>};{</a:t>
             </a:r>
             <a:r>
               <a:rPr lang="id-ID" sz="2800" dirty="0" err="1"/>
-              <a:t>chatSend</a:t>
+              <a:t>source_type</a:t>
             </a:r>
             <a:r>
               <a:rPr lang="id-ID" sz="2800" dirty="0"/>
-              <a:t>, register, </a:t>
+              <a:t>};{</a:t>
             </a:r>
             <a:r>
               <a:rPr lang="id-ID" sz="2800" dirty="0" err="1"/>
-              <a:t>createGroup</a:t>
-            </a:r>
+              <a:t>body_data</a:t>
+            </a:r>
+            <a:r>
+              <a:rPr lang="id-ID" sz="2800" dirty="0" smtClean="0"/>
+              <a:t>}</a:t>
+            </a:r>
+          </a:p>
+          <a:p>
             <a:r>
               <a:rPr lang="id-ID" sz="2800" dirty="0"/>
-              <a:t>, dan lain-lain. </a:t>
-            </a:r>
-            <a:r>
-              <a:rPr lang="id-ID" sz="2800" dirty="0" err="1"/>
-              <a:t>Command</a:t>
-            </a:r>
-            <a:r>
-              <a:rPr lang="id-ID" sz="2800" dirty="0"/>
-              <a:t> ini akan direpresentasikan dengan </a:t>
-            </a:r>
-            <a:r>
-              <a:rPr lang="id-ID" sz="2800" dirty="0" err="1"/>
-              <a:t>integer</a:t>
-            </a:r>
-            <a:r>
-              <a:rPr lang="id-ID" sz="2800" dirty="0"/>
-              <a:t>. Misalkan </a:t>
-            </a:r>
-            <a:r>
-              <a:rPr lang="id-ID" sz="2800" dirty="0" err="1"/>
-              <a:t>chatSend</a:t>
-            </a:r>
-            <a:r>
-              <a:rPr lang="id-ID" sz="2800" dirty="0"/>
-              <a:t> direpresentasikan dengan angka 1, dan register direpresentasikan dengan angka 2, dan lain-lain. </a:t>
-            </a:r>
+              <a:t>Bagian-bagian tersebut </a:t>
+            </a:r>
+            <a:r>
+              <a:rPr lang="id-ID" sz="2800" dirty="0" smtClean="0"/>
+              <a:t>akan dijelaskan pada </a:t>
+            </a:r>
+            <a:r>
+              <a:rPr lang="id-ID" sz="2800" dirty="0" err="1" smtClean="0"/>
+              <a:t>slide</a:t>
+            </a:r>
+            <a:r>
+              <a:rPr lang="id-ID" sz="2800" dirty="0" smtClean="0"/>
+              <a:t> berikutnya.</a:t>
+            </a:r>
+            <a:endParaRPr lang="id-ID" sz="2800" dirty="0"/>
+          </a:p>
+          <a:p>
+            <a:endParaRPr lang="id-ID" sz="2800" dirty="0"/>
           </a:p>
           <a:p>
             <a:endParaRPr lang="id-ID" sz="2800" dirty="0"/>
@@ -15047,7 +15399,7 @@
     </p:spTree>
     <p:extLst>
       <p:ext uri="{BB962C8B-B14F-4D97-AF65-F5344CB8AC3E}">
-        <p14:creationId xmlns:p14="http://schemas.microsoft.com/office/powerpoint/2010/main" val="3277115741"/>
+        <p14:creationId xmlns:p14="http://schemas.microsoft.com/office/powerpoint/2010/main" val="1335769359"/>
       </p:ext>
     </p:extLst>
   </p:cSld>
@@ -15136,33 +15488,11 @@
             </a:r>
             <a:r>
               <a:rPr lang="id-ID" sz="2800" dirty="0" err="1"/>
-              <a:t>server_load</a:t>
-            </a:r>
-            <a:r>
-              <a:rPr lang="id-ID" sz="2800" dirty="0" smtClean="0"/>
-              <a:t>} Bagian ini akan mendefinisikan seberapa besar </a:t>
-            </a:r>
-            <a:r>
-              <a:rPr lang="id-ID" sz="2800" dirty="0" err="1" smtClean="0"/>
-              <a:t>server</a:t>
-            </a:r>
-            <a:r>
-              <a:rPr lang="id-ID" sz="2800" dirty="0" smtClean="0"/>
-              <a:t> pengirim sedang memproses.</a:t>
-            </a:r>
-          </a:p>
-          <a:p>
+              <a:t>command</a:t>
+            </a:r>
             <a:r>
               <a:rPr lang="id-ID" sz="2800" dirty="0"/>
-              <a:t>{</a:t>
-            </a:r>
-            <a:r>
-              <a:rPr lang="id-ID" sz="2800" dirty="0" err="1"/>
-              <a:t>source_type</a:t>
-            </a:r>
-            <a:r>
-              <a:rPr lang="id-ID" sz="2800" dirty="0"/>
-              <a:t>} akan mendefinisikan sumber paket itu dikirimkan. Sumber-sumber yang dimaksud adalah sumber dari </a:t>
+              <a:t>} akan mendefinisikan jenis perintah apa yang di minta </a:t>
             </a:r>
             <a:r>
               <a:rPr lang="id-ID" sz="2800" dirty="0" err="1"/>
@@ -15170,43 +15500,50 @@
             </a:r>
             <a:r>
               <a:rPr lang="id-ID" sz="2800" dirty="0"/>
-              <a:t> atau dari </a:t>
+              <a:t>. Perintah-perintah yang dimaksud adalah seperti </a:t>
             </a:r>
             <a:r>
               <a:rPr lang="id-ID" sz="2800" dirty="0" err="1"/>
-              <a:t>server</a:t>
+              <a:t>chatSend</a:t>
             </a:r>
             <a:r>
               <a:rPr lang="id-ID" sz="2800" dirty="0"/>
-              <a:t>. Seperti pada bagian {</a:t>
+              <a:t>, register, </a:t>
             </a:r>
             <a:r>
               <a:rPr lang="id-ID" sz="2800" dirty="0" err="1"/>
-              <a:t>command</a:t>
+              <a:t>createGroup</a:t>
             </a:r>
             <a:r>
               <a:rPr lang="id-ID" sz="2800" dirty="0"/>
-              <a:t>}, bagian ini juga akan direpresentasikan dengan angka. 1 berarti </a:t>
+              <a:t>, dan lain-lain. </a:t>
             </a:r>
             <a:r>
               <a:rPr lang="id-ID" sz="2800" dirty="0" err="1"/>
-              <a:t>client</a:t>
+              <a:t>Command</a:t>
             </a:r>
             <a:r>
               <a:rPr lang="id-ID" sz="2800" dirty="0"/>
-              <a:t> dan 2 berarti </a:t>
+              <a:t> ini akan direpresentasikan dengan </a:t>
             </a:r>
             <a:r>
               <a:rPr lang="id-ID" sz="2800" dirty="0" err="1"/>
-              <a:t>server</a:t>
+              <a:t>integer</a:t>
             </a:r>
             <a:r>
               <a:rPr lang="id-ID" sz="2800" dirty="0"/>
-              <a:t>.</a:t>
-            </a:r>
-          </a:p>
-          <a:p>
-            <a:pPr lvl="0"/>
+              <a:t>. Misalkan </a:t>
+            </a:r>
+            <a:r>
+              <a:rPr lang="id-ID" sz="2800" dirty="0" err="1"/>
+              <a:t>chatSend</a:t>
+            </a:r>
+            <a:r>
+              <a:rPr lang="id-ID" sz="2800" dirty="0"/>
+              <a:t> direpresentasikan dengan angka 1, dan register direpresentasikan dengan angka 2, dan lain-lain. </a:t>
+            </a:r>
+          </a:p>
+          <a:p>
             <a:endParaRPr lang="id-ID" sz="2800" dirty="0"/>
           </a:p>
         </p:txBody>
@@ -15214,7 +15551,7 @@
     </p:spTree>
     <p:extLst>
       <p:ext uri="{BB962C8B-B14F-4D97-AF65-F5344CB8AC3E}">
-        <p14:creationId xmlns:p14="http://schemas.microsoft.com/office/powerpoint/2010/main" val="1181158986"/>
+        <p14:creationId xmlns:p14="http://schemas.microsoft.com/office/powerpoint/2010/main" val="3277115741"/>
       </p:ext>
     </p:extLst>
   </p:cSld>
@@ -15298,53 +15635,82 @@
           <a:p>
             <a:pPr lvl="0"/>
             <a:r>
+              <a:rPr lang="id-ID" sz="2800" dirty="0"/>
+              <a:t>{</a:t>
+            </a:r>
+            <a:r>
+              <a:rPr lang="id-ID" sz="2800" dirty="0" err="1"/>
+              <a:t>server_load</a:t>
+            </a:r>
+            <a:r>
               <a:rPr lang="id-ID" sz="2800" dirty="0" smtClean="0"/>
+              <a:t>} Bagian ini akan mendefinisikan seberapa besar </a:t>
+            </a:r>
+            <a:r>
+              <a:rPr lang="id-ID" sz="2800" dirty="0" err="1" smtClean="0"/>
+              <a:t>server</a:t>
+            </a:r>
+            <a:r>
+              <a:rPr lang="id-ID" sz="2800" dirty="0" smtClean="0"/>
+              <a:t> pengirim sedang memproses.</a:t>
+            </a:r>
+          </a:p>
+          <a:p>
+            <a:r>
+              <a:rPr lang="id-ID" sz="2800" dirty="0"/>
               <a:t>{</a:t>
             </a:r>
             <a:r>
-              <a:rPr lang="id-ID" sz="2800" dirty="0" err="1" smtClean="0"/>
-              <a:t>body_data</a:t>
+              <a:rPr lang="id-ID" sz="2800" dirty="0" err="1"/>
+              <a:t>source_type</a:t>
             </a:r>
             <a:r>
               <a:rPr lang="id-ID" sz="2800" dirty="0"/>
-              <a:t>} akan mendefinisikan data-data yang dikirimkan. Data yang dikirimkan akan bervariasi, bergantung pada jenis perintah. Format data ini menggunakan </a:t>
+              <a:t>} akan mendefinisikan sumber paket itu dikirimkan. Sumber-sumber yang dimaksud adalah sumber dari </a:t>
             </a:r>
             <a:r>
               <a:rPr lang="id-ID" sz="2800" dirty="0" err="1"/>
-              <a:t>String</a:t>
+              <a:t>client</a:t>
             </a:r>
             <a:r>
               <a:rPr lang="id-ID" sz="2800" dirty="0"/>
-              <a:t> mirip seperti format paket, yaitu dengan menggunakan </a:t>
+              <a:t> atau dari </a:t>
             </a:r>
             <a:r>
               <a:rPr lang="id-ID" sz="2800" dirty="0" err="1"/>
-              <a:t>semicolon</a:t>
+              <a:t>server</a:t>
             </a:r>
             <a:r>
               <a:rPr lang="id-ID" sz="2800" dirty="0"/>
-              <a:t>(;) sebagai </a:t>
+              <a:t>. Seperti pada bagian {</a:t>
             </a:r>
             <a:r>
               <a:rPr lang="id-ID" sz="2800" dirty="0" err="1"/>
-              <a:t>separator</a:t>
+              <a:t>command</a:t>
             </a:r>
             <a:r>
               <a:rPr lang="id-ID" sz="2800" dirty="0"/>
-              <a:t>. </a:t>
-            </a:r>
-            <a:r>
-              <a:rPr lang="id-ID" sz="2800" dirty="0" smtClean="0"/>
-              <a:t>Pada </a:t>
-            </a:r>
-            <a:r>
-              <a:rPr lang="id-ID" sz="2800" dirty="0" err="1" smtClean="0"/>
-              <a:t>slide</a:t>
-            </a:r>
-            <a:r>
-              <a:rPr lang="id-ID" sz="2800" dirty="0" smtClean="0"/>
-              <a:t> selanjutnya akan lebih dijelaskan format dari bagian ini.</a:t>
-            </a:r>
+              <a:t>}, bagian ini juga akan direpresentasikan dengan angka. 1 berarti </a:t>
+            </a:r>
+            <a:r>
+              <a:rPr lang="id-ID" sz="2800" dirty="0" err="1"/>
+              <a:t>client</a:t>
+            </a:r>
+            <a:r>
+              <a:rPr lang="id-ID" sz="2800" dirty="0"/>
+              <a:t> dan 2 berarti </a:t>
+            </a:r>
+            <a:r>
+              <a:rPr lang="id-ID" sz="2800" dirty="0" err="1"/>
+              <a:t>server</a:t>
+            </a:r>
+            <a:r>
+              <a:rPr lang="id-ID" sz="2800" dirty="0"/>
+              <a:t>.</a:t>
+            </a:r>
+          </a:p>
+          <a:p>
+            <a:pPr lvl="0"/>
             <a:endParaRPr lang="id-ID" sz="2800" dirty="0"/>
           </a:p>
         </p:txBody>
@@ -15352,7 +15718,7 @@
     </p:spTree>
     <p:extLst>
       <p:ext uri="{BB962C8B-B14F-4D97-AF65-F5344CB8AC3E}">
-        <p14:creationId xmlns:p14="http://schemas.microsoft.com/office/powerpoint/2010/main" val="3436837662"/>
+        <p14:creationId xmlns:p14="http://schemas.microsoft.com/office/powerpoint/2010/main" val="1181158986"/>
       </p:ext>
     </p:extLst>
   </p:cSld>
@@ -15403,15 +15769,15 @@
           <a:p>
             <a:r>
               <a:rPr lang="id-ID" b="1" dirty="0"/>
-              <a:t>Arsitektur sistem (bagian-bagian </a:t>
-            </a:r>
-            <a:r>
-              <a:rPr lang="id-ID" b="1" dirty="0" err="1" smtClean="0"/>
-              <a:t>body</a:t>
+              <a:t>Arsitektur sistem </a:t>
             </a:r>
             <a:r>
               <a:rPr lang="id-ID" b="1" dirty="0" smtClean="0"/>
-              <a:t> data)</a:t>
+              <a:t>(bagian-bagian Protokol </a:t>
+            </a:r>
+            <a:r>
+              <a:rPr lang="id-ID" b="1" dirty="0"/>
+              <a:t>komunikasi)</a:t>
             </a:r>
             <a:endParaRPr lang="id-ID" dirty="0"/>
           </a:p>
@@ -15430,353 +15796,67 @@
         <p:spPr/>
         <p:txBody>
           <a:bodyPr>
-            <a:noAutofit/>
+            <a:normAutofit/>
           </a:bodyPr>
           <a:lstStyle/>
           <a:p>
-            <a:pPr lvl="1"/>
-            <a:r>
-              <a:rPr lang="id-ID" sz="1400" dirty="0" err="1"/>
-              <a:t>ChatSend</a:t>
-            </a:r>
-            <a:endParaRPr lang="id-ID" sz="1400" dirty="0"/>
-          </a:p>
-          <a:p>
-            <a:pPr lvl="2"/>
-            <a:r>
-              <a:rPr lang="id-ID" dirty="0"/>
+            <a:pPr lvl="0"/>
+            <a:r>
+              <a:rPr lang="id-ID" sz="2800" dirty="0" smtClean="0"/>
               <a:t>{</a:t>
             </a:r>
             <a:r>
-              <a:rPr lang="id-ID" dirty="0" err="1"/>
-              <a:t>type_chat</a:t>
-            </a:r>
-            <a:r>
-              <a:rPr lang="id-ID" dirty="0"/>
-              <a:t>};{</a:t>
-            </a:r>
-            <a:r>
-              <a:rPr lang="id-ID" dirty="0" err="1"/>
-              <a:t>id_pengirim</a:t>
-            </a:r>
-            <a:r>
-              <a:rPr lang="id-ID" dirty="0"/>
-              <a:t>};{</a:t>
-            </a:r>
-            <a:r>
-              <a:rPr lang="id-ID" dirty="0" err="1"/>
-              <a:t>id_penerima</a:t>
-            </a:r>
-            <a:r>
-              <a:rPr lang="id-ID" dirty="0"/>
-              <a:t>};{</a:t>
-            </a:r>
-            <a:r>
-              <a:rPr lang="id-ID" dirty="0" err="1"/>
-              <a:t>group_public_key</a:t>
-            </a:r>
-            <a:r>
-              <a:rPr lang="id-ID" dirty="0"/>
-              <a:t>};{</a:t>
-            </a:r>
-            <a:r>
-              <a:rPr lang="id-ID" dirty="0" err="1"/>
-              <a:t>chat</a:t>
-            </a:r>
-            <a:r>
-              <a:rPr lang="id-ID" dirty="0"/>
-              <a:t>}</a:t>
-            </a:r>
-          </a:p>
-          <a:p>
-            <a:pPr lvl="2"/>
-            <a:r>
-              <a:rPr lang="id-ID" dirty="0"/>
-              <a:t>Pada bagian {</a:t>
-            </a:r>
-            <a:r>
-              <a:rPr lang="id-ID" dirty="0" err="1"/>
-              <a:t>type_chat</a:t>
-            </a:r>
-            <a:r>
-              <a:rPr lang="id-ID" dirty="0"/>
-              <a:t>} akan mendefinisikan apakah </a:t>
-            </a:r>
-            <a:r>
-              <a:rPr lang="id-ID" dirty="0" err="1"/>
-              <a:t>chat</a:t>
-            </a:r>
-            <a:r>
-              <a:rPr lang="id-ID" dirty="0"/>
-              <a:t> yang dikirim merupakan </a:t>
-            </a:r>
-            <a:r>
-              <a:rPr lang="id-ID" dirty="0" err="1"/>
-              <a:t>chat</a:t>
-            </a:r>
-            <a:r>
-              <a:rPr lang="id-ID" dirty="0"/>
-              <a:t> </a:t>
-            </a:r>
-            <a:r>
-              <a:rPr lang="id-ID" dirty="0" err="1"/>
-              <a:t>group</a:t>
-            </a:r>
-            <a:r>
-              <a:rPr lang="id-ID" dirty="0"/>
-              <a:t>, </a:t>
-            </a:r>
-            <a:r>
-              <a:rPr lang="id-ID" dirty="0" err="1"/>
-              <a:t>chat</a:t>
-            </a:r>
-            <a:r>
-              <a:rPr lang="id-ID" dirty="0"/>
-              <a:t> pribadi, atau </a:t>
-            </a:r>
-            <a:r>
-              <a:rPr lang="id-ID" dirty="0" err="1"/>
-              <a:t>broadcast</a:t>
-            </a:r>
-            <a:r>
-              <a:rPr lang="id-ID" dirty="0"/>
-              <a:t>. {</a:t>
-            </a:r>
-            <a:r>
-              <a:rPr lang="id-ID" dirty="0" err="1"/>
-              <a:t>id_penerima</a:t>
-            </a:r>
-            <a:r>
-              <a:rPr lang="id-ID" dirty="0"/>
-              <a:t>} dapat berupa </a:t>
-            </a:r>
-            <a:r>
-              <a:rPr lang="id-ID" dirty="0" err="1"/>
-              <a:t>id</a:t>
-            </a:r>
-            <a:r>
-              <a:rPr lang="id-ID" dirty="0"/>
-              <a:t> </a:t>
-            </a:r>
-            <a:r>
-              <a:rPr lang="id-ID" dirty="0" err="1"/>
-              <a:t>user</a:t>
-            </a:r>
-            <a:r>
-              <a:rPr lang="id-ID" dirty="0"/>
-              <a:t> atau </a:t>
-            </a:r>
-            <a:r>
-              <a:rPr lang="id-ID" dirty="0" err="1"/>
-              <a:t>id</a:t>
-            </a:r>
-            <a:r>
-              <a:rPr lang="id-ID" dirty="0"/>
-              <a:t> </a:t>
-            </a:r>
-            <a:r>
-              <a:rPr lang="id-ID" dirty="0" err="1"/>
-              <a:t>group</a:t>
-            </a:r>
-            <a:r>
-              <a:rPr lang="id-ID" dirty="0"/>
-              <a:t>. Pada bagian {</a:t>
-            </a:r>
-            <a:r>
-              <a:rPr lang="id-ID" dirty="0" err="1"/>
-              <a:t>chat</a:t>
-            </a:r>
-            <a:r>
-              <a:rPr lang="id-ID" dirty="0"/>
-              <a:t>} akan </a:t>
-            </a:r>
-            <a:r>
-              <a:rPr lang="id-ID" dirty="0" err="1"/>
-              <a:t>terenkripsi</a:t>
-            </a:r>
-            <a:r>
-              <a:rPr lang="id-ID" dirty="0"/>
-              <a:t> sehingga tidak dapat di baca ketika sedang dikirimkan melalui jaringan. Bagian {</a:t>
-            </a:r>
-            <a:r>
-              <a:rPr lang="id-ID" dirty="0" err="1"/>
-              <a:t>group_public_key</a:t>
-            </a:r>
-            <a:r>
-              <a:rPr lang="id-ID" dirty="0"/>
-              <a:t>} tidak selalu ada. Bagian {</a:t>
-            </a:r>
-            <a:r>
-              <a:rPr lang="id-ID" dirty="0" err="1"/>
-              <a:t>group_public_key</a:t>
-            </a:r>
-            <a:r>
-              <a:rPr lang="id-ID" dirty="0"/>
-              <a:t>} hanya akan ada ketika </a:t>
-            </a:r>
-            <a:r>
-              <a:rPr lang="id-ID" dirty="0" err="1"/>
-              <a:t>client</a:t>
-            </a:r>
-            <a:r>
-              <a:rPr lang="id-ID" dirty="0"/>
-              <a:t> baru pertama kali mengirimkan pesan kepada </a:t>
-            </a:r>
-            <a:r>
-              <a:rPr lang="id-ID" dirty="0" err="1"/>
-              <a:t>group</a:t>
-            </a:r>
-            <a:r>
-              <a:rPr lang="id-ID" dirty="0" smtClean="0"/>
-              <a:t>.</a:t>
-            </a:r>
-          </a:p>
-          <a:p>
-            <a:pPr lvl="1"/>
-            <a:r>
-              <a:rPr lang="id-ID" sz="1400" dirty="0" err="1"/>
-              <a:t>CreateGroup</a:t>
-            </a:r>
-            <a:endParaRPr lang="id-ID" sz="1400" dirty="0"/>
-          </a:p>
-          <a:p>
-            <a:pPr lvl="2"/>
-            <a:r>
-              <a:rPr lang="id-ID" dirty="0"/>
-              <a:t>{</a:t>
-            </a:r>
-            <a:r>
-              <a:rPr lang="id-ID" dirty="0" err="1" smtClean="0"/>
-              <a:t>id_group</a:t>
-            </a:r>
-            <a:r>
-              <a:rPr lang="id-ID" dirty="0"/>
-              <a:t>};{nama}; {id_1};{id_2}:..:{</a:t>
-            </a:r>
-            <a:r>
-              <a:rPr lang="id-ID" dirty="0" err="1"/>
-              <a:t>id_n</a:t>
-            </a:r>
-            <a:r>
-              <a:rPr lang="id-ID"/>
-              <a:t>}</a:t>
-            </a:r>
-            <a:endParaRPr lang="id-ID" sz="1200"/>
-          </a:p>
-          <a:p>
-            <a:pPr lvl="2"/>
-            <a:r>
-              <a:rPr lang="id-ID" smtClean="0"/>
-              <a:t>Format </a:t>
-            </a:r>
-            <a:r>
-              <a:rPr lang="id-ID" dirty="0" smtClean="0"/>
-              <a:t>pesan ini akan digunakan ketika </a:t>
-            </a:r>
-            <a:r>
-              <a:rPr lang="id-ID" dirty="0" err="1" smtClean="0"/>
-              <a:t>client</a:t>
-            </a:r>
-            <a:r>
-              <a:rPr lang="id-ID" dirty="0" smtClean="0"/>
-              <a:t> hendak membuat </a:t>
-            </a:r>
-            <a:r>
-              <a:rPr lang="id-ID" dirty="0" err="1" smtClean="0"/>
-              <a:t>suatu</a:t>
-            </a:r>
-            <a:r>
-              <a:rPr lang="id-ID" dirty="0" smtClean="0"/>
-              <a:t> </a:t>
-            </a:r>
-            <a:r>
-              <a:rPr lang="id-ID" dirty="0" err="1" smtClean="0"/>
-              <a:t>group</a:t>
-            </a:r>
-            <a:r>
-              <a:rPr lang="id-ID" dirty="0" smtClean="0"/>
-              <a:t> ataupun </a:t>
-            </a:r>
-            <a:r>
-              <a:rPr lang="id-ID" dirty="0" err="1" smtClean="0"/>
-              <a:t>pempropagasian</a:t>
-            </a:r>
-            <a:r>
-              <a:rPr lang="id-ID" dirty="0" smtClean="0"/>
-              <a:t> </a:t>
-            </a:r>
-            <a:r>
-              <a:rPr lang="id-ID" dirty="0" err="1" smtClean="0"/>
-              <a:t>server</a:t>
-            </a:r>
-            <a:r>
-              <a:rPr lang="id-ID" dirty="0" smtClean="0"/>
-              <a:t>.</a:t>
-            </a:r>
-          </a:p>
-          <a:p>
-            <a:pPr lvl="1"/>
-            <a:r>
-              <a:rPr lang="id-ID" sz="1400" dirty="0" smtClean="0"/>
-              <a:t>Key</a:t>
-            </a:r>
-          </a:p>
-          <a:p>
-            <a:pPr lvl="2"/>
-            <a:r>
-              <a:rPr lang="id-ID" sz="1200" dirty="0" smtClean="0"/>
-              <a:t>{</a:t>
-            </a:r>
-            <a:r>
-              <a:rPr lang="id-ID" sz="1200" dirty="0" err="1" smtClean="0"/>
-              <a:t>public_key</a:t>
-            </a:r>
-            <a:r>
-              <a:rPr lang="id-ID" sz="1200" dirty="0" smtClean="0"/>
-              <a:t>}</a:t>
-            </a:r>
-          </a:p>
-          <a:p>
-            <a:pPr lvl="2"/>
-            <a:r>
-              <a:rPr lang="id-ID" sz="1200" dirty="0" smtClean="0"/>
-              <a:t>Format ini digunakan ketika ada yang meminta </a:t>
-            </a:r>
-            <a:r>
-              <a:rPr lang="id-ID" sz="1200" dirty="0" err="1" smtClean="0"/>
-              <a:t>public</a:t>
-            </a:r>
-            <a:r>
-              <a:rPr lang="id-ID" sz="1200" dirty="0" smtClean="0"/>
-              <a:t> </a:t>
-            </a:r>
-            <a:r>
-              <a:rPr lang="id-ID" sz="1200" dirty="0" err="1" smtClean="0"/>
-              <a:t>key</a:t>
-            </a:r>
-            <a:r>
-              <a:rPr lang="id-ID" sz="1200" dirty="0" smtClean="0"/>
-              <a:t> dari </a:t>
-            </a:r>
-            <a:r>
-              <a:rPr lang="id-ID" sz="1200" dirty="0" err="1" smtClean="0"/>
-              <a:t>server</a:t>
-            </a:r>
-            <a:r>
-              <a:rPr lang="id-ID" sz="1200" dirty="0" smtClean="0"/>
-              <a:t>.</a:t>
-            </a:r>
-          </a:p>
-          <a:p>
-            <a:pPr lvl="3"/>
-            <a:endParaRPr lang="id-ID" sz="1400" dirty="0"/>
+              <a:rPr lang="id-ID" sz="2800" dirty="0" err="1" smtClean="0"/>
+              <a:t>body_data</a:t>
+            </a:r>
+            <a:r>
+              <a:rPr lang="id-ID" sz="2800" dirty="0"/>
+              <a:t>} akan mendefinisikan data-data yang dikirimkan. Data yang dikirimkan akan bervariasi, bergantung pada jenis perintah. Format data ini menggunakan </a:t>
+            </a:r>
+            <a:r>
+              <a:rPr lang="id-ID" sz="2800" dirty="0" err="1"/>
+              <a:t>String</a:t>
+            </a:r>
+            <a:r>
+              <a:rPr lang="id-ID" sz="2800" dirty="0"/>
+              <a:t> mirip seperti format paket, yaitu dengan menggunakan </a:t>
+            </a:r>
+            <a:r>
+              <a:rPr lang="id-ID" sz="2800" dirty="0" err="1"/>
+              <a:t>semicolon</a:t>
+            </a:r>
+            <a:r>
+              <a:rPr lang="id-ID" sz="2800" dirty="0"/>
+              <a:t>(;) sebagai </a:t>
+            </a:r>
+            <a:r>
+              <a:rPr lang="id-ID" sz="2800" dirty="0" err="1"/>
+              <a:t>separator</a:t>
+            </a:r>
+            <a:r>
+              <a:rPr lang="id-ID" sz="2800" dirty="0"/>
+              <a:t>. </a:t>
+            </a:r>
+            <a:r>
+              <a:rPr lang="id-ID" sz="2800" dirty="0" smtClean="0"/>
+              <a:t>Pada </a:t>
+            </a:r>
+            <a:r>
+              <a:rPr lang="id-ID" sz="2800" dirty="0" err="1" smtClean="0"/>
+              <a:t>slide</a:t>
+            </a:r>
+            <a:r>
+              <a:rPr lang="id-ID" sz="2800" dirty="0" smtClean="0"/>
+              <a:t> selanjutnya akan lebih dijelaskan format dari bagian ini.</a:t>
+            </a:r>
+            <a:endParaRPr lang="id-ID" sz="2800" dirty="0"/>
           </a:p>
         </p:txBody>
       </p:sp>
     </p:spTree>
     <p:extLst>
       <p:ext uri="{BB962C8B-B14F-4D97-AF65-F5344CB8AC3E}">
-        <p14:creationId xmlns:p14="http://schemas.microsoft.com/office/powerpoint/2010/main" val="3523864549"/>
+        <p14:creationId xmlns:p14="http://schemas.microsoft.com/office/powerpoint/2010/main" val="3436837662"/>
       </p:ext>
     </p:extLst>
   </p:cSld>

--- a/Arsitektur Sistem Aplikasi Chat.pptx
+++ b/Arsitektur Sistem Aplikasi Chat.pptx
@@ -6,46 +6,45 @@
   </p:sldMasterIdLst>
   <p:sldIdLst>
     <p:sldId id="256" r:id="rId2"/>
-    <p:sldId id="296" r:id="rId3"/>
-    <p:sldId id="258" r:id="rId4"/>
-    <p:sldId id="257" r:id="rId5"/>
-    <p:sldId id="259" r:id="rId6"/>
-    <p:sldId id="260" r:id="rId7"/>
-    <p:sldId id="261" r:id="rId8"/>
-    <p:sldId id="262" r:id="rId9"/>
-    <p:sldId id="263" r:id="rId10"/>
-    <p:sldId id="264" r:id="rId11"/>
-    <p:sldId id="265" r:id="rId12"/>
-    <p:sldId id="266" r:id="rId13"/>
-    <p:sldId id="288" r:id="rId14"/>
-    <p:sldId id="289" r:id="rId15"/>
-    <p:sldId id="290" r:id="rId16"/>
-    <p:sldId id="291" r:id="rId17"/>
-    <p:sldId id="292" r:id="rId18"/>
-    <p:sldId id="293" r:id="rId19"/>
-    <p:sldId id="294" r:id="rId20"/>
-    <p:sldId id="295" r:id="rId21"/>
-    <p:sldId id="267" r:id="rId22"/>
-    <p:sldId id="268" r:id="rId23"/>
-    <p:sldId id="269" r:id="rId24"/>
-    <p:sldId id="270" r:id="rId25"/>
-    <p:sldId id="272" r:id="rId26"/>
-    <p:sldId id="271" r:id="rId27"/>
-    <p:sldId id="273" r:id="rId28"/>
-    <p:sldId id="274" r:id="rId29"/>
-    <p:sldId id="275" r:id="rId30"/>
-    <p:sldId id="276" r:id="rId31"/>
-    <p:sldId id="277" r:id="rId32"/>
-    <p:sldId id="278" r:id="rId33"/>
-    <p:sldId id="279" r:id="rId34"/>
-    <p:sldId id="280" r:id="rId35"/>
-    <p:sldId id="281" r:id="rId36"/>
-    <p:sldId id="282" r:id="rId37"/>
-    <p:sldId id="283" r:id="rId38"/>
-    <p:sldId id="284" r:id="rId39"/>
-    <p:sldId id="287" r:id="rId40"/>
-    <p:sldId id="285" r:id="rId41"/>
-    <p:sldId id="286" r:id="rId42"/>
+    <p:sldId id="258" r:id="rId3"/>
+    <p:sldId id="257" r:id="rId4"/>
+    <p:sldId id="259" r:id="rId5"/>
+    <p:sldId id="260" r:id="rId6"/>
+    <p:sldId id="261" r:id="rId7"/>
+    <p:sldId id="262" r:id="rId8"/>
+    <p:sldId id="263" r:id="rId9"/>
+    <p:sldId id="264" r:id="rId10"/>
+    <p:sldId id="265" r:id="rId11"/>
+    <p:sldId id="266" r:id="rId12"/>
+    <p:sldId id="288" r:id="rId13"/>
+    <p:sldId id="289" r:id="rId14"/>
+    <p:sldId id="290" r:id="rId15"/>
+    <p:sldId id="291" r:id="rId16"/>
+    <p:sldId id="292" r:id="rId17"/>
+    <p:sldId id="293" r:id="rId18"/>
+    <p:sldId id="294" r:id="rId19"/>
+    <p:sldId id="295" r:id="rId20"/>
+    <p:sldId id="267" r:id="rId21"/>
+    <p:sldId id="268" r:id="rId22"/>
+    <p:sldId id="269" r:id="rId23"/>
+    <p:sldId id="270" r:id="rId24"/>
+    <p:sldId id="272" r:id="rId25"/>
+    <p:sldId id="271" r:id="rId26"/>
+    <p:sldId id="273" r:id="rId27"/>
+    <p:sldId id="274" r:id="rId28"/>
+    <p:sldId id="275" r:id="rId29"/>
+    <p:sldId id="276" r:id="rId30"/>
+    <p:sldId id="277" r:id="rId31"/>
+    <p:sldId id="278" r:id="rId32"/>
+    <p:sldId id="279" r:id="rId33"/>
+    <p:sldId id="280" r:id="rId34"/>
+    <p:sldId id="281" r:id="rId35"/>
+    <p:sldId id="282" r:id="rId36"/>
+    <p:sldId id="283" r:id="rId37"/>
+    <p:sldId id="284" r:id="rId38"/>
+    <p:sldId id="287" r:id="rId39"/>
+    <p:sldId id="285" r:id="rId40"/>
+    <p:sldId id="286" r:id="rId41"/>
   </p:sldIdLst>
   <p:sldSz cx="12192000" cy="6858000"/>
   <p:notesSz cx="6858000" cy="9144000"/>
@@ -5957,7 +5956,7 @@
             <a:pPr lvl="1"/>
             <a:r>
               <a:rPr lang="id-ID" sz="1400" dirty="0" err="1"/>
-              <a:t>ChatSend</a:t>
+              <a:t>GetChatClient</a:t>
             </a:r>
             <a:endParaRPr lang="id-ID" sz="1400" dirty="0"/>
           </a:p>
@@ -5969,7 +5968,7 @@
             </a:r>
             <a:r>
               <a:rPr lang="id-ID" dirty="0" err="1"/>
-              <a:t>type_chat</a:t>
+              <a:t>id_pengirim</a:t>
             </a:r>
             <a:r>
               <a:rPr lang="id-ID" dirty="0"/>
@@ -5977,31 +5976,110 @@
             </a:r>
             <a:r>
               <a:rPr lang="id-ID" dirty="0" err="1"/>
+              <a:t>id_penerima</a:t>
+            </a:r>
+            <a:r>
+              <a:rPr lang="id-ID" dirty="0"/>
+              <a:t>};{</a:t>
+            </a:r>
+            <a:r>
+              <a:rPr lang="id-ID" dirty="0" err="1"/>
+              <a:t>timestamp</a:t>
+            </a:r>
+            <a:r>
+              <a:rPr lang="id-ID" dirty="0"/>
+              <a:t>}</a:t>
+            </a:r>
+          </a:p>
+          <a:p>
+            <a:pPr lvl="2"/>
+            <a:r>
+              <a:rPr lang="id-ID" dirty="0"/>
+              <a:t>Bagian {</a:t>
+            </a:r>
+            <a:r>
+              <a:rPr lang="id-ID" dirty="0" err="1"/>
+              <a:t>timestamp</a:t>
+            </a:r>
+            <a:r>
+              <a:rPr lang="id-ID" dirty="0"/>
+              <a:t>} berguna untuk menunjukkan waktu terakhir </a:t>
+            </a:r>
+            <a:r>
+              <a:rPr lang="id-ID" dirty="0" err="1"/>
+              <a:t>chat</a:t>
+            </a:r>
+            <a:r>
+              <a:rPr lang="id-ID" dirty="0"/>
+              <a:t> yang telah dibaca. Bagian {</a:t>
+            </a:r>
+            <a:r>
+              <a:rPr lang="id-ID" dirty="0" err="1"/>
               <a:t>id_pengirim</a:t>
             </a:r>
             <a:r>
               <a:rPr lang="id-ID" dirty="0"/>
+              <a:t>} dapat merupakan </a:t>
+            </a:r>
+            <a:r>
+              <a:rPr lang="id-ID" dirty="0" err="1"/>
+              <a:t>id</a:t>
+            </a:r>
+            <a:r>
+              <a:rPr lang="id-ID" dirty="0"/>
+              <a:t> </a:t>
+            </a:r>
+            <a:r>
+              <a:rPr lang="id-ID" dirty="0" err="1"/>
+              <a:t>broadcast</a:t>
+            </a:r>
+            <a:r>
+              <a:rPr lang="id-ID" dirty="0"/>
+              <a:t>, </a:t>
+            </a:r>
+            <a:r>
+              <a:rPr lang="id-ID" dirty="0" err="1"/>
+              <a:t>user</a:t>
+            </a:r>
+            <a:r>
+              <a:rPr lang="id-ID" dirty="0"/>
+              <a:t>, atau </a:t>
+            </a:r>
+            <a:r>
+              <a:rPr lang="id-ID" dirty="0" err="1"/>
+              <a:t>group</a:t>
+            </a:r>
+            <a:r>
+              <a:rPr lang="id-ID" dirty="0" smtClean="0"/>
+              <a:t>.</a:t>
+            </a:r>
+            <a:endParaRPr lang="id-ID" dirty="0"/>
+          </a:p>
+          <a:p>
+            <a:pPr lvl="1"/>
+            <a:r>
+              <a:rPr lang="id-ID" sz="1400" dirty="0" err="1"/>
+              <a:t>GetChatServer</a:t>
+            </a:r>
+            <a:endParaRPr lang="id-ID" sz="1400" dirty="0"/>
+          </a:p>
+          <a:p>
+            <a:pPr lvl="2"/>
+            <a:r>
+              <a:rPr lang="id-ID" dirty="0"/>
+              <a:t>{</a:t>
+            </a:r>
+            <a:r>
+              <a:rPr lang="id-ID" dirty="0" err="1"/>
+              <a:t>timestamp</a:t>
+            </a:r>
+            <a:r>
+              <a:rPr lang="id-ID" dirty="0"/>
               <a:t>};{</a:t>
             </a:r>
             <a:r>
               <a:rPr lang="id-ID" dirty="0" err="1"/>
-              <a:t>id_penerima</a:t>
-            </a:r>
-            <a:r>
-              <a:rPr lang="id-ID" dirty="0"/>
-              <a:t>};{</a:t>
-            </a:r>
-            <a:r>
-              <a:rPr lang="id-ID" dirty="0" err="1"/>
-              <a:t>group_public_key</a:t>
-            </a:r>
-            <a:r>
-              <a:rPr lang="id-ID" dirty="0"/>
-              <a:t>};{</a:t>
-            </a:r>
-            <a:r>
-              <a:rPr lang="id-ID" dirty="0" err="1"/>
-              <a:t>chat</a:t>
+              <a:t>msg</a:t>
             </a:r>
             <a:r>
               <a:rPr lang="id-ID" dirty="0"/>
@@ -6011,128 +6089,67 @@
           <a:p>
             <a:pPr lvl="2"/>
             <a:r>
-              <a:rPr lang="id-ID" dirty="0"/>
-              <a:t>Pada bagian {</a:t>
-            </a:r>
-            <a:r>
-              <a:rPr lang="id-ID" dirty="0" err="1"/>
-              <a:t>type_chat</a:t>
-            </a:r>
-            <a:r>
-              <a:rPr lang="id-ID" dirty="0"/>
-              <a:t>} akan mendefinisikan apakah </a:t>
-            </a:r>
-            <a:r>
-              <a:rPr lang="id-ID" dirty="0" err="1"/>
-              <a:t>chat</a:t>
-            </a:r>
-            <a:r>
-              <a:rPr lang="id-ID" dirty="0"/>
-              <a:t> yang dikirim merupakan </a:t>
-            </a:r>
-            <a:r>
-              <a:rPr lang="id-ID" dirty="0" err="1"/>
-              <a:t>chat</a:t>
+              <a:rPr lang="id-ID" dirty="0" err="1"/>
+              <a:t>GetChatServer</a:t>
+            </a:r>
+            <a:r>
+              <a:rPr lang="id-ID" dirty="0"/>
+              <a:t> ini adalah protokol dalam </a:t>
+            </a:r>
+            <a:r>
+              <a:rPr lang="id-ID" dirty="0" err="1"/>
+              <a:t>merespon</a:t>
             </a:r>
             <a:r>
               <a:rPr lang="id-ID" dirty="0"/>
               <a:t> </a:t>
             </a:r>
             <a:r>
-              <a:rPr lang="id-ID" dirty="0" err="1"/>
-              <a:t>group</a:t>
-            </a:r>
-            <a:r>
-              <a:rPr lang="id-ID" dirty="0"/>
-              <a:t>, </a:t>
-            </a:r>
-            <a:r>
-              <a:rPr lang="id-ID" dirty="0" err="1"/>
-              <a:t>chat</a:t>
-            </a:r>
-            <a:r>
-              <a:rPr lang="id-ID" dirty="0"/>
-              <a:t> pribadi, atau </a:t>
-            </a:r>
-            <a:r>
-              <a:rPr lang="id-ID" dirty="0" err="1"/>
-              <a:t>broadcast</a:t>
-            </a:r>
-            <a:r>
-              <a:rPr lang="id-ID" dirty="0"/>
-              <a:t>. {</a:t>
-            </a:r>
-            <a:r>
-              <a:rPr lang="id-ID" dirty="0" err="1"/>
-              <a:t>id_penerima</a:t>
-            </a:r>
-            <a:r>
-              <a:rPr lang="id-ID" dirty="0"/>
-              <a:t>} dapat berupa </a:t>
+              <a:rPr lang="id-ID" dirty="0" err="1" smtClean="0"/>
+              <a:t>GetChatClient</a:t>
+            </a:r>
+            <a:endParaRPr lang="id-ID" dirty="0" smtClean="0"/>
+          </a:p>
+          <a:p>
+            <a:pPr lvl="1"/>
+            <a:r>
+              <a:rPr lang="id-ID" sz="1400" dirty="0" err="1"/>
+              <a:t>Logout</a:t>
+            </a:r>
+            <a:endParaRPr lang="id-ID" sz="1400" dirty="0"/>
+          </a:p>
+          <a:p>
+            <a:pPr lvl="2"/>
+            <a:r>
+              <a:rPr lang="id-ID" dirty="0"/>
+              <a:t>{</a:t>
             </a:r>
             <a:r>
               <a:rPr lang="id-ID" dirty="0" err="1"/>
               <a:t>id</a:t>
             </a:r>
             <a:r>
-              <a:rPr lang="id-ID" dirty="0"/>
-              <a:t> </a:t>
-            </a:r>
-            <a:r>
-              <a:rPr lang="id-ID" dirty="0" err="1"/>
-              <a:t>user</a:t>
-            </a:r>
-            <a:r>
-              <a:rPr lang="id-ID" dirty="0"/>
-              <a:t> atau </a:t>
-            </a:r>
-            <a:r>
-              <a:rPr lang="id-ID" dirty="0" err="1"/>
-              <a:t>id</a:t>
-            </a:r>
-            <a:r>
-              <a:rPr lang="id-ID" dirty="0"/>
-              <a:t> </a:t>
-            </a:r>
-            <a:r>
-              <a:rPr lang="id-ID" dirty="0" err="1"/>
-              <a:t>group</a:t>
-            </a:r>
-            <a:r>
-              <a:rPr lang="id-ID" dirty="0"/>
-              <a:t>. Pada bagian {</a:t>
-            </a:r>
-            <a:r>
-              <a:rPr lang="id-ID" dirty="0" err="1"/>
-              <a:t>chat</a:t>
-            </a:r>
-            <a:r>
-              <a:rPr lang="id-ID" dirty="0"/>
-              <a:t>} akan </a:t>
-            </a:r>
-            <a:r>
-              <a:rPr lang="id-ID" dirty="0" err="1"/>
-              <a:t>terenkripsi</a:t>
-            </a:r>
-            <a:r>
-              <a:rPr lang="id-ID" dirty="0"/>
-              <a:t> sehingga tidak dapat di baca ketika sedang dikirimkan melalui jaringan. Bagian {</a:t>
-            </a:r>
-            <a:r>
-              <a:rPr lang="id-ID" dirty="0" err="1"/>
-              <a:t>group_public_key</a:t>
-            </a:r>
-            <a:r>
-              <a:rPr lang="id-ID" dirty="0"/>
-              <a:t>} tidak selalu ada. Bagian {</a:t>
-            </a:r>
-            <a:r>
-              <a:rPr lang="id-ID" dirty="0" err="1"/>
-              <a:t>group_public_key</a:t>
-            </a:r>
-            <a:r>
-              <a:rPr lang="id-ID" dirty="0"/>
-              <a:t>} hanya akan ada ketika </a:t>
+              <a:rPr lang="id-ID" dirty="0" smtClean="0"/>
+              <a:t>}</a:t>
+            </a:r>
+          </a:p>
+          <a:p>
+            <a:pPr lvl="2"/>
+            <a:r>
+              <a:rPr lang="id-ID" dirty="0" smtClean="0"/>
+              <a:t>Format pesan </a:t>
+            </a:r>
+            <a:r>
+              <a:rPr lang="id-ID" dirty="0" err="1" smtClean="0"/>
+              <a:t>logout</a:t>
+            </a:r>
+            <a:r>
+              <a:rPr lang="id-ID" dirty="0" smtClean="0"/>
+              <a:t> ini akan </a:t>
+            </a:r>
+            <a:r>
+              <a:rPr lang="id-ID" dirty="0"/>
+              <a:t>digunakan ketika </a:t>
             </a:r>
             <a:r>
               <a:rPr lang="id-ID" dirty="0" err="1"/>
@@ -6140,89 +6157,22 @@
             </a:r>
             <a:r>
               <a:rPr lang="id-ID" dirty="0"/>
-              <a:t> baru pertama kali mengirimkan pesan kepada </a:t>
-            </a:r>
-            <a:r>
-              <a:rPr lang="id-ID" dirty="0" err="1"/>
-              <a:t>group</a:t>
-            </a:r>
-            <a:r>
-              <a:rPr lang="id-ID" dirty="0" smtClean="0"/>
-              <a:t>.</a:t>
-            </a:r>
-          </a:p>
-          <a:p>
-            <a:pPr lvl="1"/>
-            <a:r>
-              <a:rPr lang="id-ID" sz="1400" dirty="0" err="1"/>
-              <a:t>CreateGroup</a:t>
-            </a:r>
-            <a:endParaRPr lang="id-ID" sz="1400" dirty="0"/>
-          </a:p>
-          <a:p>
-            <a:pPr lvl="2"/>
-            <a:r>
-              <a:rPr lang="id-ID" dirty="0"/>
-              <a:t>{</a:t>
+              <a:t> hendak </a:t>
             </a:r>
             <a:r>
               <a:rPr lang="id-ID" dirty="0" err="1" smtClean="0"/>
-              <a:t>id_group</a:t>
-            </a:r>
-            <a:r>
-              <a:rPr lang="id-ID" dirty="0"/>
-              <a:t>};{nama}; {id_1};{id_2}:..:{</a:t>
-            </a:r>
-            <a:r>
-              <a:rPr lang="id-ID" dirty="0" err="1"/>
-              <a:t>id_n</a:t>
-            </a:r>
-            <a:r>
-              <a:rPr lang="id-ID"/>
-              <a:t>}</a:t>
-            </a:r>
-            <a:endParaRPr lang="id-ID" sz="1200"/>
-          </a:p>
-          <a:p>
-            <a:pPr lvl="2"/>
-            <a:r>
-              <a:rPr lang="id-ID" smtClean="0"/>
-              <a:t>Format </a:t>
-            </a:r>
-            <a:r>
-              <a:rPr lang="id-ID" dirty="0" smtClean="0"/>
-              <a:t>pesan ini akan digunakan ketika </a:t>
-            </a:r>
-            <a:r>
-              <a:rPr lang="id-ID" dirty="0" err="1" smtClean="0"/>
-              <a:t>client</a:t>
-            </a:r>
-            <a:r>
-              <a:rPr lang="id-ID" dirty="0" smtClean="0"/>
-              <a:t> hendak membuat </a:t>
-            </a:r>
-            <a:r>
-              <a:rPr lang="id-ID" dirty="0" err="1" smtClean="0"/>
-              <a:t>suatu</a:t>
-            </a:r>
-            <a:r>
-              <a:rPr lang="id-ID" dirty="0" smtClean="0"/>
-              <a:t> </a:t>
-            </a:r>
-            <a:r>
-              <a:rPr lang="id-ID" dirty="0" err="1" smtClean="0"/>
-              <a:t>group</a:t>
+              <a:t>logout</a:t>
             </a:r>
             <a:r>
               <a:rPr lang="id-ID" dirty="0" smtClean="0"/>
               <a:t> ataupun </a:t>
             </a:r>
             <a:r>
-              <a:rPr lang="id-ID" dirty="0" err="1" smtClean="0"/>
+              <a:rPr lang="id-ID" dirty="0" err="1"/>
               <a:t>pempropagasian</a:t>
             </a:r>
             <a:r>
-              <a:rPr lang="id-ID" dirty="0" smtClean="0"/>
+              <a:rPr lang="id-ID" dirty="0"/>
               <a:t> </a:t>
             </a:r>
             <a:r>
@@ -6237,66 +6187,64 @@
           <a:p>
             <a:pPr lvl="1"/>
             <a:r>
-              <a:rPr lang="id-ID" sz="1400" dirty="0" smtClean="0"/>
-              <a:t>Key</a:t>
-            </a:r>
+              <a:rPr lang="id-ID" sz="1400" dirty="0" err="1" smtClean="0"/>
+              <a:t>LoginServer</a:t>
+            </a:r>
+            <a:endParaRPr lang="id-ID" sz="1400" dirty="0" smtClean="0"/>
           </a:p>
           <a:p>
             <a:pPr lvl="2"/>
             <a:r>
-              <a:rPr lang="id-ID" sz="1200" dirty="0" smtClean="0"/>
+              <a:rPr lang="id-ID" dirty="0" smtClean="0"/>
               <a:t>{</a:t>
             </a:r>
             <a:r>
-              <a:rPr lang="id-ID" sz="1200" dirty="0" err="1" smtClean="0"/>
-              <a:t>public_key</a:t>
-            </a:r>
-            <a:r>
-              <a:rPr lang="id-ID" sz="1200" dirty="0" smtClean="0"/>
+              <a:rPr lang="id-ID" dirty="0" err="1" smtClean="0"/>
+              <a:t>id</a:t>
+            </a:r>
+            <a:r>
+              <a:rPr lang="id-ID" dirty="0" smtClean="0"/>
               <a:t>}</a:t>
             </a:r>
           </a:p>
           <a:p>
             <a:pPr lvl="2"/>
             <a:r>
-              <a:rPr lang="id-ID" sz="1200" dirty="0" smtClean="0"/>
-              <a:t>Format ini digunakan ketika ada yang meminta </a:t>
-            </a:r>
-            <a:r>
-              <a:rPr lang="id-ID" sz="1200" dirty="0" err="1" smtClean="0"/>
-              <a:t>public</a:t>
-            </a:r>
-            <a:r>
-              <a:rPr lang="id-ID" sz="1200" dirty="0" smtClean="0"/>
+              <a:rPr lang="id-ID" dirty="0" smtClean="0"/>
+              <a:t>Format ini digunakan </a:t>
+            </a:r>
+            <a:r>
+              <a:rPr lang="id-ID" dirty="0" err="1" smtClean="0"/>
+              <a:t>untui</a:t>
+            </a:r>
+            <a:r>
+              <a:rPr lang="id-ID" dirty="0" smtClean="0"/>
               <a:t> </a:t>
             </a:r>
             <a:r>
-              <a:rPr lang="id-ID" sz="1200" dirty="0" err="1" smtClean="0"/>
-              <a:t>key</a:t>
-            </a:r>
-            <a:r>
-              <a:rPr lang="id-ID" sz="1200" dirty="0" smtClean="0"/>
-              <a:t> dari </a:t>
-            </a:r>
-            <a:r>
-              <a:rPr lang="id-ID" sz="1200" dirty="0" err="1" smtClean="0"/>
+              <a:rPr lang="id-ID" dirty="0" err="1" smtClean="0"/>
+              <a:t>mempropagasikan</a:t>
+            </a:r>
+            <a:r>
+              <a:rPr lang="id-ID" dirty="0"/>
+              <a:t> </a:t>
+            </a:r>
+            <a:r>
+              <a:rPr lang="id-ID" dirty="0" err="1" smtClean="0"/>
               <a:t>server</a:t>
             </a:r>
             <a:r>
-              <a:rPr lang="id-ID" sz="1200" dirty="0" smtClean="0"/>
+              <a:rPr lang="id-ID" dirty="0" smtClean="0"/>
               <a:t>.</a:t>
             </a:r>
-          </a:p>
-          <a:p>
-            <a:pPr lvl="3"/>
-            <a:endParaRPr lang="id-ID" sz="1400" dirty="0"/>
+            <a:endParaRPr lang="id-ID" dirty="0"/>
           </a:p>
         </p:txBody>
       </p:sp>
     </p:spTree>
     <p:extLst>
       <p:ext uri="{BB962C8B-B14F-4D97-AF65-F5344CB8AC3E}">
-        <p14:creationId xmlns:p14="http://schemas.microsoft.com/office/powerpoint/2010/main" val="3523864549"/>
+        <p14:creationId xmlns:p14="http://schemas.microsoft.com/office/powerpoint/2010/main" val="2823680106"/>
       </p:ext>
     </p:extLst>
   </p:cSld>
@@ -6371,379 +6319,6 @@
             <p:ph idx="1"/>
           </p:nvPr>
         </p:nvSpPr>
-        <p:spPr/>
-        <p:txBody>
-          <a:bodyPr>
-            <a:noAutofit/>
-          </a:bodyPr>
-          <a:lstStyle/>
-          <a:p>
-            <a:pPr lvl="1"/>
-            <a:r>
-              <a:rPr lang="id-ID" sz="1400" dirty="0" err="1"/>
-              <a:t>GetChatClient</a:t>
-            </a:r>
-            <a:endParaRPr lang="id-ID" sz="1400" dirty="0"/>
-          </a:p>
-          <a:p>
-            <a:pPr lvl="2"/>
-            <a:r>
-              <a:rPr lang="id-ID" dirty="0"/>
-              <a:t>{</a:t>
-            </a:r>
-            <a:r>
-              <a:rPr lang="id-ID" dirty="0" err="1"/>
-              <a:t>id_pengirim</a:t>
-            </a:r>
-            <a:r>
-              <a:rPr lang="id-ID" dirty="0"/>
-              <a:t>};{</a:t>
-            </a:r>
-            <a:r>
-              <a:rPr lang="id-ID" dirty="0" err="1"/>
-              <a:t>id_penerima</a:t>
-            </a:r>
-            <a:r>
-              <a:rPr lang="id-ID" dirty="0"/>
-              <a:t>};{</a:t>
-            </a:r>
-            <a:r>
-              <a:rPr lang="id-ID" dirty="0" err="1"/>
-              <a:t>timestamp</a:t>
-            </a:r>
-            <a:r>
-              <a:rPr lang="id-ID" dirty="0"/>
-              <a:t>}</a:t>
-            </a:r>
-          </a:p>
-          <a:p>
-            <a:pPr lvl="2"/>
-            <a:r>
-              <a:rPr lang="id-ID" dirty="0"/>
-              <a:t>Bagian {</a:t>
-            </a:r>
-            <a:r>
-              <a:rPr lang="id-ID" dirty="0" err="1"/>
-              <a:t>timestamp</a:t>
-            </a:r>
-            <a:r>
-              <a:rPr lang="id-ID" dirty="0"/>
-              <a:t>} berguna untuk menunjukkan waktu terakhir </a:t>
-            </a:r>
-            <a:r>
-              <a:rPr lang="id-ID" dirty="0" err="1"/>
-              <a:t>chat</a:t>
-            </a:r>
-            <a:r>
-              <a:rPr lang="id-ID" dirty="0"/>
-              <a:t> yang telah dibaca. Bagian {</a:t>
-            </a:r>
-            <a:r>
-              <a:rPr lang="id-ID" dirty="0" err="1"/>
-              <a:t>id_pengirim</a:t>
-            </a:r>
-            <a:r>
-              <a:rPr lang="id-ID" dirty="0"/>
-              <a:t>} dapat merupakan </a:t>
-            </a:r>
-            <a:r>
-              <a:rPr lang="id-ID" dirty="0" err="1"/>
-              <a:t>id</a:t>
-            </a:r>
-            <a:r>
-              <a:rPr lang="id-ID" dirty="0"/>
-              <a:t> </a:t>
-            </a:r>
-            <a:r>
-              <a:rPr lang="id-ID" dirty="0" err="1"/>
-              <a:t>broadcast</a:t>
-            </a:r>
-            <a:r>
-              <a:rPr lang="id-ID" dirty="0"/>
-              <a:t>, </a:t>
-            </a:r>
-            <a:r>
-              <a:rPr lang="id-ID" dirty="0" err="1"/>
-              <a:t>user</a:t>
-            </a:r>
-            <a:r>
-              <a:rPr lang="id-ID" dirty="0"/>
-              <a:t>, atau </a:t>
-            </a:r>
-            <a:r>
-              <a:rPr lang="id-ID" dirty="0" err="1"/>
-              <a:t>group</a:t>
-            </a:r>
-            <a:r>
-              <a:rPr lang="id-ID" dirty="0" smtClean="0"/>
-              <a:t>.</a:t>
-            </a:r>
-            <a:endParaRPr lang="id-ID" dirty="0"/>
-          </a:p>
-          <a:p>
-            <a:pPr lvl="1"/>
-            <a:r>
-              <a:rPr lang="id-ID" sz="1400" dirty="0" err="1"/>
-              <a:t>GetChatServer</a:t>
-            </a:r>
-            <a:endParaRPr lang="id-ID" sz="1400" dirty="0"/>
-          </a:p>
-          <a:p>
-            <a:pPr lvl="2"/>
-            <a:r>
-              <a:rPr lang="id-ID" dirty="0"/>
-              <a:t>{</a:t>
-            </a:r>
-            <a:r>
-              <a:rPr lang="id-ID" dirty="0" err="1"/>
-              <a:t>timestamp</a:t>
-            </a:r>
-            <a:r>
-              <a:rPr lang="id-ID" dirty="0"/>
-              <a:t>};{</a:t>
-            </a:r>
-            <a:r>
-              <a:rPr lang="id-ID" dirty="0" err="1"/>
-              <a:t>msg</a:t>
-            </a:r>
-            <a:r>
-              <a:rPr lang="id-ID" dirty="0"/>
-              <a:t>}</a:t>
-            </a:r>
-          </a:p>
-          <a:p>
-            <a:pPr lvl="2"/>
-            <a:r>
-              <a:rPr lang="id-ID" dirty="0" err="1"/>
-              <a:t>GetChatServer</a:t>
-            </a:r>
-            <a:r>
-              <a:rPr lang="id-ID" dirty="0"/>
-              <a:t> ini adalah protokol dalam </a:t>
-            </a:r>
-            <a:r>
-              <a:rPr lang="id-ID" dirty="0" err="1"/>
-              <a:t>merespon</a:t>
-            </a:r>
-            <a:r>
-              <a:rPr lang="id-ID" dirty="0"/>
-              <a:t> </a:t>
-            </a:r>
-            <a:r>
-              <a:rPr lang="id-ID" dirty="0" err="1" smtClean="0"/>
-              <a:t>GetChatClient</a:t>
-            </a:r>
-            <a:endParaRPr lang="id-ID" dirty="0" smtClean="0"/>
-          </a:p>
-          <a:p>
-            <a:pPr lvl="1"/>
-            <a:r>
-              <a:rPr lang="id-ID" sz="1400" dirty="0" err="1"/>
-              <a:t>Logout</a:t>
-            </a:r>
-            <a:endParaRPr lang="id-ID" sz="1400" dirty="0"/>
-          </a:p>
-          <a:p>
-            <a:pPr lvl="2"/>
-            <a:r>
-              <a:rPr lang="id-ID" dirty="0"/>
-              <a:t>{</a:t>
-            </a:r>
-            <a:r>
-              <a:rPr lang="id-ID" dirty="0" err="1"/>
-              <a:t>id</a:t>
-            </a:r>
-            <a:r>
-              <a:rPr lang="id-ID" dirty="0" smtClean="0"/>
-              <a:t>}</a:t>
-            </a:r>
-          </a:p>
-          <a:p>
-            <a:pPr lvl="2"/>
-            <a:r>
-              <a:rPr lang="id-ID" dirty="0" smtClean="0"/>
-              <a:t>Format pesan </a:t>
-            </a:r>
-            <a:r>
-              <a:rPr lang="id-ID" dirty="0" err="1" smtClean="0"/>
-              <a:t>logout</a:t>
-            </a:r>
-            <a:r>
-              <a:rPr lang="id-ID" dirty="0" smtClean="0"/>
-              <a:t> ini akan </a:t>
-            </a:r>
-            <a:r>
-              <a:rPr lang="id-ID" dirty="0"/>
-              <a:t>digunakan ketika </a:t>
-            </a:r>
-            <a:r>
-              <a:rPr lang="id-ID" dirty="0" err="1"/>
-              <a:t>client</a:t>
-            </a:r>
-            <a:r>
-              <a:rPr lang="id-ID" dirty="0"/>
-              <a:t> hendak </a:t>
-            </a:r>
-            <a:r>
-              <a:rPr lang="id-ID" dirty="0" err="1" smtClean="0"/>
-              <a:t>logout</a:t>
-            </a:r>
-            <a:r>
-              <a:rPr lang="id-ID" dirty="0" smtClean="0"/>
-              <a:t> ataupun </a:t>
-            </a:r>
-            <a:r>
-              <a:rPr lang="id-ID" dirty="0" err="1"/>
-              <a:t>pempropagasian</a:t>
-            </a:r>
-            <a:r>
-              <a:rPr lang="id-ID" dirty="0"/>
-              <a:t> </a:t>
-            </a:r>
-            <a:r>
-              <a:rPr lang="id-ID" dirty="0" err="1" smtClean="0"/>
-              <a:t>server</a:t>
-            </a:r>
-            <a:r>
-              <a:rPr lang="id-ID" dirty="0" smtClean="0"/>
-              <a:t>.</a:t>
-            </a:r>
-          </a:p>
-          <a:p>
-            <a:pPr lvl="1"/>
-            <a:r>
-              <a:rPr lang="id-ID" sz="1400" dirty="0" err="1" smtClean="0"/>
-              <a:t>LoginServer</a:t>
-            </a:r>
-            <a:endParaRPr lang="id-ID" sz="1400" dirty="0" smtClean="0"/>
-          </a:p>
-          <a:p>
-            <a:pPr lvl="2"/>
-            <a:r>
-              <a:rPr lang="id-ID" dirty="0" smtClean="0"/>
-              <a:t>{</a:t>
-            </a:r>
-            <a:r>
-              <a:rPr lang="id-ID" dirty="0" err="1" smtClean="0"/>
-              <a:t>id</a:t>
-            </a:r>
-            <a:r>
-              <a:rPr lang="id-ID" dirty="0" smtClean="0"/>
-              <a:t>}</a:t>
-            </a:r>
-          </a:p>
-          <a:p>
-            <a:pPr lvl="2"/>
-            <a:r>
-              <a:rPr lang="id-ID" dirty="0" smtClean="0"/>
-              <a:t>Format ini digunakan </a:t>
-            </a:r>
-            <a:r>
-              <a:rPr lang="id-ID" dirty="0" err="1" smtClean="0"/>
-              <a:t>untui</a:t>
-            </a:r>
-            <a:r>
-              <a:rPr lang="id-ID" dirty="0" smtClean="0"/>
-              <a:t> </a:t>
-            </a:r>
-            <a:r>
-              <a:rPr lang="id-ID" dirty="0" err="1" smtClean="0"/>
-              <a:t>mempropagasikan</a:t>
-            </a:r>
-            <a:r>
-              <a:rPr lang="id-ID" dirty="0"/>
-              <a:t> </a:t>
-            </a:r>
-            <a:r>
-              <a:rPr lang="id-ID" dirty="0" err="1" smtClean="0"/>
-              <a:t>server</a:t>
-            </a:r>
-            <a:r>
-              <a:rPr lang="id-ID" dirty="0" smtClean="0"/>
-              <a:t>.</a:t>
-            </a:r>
-            <a:endParaRPr lang="id-ID" dirty="0"/>
-          </a:p>
-        </p:txBody>
-      </p:sp>
-    </p:spTree>
-    <p:extLst>
-      <p:ext uri="{BB962C8B-B14F-4D97-AF65-F5344CB8AC3E}">
-        <p14:creationId xmlns:p14="http://schemas.microsoft.com/office/powerpoint/2010/main" val="2823680106"/>
-      </p:ext>
-    </p:extLst>
-  </p:cSld>
-  <p:clrMapOvr>
-    <a:masterClrMapping/>
-  </p:clrMapOvr>
-  <p:timing>
-    <p:tnLst>
-      <p:par>
-        <p:cTn id="1" dur="indefinite" restart="never" nodeType="tmRoot"/>
-      </p:par>
-    </p:tnLst>
-  </p:timing>
-</p:sld>
-</file>
-
-<file path=ppt/slides/slide12.xml><?xml version="1.0" encoding="utf-8"?>
-<p:sld xmlns:a="http://schemas.openxmlformats.org/drawingml/2006/main" xmlns:r="http://schemas.openxmlformats.org/officeDocument/2006/relationships" xmlns:p="http://schemas.openxmlformats.org/presentationml/2006/main">
-  <p:cSld>
-    <p:spTree>
-      <p:nvGrpSpPr>
-        <p:cNvPr id="1" name=""/>
-        <p:cNvGrpSpPr/>
-        <p:nvPr/>
-      </p:nvGrpSpPr>
-      <p:grpSpPr>
-        <a:xfrm>
-          <a:off x="0" y="0"/>
-          <a:ext cx="0" cy="0"/>
-          <a:chOff x="0" y="0"/>
-          <a:chExt cx="0" cy="0"/>
-        </a:xfrm>
-      </p:grpSpPr>
-      <p:sp>
-        <p:nvSpPr>
-          <p:cNvPr id="2" name="Title 1"/>
-          <p:cNvSpPr>
-            <a:spLocks noGrp="1"/>
-          </p:cNvSpPr>
-          <p:nvPr>
-            <p:ph type="title"/>
-          </p:nvPr>
-        </p:nvSpPr>
-        <p:spPr/>
-        <p:txBody>
-          <a:bodyPr/>
-          <a:lstStyle/>
-          <a:p>
-            <a:r>
-              <a:rPr lang="id-ID" b="1" dirty="0"/>
-              <a:t>Arsitektur sistem (bagian-bagian </a:t>
-            </a:r>
-            <a:r>
-              <a:rPr lang="id-ID" b="1" dirty="0" err="1" smtClean="0"/>
-              <a:t>body</a:t>
-            </a:r>
-            <a:r>
-              <a:rPr lang="id-ID" b="1" dirty="0" smtClean="0"/>
-              <a:t> data)</a:t>
-            </a:r>
-            <a:endParaRPr lang="id-ID" dirty="0"/>
-          </a:p>
-        </p:txBody>
-      </p:sp>
-      <p:sp>
-        <p:nvSpPr>
-          <p:cNvPr id="3" name="Content Placeholder 2"/>
-          <p:cNvSpPr>
-            <a:spLocks noGrp="1"/>
-          </p:cNvSpPr>
-          <p:nvPr>
-            <p:ph idx="1"/>
-          </p:nvPr>
-        </p:nvSpPr>
         <p:spPr>
           <a:xfrm>
             <a:off x="685800" y="2319867"/>
@@ -6774,7 +6349,15 @@
               <a:t>id</a:t>
             </a:r>
             <a:r>
-              <a:rPr lang="id-ID" dirty="0"/>
+              <a:rPr lang="id-ID" dirty="0" smtClean="0"/>
+              <a:t>};{</a:t>
+            </a:r>
+            <a:r>
+              <a:rPr lang="id-ID" dirty="0" err="1" smtClean="0"/>
+              <a:t>ip_address_port</a:t>
+            </a:r>
+            <a:r>
+              <a:rPr lang="id-ID" dirty="0" smtClean="0"/>
               <a:t>};{</a:t>
             </a:r>
             <a:r>
@@ -6976,19 +6559,39 @@
             <a:pPr lvl="2"/>
             <a:r>
               <a:rPr lang="id-ID" dirty="0" smtClean="0"/>
-              <a:t>Bagian ini tidak memiliki </a:t>
+              <a:t>{</a:t>
             </a:r>
             <a:r>
               <a:rPr lang="id-ID" dirty="0" err="1" smtClean="0"/>
-              <a:t>body_data</a:t>
-            </a:r>
-            <a:r>
-              <a:rPr lang="id-ID" dirty="0" smtClean="0"/>
-              <a:t> hanya memberikan </a:t>
+              <a:t>ip_address_port</a:t>
+            </a:r>
+            <a:r>
+              <a:rPr lang="id-ID" dirty="0" smtClean="0"/>
+              <a:t>}</a:t>
+            </a:r>
+            <a:endParaRPr lang="id-ID" dirty="0" smtClean="0"/>
+          </a:p>
+          <a:p>
+            <a:pPr lvl="2"/>
+            <a:r>
+              <a:rPr lang="id-ID" dirty="0"/>
+              <a:t>Bagian {</a:t>
+            </a:r>
+            <a:r>
+              <a:rPr lang="id-ID" dirty="0" err="1"/>
+              <a:t>ip_address_port</a:t>
+            </a:r>
+            <a:r>
+              <a:rPr lang="id-ID" dirty="0"/>
+              <a:t>} </a:t>
+            </a:r>
+            <a:r>
+              <a:rPr lang="id-ID" dirty="0" smtClean="0"/>
+              <a:t>adalah </a:t>
             </a:r>
             <a:r>
               <a:rPr lang="id-ID" dirty="0" err="1" smtClean="0"/>
-              <a:t>type</a:t>
+              <a:t>Ip</a:t>
             </a:r>
             <a:r>
               <a:rPr lang="id-ID" dirty="0" smtClean="0"/>
@@ -6996,11 +6599,19 @@
             </a:r>
             <a:r>
               <a:rPr lang="id-ID" dirty="0" err="1" smtClean="0"/>
-              <a:t>commandnya</a:t>
-            </a:r>
-            <a:r>
-              <a:rPr lang="id-ID" dirty="0" smtClean="0"/>
-              <a:t> saja.</a:t>
+              <a:t>address</a:t>
+            </a:r>
+            <a:r>
+              <a:rPr lang="id-ID" dirty="0" smtClean="0"/>
+              <a:t> dan </a:t>
+            </a:r>
+            <a:r>
+              <a:rPr lang="id-ID" dirty="0" err="1" smtClean="0"/>
+              <a:t>port</a:t>
+            </a:r>
+            <a:r>
+              <a:rPr lang="id-ID" smtClean="0"/>
+              <a:t> peminta</a:t>
             </a:r>
             <a:endParaRPr lang="id-ID" sz="1050" dirty="0"/>
           </a:p>
@@ -7032,15 +6643,7 @@
             </a:r>
             <a:r>
               <a:rPr lang="id-ID" dirty="0" smtClean="0"/>
-              <a:t>};{</a:t>
-            </a:r>
-            <a:r>
-              <a:rPr lang="id-ID" dirty="0" err="1" smtClean="0"/>
-              <a:t>name</a:t>
-            </a:r>
-            <a:r>
-              <a:rPr lang="id-ID" smtClean="0"/>
-              <a:t>}</a:t>
+              <a:t>};{nama}</a:t>
             </a:r>
             <a:endParaRPr lang="id-ID" dirty="0" smtClean="0"/>
           </a:p>
@@ -7117,7 +6720,7 @@
 </p:sld>
 </file>
 
-<file path=ppt/slides/slide13.xml><?xml version="1.0" encoding="utf-8"?>
+<file path=ppt/slides/slide12.xml><?xml version="1.0" encoding="utf-8"?>
 <p:sld xmlns:a="http://schemas.openxmlformats.org/drawingml/2006/main" xmlns:r="http://schemas.openxmlformats.org/officeDocument/2006/relationships" xmlns:p="http://schemas.openxmlformats.org/presentationml/2006/main">
   <p:cSld>
     <p:spTree>
@@ -7235,7 +6838,7 @@
 </p:sld>
 </file>
 
-<file path=ppt/slides/slide14.xml><?xml version="1.0" encoding="utf-8"?>
+<file path=ppt/slides/slide13.xml><?xml version="1.0" encoding="utf-8"?>
 <p:sld xmlns:a="http://schemas.openxmlformats.org/drawingml/2006/main" xmlns:r="http://schemas.openxmlformats.org/officeDocument/2006/relationships" xmlns:p="http://schemas.openxmlformats.org/presentationml/2006/main">
   <p:cSld>
     <p:spTree>
@@ -7353,7 +6956,7 @@
 </p:sld>
 </file>
 
-<file path=ppt/slides/slide15.xml><?xml version="1.0" encoding="utf-8"?>
+<file path=ppt/slides/slide14.xml><?xml version="1.0" encoding="utf-8"?>
 <p:sld xmlns:a="http://schemas.openxmlformats.org/drawingml/2006/main" xmlns:r="http://schemas.openxmlformats.org/officeDocument/2006/relationships" xmlns:p="http://schemas.openxmlformats.org/presentationml/2006/main">
   <p:cSld>
     <p:spTree>
@@ -7471,7 +7074,7 @@
 </p:sld>
 </file>
 
-<file path=ppt/slides/slide16.xml><?xml version="1.0" encoding="utf-8"?>
+<file path=ppt/slides/slide15.xml><?xml version="1.0" encoding="utf-8"?>
 <p:sld xmlns:a="http://schemas.openxmlformats.org/drawingml/2006/main" xmlns:r="http://schemas.openxmlformats.org/officeDocument/2006/relationships" xmlns:p="http://schemas.openxmlformats.org/presentationml/2006/main">
   <p:cSld>
     <p:spTree>
@@ -7589,7 +7192,7 @@
 </p:sld>
 </file>
 
-<file path=ppt/slides/slide17.xml><?xml version="1.0" encoding="utf-8"?>
+<file path=ppt/slides/slide16.xml><?xml version="1.0" encoding="utf-8"?>
 <p:sld xmlns:a="http://schemas.openxmlformats.org/drawingml/2006/main" xmlns:r="http://schemas.openxmlformats.org/officeDocument/2006/relationships" xmlns:p="http://schemas.openxmlformats.org/presentationml/2006/main">
   <p:cSld>
     <p:spTree>
@@ -7699,7 +7302,7 @@
 </p:sld>
 </file>
 
-<file path=ppt/slides/slide18.xml><?xml version="1.0" encoding="utf-8"?>
+<file path=ppt/slides/slide17.xml><?xml version="1.0" encoding="utf-8"?>
 <p:sld xmlns:a="http://schemas.openxmlformats.org/drawingml/2006/main" xmlns:r="http://schemas.openxmlformats.org/officeDocument/2006/relationships" xmlns:p="http://schemas.openxmlformats.org/presentationml/2006/main">
   <p:cSld>
     <p:spTree>
@@ -7809,7 +7412,7 @@
 </p:sld>
 </file>
 
-<file path=ppt/slides/slide19.xml><?xml version="1.0" encoding="utf-8"?>
+<file path=ppt/slides/slide18.xml><?xml version="1.0" encoding="utf-8"?>
 <p:sld xmlns:a="http://schemas.openxmlformats.org/drawingml/2006/main" xmlns:r="http://schemas.openxmlformats.org/officeDocument/2006/relationships" xmlns:p="http://schemas.openxmlformats.org/presentationml/2006/main">
   <p:cSld>
     <p:spTree>
@@ -7927,86 +7530,7 @@
 </p:sld>
 </file>
 
-<file path=ppt/slides/slide2.xml><?xml version="1.0" encoding="utf-8"?>
-<p:sld xmlns:a="http://schemas.openxmlformats.org/drawingml/2006/main" xmlns:r="http://schemas.openxmlformats.org/officeDocument/2006/relationships" xmlns:p="http://schemas.openxmlformats.org/presentationml/2006/main">
-  <p:cSld>
-    <p:spTree>
-      <p:nvGrpSpPr>
-        <p:cNvPr id="1" name=""/>
-        <p:cNvGrpSpPr/>
-        <p:nvPr/>
-      </p:nvGrpSpPr>
-      <p:grpSpPr>
-        <a:xfrm>
-          <a:off x="0" y="0"/>
-          <a:ext cx="0" cy="0"/>
-          <a:chOff x="0" y="0"/>
-          <a:chExt cx="0" cy="0"/>
-        </a:xfrm>
-      </p:grpSpPr>
-      <p:sp>
-        <p:nvSpPr>
-          <p:cNvPr id="2" name="Title 1"/>
-          <p:cNvSpPr>
-            <a:spLocks noGrp="1"/>
-          </p:cNvSpPr>
-          <p:nvPr>
-            <p:ph type="title"/>
-          </p:nvPr>
-        </p:nvSpPr>
-        <p:spPr/>
-        <p:txBody>
-          <a:bodyPr/>
-          <a:lstStyle/>
-          <a:p>
-            <a:r>
-              <a:rPr lang="id-ID" dirty="0" err="1" smtClean="0"/>
-              <a:t>tesUbah</a:t>
-            </a:r>
-            <a:r>
-              <a:rPr lang="id-ID" smtClean="0"/>
-              <a:t/>
-            </a:r>
-            <a:br>
-              <a:rPr lang="id-ID" smtClean="0"/>
-            </a:br>
-            <a:endParaRPr lang="id-ID"/>
-          </a:p>
-        </p:txBody>
-      </p:sp>
-      <p:sp>
-        <p:nvSpPr>
-          <p:cNvPr id="3" name="Content Placeholder 2"/>
-          <p:cNvSpPr>
-            <a:spLocks noGrp="1"/>
-          </p:cNvSpPr>
-          <p:nvPr>
-            <p:ph idx="1"/>
-          </p:nvPr>
-        </p:nvSpPr>
-        <p:spPr/>
-        <p:txBody>
-          <a:bodyPr/>
-          <a:lstStyle/>
-          <a:p>
-            <a:endParaRPr lang="id-ID"/>
-          </a:p>
-        </p:txBody>
-      </p:sp>
-    </p:spTree>
-    <p:extLst>
-      <p:ext uri="{BB962C8B-B14F-4D97-AF65-F5344CB8AC3E}">
-        <p14:creationId xmlns:p14="http://schemas.microsoft.com/office/powerpoint/2010/main" val="1688029939"/>
-      </p:ext>
-    </p:extLst>
-  </p:cSld>
-  <p:clrMapOvr>
-    <a:masterClrMapping/>
-  </p:clrMapOvr>
-</p:sld>
-</file>
-
-<file path=ppt/slides/slide20.xml><?xml version="1.0" encoding="utf-8"?>
+<file path=ppt/slides/slide19.xml><?xml version="1.0" encoding="utf-8"?>
 <p:sld xmlns:a="http://schemas.openxmlformats.org/drawingml/2006/main" xmlns:r="http://schemas.openxmlformats.org/officeDocument/2006/relationships" xmlns:p="http://schemas.openxmlformats.org/presentationml/2006/main">
   <p:cSld>
     <p:spTree>
@@ -8108,7 +7632,302 @@
 </p:sld>
 </file>
 
-<file path=ppt/slides/slide21.xml><?xml version="1.0" encoding="utf-8"?>
+<file path=ppt/slides/slide2.xml><?xml version="1.0" encoding="utf-8"?>
+<p:sld xmlns:a="http://schemas.openxmlformats.org/drawingml/2006/main" xmlns:r="http://schemas.openxmlformats.org/officeDocument/2006/relationships" xmlns:p="http://schemas.openxmlformats.org/presentationml/2006/main">
+  <p:cSld>
+    <p:spTree>
+      <p:nvGrpSpPr>
+        <p:cNvPr id="1" name=""/>
+        <p:cNvGrpSpPr/>
+        <p:nvPr/>
+      </p:nvGrpSpPr>
+      <p:grpSpPr>
+        <a:xfrm>
+          <a:off x="0" y="0"/>
+          <a:ext cx="0" cy="0"/>
+          <a:chOff x="0" y="0"/>
+          <a:chExt cx="0" cy="0"/>
+        </a:xfrm>
+      </p:grpSpPr>
+      <p:sp>
+        <p:nvSpPr>
+          <p:cNvPr id="2" name="Title 1"/>
+          <p:cNvSpPr>
+            <a:spLocks noGrp="1"/>
+          </p:cNvSpPr>
+          <p:nvPr>
+            <p:ph type="title"/>
+          </p:nvPr>
+        </p:nvSpPr>
+        <p:spPr/>
+        <p:txBody>
+          <a:bodyPr/>
+          <a:lstStyle/>
+          <a:p>
+            <a:r>
+              <a:rPr lang="id-ID" dirty="0" smtClean="0"/>
+              <a:t>Deskripsi Kasus</a:t>
+            </a:r>
+            <a:endParaRPr lang="id-ID" dirty="0"/>
+          </a:p>
+        </p:txBody>
+      </p:sp>
+      <p:sp>
+        <p:nvSpPr>
+          <p:cNvPr id="3" name="Content Placeholder 2"/>
+          <p:cNvSpPr>
+            <a:spLocks noGrp="1"/>
+          </p:cNvSpPr>
+          <p:nvPr>
+            <p:ph idx="1"/>
+          </p:nvPr>
+        </p:nvSpPr>
+        <p:spPr/>
+        <p:txBody>
+          <a:bodyPr/>
+          <a:lstStyle/>
+          <a:p>
+            <a:pPr marL="0" indent="0">
+              <a:buNone/>
+            </a:pPr>
+            <a:r>
+              <a:rPr lang="id-ID" dirty="0"/>
+              <a:t>Aplikasi yang akan dibuat adalah aplikasi IM(</a:t>
+            </a:r>
+            <a:r>
+              <a:rPr lang="id-ID" dirty="0" err="1"/>
+              <a:t>Instant</a:t>
+            </a:r>
+            <a:r>
+              <a:rPr lang="id-ID" dirty="0"/>
+              <a:t> </a:t>
+            </a:r>
+            <a:r>
+              <a:rPr lang="id-ID" dirty="0" err="1"/>
+              <a:t>Messaging</a:t>
+            </a:r>
+            <a:r>
+              <a:rPr lang="id-ID" dirty="0"/>
+              <a:t>) untuk bertukar pesan </a:t>
+            </a:r>
+            <a:r>
+              <a:rPr lang="id-ID" dirty="0" smtClean="0"/>
+              <a:t>dan berkolaborasi</a:t>
+            </a:r>
+            <a:r>
+              <a:rPr lang="id-ID" dirty="0"/>
+              <a:t>, seperti: </a:t>
+            </a:r>
+            <a:r>
+              <a:rPr lang="id-ID" dirty="0" err="1"/>
+              <a:t>whatsapp</a:t>
+            </a:r>
+            <a:r>
+              <a:rPr lang="id-ID" dirty="0"/>
+              <a:t>, </a:t>
+            </a:r>
+            <a:r>
+              <a:rPr lang="id-ID" dirty="0" err="1"/>
+              <a:t>line</a:t>
+            </a:r>
+            <a:r>
+              <a:rPr lang="id-ID" dirty="0"/>
+              <a:t>, </a:t>
+            </a:r>
+            <a:r>
+              <a:rPr lang="id-ID" dirty="0" err="1"/>
+              <a:t>bbm</a:t>
+            </a:r>
+            <a:r>
+              <a:rPr lang="id-ID" dirty="0"/>
+              <a:t> dan sejenisnya</a:t>
+            </a:r>
+            <a:r>
+              <a:rPr lang="id-ID" dirty="0" smtClean="0"/>
+              <a:t>. </a:t>
+            </a:r>
+            <a:endParaRPr lang="id-ID" dirty="0"/>
+          </a:p>
+          <a:p>
+            <a:pPr marL="0" indent="0">
+              <a:buNone/>
+            </a:pPr>
+            <a:r>
+              <a:rPr lang="id-ID" dirty="0" smtClean="0"/>
+              <a:t>Aplikasi </a:t>
+            </a:r>
+            <a:r>
+              <a:rPr lang="id-ID" dirty="0" err="1" smtClean="0"/>
+              <a:t>chat</a:t>
+            </a:r>
+            <a:r>
+              <a:rPr lang="id-ID" dirty="0" smtClean="0"/>
+              <a:t> yang akan dibuat harus memiliki fungsi </a:t>
+            </a:r>
+            <a:r>
+              <a:rPr lang="id-ID" dirty="0"/>
+              <a:t>yang harus didukung oleh aplikasi ini sekurang-kurangnya: registrasi </a:t>
+            </a:r>
+            <a:r>
+              <a:rPr lang="id-ID" dirty="0" err="1"/>
+              <a:t>user</a:t>
+            </a:r>
+            <a:r>
+              <a:rPr lang="id-ID" dirty="0"/>
+              <a:t>, </a:t>
+            </a:r>
+            <a:r>
+              <a:rPr lang="id-ID" dirty="0" err="1"/>
+              <a:t>login</a:t>
+            </a:r>
+            <a:r>
+              <a:rPr lang="id-ID" dirty="0"/>
+              <a:t>, </a:t>
+            </a:r>
+            <a:r>
+              <a:rPr lang="id-ID" dirty="0" err="1" smtClean="0"/>
+              <a:t>logout</a:t>
+            </a:r>
+            <a:r>
+              <a:rPr lang="id-ID" dirty="0" smtClean="0"/>
+              <a:t>, notifikasi </a:t>
+            </a:r>
+            <a:r>
+              <a:rPr lang="id-ID" dirty="0"/>
+              <a:t>jika </a:t>
+            </a:r>
+            <a:r>
+              <a:rPr lang="id-ID" dirty="0" err="1"/>
+              <a:t>user</a:t>
+            </a:r>
+            <a:r>
+              <a:rPr lang="id-ID" dirty="0"/>
+              <a:t> </a:t>
+            </a:r>
+            <a:r>
+              <a:rPr lang="id-ID" dirty="0" err="1"/>
+              <a:t>login</a:t>
+            </a:r>
+            <a:r>
+              <a:rPr lang="id-ID" dirty="0"/>
+              <a:t> atau </a:t>
+            </a:r>
+            <a:r>
+              <a:rPr lang="id-ID" dirty="0" err="1"/>
+              <a:t>logout</a:t>
+            </a:r>
+            <a:r>
+              <a:rPr lang="id-ID" dirty="0"/>
+              <a:t>, membuat </a:t>
+            </a:r>
+            <a:r>
+              <a:rPr lang="id-ID" dirty="0" err="1"/>
+              <a:t>group</a:t>
+            </a:r>
+            <a:r>
+              <a:rPr lang="id-ID" dirty="0"/>
+              <a:t> tertentu yang beranggotakan </a:t>
+            </a:r>
+            <a:r>
+              <a:rPr lang="id-ID" dirty="0" err="1"/>
+              <a:t>user-user</a:t>
+            </a:r>
+            <a:r>
+              <a:rPr lang="id-ID" dirty="0"/>
+              <a:t> </a:t>
+            </a:r>
+            <a:r>
+              <a:rPr lang="id-ID" dirty="0" smtClean="0"/>
+              <a:t>yang sudah </a:t>
+            </a:r>
+            <a:r>
+              <a:rPr lang="id-ID" dirty="0"/>
+              <a:t>terdaftar, mengirimkan pesan multimedia kepada </a:t>
+            </a:r>
+            <a:r>
+              <a:rPr lang="id-ID" dirty="0" err="1"/>
+              <a:t>user</a:t>
+            </a:r>
+            <a:r>
+              <a:rPr lang="id-ID" dirty="0"/>
+              <a:t> (lain) atau </a:t>
+            </a:r>
+            <a:r>
+              <a:rPr lang="id-ID" dirty="0" err="1"/>
+              <a:t>group</a:t>
+            </a:r>
+            <a:r>
+              <a:rPr lang="id-ID" dirty="0"/>
+              <a:t> tertentu (baik </a:t>
+            </a:r>
+            <a:r>
+              <a:rPr lang="id-ID" dirty="0" smtClean="0"/>
+              <a:t>bercakap-cakap atau </a:t>
+            </a:r>
+            <a:r>
+              <a:rPr lang="id-ID" dirty="0"/>
+              <a:t>meninggalkan pesan), mengirimkan pesan </a:t>
+            </a:r>
+            <a:r>
+              <a:rPr lang="id-ID" dirty="0" err="1" smtClean="0"/>
+              <a:t>broadcast</a:t>
+            </a:r>
+            <a:r>
+              <a:rPr lang="id-ID" dirty="0" smtClean="0"/>
+              <a:t> </a:t>
+            </a:r>
+            <a:r>
+              <a:rPr lang="id-ID" dirty="0"/>
+              <a:t>ke beberapa </a:t>
+            </a:r>
+            <a:r>
+              <a:rPr lang="id-ID" dirty="0" err="1"/>
+              <a:t>group</a:t>
+            </a:r>
+            <a:r>
+              <a:rPr lang="id-ID" dirty="0"/>
+              <a:t> dan </a:t>
+            </a:r>
+            <a:r>
+              <a:rPr lang="id-ID" dirty="0" smtClean="0"/>
+              <a:t>beberapa </a:t>
+            </a:r>
+            <a:r>
+              <a:rPr lang="id-ID" dirty="0" err="1" smtClean="0"/>
+              <a:t>user</a:t>
+            </a:r>
+            <a:r>
+              <a:rPr lang="id-ID" dirty="0" smtClean="0"/>
+              <a:t> </a:t>
+            </a:r>
+            <a:r>
+              <a:rPr lang="id-ID" dirty="0"/>
+              <a:t>sekaligus.</a:t>
+            </a:r>
+          </a:p>
+        </p:txBody>
+      </p:sp>
+    </p:spTree>
+    <p:extLst>
+      <p:ext uri="{BB962C8B-B14F-4D97-AF65-F5344CB8AC3E}">
+        <p14:creationId xmlns:p14="http://schemas.microsoft.com/office/powerpoint/2010/main" val="2265078022"/>
+      </p:ext>
+    </p:extLst>
+  </p:cSld>
+  <p:clrMapOvr>
+    <a:masterClrMapping/>
+  </p:clrMapOvr>
+  <p:timing>
+    <p:tnLst>
+      <p:par>
+        <p:cTn id="1" dur="indefinite" restart="never" nodeType="tmRoot"/>
+      </p:par>
+    </p:tnLst>
+  </p:timing>
+</p:sld>
+</file>
+
+<file path=ppt/slides/slide20.xml><?xml version="1.0" encoding="utf-8"?>
 <p:sld xmlns:a="http://schemas.openxmlformats.org/drawingml/2006/main" xmlns:r="http://schemas.openxmlformats.org/officeDocument/2006/relationships" xmlns:p="http://schemas.openxmlformats.org/presentationml/2006/main">
   <p:cSld>
     <p:spTree>
@@ -8465,6 +8284,393 @@
 </p:sld>
 </file>
 
+<file path=ppt/slides/slide21.xml><?xml version="1.0" encoding="utf-8"?>
+<p:sld xmlns:a="http://schemas.openxmlformats.org/drawingml/2006/main" xmlns:r="http://schemas.openxmlformats.org/officeDocument/2006/relationships" xmlns:p="http://schemas.openxmlformats.org/presentationml/2006/main">
+  <p:cSld>
+    <p:spTree>
+      <p:nvGrpSpPr>
+        <p:cNvPr id="1" name=""/>
+        <p:cNvGrpSpPr/>
+        <p:nvPr/>
+      </p:nvGrpSpPr>
+      <p:grpSpPr>
+        <a:xfrm>
+          <a:off x="0" y="0"/>
+          <a:ext cx="0" cy="0"/>
+          <a:chOff x="0" y="0"/>
+          <a:chExt cx="0" cy="0"/>
+        </a:xfrm>
+      </p:grpSpPr>
+      <p:sp>
+        <p:nvSpPr>
+          <p:cNvPr id="2" name="Title 1"/>
+          <p:cNvSpPr>
+            <a:spLocks noGrp="1"/>
+          </p:cNvSpPr>
+          <p:nvPr>
+            <p:ph type="title"/>
+          </p:nvPr>
+        </p:nvSpPr>
+        <p:spPr/>
+        <p:txBody>
+          <a:bodyPr/>
+          <a:lstStyle/>
+          <a:p>
+            <a:r>
+              <a:rPr lang="id-ID" dirty="0"/>
+              <a:t>Arsitektur </a:t>
+            </a:r>
+            <a:r>
+              <a:rPr lang="id-ID" dirty="0" smtClean="0"/>
+              <a:t>detail(1. </a:t>
+            </a:r>
+            <a:r>
+              <a:rPr lang="id-ID" dirty="0" err="1" smtClean="0"/>
+              <a:t>Connection</a:t>
+            </a:r>
+            <a:r>
+              <a:rPr lang="id-ID" dirty="0" smtClean="0"/>
+              <a:t> </a:t>
+            </a:r>
+            <a:r>
+              <a:rPr lang="id-ID" dirty="0" err="1" smtClean="0"/>
+              <a:t>Manager</a:t>
+            </a:r>
+            <a:r>
+              <a:rPr lang="id-ID" dirty="0" smtClean="0"/>
+              <a:t>)</a:t>
+            </a:r>
+            <a:endParaRPr lang="id-ID" dirty="0"/>
+          </a:p>
+        </p:txBody>
+      </p:sp>
+      <p:sp>
+        <p:nvSpPr>
+          <p:cNvPr id="3" name="Content Placeholder 2"/>
+          <p:cNvSpPr>
+            <a:spLocks noGrp="1"/>
+          </p:cNvSpPr>
+          <p:nvPr>
+            <p:ph idx="1"/>
+          </p:nvPr>
+        </p:nvSpPr>
+        <p:spPr>
+          <a:xfrm>
+            <a:off x="685800" y="1905001"/>
+            <a:ext cx="10131425" cy="4203700"/>
+          </a:xfrm>
+          <a:solidFill>
+            <a:schemeClr val="bg1"/>
+          </a:solidFill>
+        </p:spPr>
+        <p:txBody>
+          <a:bodyPr>
+            <a:normAutofit fontScale="77500" lnSpcReduction="20000"/>
+          </a:bodyPr>
+          <a:lstStyle/>
+          <a:p>
+            <a:pPr marL="0" indent="0">
+              <a:buNone/>
+            </a:pPr>
+            <a:r>
+              <a:rPr lang="id-ID" dirty="0"/>
+              <a:t>start</a:t>
+            </a:r>
+            <a:r>
+              <a:rPr lang="id-ID" dirty="0" smtClean="0"/>
+              <a:t>;</a:t>
+            </a:r>
+          </a:p>
+          <a:p>
+            <a:pPr marL="0" indent="0">
+              <a:buNone/>
+            </a:pPr>
+            <a:r>
+              <a:rPr lang="id-ID" dirty="0" smtClean="0"/>
+              <a:t>Membaca </a:t>
+            </a:r>
+            <a:r>
+              <a:rPr lang="id-ID" dirty="0" err="1" smtClean="0"/>
+              <a:t>database</a:t>
+            </a:r>
+            <a:r>
+              <a:rPr lang="id-ID" dirty="0" smtClean="0"/>
+              <a:t> untuk mengetahui alamat-alamat </a:t>
+            </a:r>
+            <a:r>
+              <a:rPr lang="id-ID" dirty="0" err="1" smtClean="0"/>
+              <a:t>server</a:t>
+            </a:r>
+            <a:r>
+              <a:rPr lang="id-ID" dirty="0" smtClean="0"/>
+              <a:t> lain;</a:t>
+            </a:r>
+          </a:p>
+          <a:p>
+            <a:pPr marL="0" indent="0">
+              <a:buNone/>
+            </a:pPr>
+            <a:r>
+              <a:rPr lang="id-ID" dirty="0" smtClean="0"/>
+              <a:t>Membuat koneksi-koneksi dengan </a:t>
+            </a:r>
+            <a:r>
+              <a:rPr lang="id-ID" dirty="0" err="1" smtClean="0"/>
+              <a:t>server</a:t>
+            </a:r>
+            <a:r>
+              <a:rPr lang="id-ID" dirty="0" smtClean="0"/>
+              <a:t> lain, proses ini akan membuat </a:t>
+            </a:r>
+            <a:r>
+              <a:rPr lang="id-ID" dirty="0" err="1" smtClean="0"/>
+              <a:t>suatu</a:t>
+            </a:r>
+            <a:r>
+              <a:rPr lang="id-ID" dirty="0" smtClean="0"/>
+              <a:t> </a:t>
+            </a:r>
+            <a:r>
+              <a:rPr lang="id-ID" dirty="0" err="1" smtClean="0"/>
+              <a:t>socket</a:t>
+            </a:r>
+            <a:r>
+              <a:rPr lang="id-ID" dirty="0" smtClean="0"/>
+              <a:t> baru.;</a:t>
+            </a:r>
+          </a:p>
+          <a:p>
+            <a:pPr marL="0" indent="0">
+              <a:buNone/>
+            </a:pPr>
+            <a:r>
+              <a:rPr lang="id-ID" dirty="0" smtClean="0"/>
+              <a:t>Memasukkan </a:t>
+            </a:r>
+            <a:r>
+              <a:rPr lang="id-ID" dirty="0" err="1" smtClean="0"/>
+              <a:t>socket</a:t>
+            </a:r>
+            <a:r>
+              <a:rPr lang="id-ID" dirty="0" smtClean="0"/>
+              <a:t> ke dalam </a:t>
+            </a:r>
+            <a:r>
+              <a:rPr lang="id-ID" dirty="0" err="1" smtClean="0"/>
+              <a:t>list</a:t>
+            </a:r>
+            <a:r>
+              <a:rPr lang="id-ID" dirty="0"/>
+              <a:t>;</a:t>
+            </a:r>
+          </a:p>
+          <a:p>
+            <a:pPr marL="0" indent="0">
+              <a:buNone/>
+            </a:pPr>
+            <a:r>
+              <a:rPr lang="id-ID" dirty="0" err="1"/>
+              <a:t>while</a:t>
+            </a:r>
+            <a:r>
+              <a:rPr lang="id-ID" dirty="0"/>
+              <a:t>(tidak diberhentikan){</a:t>
+            </a:r>
+          </a:p>
+          <a:p>
+            <a:pPr marL="457200" lvl="1" indent="0">
+              <a:buNone/>
+            </a:pPr>
+            <a:r>
+              <a:rPr lang="id-ID" dirty="0"/>
+              <a:t>  </a:t>
+            </a:r>
+            <a:r>
+              <a:rPr lang="id-ID" dirty="0" err="1"/>
+              <a:t>if</a:t>
+            </a:r>
+            <a:r>
+              <a:rPr lang="id-ID" dirty="0"/>
+              <a:t>(jumlah koneksi &lt; limit koneksi){</a:t>
+            </a:r>
+          </a:p>
+          <a:p>
+            <a:pPr marL="914400" lvl="2" indent="0">
+              <a:buNone/>
+            </a:pPr>
+            <a:r>
+              <a:rPr lang="id-ID" dirty="0"/>
+              <a:t>    menunggu </a:t>
+            </a:r>
+            <a:r>
+              <a:rPr lang="id-ID" dirty="0" err="1"/>
+              <a:t>socket</a:t>
+            </a:r>
+            <a:r>
+              <a:rPr lang="id-ID" dirty="0"/>
+              <a:t> yang masuk;</a:t>
+            </a:r>
+          </a:p>
+          <a:p>
+            <a:pPr marL="914400" lvl="2" indent="0">
+              <a:buNone/>
+            </a:pPr>
+            <a:r>
+              <a:rPr lang="id-ID" dirty="0"/>
+              <a:t>    membuat </a:t>
+            </a:r>
+            <a:r>
+              <a:rPr lang="id-ID" dirty="0" err="1"/>
+              <a:t>Connection</a:t>
+            </a:r>
+            <a:r>
+              <a:rPr lang="id-ID" dirty="0"/>
+              <a:t> dengan </a:t>
+            </a:r>
+            <a:r>
+              <a:rPr lang="id-ID" dirty="0" err="1"/>
+              <a:t>thread</a:t>
+            </a:r>
+            <a:r>
+              <a:rPr lang="id-ID" dirty="0"/>
+              <a:t> baru</a:t>
+            </a:r>
+            <a:r>
+              <a:rPr lang="id-ID" dirty="0" smtClean="0"/>
+              <a:t>;</a:t>
+            </a:r>
+          </a:p>
+          <a:p>
+            <a:pPr marL="914400" lvl="2" indent="0">
+              <a:buNone/>
+            </a:pPr>
+            <a:r>
+              <a:rPr lang="id-ID" dirty="0" smtClean="0"/>
+              <a:t>    memasukkan </a:t>
+            </a:r>
+            <a:r>
+              <a:rPr lang="id-ID" dirty="0" err="1" smtClean="0"/>
+              <a:t>socket</a:t>
+            </a:r>
+            <a:r>
+              <a:rPr lang="id-ID" dirty="0" smtClean="0"/>
+              <a:t> ke dalam </a:t>
+            </a:r>
+            <a:r>
+              <a:rPr lang="id-ID" dirty="0" err="1" smtClean="0"/>
+              <a:t>list</a:t>
+            </a:r>
+            <a:r>
+              <a:rPr lang="id-ID" dirty="0" smtClean="0"/>
+              <a:t>;</a:t>
+            </a:r>
+            <a:endParaRPr lang="id-ID" dirty="0"/>
+          </a:p>
+          <a:p>
+            <a:pPr marL="457200" lvl="1" indent="0">
+              <a:buNone/>
+            </a:pPr>
+            <a:r>
+              <a:rPr lang="id-ID" dirty="0"/>
+              <a:t>  }</a:t>
+            </a:r>
+            <a:r>
+              <a:rPr lang="id-ID" dirty="0" err="1"/>
+              <a:t>else</a:t>
+            </a:r>
+            <a:r>
+              <a:rPr lang="id-ID" dirty="0"/>
+              <a:t>{</a:t>
+            </a:r>
+          </a:p>
+          <a:p>
+            <a:pPr marL="914400" lvl="2" indent="0">
+              <a:buNone/>
+            </a:pPr>
+            <a:r>
+              <a:rPr lang="id-ID" dirty="0"/>
+              <a:t>    membalas koneksi dengan saran </a:t>
+            </a:r>
+            <a:r>
+              <a:rPr lang="id-ID" dirty="0" err="1"/>
+              <a:t>ip</a:t>
+            </a:r>
+            <a:r>
+              <a:rPr lang="id-ID" dirty="0"/>
+              <a:t> dan </a:t>
+            </a:r>
+            <a:r>
+              <a:rPr lang="id-ID" dirty="0" err="1"/>
+              <a:t>port</a:t>
+            </a:r>
+            <a:r>
+              <a:rPr lang="id-ID" dirty="0"/>
+              <a:t> </a:t>
+            </a:r>
+            <a:r>
+              <a:rPr lang="id-ID" dirty="0" err="1"/>
+              <a:t>server</a:t>
+            </a:r>
+            <a:r>
+              <a:rPr lang="id-ID" dirty="0"/>
+              <a:t> selanjutnya;</a:t>
+            </a:r>
+          </a:p>
+          <a:p>
+            <a:pPr marL="914400" lvl="2" indent="0">
+              <a:buNone/>
+            </a:pPr>
+            <a:r>
+              <a:rPr lang="id-ID" dirty="0"/>
+              <a:t>    memutuskan koneksi;</a:t>
+            </a:r>
+          </a:p>
+          <a:p>
+            <a:pPr marL="457200" lvl="1" indent="0">
+              <a:buNone/>
+            </a:pPr>
+            <a:r>
+              <a:rPr lang="id-ID" dirty="0"/>
+              <a:t>  }</a:t>
+            </a:r>
+          </a:p>
+          <a:p>
+            <a:pPr marL="0" indent="0">
+              <a:buNone/>
+            </a:pPr>
+            <a:r>
+              <a:rPr lang="id-ID" dirty="0"/>
+              <a:t>}</a:t>
+            </a:r>
+          </a:p>
+          <a:p>
+            <a:pPr marL="0" indent="0">
+              <a:buNone/>
+            </a:pPr>
+            <a:endParaRPr lang="id-ID" dirty="0"/>
+          </a:p>
+        </p:txBody>
+      </p:sp>
+    </p:spTree>
+    <p:extLst>
+      <p:ext uri="{BB962C8B-B14F-4D97-AF65-F5344CB8AC3E}">
+        <p14:creationId xmlns:p14="http://schemas.microsoft.com/office/powerpoint/2010/main" val="173438699"/>
+      </p:ext>
+    </p:extLst>
+  </p:cSld>
+  <p:clrMapOvr>
+    <a:masterClrMapping/>
+  </p:clrMapOvr>
+  <p:timing>
+    <p:tnLst>
+      <p:par>
+        <p:cTn id="1" dur="indefinite" restart="never" nodeType="tmRoot"/>
+      </p:par>
+    </p:tnLst>
+  </p:timing>
+</p:sld>
+</file>
+
 <file path=ppt/slides/slide22.xml><?xml version="1.0" encoding="utf-8"?>
 <p:sld xmlns:a="http://schemas.openxmlformats.org/drawingml/2006/main" xmlns:r="http://schemas.openxmlformats.org/officeDocument/2006/relationships" xmlns:p="http://schemas.openxmlformats.org/presentationml/2006/main">
   <p:cSld>
@@ -8503,11 +8709,11 @@
             </a:r>
             <a:r>
               <a:rPr lang="id-ID" dirty="0" smtClean="0"/>
-              <a:t>detail(1. </a:t>
+              <a:t>detail(2. </a:t>
             </a:r>
             <a:r>
               <a:rPr lang="id-ID" dirty="0" err="1" smtClean="0"/>
-              <a:t>Connection</a:t>
+              <a:t>Receiver</a:t>
             </a:r>
             <a:r>
               <a:rPr lang="id-ID" dirty="0" smtClean="0"/>
@@ -8515,7 +8721,7 @@
             </a:r>
             <a:r>
               <a:rPr lang="id-ID" dirty="0" err="1" smtClean="0"/>
-              <a:t>Manager</a:t>
+              <a:t>Thread</a:t>
             </a:r>
             <a:r>
               <a:rPr lang="id-ID" dirty="0" smtClean="0"/>
@@ -8536,17 +8742,13 @@
           </p:nvPr>
         </p:nvSpPr>
         <p:spPr>
-          <a:xfrm>
-            <a:off x="685800" y="1905001"/>
-            <a:ext cx="10131425" cy="4203700"/>
-          </a:xfrm>
           <a:solidFill>
             <a:schemeClr val="bg1"/>
           </a:solidFill>
         </p:spPr>
         <p:txBody>
           <a:bodyPr>
-            <a:normAutofit fontScale="77500" lnSpcReduction="20000"/>
+            <a:normAutofit/>
           </a:bodyPr>
           <a:lstStyle/>
           <a:p>
@@ -8555,264 +8757,112 @@
             </a:pPr>
             <a:r>
               <a:rPr lang="id-ID" dirty="0"/>
-              <a:t>start</a:t>
-            </a:r>
-            <a:r>
-              <a:rPr lang="id-ID" dirty="0" smtClean="0"/>
+              <a:t>start;</a:t>
+            </a:r>
+          </a:p>
+          <a:p>
+            <a:pPr marL="0" indent="0">
+              <a:buNone/>
+            </a:pPr>
+            <a:r>
+              <a:rPr lang="id-ID" dirty="0" err="1"/>
+              <a:t>while</a:t>
+            </a:r>
+            <a:r>
+              <a:rPr lang="id-ID" dirty="0"/>
+              <a:t>(koneksi masih terhubung){</a:t>
+            </a:r>
+          </a:p>
+          <a:p>
+            <a:pPr marL="457200" lvl="1" indent="0">
+              <a:buNone/>
+            </a:pPr>
+            <a:r>
+              <a:rPr lang="id-ID" dirty="0"/>
+              <a:t>menerima data dari </a:t>
+            </a:r>
+            <a:r>
+              <a:rPr lang="id-ID" dirty="0" err="1"/>
+              <a:t>client</a:t>
+            </a:r>
+            <a:r>
+              <a:rPr lang="id-ID" dirty="0"/>
               <a:t>;</a:t>
             </a:r>
           </a:p>
           <a:p>
-            <a:pPr marL="0" indent="0">
+            <a:pPr marL="457200" lvl="1" indent="0">
               <a:buNone/>
             </a:pPr>
             <a:r>
-              <a:rPr lang="id-ID" dirty="0" smtClean="0"/>
-              <a:t>Membaca </a:t>
-            </a:r>
-            <a:r>
-              <a:rPr lang="id-ID" dirty="0" err="1" smtClean="0"/>
-              <a:t>database</a:t>
-            </a:r>
-            <a:r>
-              <a:rPr lang="id-ID" dirty="0" smtClean="0"/>
-              <a:t> untuk mengetahui alamat-alamat </a:t>
-            </a:r>
-            <a:r>
-              <a:rPr lang="id-ID" dirty="0" err="1" smtClean="0"/>
-              <a:t>server</a:t>
-            </a:r>
-            <a:r>
-              <a:rPr lang="id-ID" dirty="0" smtClean="0"/>
-              <a:t> lain;</a:t>
-            </a:r>
-          </a:p>
-          <a:p>
-            <a:pPr marL="0" indent="0">
+              <a:rPr lang="id-ID" dirty="0" err="1"/>
+              <a:t>mendekrip</a:t>
+            </a:r>
+            <a:r>
+              <a:rPr lang="id-ID" dirty="0"/>
+              <a:t> data yang diterima;</a:t>
+            </a:r>
+          </a:p>
+          <a:p>
+            <a:pPr marL="457200" lvl="1" indent="0">
               <a:buNone/>
             </a:pPr>
             <a:r>
-              <a:rPr lang="id-ID" dirty="0" smtClean="0"/>
-              <a:t>Membuat koneksi-koneksi dengan </a:t>
-            </a:r>
-            <a:r>
-              <a:rPr lang="id-ID" dirty="0" err="1" smtClean="0"/>
-              <a:t>server</a:t>
-            </a:r>
-            <a:r>
-              <a:rPr lang="id-ID" dirty="0" smtClean="0"/>
-              <a:t> lain, proses ini akan membuat </a:t>
-            </a:r>
-            <a:r>
-              <a:rPr lang="id-ID" dirty="0" err="1" smtClean="0"/>
+              <a:rPr lang="id-ID" dirty="0" err="1"/>
+              <a:t>mengkonversikan</a:t>
+            </a:r>
+            <a:r>
+              <a:rPr lang="id-ID" dirty="0"/>
+              <a:t> data menjadi </a:t>
+            </a:r>
+            <a:r>
+              <a:rPr lang="id-ID" dirty="0" err="1"/>
               <a:t>suatu</a:t>
             </a:r>
             <a:r>
-              <a:rPr lang="id-ID" dirty="0" smtClean="0"/>
+              <a:rPr lang="id-ID" dirty="0"/>
               <a:t> </a:t>
             </a:r>
             <a:r>
-              <a:rPr lang="id-ID" dirty="0" err="1" smtClean="0"/>
-              <a:t>socket</a:t>
-            </a:r>
-            <a:r>
-              <a:rPr lang="id-ID" dirty="0" smtClean="0"/>
-              <a:t> baru.;</a:t>
-            </a:r>
-          </a:p>
-          <a:p>
-            <a:pPr marL="0" indent="0">
+              <a:rPr lang="id-ID" dirty="0" err="1"/>
+              <a:t>class</a:t>
+            </a:r>
+            <a:r>
+              <a:rPr lang="id-ID" dirty="0"/>
+              <a:t> </a:t>
+            </a:r>
+            <a:r>
+              <a:rPr lang="id-ID" dirty="0" err="1"/>
+              <a:t>packet</a:t>
+            </a:r>
+            <a:r>
+              <a:rPr lang="id-ID" dirty="0"/>
+              <a:t> untuk diproses;</a:t>
+            </a:r>
+          </a:p>
+          <a:p>
+            <a:pPr marL="457200" lvl="1" indent="0">
               <a:buNone/>
             </a:pPr>
             <a:r>
-              <a:rPr lang="id-ID" dirty="0" smtClean="0"/>
-              <a:t>Memasukkan </a:t>
-            </a:r>
-            <a:r>
-              <a:rPr lang="id-ID" dirty="0" err="1" smtClean="0"/>
-              <a:t>socket</a:t>
-            </a:r>
-            <a:r>
-              <a:rPr lang="id-ID" dirty="0" smtClean="0"/>
-              <a:t> ke dalam </a:t>
-            </a:r>
-            <a:r>
-              <a:rPr lang="id-ID" dirty="0" err="1" smtClean="0"/>
-              <a:t>list</a:t>
+              <a:rPr lang="id-ID" dirty="0"/>
+              <a:t>memasukkan </a:t>
+            </a:r>
+            <a:r>
+              <a:rPr lang="id-ID" dirty="0" err="1"/>
+              <a:t>packet</a:t>
+            </a:r>
+            <a:r>
+              <a:rPr lang="id-ID" dirty="0"/>
+              <a:t> tersebut ke dalam </a:t>
+            </a:r>
+            <a:r>
+              <a:rPr lang="id-ID" dirty="0" err="1"/>
+              <a:t>queue</a:t>
             </a:r>
             <a:r>
               <a:rPr lang="id-ID" dirty="0"/>
               <a:t>;</a:t>
-            </a:r>
-          </a:p>
-          <a:p>
-            <a:pPr marL="0" indent="0">
-              <a:buNone/>
-            </a:pPr>
-            <a:r>
-              <a:rPr lang="id-ID" dirty="0" err="1"/>
-              <a:t>while</a:t>
-            </a:r>
-            <a:r>
-              <a:rPr lang="id-ID" dirty="0"/>
-              <a:t>(tidak diberhentikan){</a:t>
-            </a:r>
-          </a:p>
-          <a:p>
-            <a:pPr marL="457200" lvl="1" indent="0">
-              <a:buNone/>
-            </a:pPr>
-            <a:r>
-              <a:rPr lang="id-ID" dirty="0"/>
-              <a:t>  </a:t>
-            </a:r>
-            <a:r>
-              <a:rPr lang="id-ID" dirty="0" err="1"/>
-              <a:t>if</a:t>
-            </a:r>
-            <a:r>
-              <a:rPr lang="id-ID" dirty="0"/>
-              <a:t>(jumlah koneksi &lt; limit koneksi){</a:t>
-            </a:r>
-          </a:p>
-          <a:p>
-            <a:pPr marL="914400" lvl="2" indent="0">
-              <a:buNone/>
-            </a:pPr>
-            <a:r>
-              <a:rPr lang="id-ID" dirty="0"/>
-              <a:t>    menunggu </a:t>
-            </a:r>
-            <a:r>
-              <a:rPr lang="id-ID" dirty="0" err="1"/>
-              <a:t>socket</a:t>
-            </a:r>
-            <a:r>
-              <a:rPr lang="id-ID" dirty="0"/>
-              <a:t> yang masuk;</a:t>
-            </a:r>
-          </a:p>
-          <a:p>
-            <a:pPr marL="914400" lvl="2" indent="0">
-              <a:buNone/>
-            </a:pPr>
-            <a:r>
-              <a:rPr lang="id-ID" dirty="0"/>
-              <a:t>    membuat </a:t>
-            </a:r>
-            <a:r>
-              <a:rPr lang="id-ID" dirty="0" err="1"/>
-              <a:t>Connection</a:t>
-            </a:r>
-            <a:r>
-              <a:rPr lang="id-ID" dirty="0"/>
-              <a:t> dengan </a:t>
-            </a:r>
-            <a:r>
-              <a:rPr lang="id-ID" dirty="0" err="1"/>
-              <a:t>thread</a:t>
-            </a:r>
-            <a:r>
-              <a:rPr lang="id-ID" dirty="0"/>
-              <a:t> baru</a:t>
-            </a:r>
-            <a:r>
-              <a:rPr lang="id-ID" dirty="0" smtClean="0"/>
-              <a:t>;</a:t>
-            </a:r>
-          </a:p>
-          <a:p>
-            <a:pPr marL="914400" lvl="2" indent="0">
-              <a:buNone/>
-            </a:pPr>
-            <a:r>
-              <a:rPr lang="id-ID" dirty="0" smtClean="0"/>
-              <a:t>    memasukkan </a:t>
-            </a:r>
-            <a:r>
-              <a:rPr lang="id-ID" dirty="0" err="1" smtClean="0"/>
-              <a:t>socket</a:t>
-            </a:r>
-            <a:r>
-              <a:rPr lang="id-ID" dirty="0" smtClean="0"/>
-              <a:t> ke dalam </a:t>
-            </a:r>
-            <a:r>
-              <a:rPr lang="id-ID" dirty="0" err="1" smtClean="0"/>
-              <a:t>list</a:t>
-            </a:r>
-            <a:r>
-              <a:rPr lang="id-ID" dirty="0" smtClean="0"/>
-              <a:t>;</a:t>
-            </a:r>
-            <a:endParaRPr lang="id-ID" dirty="0"/>
-          </a:p>
-          <a:p>
-            <a:pPr marL="457200" lvl="1" indent="0">
-              <a:buNone/>
-            </a:pPr>
-            <a:r>
-              <a:rPr lang="id-ID" dirty="0"/>
-              <a:t>  }</a:t>
-            </a:r>
-            <a:r>
-              <a:rPr lang="id-ID" dirty="0" err="1"/>
-              <a:t>else</a:t>
-            </a:r>
-            <a:r>
-              <a:rPr lang="id-ID" dirty="0"/>
-              <a:t>{</a:t>
-            </a:r>
-          </a:p>
-          <a:p>
-            <a:pPr marL="914400" lvl="2" indent="0">
-              <a:buNone/>
-            </a:pPr>
-            <a:r>
-              <a:rPr lang="id-ID" dirty="0"/>
-              <a:t>    membalas koneksi dengan saran </a:t>
-            </a:r>
-            <a:r>
-              <a:rPr lang="id-ID" dirty="0" err="1"/>
-              <a:t>ip</a:t>
-            </a:r>
-            <a:r>
-              <a:rPr lang="id-ID" dirty="0"/>
-              <a:t> dan </a:t>
-            </a:r>
-            <a:r>
-              <a:rPr lang="id-ID" dirty="0" err="1"/>
-              <a:t>port</a:t>
-            </a:r>
-            <a:r>
-              <a:rPr lang="id-ID" dirty="0"/>
-              <a:t> </a:t>
-            </a:r>
-            <a:r>
-              <a:rPr lang="id-ID" dirty="0" err="1"/>
-              <a:t>server</a:t>
-            </a:r>
-            <a:r>
-              <a:rPr lang="id-ID" dirty="0"/>
-              <a:t> selanjutnya;</a:t>
-            </a:r>
-          </a:p>
-          <a:p>
-            <a:pPr marL="914400" lvl="2" indent="0">
-              <a:buNone/>
-            </a:pPr>
-            <a:r>
-              <a:rPr lang="id-ID" dirty="0"/>
-              <a:t>    memutuskan koneksi;</a:t>
-            </a:r>
-          </a:p>
-          <a:p>
-            <a:pPr marL="457200" lvl="1" indent="0">
-              <a:buNone/>
-            </a:pPr>
-            <a:r>
-              <a:rPr lang="id-ID" dirty="0"/>
-              <a:t>  }</a:t>
             </a:r>
           </a:p>
           <a:p>
@@ -8835,7 +8885,7 @@
     </p:spTree>
     <p:extLst>
       <p:ext uri="{BB962C8B-B14F-4D97-AF65-F5344CB8AC3E}">
-        <p14:creationId xmlns:p14="http://schemas.microsoft.com/office/powerpoint/2010/main" val="173438699"/>
+        <p14:creationId xmlns:p14="http://schemas.microsoft.com/office/powerpoint/2010/main" val="3381824777"/>
       </p:ext>
     </p:extLst>
   </p:cSld>
@@ -8890,18 +8940,22 @@
             </a:r>
             <a:r>
               <a:rPr lang="id-ID" dirty="0" smtClean="0"/>
-              <a:t>detail(2. </a:t>
-            </a:r>
-            <a:r>
-              <a:rPr lang="id-ID" dirty="0" err="1" smtClean="0"/>
-              <a:t>Receiver</a:t>
-            </a:r>
-            <a:r>
-              <a:rPr lang="id-ID" dirty="0" smtClean="0"/>
+              <a:t>detail(3. </a:t>
+            </a:r>
+            <a:r>
+              <a:rPr lang="id-ID" dirty="0"/>
+              <a:t>Task </a:t>
+            </a:r>
+            <a:r>
+              <a:rPr lang="id-ID" dirty="0" err="1"/>
+              <a:t>Manager</a:t>
+            </a:r>
+            <a:r>
+              <a:rPr lang="id-ID" dirty="0"/>
               <a:t> </a:t>
             </a:r>
             <a:r>
-              <a:rPr lang="id-ID" dirty="0" err="1" smtClean="0"/>
+              <a:rPr lang="id-ID" dirty="0" err="1"/>
               <a:t>Thread</a:t>
             </a:r>
             <a:r>
@@ -8951,7 +9005,7 @@
             </a:r>
             <a:r>
               <a:rPr lang="id-ID" dirty="0"/>
-              <a:t>(koneksi masih terhubung){</a:t>
+              <a:t>(tidak diberhentikan){</a:t>
             </a:r>
           </a:p>
           <a:p>
@@ -8960,11 +9014,19 @@
             </a:pPr>
             <a:r>
               <a:rPr lang="id-ID" dirty="0"/>
-              <a:t>menerima data dari </a:t>
-            </a:r>
-            <a:r>
-              <a:rPr lang="id-ID" dirty="0" err="1"/>
-              <a:t>client</a:t>
+              <a:t>  membaca </a:t>
+            </a:r>
+            <a:r>
+              <a:rPr lang="id-ID" dirty="0" err="1"/>
+              <a:t>task-task</a:t>
+            </a:r>
+            <a:r>
+              <a:rPr lang="id-ID" dirty="0"/>
+              <a:t> pada </a:t>
+            </a:r>
+            <a:r>
+              <a:rPr lang="id-ID" dirty="0" err="1"/>
+              <a:t>queue</a:t>
             </a:r>
             <a:r>
               <a:rPr lang="id-ID" dirty="0"/>
@@ -8976,12 +9038,24 @@
               <a:buNone/>
             </a:pPr>
             <a:r>
-              <a:rPr lang="id-ID" dirty="0" err="1"/>
-              <a:t>mendekrip</a:t>
-            </a:r>
-            <a:r>
-              <a:rPr lang="id-ID" dirty="0"/>
-              <a:t> data yang diterima;</a:t>
+              <a:rPr lang="id-ID" dirty="0"/>
+              <a:t>  membuat </a:t>
+            </a:r>
+            <a:r>
+              <a:rPr lang="id-ID" dirty="0" err="1"/>
+              <a:t>suatu</a:t>
+            </a:r>
+            <a:r>
+              <a:rPr lang="id-ID" dirty="0"/>
+              <a:t> </a:t>
+            </a:r>
+            <a:r>
+              <a:rPr lang="id-ID" dirty="0" err="1"/>
+              <a:t>TaskExecutor</a:t>
+            </a:r>
+            <a:r>
+              <a:rPr lang="id-ID" dirty="0"/>
+              <a:t> sesuai dengan Paket yang didapat;</a:t>
             </a:r>
           </a:p>
           <a:p>
@@ -8989,84 +9063,41 @@
               <a:buNone/>
             </a:pPr>
             <a:r>
-              <a:rPr lang="id-ID" dirty="0" err="1"/>
-              <a:t>mengkonversikan</a:t>
-            </a:r>
-            <a:r>
-              <a:rPr lang="id-ID" dirty="0"/>
-              <a:t> data menjadi </a:t>
-            </a:r>
-            <a:r>
-              <a:rPr lang="id-ID" dirty="0" err="1"/>
-              <a:t>suatu</a:t>
-            </a:r>
-            <a:r>
-              <a:rPr lang="id-ID" dirty="0"/>
-              <a:t> </a:t>
-            </a:r>
-            <a:r>
-              <a:rPr lang="id-ID" dirty="0" err="1"/>
-              <a:t>class</a:t>
-            </a:r>
-            <a:r>
-              <a:rPr lang="id-ID" dirty="0"/>
-              <a:t> </a:t>
-            </a:r>
-            <a:r>
-              <a:rPr lang="id-ID" dirty="0" err="1"/>
-              <a:t>packet</a:t>
-            </a:r>
-            <a:r>
-              <a:rPr lang="id-ID" dirty="0"/>
-              <a:t> untuk diproses;</a:t>
-            </a:r>
-          </a:p>
-          <a:p>
-            <a:pPr marL="457200" lvl="1" indent="0">
+              <a:rPr lang="id-ID" dirty="0"/>
+              <a:t>  menjalankan </a:t>
+            </a:r>
+            <a:r>
+              <a:rPr lang="id-ID" dirty="0" err="1"/>
+              <a:t>thread</a:t>
+            </a:r>
+            <a:r>
+              <a:rPr lang="id-ID" dirty="0"/>
+              <a:t> baru untuk </a:t>
+            </a:r>
+            <a:r>
+              <a:rPr lang="id-ID" dirty="0" err="1"/>
+              <a:t>TaskExecutor</a:t>
+            </a:r>
+            <a:r>
+              <a:rPr lang="id-ID" dirty="0"/>
+              <a:t>;</a:t>
+            </a:r>
+          </a:p>
+          <a:p>
+            <a:pPr marL="0" indent="0">
               <a:buNone/>
             </a:pPr>
             <a:r>
               <a:rPr lang="id-ID" dirty="0"/>
-              <a:t>memasukkan </a:t>
-            </a:r>
-            <a:r>
-              <a:rPr lang="id-ID" dirty="0" err="1"/>
-              <a:t>packet</a:t>
-            </a:r>
-            <a:r>
-              <a:rPr lang="id-ID" dirty="0"/>
-              <a:t> tersebut ke dalam </a:t>
-            </a:r>
-            <a:r>
-              <a:rPr lang="id-ID" dirty="0" err="1"/>
-              <a:t>queue</a:t>
-            </a:r>
-            <a:r>
-              <a:rPr lang="id-ID" dirty="0"/>
-              <a:t>;</a:t>
-            </a:r>
-          </a:p>
-          <a:p>
-            <a:pPr marL="0" indent="0">
-              <a:buNone/>
-            </a:pPr>
-            <a:r>
-              <a:rPr lang="id-ID" dirty="0"/>
               <a:t>}</a:t>
             </a:r>
-          </a:p>
-          <a:p>
-            <a:pPr marL="0" indent="0">
-              <a:buNone/>
-            </a:pPr>
-            <a:endParaRPr lang="id-ID" dirty="0"/>
           </a:p>
         </p:txBody>
       </p:sp>
     </p:spTree>
     <p:extLst>
       <p:ext uri="{BB962C8B-B14F-4D97-AF65-F5344CB8AC3E}">
-        <p14:creationId xmlns:p14="http://schemas.microsoft.com/office/powerpoint/2010/main" val="3381824777"/>
+        <p14:creationId xmlns:p14="http://schemas.microsoft.com/office/powerpoint/2010/main" val="2011174227"/>
       </p:ext>
     </p:extLst>
   </p:cSld>
@@ -9121,218 +9152,6 @@
             </a:r>
             <a:r>
               <a:rPr lang="id-ID" dirty="0" smtClean="0"/>
-              <a:t>detail(3. </a:t>
-            </a:r>
-            <a:r>
-              <a:rPr lang="id-ID" dirty="0"/>
-              <a:t>Task </a:t>
-            </a:r>
-            <a:r>
-              <a:rPr lang="id-ID" dirty="0" err="1"/>
-              <a:t>Manager</a:t>
-            </a:r>
-            <a:r>
-              <a:rPr lang="id-ID" dirty="0"/>
-              <a:t> </a:t>
-            </a:r>
-            <a:r>
-              <a:rPr lang="id-ID" dirty="0" err="1"/>
-              <a:t>Thread</a:t>
-            </a:r>
-            <a:r>
-              <a:rPr lang="id-ID" dirty="0" smtClean="0"/>
-              <a:t>)</a:t>
-            </a:r>
-            <a:endParaRPr lang="id-ID" dirty="0"/>
-          </a:p>
-        </p:txBody>
-      </p:sp>
-      <p:sp>
-        <p:nvSpPr>
-          <p:cNvPr id="3" name="Content Placeholder 2"/>
-          <p:cNvSpPr>
-            <a:spLocks noGrp="1"/>
-          </p:cNvSpPr>
-          <p:nvPr>
-            <p:ph idx="1"/>
-          </p:nvPr>
-        </p:nvSpPr>
-        <p:spPr>
-          <a:solidFill>
-            <a:schemeClr val="bg1"/>
-          </a:solidFill>
-        </p:spPr>
-        <p:txBody>
-          <a:bodyPr>
-            <a:normAutofit/>
-          </a:bodyPr>
-          <a:lstStyle/>
-          <a:p>
-            <a:pPr marL="0" indent="0">
-              <a:buNone/>
-            </a:pPr>
-            <a:r>
-              <a:rPr lang="id-ID" dirty="0"/>
-              <a:t>start;</a:t>
-            </a:r>
-          </a:p>
-          <a:p>
-            <a:pPr marL="0" indent="0">
-              <a:buNone/>
-            </a:pPr>
-            <a:r>
-              <a:rPr lang="id-ID" dirty="0" err="1"/>
-              <a:t>while</a:t>
-            </a:r>
-            <a:r>
-              <a:rPr lang="id-ID" dirty="0"/>
-              <a:t>(tidak diberhentikan){</a:t>
-            </a:r>
-          </a:p>
-          <a:p>
-            <a:pPr marL="457200" lvl="1" indent="0">
-              <a:buNone/>
-            </a:pPr>
-            <a:r>
-              <a:rPr lang="id-ID" dirty="0"/>
-              <a:t>  membaca </a:t>
-            </a:r>
-            <a:r>
-              <a:rPr lang="id-ID" dirty="0" err="1"/>
-              <a:t>task-task</a:t>
-            </a:r>
-            <a:r>
-              <a:rPr lang="id-ID" dirty="0"/>
-              <a:t> pada </a:t>
-            </a:r>
-            <a:r>
-              <a:rPr lang="id-ID" dirty="0" err="1"/>
-              <a:t>queue</a:t>
-            </a:r>
-            <a:r>
-              <a:rPr lang="id-ID" dirty="0"/>
-              <a:t>;</a:t>
-            </a:r>
-          </a:p>
-          <a:p>
-            <a:pPr marL="457200" lvl="1" indent="0">
-              <a:buNone/>
-            </a:pPr>
-            <a:r>
-              <a:rPr lang="id-ID" dirty="0"/>
-              <a:t>  membuat </a:t>
-            </a:r>
-            <a:r>
-              <a:rPr lang="id-ID" dirty="0" err="1"/>
-              <a:t>suatu</a:t>
-            </a:r>
-            <a:r>
-              <a:rPr lang="id-ID" dirty="0"/>
-              <a:t> </a:t>
-            </a:r>
-            <a:r>
-              <a:rPr lang="id-ID" dirty="0" err="1"/>
-              <a:t>TaskExecutor</a:t>
-            </a:r>
-            <a:r>
-              <a:rPr lang="id-ID" dirty="0"/>
-              <a:t> sesuai dengan Paket yang didapat;</a:t>
-            </a:r>
-          </a:p>
-          <a:p>
-            <a:pPr marL="457200" lvl="1" indent="0">
-              <a:buNone/>
-            </a:pPr>
-            <a:r>
-              <a:rPr lang="id-ID" dirty="0"/>
-              <a:t>  menjalankan </a:t>
-            </a:r>
-            <a:r>
-              <a:rPr lang="id-ID" dirty="0" err="1"/>
-              <a:t>thread</a:t>
-            </a:r>
-            <a:r>
-              <a:rPr lang="id-ID" dirty="0"/>
-              <a:t> baru untuk </a:t>
-            </a:r>
-            <a:r>
-              <a:rPr lang="id-ID" dirty="0" err="1"/>
-              <a:t>TaskExecutor</a:t>
-            </a:r>
-            <a:r>
-              <a:rPr lang="id-ID" dirty="0"/>
-              <a:t>;</a:t>
-            </a:r>
-          </a:p>
-          <a:p>
-            <a:pPr marL="0" indent="0">
-              <a:buNone/>
-            </a:pPr>
-            <a:r>
-              <a:rPr lang="id-ID" dirty="0"/>
-              <a:t>}</a:t>
-            </a:r>
-          </a:p>
-        </p:txBody>
-      </p:sp>
-    </p:spTree>
-    <p:extLst>
-      <p:ext uri="{BB962C8B-B14F-4D97-AF65-F5344CB8AC3E}">
-        <p14:creationId xmlns:p14="http://schemas.microsoft.com/office/powerpoint/2010/main" val="2011174227"/>
-      </p:ext>
-    </p:extLst>
-  </p:cSld>
-  <p:clrMapOvr>
-    <a:masterClrMapping/>
-  </p:clrMapOvr>
-  <p:timing>
-    <p:tnLst>
-      <p:par>
-        <p:cTn id="1" dur="indefinite" restart="never" nodeType="tmRoot"/>
-      </p:par>
-    </p:tnLst>
-  </p:timing>
-</p:sld>
-</file>
-
-<file path=ppt/slides/slide25.xml><?xml version="1.0" encoding="utf-8"?>
-<p:sld xmlns:a="http://schemas.openxmlformats.org/drawingml/2006/main" xmlns:r="http://schemas.openxmlformats.org/officeDocument/2006/relationships" xmlns:p="http://schemas.openxmlformats.org/presentationml/2006/main">
-  <p:cSld>
-    <p:spTree>
-      <p:nvGrpSpPr>
-        <p:cNvPr id="1" name=""/>
-        <p:cNvGrpSpPr/>
-        <p:nvPr/>
-      </p:nvGrpSpPr>
-      <p:grpSpPr>
-        <a:xfrm>
-          <a:off x="0" y="0"/>
-          <a:ext cx="0" cy="0"/>
-          <a:chOff x="0" y="0"/>
-          <a:chExt cx="0" cy="0"/>
-        </a:xfrm>
-      </p:grpSpPr>
-      <p:sp>
-        <p:nvSpPr>
-          <p:cNvPr id="2" name="Title 1"/>
-          <p:cNvSpPr>
-            <a:spLocks noGrp="1"/>
-          </p:cNvSpPr>
-          <p:nvPr>
-            <p:ph type="title"/>
-          </p:nvPr>
-        </p:nvSpPr>
-        <p:spPr/>
-        <p:txBody>
-          <a:bodyPr/>
-          <a:lstStyle/>
-          <a:p>
-            <a:r>
-              <a:rPr lang="id-ID" dirty="0"/>
-              <a:t>Arsitektur </a:t>
-            </a:r>
-            <a:r>
-              <a:rPr lang="id-ID" dirty="0" smtClean="0"/>
               <a:t>detail(4. </a:t>
             </a:r>
             <a:r>
@@ -9492,7 +9311,7 @@
 </p:sld>
 </file>
 
-<file path=ppt/slides/slide26.xml><?xml version="1.0" encoding="utf-8"?>
+<file path=ppt/slides/slide25.xml><?xml version="1.0" encoding="utf-8"?>
 <p:sld xmlns:a="http://schemas.openxmlformats.org/drawingml/2006/main" xmlns:r="http://schemas.openxmlformats.org/officeDocument/2006/relationships" xmlns:p="http://schemas.openxmlformats.org/presentationml/2006/main">
   <p:cSld>
     <p:spTree>
@@ -10736,6 +10555,176 @@
 </p:sld>
 </file>
 
+<file path=ppt/slides/slide26.xml><?xml version="1.0" encoding="utf-8"?>
+<p:sld xmlns:a="http://schemas.openxmlformats.org/drawingml/2006/main" xmlns:r="http://schemas.openxmlformats.org/officeDocument/2006/relationships" xmlns:p="http://schemas.openxmlformats.org/presentationml/2006/main">
+  <p:cSld>
+    <p:spTree>
+      <p:nvGrpSpPr>
+        <p:cNvPr id="1" name=""/>
+        <p:cNvGrpSpPr/>
+        <p:nvPr/>
+      </p:nvGrpSpPr>
+      <p:grpSpPr>
+        <a:xfrm>
+          <a:off x="0" y="0"/>
+          <a:ext cx="0" cy="0"/>
+          <a:chOff x="0" y="0"/>
+          <a:chExt cx="0" cy="0"/>
+        </a:xfrm>
+      </p:grpSpPr>
+      <p:sp>
+        <p:nvSpPr>
+          <p:cNvPr id="2" name="Title 1"/>
+          <p:cNvSpPr>
+            <a:spLocks noGrp="1"/>
+          </p:cNvSpPr>
+          <p:nvPr>
+            <p:ph type="title"/>
+          </p:nvPr>
+        </p:nvSpPr>
+        <p:spPr/>
+        <p:txBody>
+          <a:bodyPr/>
+          <a:lstStyle/>
+          <a:p>
+            <a:r>
+              <a:rPr lang="id-ID" dirty="0"/>
+              <a:t>Arsitektur </a:t>
+            </a:r>
+            <a:r>
+              <a:rPr lang="id-ID" dirty="0" smtClean="0"/>
+              <a:t>detail(4.2 Task </a:t>
+            </a:r>
+            <a:r>
+              <a:rPr lang="id-ID" dirty="0" err="1" smtClean="0"/>
+              <a:t>Executor</a:t>
+            </a:r>
+            <a:r>
+              <a:rPr lang="id-ID" dirty="0" smtClean="0"/>
+              <a:t> </a:t>
+            </a:r>
+            <a:r>
+              <a:rPr lang="id-ID" dirty="0" err="1" smtClean="0"/>
+              <a:t>Get</a:t>
+            </a:r>
+            <a:r>
+              <a:rPr lang="id-ID" dirty="0" smtClean="0"/>
+              <a:t> </a:t>
+            </a:r>
+            <a:r>
+              <a:rPr lang="id-ID" dirty="0" err="1" smtClean="0"/>
+              <a:t>chat</a:t>
+            </a:r>
+            <a:r>
+              <a:rPr lang="id-ID" dirty="0" smtClean="0"/>
+              <a:t>)</a:t>
+            </a:r>
+            <a:endParaRPr lang="id-ID" dirty="0"/>
+          </a:p>
+        </p:txBody>
+      </p:sp>
+      <p:sp>
+        <p:nvSpPr>
+          <p:cNvPr id="3" name="Content Placeholder 2"/>
+          <p:cNvSpPr>
+            <a:spLocks noGrp="1"/>
+          </p:cNvSpPr>
+          <p:nvPr>
+            <p:ph idx="1"/>
+          </p:nvPr>
+        </p:nvSpPr>
+        <p:spPr>
+          <a:solidFill>
+            <a:schemeClr val="bg1"/>
+          </a:solidFill>
+        </p:spPr>
+        <p:txBody>
+          <a:bodyPr>
+            <a:normAutofit/>
+          </a:bodyPr>
+          <a:lstStyle/>
+          <a:p>
+            <a:pPr marL="0" indent="0">
+              <a:buNone/>
+            </a:pPr>
+            <a:r>
+              <a:rPr lang="id-ID" dirty="0"/>
+              <a:t>start;</a:t>
+            </a:r>
+          </a:p>
+          <a:p>
+            <a:pPr marL="0" indent="0">
+              <a:buNone/>
+            </a:pPr>
+            <a:r>
+              <a:rPr lang="id-ID" dirty="0"/>
+              <a:t>membuka informasi paket yang diterima;</a:t>
+            </a:r>
+          </a:p>
+          <a:p>
+            <a:pPr marL="0" indent="0">
+              <a:buNone/>
+            </a:pPr>
+            <a:r>
+              <a:rPr lang="id-ID" dirty="0"/>
+              <a:t>mengambil </a:t>
+            </a:r>
+            <a:r>
+              <a:rPr lang="id-ID" dirty="0" err="1"/>
+              <a:t>chat-chat</a:t>
+            </a:r>
+            <a:r>
+              <a:rPr lang="id-ID" dirty="0"/>
+              <a:t> yang belum diterima oleh </a:t>
+            </a:r>
+            <a:r>
+              <a:rPr lang="id-ID" dirty="0" err="1"/>
+              <a:t>client</a:t>
+            </a:r>
+            <a:r>
+              <a:rPr lang="id-ID" dirty="0"/>
+              <a:t>;</a:t>
+            </a:r>
+          </a:p>
+          <a:p>
+            <a:pPr marL="0" indent="0">
+              <a:buNone/>
+            </a:pPr>
+            <a:r>
+              <a:rPr lang="id-ID" dirty="0"/>
+              <a:t>mengirimkannya kepada </a:t>
+            </a:r>
+            <a:r>
+              <a:rPr lang="id-ID" dirty="0" err="1"/>
+              <a:t>client</a:t>
+            </a:r>
+            <a:r>
+              <a:rPr lang="id-ID" dirty="0"/>
+              <a:t>;</a:t>
+            </a:r>
+          </a:p>
+        </p:txBody>
+      </p:sp>
+    </p:spTree>
+    <p:extLst>
+      <p:ext uri="{BB962C8B-B14F-4D97-AF65-F5344CB8AC3E}">
+        <p14:creationId xmlns:p14="http://schemas.microsoft.com/office/powerpoint/2010/main" val="3522002570"/>
+      </p:ext>
+    </p:extLst>
+  </p:cSld>
+  <p:clrMapOvr>
+    <a:masterClrMapping/>
+  </p:clrMapOvr>
+  <p:timing>
+    <p:tnLst>
+      <p:par>
+        <p:cTn id="1" dur="indefinite" restart="never" nodeType="tmRoot"/>
+      </p:par>
+    </p:tnLst>
+  </p:timing>
+</p:sld>
+</file>
+
 <file path=ppt/slides/slide27.xml><?xml version="1.0" encoding="utf-8"?>
 <p:sld xmlns:a="http://schemas.openxmlformats.org/drawingml/2006/main" xmlns:r="http://schemas.openxmlformats.org/officeDocument/2006/relationships" xmlns:p="http://schemas.openxmlformats.org/presentationml/2006/main">
   <p:cSld>
@@ -10774,7 +10763,7 @@
             </a:r>
             <a:r>
               <a:rPr lang="id-ID" dirty="0" smtClean="0"/>
-              <a:t>detail(4.2 Task </a:t>
+              <a:t>detail(4.3 Task </a:t>
             </a:r>
             <a:r>
               <a:rPr lang="id-ID" dirty="0" err="1" smtClean="0"/>
@@ -10786,7 +10775,7 @@
             </a:r>
             <a:r>
               <a:rPr lang="id-ID" dirty="0" err="1" smtClean="0"/>
-              <a:t>Get</a:t>
+              <a:t>create</a:t>
             </a:r>
             <a:r>
               <a:rPr lang="id-ID" dirty="0" smtClean="0"/>
@@ -10794,7 +10783,7 @@
             </a:r>
             <a:r>
               <a:rPr lang="id-ID" dirty="0" err="1" smtClean="0"/>
-              <a:t>chat</a:t>
+              <a:t>group</a:t>
             </a:r>
             <a:r>
               <a:rPr lang="id-ID" dirty="0" smtClean="0"/>
@@ -10848,15 +10837,24 @@
             </a:pPr>
             <a:r>
               <a:rPr lang="id-ID" dirty="0"/>
-              <a:t>mengambil </a:t>
-            </a:r>
-            <a:r>
-              <a:rPr lang="id-ID" dirty="0" err="1"/>
-              <a:t>chat-chat</a:t>
-            </a:r>
-            <a:r>
-              <a:rPr lang="id-ID" dirty="0"/>
-              <a:t> yang belum diterima oleh </a:t>
+              <a:t>memasukkan data-data dalam paket ke tabel Group pada </a:t>
+            </a:r>
+            <a:r>
+              <a:rPr lang="id-ID" dirty="0" err="1"/>
+              <a:t>database</a:t>
+            </a:r>
+            <a:r>
+              <a:rPr lang="id-ID" dirty="0"/>
+              <a:t>;</a:t>
+            </a:r>
+          </a:p>
+          <a:p>
+            <a:pPr marL="0" indent="0">
+              <a:buNone/>
+            </a:pPr>
+            <a:r>
+              <a:rPr lang="id-ID" dirty="0"/>
+              <a:t>mengirimkan notifikasi pada </a:t>
             </a:r>
             <a:r>
               <a:rPr lang="id-ID" dirty="0" err="1"/>
@@ -10864,7 +10862,7 @@
             </a:r>
             <a:r>
               <a:rPr lang="id-ID" dirty="0"/>
-              <a:t>;</a:t>
+              <a:t> yang terhubung dan termasuk dalam anggota grup;</a:t>
             </a:r>
           </a:p>
           <a:p>
@@ -10872,8 +10870,12 @@
               <a:buNone/>
             </a:pPr>
             <a:r>
-              <a:rPr lang="id-ID" dirty="0"/>
-              <a:t>mengirimkannya kepada </a:t>
+              <a:rPr lang="id-ID" dirty="0" err="1"/>
+              <a:t>if</a:t>
+            </a:r>
+            <a:r>
+              <a:rPr lang="id-ID" dirty="0"/>
+              <a:t>(paket diterima dari </a:t>
             </a:r>
             <a:r>
               <a:rPr lang="id-ID" dirty="0" err="1"/>
@@ -10881,7 +10883,41 @@
             </a:r>
             <a:r>
               <a:rPr lang="id-ID" dirty="0"/>
-              <a:t>;</a:t>
+              <a:t>){</a:t>
+            </a:r>
+          </a:p>
+          <a:p>
+            <a:pPr marL="0" indent="0">
+              <a:buNone/>
+            </a:pPr>
+            <a:r>
+              <a:rPr lang="id-ID" dirty="0"/>
+              <a:t> </a:t>
+            </a:r>
+            <a:r>
+              <a:rPr lang="id-ID" dirty="0" smtClean="0"/>
+              <a:t>	 </a:t>
+            </a:r>
+            <a:r>
+              <a:rPr lang="id-ID" dirty="0"/>
+              <a:t>kirim ke </a:t>
+            </a:r>
+            <a:r>
+              <a:rPr lang="id-ID" dirty="0" err="1"/>
+              <a:t>server</a:t>
+            </a:r>
+            <a:r>
+              <a:rPr lang="id-ID" dirty="0"/>
+              <a:t> lainnya;</a:t>
+            </a:r>
+          </a:p>
+          <a:p>
+            <a:pPr marL="0" indent="0">
+              <a:buNone/>
+            </a:pPr>
+            <a:r>
+              <a:rPr lang="id-ID" dirty="0"/>
+              <a:t>}</a:t>
             </a:r>
           </a:p>
         </p:txBody>
@@ -10889,7 +10925,7 @@
     </p:spTree>
     <p:extLst>
       <p:ext uri="{BB962C8B-B14F-4D97-AF65-F5344CB8AC3E}">
-        <p14:creationId xmlns:p14="http://schemas.microsoft.com/office/powerpoint/2010/main" val="3522002570"/>
+        <p14:creationId xmlns:p14="http://schemas.microsoft.com/office/powerpoint/2010/main" val="2477084305"/>
       </p:ext>
     </p:extLst>
   </p:cSld>
@@ -10944,7 +10980,7 @@
             </a:r>
             <a:r>
               <a:rPr lang="id-ID" dirty="0" smtClean="0"/>
-              <a:t>detail(4.3 Task </a:t>
+              <a:t>detail(4.4 Task </a:t>
             </a:r>
             <a:r>
               <a:rPr lang="id-ID" dirty="0" err="1" smtClean="0"/>
@@ -10956,7 +10992,7 @@
             </a:r>
             <a:r>
               <a:rPr lang="id-ID" dirty="0" err="1" smtClean="0"/>
-              <a:t>create</a:t>
+              <a:t>get</a:t>
             </a:r>
             <a:r>
               <a:rPr lang="id-ID" dirty="0" smtClean="0"/>
@@ -10964,7 +11000,7 @@
             </a:r>
             <a:r>
               <a:rPr lang="id-ID" dirty="0" err="1" smtClean="0"/>
-              <a:t>group</a:t>
+              <a:t>online</a:t>
             </a:r>
             <a:r>
               <a:rPr lang="id-ID" dirty="0" smtClean="0"/>
@@ -11018,11 +11054,19 @@
             </a:pPr>
             <a:r>
               <a:rPr lang="id-ID" dirty="0"/>
-              <a:t>memasukkan data-data dalam paket ke tabel Group pada </a:t>
-            </a:r>
-            <a:r>
-              <a:rPr lang="id-ID" dirty="0" err="1"/>
-              <a:t>database</a:t>
+              <a:t>mengambil data </a:t>
+            </a:r>
+            <a:r>
+              <a:rPr lang="id-ID" dirty="0" err="1"/>
+              <a:t>id</a:t>
+            </a:r>
+            <a:r>
+              <a:rPr lang="id-ID" dirty="0"/>
+              <a:t> yang sedang </a:t>
+            </a:r>
+            <a:r>
+              <a:rPr lang="id-ID" dirty="0" err="1"/>
+              <a:t>online</a:t>
             </a:r>
             <a:r>
               <a:rPr lang="id-ID" dirty="0"/>
@@ -11035,7 +11079,23 @@
             </a:pPr>
             <a:r>
               <a:rPr lang="id-ID" dirty="0"/>
-              <a:t>mengirimkan notifikasi pada </a:t>
+              <a:t>mengirimkan seluruh </a:t>
+            </a:r>
+            <a:r>
+              <a:rPr lang="id-ID" dirty="0" err="1"/>
+              <a:t>id</a:t>
+            </a:r>
+            <a:r>
+              <a:rPr lang="id-ID" dirty="0"/>
+              <a:t> yang sedang </a:t>
+            </a:r>
+            <a:r>
+              <a:rPr lang="id-ID" dirty="0" err="1"/>
+              <a:t>online</a:t>
+            </a:r>
+            <a:r>
+              <a:rPr lang="id-ID" dirty="0"/>
+              <a:t> ke </a:t>
             </a:r>
             <a:r>
               <a:rPr lang="id-ID" dirty="0" err="1"/>
@@ -11043,62 +11103,7 @@
             </a:r>
             <a:r>
               <a:rPr lang="id-ID" dirty="0"/>
-              <a:t> yang terhubung dan termasuk dalam anggota grup;</a:t>
-            </a:r>
-          </a:p>
-          <a:p>
-            <a:pPr marL="0" indent="0">
-              <a:buNone/>
-            </a:pPr>
-            <a:r>
-              <a:rPr lang="id-ID" dirty="0" err="1"/>
-              <a:t>if</a:t>
-            </a:r>
-            <a:r>
-              <a:rPr lang="id-ID" dirty="0"/>
-              <a:t>(paket diterima dari </a:t>
-            </a:r>
-            <a:r>
-              <a:rPr lang="id-ID" dirty="0" err="1"/>
-              <a:t>client</a:t>
-            </a:r>
-            <a:r>
-              <a:rPr lang="id-ID" dirty="0"/>
-              <a:t>){</a:t>
-            </a:r>
-          </a:p>
-          <a:p>
-            <a:pPr marL="0" indent="0">
-              <a:buNone/>
-            </a:pPr>
-            <a:r>
-              <a:rPr lang="id-ID" dirty="0"/>
-              <a:t> </a:t>
-            </a:r>
-            <a:r>
-              <a:rPr lang="id-ID" dirty="0" smtClean="0"/>
-              <a:t>	 </a:t>
-            </a:r>
-            <a:r>
-              <a:rPr lang="id-ID" dirty="0"/>
-              <a:t>kirim ke </a:t>
-            </a:r>
-            <a:r>
-              <a:rPr lang="id-ID" dirty="0" err="1"/>
-              <a:t>server</a:t>
-            </a:r>
-            <a:r>
-              <a:rPr lang="id-ID" dirty="0"/>
-              <a:t> lainnya;</a:t>
-            </a:r>
-          </a:p>
-          <a:p>
-            <a:pPr marL="0" indent="0">
-              <a:buNone/>
-            </a:pPr>
-            <a:r>
-              <a:rPr lang="id-ID" dirty="0"/>
-              <a:t>}</a:t>
+              <a:t>;</a:t>
             </a:r>
           </a:p>
         </p:txBody>
@@ -11106,7 +11111,7 @@
     </p:spTree>
     <p:extLst>
       <p:ext uri="{BB962C8B-B14F-4D97-AF65-F5344CB8AC3E}">
-        <p14:creationId xmlns:p14="http://schemas.microsoft.com/office/powerpoint/2010/main" val="2477084305"/>
+        <p14:creationId xmlns:p14="http://schemas.microsoft.com/office/powerpoint/2010/main" val="1172395248"/>
       </p:ext>
     </p:extLst>
   </p:cSld>
@@ -11161,7 +11166,7 @@
             </a:r>
             <a:r>
               <a:rPr lang="id-ID" dirty="0" smtClean="0"/>
-              <a:t>detail(4.4 Task </a:t>
+              <a:t>detail(4.5 Task </a:t>
             </a:r>
             <a:r>
               <a:rPr lang="id-ID" dirty="0" err="1" smtClean="0"/>
@@ -11173,15 +11178,7 @@
             </a:r>
             <a:r>
               <a:rPr lang="id-ID" dirty="0" err="1" smtClean="0"/>
-              <a:t>get</a:t>
-            </a:r>
-            <a:r>
-              <a:rPr lang="id-ID" dirty="0" smtClean="0"/>
-              <a:t> </a:t>
-            </a:r>
-            <a:r>
-              <a:rPr lang="id-ID" dirty="0" err="1" smtClean="0"/>
-              <a:t>online</a:t>
+              <a:t>Login</a:t>
             </a:r>
             <a:r>
               <a:rPr lang="id-ID" dirty="0" smtClean="0"/>
@@ -11208,7 +11205,7 @@
         </p:spPr>
         <p:txBody>
           <a:bodyPr>
-            <a:normAutofit/>
+            <a:normAutofit fontScale="77500" lnSpcReduction="20000"/>
           </a:bodyPr>
           <a:lstStyle/>
           <a:p>
@@ -11217,7 +11214,7 @@
             </a:pPr>
             <a:r>
               <a:rPr lang="id-ID" dirty="0"/>
-              <a:t>start;</a:t>
+              <a:t>start; </a:t>
             </a:r>
           </a:p>
           <a:p>
@@ -11234,8 +11231,12 @@
               <a:buNone/>
             </a:pPr>
             <a:r>
-              <a:rPr lang="id-ID" dirty="0"/>
-              <a:t>mengambil data </a:t>
+              <a:rPr lang="id-ID" dirty="0" err="1"/>
+              <a:t>if</a:t>
+            </a:r>
+            <a:r>
+              <a:rPr lang="id-ID" dirty="0"/>
+              <a:t>(</a:t>
             </a:r>
             <a:r>
               <a:rPr lang="id-ID" dirty="0" err="1"/>
@@ -11243,7 +11244,90 @@
             </a:r>
             <a:r>
               <a:rPr lang="id-ID" dirty="0"/>
-              <a:t> yang sedang </a:t>
+              <a:t> dengan </a:t>
+            </a:r>
+            <a:r>
+              <a:rPr lang="id-ID" dirty="0" err="1"/>
+              <a:t>password</a:t>
+            </a:r>
+            <a:r>
+              <a:rPr lang="id-ID" dirty="0"/>
+              <a:t> tidak cocok){</a:t>
+            </a:r>
+          </a:p>
+          <a:p>
+            <a:pPr marL="0" indent="0">
+              <a:buNone/>
+            </a:pPr>
+            <a:r>
+              <a:rPr lang="id-ID" dirty="0"/>
+              <a:t>  mengirimkan </a:t>
+            </a:r>
+            <a:r>
+              <a:rPr lang="id-ID" dirty="0" err="1"/>
+              <a:t>respon</a:t>
+            </a:r>
+            <a:r>
+              <a:rPr lang="id-ID" dirty="0"/>
+              <a:t> </a:t>
+            </a:r>
+            <a:r>
+              <a:rPr lang="id-ID" dirty="0" err="1"/>
+              <a:t>error</a:t>
+            </a:r>
+            <a:r>
+              <a:rPr lang="id-ID" dirty="0"/>
+              <a:t> ke </a:t>
+            </a:r>
+            <a:r>
+              <a:rPr lang="id-ID" dirty="0" err="1"/>
+              <a:t>client</a:t>
+            </a:r>
+            <a:r>
+              <a:rPr lang="id-ID" dirty="0"/>
+              <a:t>;</a:t>
+            </a:r>
+          </a:p>
+          <a:p>
+            <a:pPr marL="0" indent="0">
+              <a:buNone/>
+            </a:pPr>
+            <a:r>
+              <a:rPr lang="id-ID" dirty="0"/>
+              <a:t>}</a:t>
+            </a:r>
+            <a:r>
+              <a:rPr lang="id-ID" dirty="0" err="1"/>
+              <a:t>else</a:t>
+            </a:r>
+            <a:r>
+              <a:rPr lang="id-ID" dirty="0"/>
+              <a:t>{</a:t>
+            </a:r>
+          </a:p>
+          <a:p>
+            <a:pPr marL="0" indent="0">
+              <a:buNone/>
+            </a:pPr>
+            <a:r>
+              <a:rPr lang="id-ID" dirty="0"/>
+              <a:t>  mengedit status </a:t>
+            </a:r>
+            <a:r>
+              <a:rPr lang="id-ID" dirty="0" err="1"/>
+              <a:t>Client</a:t>
+            </a:r>
+            <a:r>
+              <a:rPr lang="id-ID" dirty="0"/>
+              <a:t> pada </a:t>
+            </a:r>
+            <a:r>
+              <a:rPr lang="id-ID" dirty="0" err="1"/>
+              <a:t>database</a:t>
+            </a:r>
+            <a:r>
+              <a:rPr lang="id-ID" dirty="0"/>
+              <a:t> menjadi </a:t>
             </a:r>
             <a:r>
               <a:rPr lang="id-ID" dirty="0" err="1"/>
@@ -11260,23 +11344,15 @@
             </a:pPr>
             <a:r>
               <a:rPr lang="id-ID" dirty="0"/>
-              <a:t>mengirimkan seluruh </a:t>
-            </a:r>
-            <a:r>
-              <a:rPr lang="id-ID" dirty="0" err="1"/>
-              <a:t>id</a:t>
-            </a:r>
-            <a:r>
-              <a:rPr lang="id-ID" dirty="0"/>
-              <a:t> yang sedang </a:t>
-            </a:r>
-            <a:r>
-              <a:rPr lang="id-ID" dirty="0" err="1"/>
-              <a:t>online</a:t>
-            </a:r>
-            <a:r>
-              <a:rPr lang="id-ID" dirty="0"/>
-              <a:t> ke </a:t>
+              <a:t>  </a:t>
+            </a:r>
+            <a:r>
+              <a:rPr lang="id-ID" dirty="0" err="1"/>
+              <a:t>if</a:t>
+            </a:r>
+            <a:r>
+              <a:rPr lang="id-ID" dirty="0"/>
+              <a:t>(paket diterima dari </a:t>
             </a:r>
             <a:r>
               <a:rPr lang="id-ID" dirty="0" err="1"/>
@@ -11284,7 +11360,84 @@
             </a:r>
             <a:r>
               <a:rPr lang="id-ID" dirty="0"/>
-              <a:t>;</a:t>
+              <a:t>){</a:t>
+            </a:r>
+          </a:p>
+          <a:p>
+            <a:pPr marL="0" indent="0">
+              <a:buNone/>
+            </a:pPr>
+            <a:r>
+              <a:rPr lang="id-ID" dirty="0"/>
+              <a:t>    mengirimkan notifikasi ke seluruh </a:t>
+            </a:r>
+            <a:r>
+              <a:rPr lang="id-ID" dirty="0" err="1"/>
+              <a:t>client</a:t>
+            </a:r>
+            <a:r>
+              <a:rPr lang="id-ID" dirty="0"/>
+              <a:t> yang dan </a:t>
+            </a:r>
+            <a:r>
+              <a:rPr lang="id-ID" dirty="0" err="1"/>
+              <a:t>server</a:t>
+            </a:r>
+            <a:r>
+              <a:rPr lang="id-ID" dirty="0"/>
+              <a:t> yang terhubung;</a:t>
+            </a:r>
+          </a:p>
+          <a:p>
+            <a:pPr marL="0" indent="0">
+              <a:buNone/>
+            </a:pPr>
+            <a:r>
+              <a:rPr lang="id-ID" dirty="0"/>
+              <a:t>  }</a:t>
+            </a:r>
+            <a:r>
+              <a:rPr lang="id-ID" dirty="0" err="1"/>
+              <a:t>else</a:t>
+            </a:r>
+            <a:r>
+              <a:rPr lang="id-ID" dirty="0"/>
+              <a:t>{</a:t>
+            </a:r>
+          </a:p>
+          <a:p>
+            <a:pPr marL="0" indent="0">
+              <a:buNone/>
+            </a:pPr>
+            <a:r>
+              <a:rPr lang="id-ID" dirty="0"/>
+              <a:t>    mengirimkan notifikasi ke seluruh </a:t>
+            </a:r>
+            <a:r>
+              <a:rPr lang="id-ID" dirty="0" err="1"/>
+              <a:t>client</a:t>
+            </a:r>
+            <a:r>
+              <a:rPr lang="id-ID" dirty="0"/>
+              <a:t> yang terhubung;</a:t>
+            </a:r>
+          </a:p>
+          <a:p>
+            <a:pPr marL="0" indent="0">
+              <a:buNone/>
+            </a:pPr>
+            <a:r>
+              <a:rPr lang="id-ID" dirty="0"/>
+              <a:t>  }</a:t>
+            </a:r>
+          </a:p>
+          <a:p>
+            <a:pPr marL="0" indent="0">
+              <a:buNone/>
+            </a:pPr>
+            <a:r>
+              <a:rPr lang="id-ID" dirty="0"/>
+              <a:t>}</a:t>
             </a:r>
           </a:p>
         </p:txBody>
@@ -11292,7 +11445,7 @@
     </p:spTree>
     <p:extLst>
       <p:ext uri="{BB962C8B-B14F-4D97-AF65-F5344CB8AC3E}">
-        <p14:creationId xmlns:p14="http://schemas.microsoft.com/office/powerpoint/2010/main" val="1172395248"/>
+        <p14:creationId xmlns:p14="http://schemas.microsoft.com/office/powerpoint/2010/main" val="1019335167"/>
       </p:ext>
     </p:extLst>
   </p:cSld>
@@ -11342,252 +11495,50 @@
           <a:lstStyle/>
           <a:p>
             <a:r>
-              <a:rPr lang="id-ID" dirty="0" smtClean="0"/>
-              <a:t>Deskripsi Kasus</a:t>
+              <a:rPr lang="id-ID" b="1" dirty="0" smtClean="0"/>
+              <a:t>Arsitektur sistem (Gambaran Global)</a:t>
             </a:r>
             <a:endParaRPr lang="id-ID" dirty="0"/>
           </a:p>
         </p:txBody>
       </p:sp>
-      <p:sp>
-        <p:nvSpPr>
-          <p:cNvPr id="3" name="Content Placeholder 2"/>
-          <p:cNvSpPr>
-            <a:spLocks noGrp="1"/>
-          </p:cNvSpPr>
-          <p:nvPr>
-            <p:ph idx="1"/>
-          </p:nvPr>
-        </p:nvSpPr>
-        <p:spPr/>
-        <p:txBody>
-          <a:bodyPr/>
-          <a:lstStyle/>
-          <a:p>
-            <a:pPr marL="0" indent="0">
-              <a:buNone/>
-            </a:pPr>
-            <a:r>
-              <a:rPr lang="id-ID" dirty="0"/>
-              <a:t>Aplikasi yang akan dibuat adalah aplikasi IM(</a:t>
-            </a:r>
-            <a:r>
-              <a:rPr lang="id-ID" dirty="0" err="1"/>
-              <a:t>Instant</a:t>
-            </a:r>
-            <a:r>
-              <a:rPr lang="id-ID" dirty="0"/>
-              <a:t> </a:t>
-            </a:r>
-            <a:r>
-              <a:rPr lang="id-ID" dirty="0" err="1"/>
-              <a:t>Messaging</a:t>
-            </a:r>
-            <a:r>
-              <a:rPr lang="id-ID" dirty="0"/>
-              <a:t>) untuk bertukar pesan </a:t>
-            </a:r>
-            <a:r>
-              <a:rPr lang="id-ID" dirty="0" smtClean="0"/>
-              <a:t>dan berkolaborasi</a:t>
-            </a:r>
-            <a:r>
-              <a:rPr lang="id-ID" dirty="0"/>
-              <a:t>, seperti: </a:t>
-            </a:r>
-            <a:r>
-              <a:rPr lang="id-ID" dirty="0" err="1"/>
-              <a:t>whatsapp</a:t>
-            </a:r>
-            <a:r>
-              <a:rPr lang="id-ID" dirty="0"/>
-              <a:t>, </a:t>
-            </a:r>
-            <a:r>
-              <a:rPr lang="id-ID" dirty="0" err="1"/>
-              <a:t>line</a:t>
-            </a:r>
-            <a:r>
-              <a:rPr lang="id-ID" dirty="0"/>
-              <a:t>, </a:t>
-            </a:r>
-            <a:r>
-              <a:rPr lang="id-ID" dirty="0" err="1"/>
-              <a:t>bbm</a:t>
-            </a:r>
-            <a:r>
-              <a:rPr lang="id-ID" dirty="0"/>
-              <a:t> dan sejenisnya</a:t>
-            </a:r>
-            <a:r>
-              <a:rPr lang="id-ID" dirty="0" smtClean="0"/>
-              <a:t>. </a:t>
-            </a:r>
-            <a:endParaRPr lang="id-ID" dirty="0"/>
-          </a:p>
-          <a:p>
-            <a:pPr marL="0" indent="0">
-              <a:buNone/>
-            </a:pPr>
-            <a:r>
-              <a:rPr lang="id-ID" dirty="0" smtClean="0"/>
-              <a:t>Aplikasi </a:t>
-            </a:r>
-            <a:r>
-              <a:rPr lang="id-ID" dirty="0" err="1" smtClean="0"/>
-              <a:t>chat</a:t>
-            </a:r>
-            <a:r>
-              <a:rPr lang="id-ID" dirty="0" smtClean="0"/>
-              <a:t> yang akan dibuat harus memiliki fungsi </a:t>
-            </a:r>
-            <a:r>
-              <a:rPr lang="id-ID" dirty="0"/>
-              <a:t>yang harus didukung oleh aplikasi ini sekurang-kurangnya: registrasi </a:t>
-            </a:r>
-            <a:r>
-              <a:rPr lang="id-ID" dirty="0" err="1"/>
-              <a:t>user</a:t>
-            </a:r>
-            <a:r>
-              <a:rPr lang="id-ID" dirty="0"/>
-              <a:t>, </a:t>
-            </a:r>
-            <a:r>
-              <a:rPr lang="id-ID" dirty="0" err="1"/>
-              <a:t>login</a:t>
-            </a:r>
-            <a:r>
-              <a:rPr lang="id-ID" dirty="0"/>
-              <a:t>, </a:t>
-            </a:r>
-            <a:r>
-              <a:rPr lang="id-ID" dirty="0" err="1" smtClean="0"/>
-              <a:t>logout</a:t>
-            </a:r>
-            <a:r>
-              <a:rPr lang="id-ID" dirty="0" smtClean="0"/>
-              <a:t>, notifikasi </a:t>
-            </a:r>
-            <a:r>
-              <a:rPr lang="id-ID" dirty="0"/>
-              <a:t>jika </a:t>
-            </a:r>
-            <a:r>
-              <a:rPr lang="id-ID" dirty="0" err="1"/>
-              <a:t>user</a:t>
-            </a:r>
-            <a:r>
-              <a:rPr lang="id-ID" dirty="0"/>
-              <a:t> </a:t>
-            </a:r>
-            <a:r>
-              <a:rPr lang="id-ID" dirty="0" err="1"/>
-              <a:t>login</a:t>
-            </a:r>
-            <a:r>
-              <a:rPr lang="id-ID" dirty="0"/>
-              <a:t> atau </a:t>
-            </a:r>
-            <a:r>
-              <a:rPr lang="id-ID" dirty="0" err="1"/>
-              <a:t>logout</a:t>
-            </a:r>
-            <a:r>
-              <a:rPr lang="id-ID" dirty="0"/>
-              <a:t>, membuat </a:t>
-            </a:r>
-            <a:r>
-              <a:rPr lang="id-ID" dirty="0" err="1"/>
-              <a:t>group</a:t>
-            </a:r>
-            <a:r>
-              <a:rPr lang="id-ID" dirty="0"/>
-              <a:t> tertentu yang beranggotakan </a:t>
-            </a:r>
-            <a:r>
-              <a:rPr lang="id-ID" dirty="0" err="1"/>
-              <a:t>user-user</a:t>
-            </a:r>
-            <a:r>
-              <a:rPr lang="id-ID" dirty="0"/>
-              <a:t> </a:t>
-            </a:r>
-            <a:r>
-              <a:rPr lang="id-ID" dirty="0" smtClean="0"/>
-              <a:t>yang sudah </a:t>
-            </a:r>
-            <a:r>
-              <a:rPr lang="id-ID" dirty="0"/>
-              <a:t>terdaftar, mengirimkan pesan multimedia kepada </a:t>
-            </a:r>
-            <a:r>
-              <a:rPr lang="id-ID" dirty="0" err="1"/>
-              <a:t>user</a:t>
-            </a:r>
-            <a:r>
-              <a:rPr lang="id-ID" dirty="0"/>
-              <a:t> (lain) atau </a:t>
-            </a:r>
-            <a:r>
-              <a:rPr lang="id-ID" dirty="0" err="1"/>
-              <a:t>group</a:t>
-            </a:r>
-            <a:r>
-              <a:rPr lang="id-ID" dirty="0"/>
-              <a:t> tertentu (baik </a:t>
-            </a:r>
-            <a:r>
-              <a:rPr lang="id-ID" dirty="0" smtClean="0"/>
-              <a:t>bercakap-cakap atau </a:t>
-            </a:r>
-            <a:r>
-              <a:rPr lang="id-ID" dirty="0"/>
-              <a:t>meninggalkan pesan), mengirimkan pesan </a:t>
-            </a:r>
-            <a:r>
-              <a:rPr lang="id-ID" dirty="0" err="1" smtClean="0"/>
-              <a:t>broadcast</a:t>
-            </a:r>
-            <a:r>
-              <a:rPr lang="id-ID" dirty="0" smtClean="0"/>
-              <a:t> </a:t>
-            </a:r>
-            <a:r>
-              <a:rPr lang="id-ID" dirty="0"/>
-              <a:t>ke beberapa </a:t>
-            </a:r>
-            <a:r>
-              <a:rPr lang="id-ID" dirty="0" err="1"/>
-              <a:t>group</a:t>
-            </a:r>
-            <a:r>
-              <a:rPr lang="id-ID" dirty="0"/>
-              <a:t> dan </a:t>
-            </a:r>
-            <a:r>
-              <a:rPr lang="id-ID" dirty="0" smtClean="0"/>
-              <a:t>beberapa </a:t>
-            </a:r>
-            <a:r>
-              <a:rPr lang="id-ID" dirty="0" err="1" smtClean="0"/>
-              <a:t>user</a:t>
-            </a:r>
-            <a:r>
-              <a:rPr lang="id-ID" dirty="0" smtClean="0"/>
-              <a:t> </a:t>
-            </a:r>
-            <a:r>
-              <a:rPr lang="id-ID" dirty="0"/>
-              <a:t>sekaligus.</a:t>
-            </a:r>
-          </a:p>
-        </p:txBody>
-      </p:sp>
+      <p:pic>
+        <p:nvPicPr>
+          <p:cNvPr id="4" name="Picture 3" descr="C:\Users\Ega Prianto\Documents\MEGA\SAT\Tugas Besar\Diagram Arsitektur Total.png"/>
+          <p:cNvPicPr/>
+          <p:nvPr/>
+        </p:nvPicPr>
+        <p:blipFill>
+          <a:blip r:embed="rId2">
+            <a:extLst>
+              <a:ext uri="{28A0092B-C50C-407E-A947-70E740481C1C}">
+                <a14:useLocalDpi xmlns:a14="http://schemas.microsoft.com/office/drawing/2010/main" val="0"/>
+              </a:ext>
+            </a:extLst>
+          </a:blip>
+          <a:srcRect/>
+          <a:stretch>
+            <a:fillRect/>
+          </a:stretch>
+        </p:blipFill>
+        <p:spPr bwMode="auto">
+          <a:xfrm>
+            <a:off x="2601913" y="2142067"/>
+            <a:ext cx="6299199" cy="4042615"/>
+          </a:xfrm>
+          <a:prstGeom prst="rect">
+            <a:avLst/>
+          </a:prstGeom>
+          <a:noFill/>
+          <a:ln>
+            <a:noFill/>
+          </a:ln>
+        </p:spPr>
+      </p:pic>
     </p:spTree>
     <p:extLst>
       <p:ext uri="{BB962C8B-B14F-4D97-AF65-F5344CB8AC3E}">
-        <p14:creationId xmlns:p14="http://schemas.microsoft.com/office/powerpoint/2010/main" val="2265078022"/>
+        <p14:creationId xmlns:p14="http://schemas.microsoft.com/office/powerpoint/2010/main" val="1298258912"/>
       </p:ext>
     </p:extLst>
   </p:cSld>
@@ -11642,7 +11593,7 @@
             </a:r>
             <a:r>
               <a:rPr lang="id-ID" dirty="0" smtClean="0"/>
-              <a:t>detail(4.5 Task </a:t>
+              <a:t>detail(4.6 Task </a:t>
             </a:r>
             <a:r>
               <a:rPr lang="id-ID" dirty="0" err="1" smtClean="0"/>
@@ -11654,7 +11605,7 @@
             </a:r>
             <a:r>
               <a:rPr lang="id-ID" dirty="0" err="1" smtClean="0"/>
-              <a:t>Login</a:t>
+              <a:t>logout</a:t>
             </a:r>
             <a:r>
               <a:rPr lang="id-ID" dirty="0" smtClean="0"/>
@@ -11681,7 +11632,7 @@
         </p:spPr>
         <p:txBody>
           <a:bodyPr>
-            <a:normAutofit fontScale="77500" lnSpcReduction="20000"/>
+            <a:normAutofit/>
           </a:bodyPr>
           <a:lstStyle/>
           <a:p>
@@ -11707,28 +11658,53 @@
               <a:buNone/>
             </a:pPr>
             <a:r>
+              <a:rPr lang="id-ID" dirty="0"/>
+              <a:t>mengedit status </a:t>
+            </a:r>
+            <a:r>
+              <a:rPr lang="id-ID" dirty="0" err="1"/>
+              <a:t>Client</a:t>
+            </a:r>
+            <a:r>
+              <a:rPr lang="id-ID" dirty="0"/>
+              <a:t> pada </a:t>
+            </a:r>
+            <a:r>
+              <a:rPr lang="id-ID" dirty="0" err="1"/>
+              <a:t>database</a:t>
+            </a:r>
+            <a:r>
+              <a:rPr lang="id-ID" dirty="0"/>
+              <a:t> menjadi </a:t>
+            </a:r>
+            <a:r>
+              <a:rPr lang="id-ID" dirty="0" err="1"/>
+              <a:t>offline</a:t>
+            </a:r>
+            <a:r>
+              <a:rPr lang="id-ID" dirty="0"/>
+              <a:t>;</a:t>
+            </a:r>
+          </a:p>
+          <a:p>
+            <a:pPr marL="0" indent="0">
+              <a:buNone/>
+            </a:pPr>
+            <a:r>
               <a:rPr lang="id-ID" dirty="0" err="1"/>
               <a:t>if</a:t>
             </a:r>
             <a:r>
               <a:rPr lang="id-ID" dirty="0"/>
-              <a:t>(</a:t>
-            </a:r>
-            <a:r>
-              <a:rPr lang="id-ID" dirty="0" err="1"/>
-              <a:t>id</a:t>
-            </a:r>
-            <a:r>
-              <a:rPr lang="id-ID" dirty="0"/>
-              <a:t> dengan </a:t>
-            </a:r>
-            <a:r>
-              <a:rPr lang="id-ID" dirty="0" err="1"/>
-              <a:t>password</a:t>
-            </a:r>
-            <a:r>
-              <a:rPr lang="id-ID" dirty="0"/>
-              <a:t> tidak cocok){</a:t>
+              <a:t>(paket diterima dari </a:t>
+            </a:r>
+            <a:r>
+              <a:rPr lang="id-ID" dirty="0" err="1"/>
+              <a:t>client</a:t>
+            </a:r>
+            <a:r>
+              <a:rPr lang="id-ID" dirty="0"/>
+              <a:t>){</a:t>
             </a:r>
           </a:p>
           <a:p>
@@ -11737,23 +11713,7 @@
             </a:pPr>
             <a:r>
               <a:rPr lang="id-ID" dirty="0"/>
-              <a:t>  mengirimkan </a:t>
-            </a:r>
-            <a:r>
-              <a:rPr lang="id-ID" dirty="0" err="1"/>
-              <a:t>respon</a:t>
-            </a:r>
-            <a:r>
-              <a:rPr lang="id-ID" dirty="0"/>
-              <a:t> </a:t>
-            </a:r>
-            <a:r>
-              <a:rPr lang="id-ID" dirty="0" err="1"/>
-              <a:t>error</a:t>
-            </a:r>
-            <a:r>
-              <a:rPr lang="id-ID" dirty="0"/>
-              <a:t> ke </a:t>
+              <a:t>  mengirimkan notifikasi ke seluruh </a:t>
             </a:r>
             <a:r>
               <a:rPr lang="id-ID" dirty="0" err="1"/>
@@ -11761,7 +11721,15 @@
             </a:r>
             <a:r>
               <a:rPr lang="id-ID" dirty="0"/>
-              <a:t>;</a:t>
+              <a:t> yang dan </a:t>
+            </a:r>
+            <a:r>
+              <a:rPr lang="id-ID" dirty="0" err="1"/>
+              <a:t>server</a:t>
+            </a:r>
+            <a:r>
+              <a:rPr lang="id-ID" dirty="0"/>
+              <a:t> yang terhubung;</a:t>
             </a:r>
           </a:p>
           <a:p>
@@ -11787,48 +11755,7 @@
             </a:pPr>
             <a:r>
               <a:rPr lang="id-ID" dirty="0"/>
-              <a:t>  mengedit status </a:t>
-            </a:r>
-            <a:r>
-              <a:rPr lang="id-ID" dirty="0" err="1"/>
-              <a:t>Client</a:t>
-            </a:r>
-            <a:r>
-              <a:rPr lang="id-ID" dirty="0"/>
-              <a:t> pada </a:t>
-            </a:r>
-            <a:r>
-              <a:rPr lang="id-ID" dirty="0" err="1"/>
-              <a:t>database</a:t>
-            </a:r>
-            <a:r>
-              <a:rPr lang="id-ID" dirty="0"/>
-              <a:t> menjadi </a:t>
-            </a:r>
-            <a:r>
-              <a:rPr lang="id-ID" dirty="0" err="1"/>
-              <a:t>online</a:t>
-            </a:r>
-            <a:r>
-              <a:rPr lang="id-ID" dirty="0"/>
-              <a:t>;</a:t>
-            </a:r>
-          </a:p>
-          <a:p>
-            <a:pPr marL="0" indent="0">
-              <a:buNone/>
-            </a:pPr>
-            <a:r>
-              <a:rPr lang="id-ID" dirty="0"/>
-              <a:t>  </a:t>
-            </a:r>
-            <a:r>
-              <a:rPr lang="id-ID" dirty="0" err="1"/>
-              <a:t>if</a:t>
-            </a:r>
-            <a:r>
-              <a:rPr lang="id-ID" dirty="0"/>
-              <a:t>(paket diterima dari </a:t>
+              <a:t>  mengirimkan notifikasi ke seluruh </a:t>
             </a:r>
             <a:r>
               <a:rPr lang="id-ID" dirty="0" err="1"/>
@@ -11836,75 +11763,7 @@
             </a:r>
             <a:r>
               <a:rPr lang="id-ID" dirty="0"/>
-              <a:t>){</a:t>
-            </a:r>
-          </a:p>
-          <a:p>
-            <a:pPr marL="0" indent="0">
-              <a:buNone/>
-            </a:pPr>
-            <a:r>
-              <a:rPr lang="id-ID" dirty="0"/>
-              <a:t>    mengirimkan notifikasi ke seluruh </a:t>
-            </a:r>
-            <a:r>
-              <a:rPr lang="id-ID" dirty="0" err="1"/>
-              <a:t>client</a:t>
-            </a:r>
-            <a:r>
-              <a:rPr lang="id-ID" dirty="0"/>
-              <a:t> yang dan </a:t>
-            </a:r>
-            <a:r>
-              <a:rPr lang="id-ID" dirty="0" err="1"/>
-              <a:t>server</a:t>
-            </a:r>
-            <a:r>
-              <a:rPr lang="id-ID" dirty="0"/>
               <a:t> yang terhubung;</a:t>
-            </a:r>
-          </a:p>
-          <a:p>
-            <a:pPr marL="0" indent="0">
-              <a:buNone/>
-            </a:pPr>
-            <a:r>
-              <a:rPr lang="id-ID" dirty="0"/>
-              <a:t>  }</a:t>
-            </a:r>
-            <a:r>
-              <a:rPr lang="id-ID" dirty="0" err="1"/>
-              <a:t>else</a:t>
-            </a:r>
-            <a:r>
-              <a:rPr lang="id-ID" dirty="0"/>
-              <a:t>{</a:t>
-            </a:r>
-          </a:p>
-          <a:p>
-            <a:pPr marL="0" indent="0">
-              <a:buNone/>
-            </a:pPr>
-            <a:r>
-              <a:rPr lang="id-ID" dirty="0"/>
-              <a:t>    mengirimkan notifikasi ke seluruh </a:t>
-            </a:r>
-            <a:r>
-              <a:rPr lang="id-ID" dirty="0" err="1"/>
-              <a:t>client</a:t>
-            </a:r>
-            <a:r>
-              <a:rPr lang="id-ID" dirty="0"/>
-              <a:t> yang terhubung;</a:t>
-            </a:r>
-          </a:p>
-          <a:p>
-            <a:pPr marL="0" indent="0">
-              <a:buNone/>
-            </a:pPr>
-            <a:r>
-              <a:rPr lang="id-ID" dirty="0"/>
-              <a:t>  }</a:t>
             </a:r>
           </a:p>
           <a:p>
@@ -11921,7 +11780,7 @@
     </p:spTree>
     <p:extLst>
       <p:ext uri="{BB962C8B-B14F-4D97-AF65-F5344CB8AC3E}">
-        <p14:creationId xmlns:p14="http://schemas.microsoft.com/office/powerpoint/2010/main" val="1019335167"/>
+        <p14:creationId xmlns:p14="http://schemas.microsoft.com/office/powerpoint/2010/main" val="2591378314"/>
       </p:ext>
     </p:extLst>
   </p:cSld>
@@ -11976,7 +11835,7 @@
             </a:r>
             <a:r>
               <a:rPr lang="id-ID" dirty="0" smtClean="0"/>
-              <a:t>detail(4.6 Task </a:t>
+              <a:t>detail(4.7 Task </a:t>
             </a:r>
             <a:r>
               <a:rPr lang="id-ID" dirty="0" err="1" smtClean="0"/>
@@ -11988,7 +11847,15 @@
             </a:r>
             <a:r>
               <a:rPr lang="id-ID" dirty="0" err="1" smtClean="0"/>
-              <a:t>logout</a:t>
+              <a:t>get</a:t>
+            </a:r>
+            <a:r>
+              <a:rPr lang="id-ID" dirty="0" smtClean="0"/>
+              <a:t> </a:t>
+            </a:r>
+            <a:r>
+              <a:rPr lang="id-ID" dirty="0" err="1" smtClean="0"/>
+              <a:t>key</a:t>
             </a:r>
             <a:r>
               <a:rPr lang="id-ID" dirty="0" smtClean="0"/>
@@ -12015,7 +11882,7 @@
         </p:spPr>
         <p:txBody>
           <a:bodyPr>
-            <a:normAutofit/>
+            <a:normAutofit fontScale="92500" lnSpcReduction="10000"/>
           </a:bodyPr>
           <a:lstStyle/>
           <a:p>
@@ -12041,28 +11908,41 @@
               <a:buNone/>
             </a:pPr>
             <a:r>
-              <a:rPr lang="id-ID" dirty="0"/>
-              <a:t>mengedit status </a:t>
-            </a:r>
-            <a:r>
-              <a:rPr lang="id-ID" dirty="0" err="1"/>
-              <a:t>Client</a:t>
-            </a:r>
-            <a:r>
-              <a:rPr lang="id-ID" dirty="0"/>
-              <a:t> pada </a:t>
-            </a:r>
-            <a:r>
-              <a:rPr lang="id-ID" dirty="0" err="1"/>
-              <a:t>database</a:t>
-            </a:r>
-            <a:r>
-              <a:rPr lang="id-ID" dirty="0"/>
-              <a:t> menjadi </a:t>
-            </a:r>
-            <a:r>
-              <a:rPr lang="id-ID" dirty="0" err="1"/>
-              <a:t>offline</a:t>
+              <a:rPr lang="id-ID" dirty="0" err="1"/>
+              <a:t>if</a:t>
+            </a:r>
+            <a:r>
+              <a:rPr lang="id-ID" dirty="0"/>
+              <a:t>(kunci yang diminta adalah kunci </a:t>
+            </a:r>
+            <a:r>
+              <a:rPr lang="id-ID" dirty="0" err="1"/>
+              <a:t>group</a:t>
+            </a:r>
+            <a:r>
+              <a:rPr lang="id-ID" dirty="0"/>
+              <a:t>){</a:t>
+            </a:r>
+          </a:p>
+          <a:p>
+            <a:pPr marL="0" indent="0">
+              <a:buNone/>
+            </a:pPr>
+            <a:r>
+              <a:rPr lang="id-ID" dirty="0"/>
+              <a:t>  membaca relasi </a:t>
+            </a:r>
+            <a:r>
+              <a:rPr lang="id-ID" dirty="0" err="1"/>
+              <a:t>user</a:t>
+            </a:r>
+            <a:r>
+              <a:rPr lang="id-ID" dirty="0"/>
+              <a:t> dengan </a:t>
+            </a:r>
+            <a:r>
+              <a:rPr lang="id-ID" dirty="0" err="1"/>
+              <a:t>group</a:t>
             </a:r>
             <a:r>
               <a:rPr lang="id-ID" dirty="0"/>
@@ -12074,20 +11954,40 @@
               <a:buNone/>
             </a:pPr>
             <a:r>
-              <a:rPr lang="id-ID" dirty="0" err="1"/>
-              <a:t>if</a:t>
-            </a:r>
-            <a:r>
-              <a:rPr lang="id-ID" dirty="0"/>
-              <a:t>(paket diterima dari </a:t>
-            </a:r>
-            <a:r>
-              <a:rPr lang="id-ID" dirty="0" err="1"/>
-              <a:t>client</a:t>
-            </a:r>
-            <a:r>
-              <a:rPr lang="id-ID" dirty="0"/>
-              <a:t>){</a:t>
+              <a:rPr lang="id-ID" dirty="0"/>
+              <a:t>  mengambil </a:t>
+            </a:r>
+            <a:r>
+              <a:rPr lang="id-ID" dirty="0" err="1"/>
+              <a:t>public</a:t>
+            </a:r>
+            <a:r>
+              <a:rPr lang="id-ID" dirty="0"/>
+              <a:t> </a:t>
+            </a:r>
+            <a:r>
+              <a:rPr lang="id-ID" dirty="0" err="1"/>
+              <a:t>key</a:t>
+            </a:r>
+            <a:r>
+              <a:rPr lang="id-ID" dirty="0"/>
+              <a:t> yang sesuai dengan </a:t>
+            </a:r>
+            <a:r>
+              <a:rPr lang="id-ID" dirty="0" err="1"/>
+              <a:t>id_pengirim</a:t>
+            </a:r>
+            <a:r>
+              <a:rPr lang="id-ID" dirty="0"/>
+              <a:t> dan </a:t>
+            </a:r>
+            <a:r>
+              <a:rPr lang="id-ID" dirty="0" err="1"/>
+              <a:t>id_groupnya</a:t>
+            </a:r>
+            <a:r>
+              <a:rPr lang="id-ID" dirty="0"/>
+              <a:t>;</a:t>
             </a:r>
           </a:p>
           <a:p>
@@ -12096,23 +11996,15 @@
             </a:pPr>
             <a:r>
               <a:rPr lang="id-ID" dirty="0"/>
-              <a:t>  mengirimkan notifikasi ke seluruh </a:t>
-            </a:r>
-            <a:r>
-              <a:rPr lang="id-ID" dirty="0" err="1"/>
-              <a:t>client</a:t>
-            </a:r>
-            <a:r>
-              <a:rPr lang="id-ID" dirty="0"/>
-              <a:t> yang dan </a:t>
-            </a:r>
-            <a:r>
-              <a:rPr lang="id-ID" dirty="0" err="1"/>
-              <a:t>server</a:t>
-            </a:r>
-            <a:r>
-              <a:rPr lang="id-ID" dirty="0"/>
-              <a:t> yang terhubung;</a:t>
+              <a:t>}</a:t>
+            </a:r>
+            <a:r>
+              <a:rPr lang="id-ID" dirty="0" err="1"/>
+              <a:t>else</a:t>
+            </a:r>
+            <a:r>
+              <a:rPr lang="id-ID" dirty="0"/>
+              <a:t>{</a:t>
             </a:r>
           </a:p>
           <a:p>
@@ -12121,16 +12013,66 @@
             </a:pPr>
             <a:r>
               <a:rPr lang="id-ID" dirty="0"/>
+              <a:t>  membaca tabel </a:t>
+            </a:r>
+            <a:r>
+              <a:rPr lang="id-ID" dirty="0" err="1"/>
+              <a:t>user</a:t>
+            </a:r>
+            <a:r>
+              <a:rPr lang="id-ID" dirty="0"/>
+              <a:t>;</a:t>
+            </a:r>
+          </a:p>
+          <a:p>
+            <a:pPr marL="0" indent="0">
+              <a:buNone/>
+            </a:pPr>
+            <a:r>
+              <a:rPr lang="id-ID" dirty="0"/>
+              <a:t>  mengambil </a:t>
+            </a:r>
+            <a:r>
+              <a:rPr lang="id-ID" dirty="0" err="1"/>
+              <a:t>public</a:t>
+            </a:r>
+            <a:r>
+              <a:rPr lang="id-ID" dirty="0"/>
+              <a:t> </a:t>
+            </a:r>
+            <a:r>
+              <a:rPr lang="id-ID" dirty="0" err="1"/>
+              <a:t>keu</a:t>
+            </a:r>
+            <a:r>
+              <a:rPr lang="id-ID" dirty="0"/>
+              <a:t> </a:t>
+            </a:r>
+            <a:r>
+              <a:rPr lang="id-ID" dirty="0" err="1"/>
+              <a:t>user</a:t>
+            </a:r>
+            <a:r>
+              <a:rPr lang="id-ID" dirty="0"/>
+              <a:t>, sesuai dengan </a:t>
+            </a:r>
+            <a:r>
+              <a:rPr lang="id-ID" dirty="0" err="1"/>
+              <a:t>id_pengirimnya</a:t>
+            </a:r>
+            <a:r>
+              <a:rPr lang="id-ID" dirty="0"/>
+              <a:t>;</a:t>
+            </a:r>
+          </a:p>
+          <a:p>
+            <a:pPr marL="0" indent="0">
+              <a:buNone/>
+            </a:pPr>
+            <a:r>
+              <a:rPr lang="id-ID" dirty="0"/>
               <a:t>}</a:t>
             </a:r>
-            <a:r>
-              <a:rPr lang="id-ID" dirty="0" err="1"/>
-              <a:t>else</a:t>
-            </a:r>
-            <a:r>
-              <a:rPr lang="id-ID" dirty="0"/>
-              <a:t>{</a:t>
-            </a:r>
           </a:p>
           <a:p>
             <a:pPr marL="0" indent="0">
@@ -12138,24 +12080,15 @@
             </a:pPr>
             <a:r>
               <a:rPr lang="id-ID" dirty="0"/>
-              <a:t>  mengirimkan notifikasi ke seluruh </a:t>
-            </a:r>
-            <a:r>
-              <a:rPr lang="id-ID" dirty="0" err="1"/>
-              <a:t>client</a:t>
-            </a:r>
-            <a:r>
-              <a:rPr lang="id-ID" dirty="0"/>
-              <a:t> yang terhubung;</a:t>
-            </a:r>
-          </a:p>
-          <a:p>
-            <a:pPr marL="0" indent="0">
-              <a:buNone/>
-            </a:pPr>
-            <a:r>
-              <a:rPr lang="id-ID" dirty="0"/>
-              <a:t>}</a:t>
+              <a:t>mengirimkan kunci </a:t>
+            </a:r>
+            <a:r>
+              <a:rPr lang="id-ID" dirty="0" err="1"/>
+              <a:t>publicnya</a:t>
+            </a:r>
+            <a:r>
+              <a:rPr lang="id-ID" dirty="0"/>
+              <a:t>;</a:t>
             </a:r>
           </a:p>
         </p:txBody>
@@ -12163,7 +12096,7 @@
     </p:spTree>
     <p:extLst>
       <p:ext uri="{BB962C8B-B14F-4D97-AF65-F5344CB8AC3E}">
-        <p14:creationId xmlns:p14="http://schemas.microsoft.com/office/powerpoint/2010/main" val="2591378314"/>
+        <p14:creationId xmlns:p14="http://schemas.microsoft.com/office/powerpoint/2010/main" val="3344943415"/>
       </p:ext>
     </p:extLst>
   </p:cSld>
@@ -12218,322 +12151,6 @@
             </a:r>
             <a:r>
               <a:rPr lang="id-ID" dirty="0" smtClean="0"/>
-              <a:t>detail(4.7 Task </a:t>
-            </a:r>
-            <a:r>
-              <a:rPr lang="id-ID" dirty="0" err="1" smtClean="0"/>
-              <a:t>Executor</a:t>
-            </a:r>
-            <a:r>
-              <a:rPr lang="id-ID" dirty="0" smtClean="0"/>
-              <a:t> </a:t>
-            </a:r>
-            <a:r>
-              <a:rPr lang="id-ID" dirty="0" err="1" smtClean="0"/>
-              <a:t>get</a:t>
-            </a:r>
-            <a:r>
-              <a:rPr lang="id-ID" dirty="0" smtClean="0"/>
-              <a:t> </a:t>
-            </a:r>
-            <a:r>
-              <a:rPr lang="id-ID" dirty="0" err="1" smtClean="0"/>
-              <a:t>key</a:t>
-            </a:r>
-            <a:r>
-              <a:rPr lang="id-ID" dirty="0" smtClean="0"/>
-              <a:t>)</a:t>
-            </a:r>
-            <a:endParaRPr lang="id-ID" dirty="0"/>
-          </a:p>
-        </p:txBody>
-      </p:sp>
-      <p:sp>
-        <p:nvSpPr>
-          <p:cNvPr id="3" name="Content Placeholder 2"/>
-          <p:cNvSpPr>
-            <a:spLocks noGrp="1"/>
-          </p:cNvSpPr>
-          <p:nvPr>
-            <p:ph idx="1"/>
-          </p:nvPr>
-        </p:nvSpPr>
-        <p:spPr>
-          <a:solidFill>
-            <a:schemeClr val="bg1"/>
-          </a:solidFill>
-        </p:spPr>
-        <p:txBody>
-          <a:bodyPr>
-            <a:normAutofit fontScale="92500" lnSpcReduction="10000"/>
-          </a:bodyPr>
-          <a:lstStyle/>
-          <a:p>
-            <a:pPr marL="0" indent="0">
-              <a:buNone/>
-            </a:pPr>
-            <a:r>
-              <a:rPr lang="id-ID" dirty="0"/>
-              <a:t>start; </a:t>
-            </a:r>
-          </a:p>
-          <a:p>
-            <a:pPr marL="0" indent="0">
-              <a:buNone/>
-            </a:pPr>
-            <a:r>
-              <a:rPr lang="id-ID" dirty="0"/>
-              <a:t>membuka informasi paket yang diterima;</a:t>
-            </a:r>
-          </a:p>
-          <a:p>
-            <a:pPr marL="0" indent="0">
-              <a:buNone/>
-            </a:pPr>
-            <a:r>
-              <a:rPr lang="id-ID" dirty="0" err="1"/>
-              <a:t>if</a:t>
-            </a:r>
-            <a:r>
-              <a:rPr lang="id-ID" dirty="0"/>
-              <a:t>(kunci yang diminta adalah kunci </a:t>
-            </a:r>
-            <a:r>
-              <a:rPr lang="id-ID" dirty="0" err="1"/>
-              <a:t>group</a:t>
-            </a:r>
-            <a:r>
-              <a:rPr lang="id-ID" dirty="0"/>
-              <a:t>){</a:t>
-            </a:r>
-          </a:p>
-          <a:p>
-            <a:pPr marL="0" indent="0">
-              <a:buNone/>
-            </a:pPr>
-            <a:r>
-              <a:rPr lang="id-ID" dirty="0"/>
-              <a:t>  membaca relasi </a:t>
-            </a:r>
-            <a:r>
-              <a:rPr lang="id-ID" dirty="0" err="1"/>
-              <a:t>user</a:t>
-            </a:r>
-            <a:r>
-              <a:rPr lang="id-ID" dirty="0"/>
-              <a:t> dengan </a:t>
-            </a:r>
-            <a:r>
-              <a:rPr lang="id-ID" dirty="0" err="1"/>
-              <a:t>group</a:t>
-            </a:r>
-            <a:r>
-              <a:rPr lang="id-ID" dirty="0"/>
-              <a:t>;</a:t>
-            </a:r>
-          </a:p>
-          <a:p>
-            <a:pPr marL="0" indent="0">
-              <a:buNone/>
-            </a:pPr>
-            <a:r>
-              <a:rPr lang="id-ID" dirty="0"/>
-              <a:t>  mengambil </a:t>
-            </a:r>
-            <a:r>
-              <a:rPr lang="id-ID" dirty="0" err="1"/>
-              <a:t>public</a:t>
-            </a:r>
-            <a:r>
-              <a:rPr lang="id-ID" dirty="0"/>
-              <a:t> </a:t>
-            </a:r>
-            <a:r>
-              <a:rPr lang="id-ID" dirty="0" err="1"/>
-              <a:t>key</a:t>
-            </a:r>
-            <a:r>
-              <a:rPr lang="id-ID" dirty="0"/>
-              <a:t> yang sesuai dengan </a:t>
-            </a:r>
-            <a:r>
-              <a:rPr lang="id-ID" dirty="0" err="1"/>
-              <a:t>id_pengirim</a:t>
-            </a:r>
-            <a:r>
-              <a:rPr lang="id-ID" dirty="0"/>
-              <a:t> dan </a:t>
-            </a:r>
-            <a:r>
-              <a:rPr lang="id-ID" dirty="0" err="1"/>
-              <a:t>id_groupnya</a:t>
-            </a:r>
-            <a:r>
-              <a:rPr lang="id-ID" dirty="0"/>
-              <a:t>;</a:t>
-            </a:r>
-          </a:p>
-          <a:p>
-            <a:pPr marL="0" indent="0">
-              <a:buNone/>
-            </a:pPr>
-            <a:r>
-              <a:rPr lang="id-ID" dirty="0"/>
-              <a:t>}</a:t>
-            </a:r>
-            <a:r>
-              <a:rPr lang="id-ID" dirty="0" err="1"/>
-              <a:t>else</a:t>
-            </a:r>
-            <a:r>
-              <a:rPr lang="id-ID" dirty="0"/>
-              <a:t>{</a:t>
-            </a:r>
-          </a:p>
-          <a:p>
-            <a:pPr marL="0" indent="0">
-              <a:buNone/>
-            </a:pPr>
-            <a:r>
-              <a:rPr lang="id-ID" dirty="0"/>
-              <a:t>  membaca tabel </a:t>
-            </a:r>
-            <a:r>
-              <a:rPr lang="id-ID" dirty="0" err="1"/>
-              <a:t>user</a:t>
-            </a:r>
-            <a:r>
-              <a:rPr lang="id-ID" dirty="0"/>
-              <a:t>;</a:t>
-            </a:r>
-          </a:p>
-          <a:p>
-            <a:pPr marL="0" indent="0">
-              <a:buNone/>
-            </a:pPr>
-            <a:r>
-              <a:rPr lang="id-ID" dirty="0"/>
-              <a:t>  mengambil </a:t>
-            </a:r>
-            <a:r>
-              <a:rPr lang="id-ID" dirty="0" err="1"/>
-              <a:t>public</a:t>
-            </a:r>
-            <a:r>
-              <a:rPr lang="id-ID" dirty="0"/>
-              <a:t> </a:t>
-            </a:r>
-            <a:r>
-              <a:rPr lang="id-ID" dirty="0" err="1"/>
-              <a:t>keu</a:t>
-            </a:r>
-            <a:r>
-              <a:rPr lang="id-ID" dirty="0"/>
-              <a:t> </a:t>
-            </a:r>
-            <a:r>
-              <a:rPr lang="id-ID" dirty="0" err="1"/>
-              <a:t>user</a:t>
-            </a:r>
-            <a:r>
-              <a:rPr lang="id-ID" dirty="0"/>
-              <a:t>, sesuai dengan </a:t>
-            </a:r>
-            <a:r>
-              <a:rPr lang="id-ID" dirty="0" err="1"/>
-              <a:t>id_pengirimnya</a:t>
-            </a:r>
-            <a:r>
-              <a:rPr lang="id-ID" dirty="0"/>
-              <a:t>;</a:t>
-            </a:r>
-          </a:p>
-          <a:p>
-            <a:pPr marL="0" indent="0">
-              <a:buNone/>
-            </a:pPr>
-            <a:r>
-              <a:rPr lang="id-ID" dirty="0"/>
-              <a:t>}</a:t>
-            </a:r>
-          </a:p>
-          <a:p>
-            <a:pPr marL="0" indent="0">
-              <a:buNone/>
-            </a:pPr>
-            <a:r>
-              <a:rPr lang="id-ID" dirty="0"/>
-              <a:t>mengirimkan kunci </a:t>
-            </a:r>
-            <a:r>
-              <a:rPr lang="id-ID" dirty="0" err="1"/>
-              <a:t>publicnya</a:t>
-            </a:r>
-            <a:r>
-              <a:rPr lang="id-ID" dirty="0"/>
-              <a:t>;</a:t>
-            </a:r>
-          </a:p>
-        </p:txBody>
-      </p:sp>
-    </p:spTree>
-    <p:extLst>
-      <p:ext uri="{BB962C8B-B14F-4D97-AF65-F5344CB8AC3E}">
-        <p14:creationId xmlns:p14="http://schemas.microsoft.com/office/powerpoint/2010/main" val="3344943415"/>
-      </p:ext>
-    </p:extLst>
-  </p:cSld>
-  <p:clrMapOvr>
-    <a:masterClrMapping/>
-  </p:clrMapOvr>
-  <p:timing>
-    <p:tnLst>
-      <p:par>
-        <p:cTn id="1" dur="indefinite" restart="never" nodeType="tmRoot"/>
-      </p:par>
-    </p:tnLst>
-  </p:timing>
-</p:sld>
-</file>
-
-<file path=ppt/slides/slide33.xml><?xml version="1.0" encoding="utf-8"?>
-<p:sld xmlns:a="http://schemas.openxmlformats.org/drawingml/2006/main" xmlns:r="http://schemas.openxmlformats.org/officeDocument/2006/relationships" xmlns:p="http://schemas.openxmlformats.org/presentationml/2006/main">
-  <p:cSld>
-    <p:spTree>
-      <p:nvGrpSpPr>
-        <p:cNvPr id="1" name=""/>
-        <p:cNvGrpSpPr/>
-        <p:nvPr/>
-      </p:nvGrpSpPr>
-      <p:grpSpPr>
-        <a:xfrm>
-          <a:off x="0" y="0"/>
-          <a:ext cx="0" cy="0"/>
-          <a:chOff x="0" y="0"/>
-          <a:chExt cx="0" cy="0"/>
-        </a:xfrm>
-      </p:grpSpPr>
-      <p:sp>
-        <p:nvSpPr>
-          <p:cNvPr id="2" name="Title 1"/>
-          <p:cNvSpPr>
-            <a:spLocks noGrp="1"/>
-          </p:cNvSpPr>
-          <p:nvPr>
-            <p:ph type="title"/>
-          </p:nvPr>
-        </p:nvSpPr>
-        <p:spPr/>
-        <p:txBody>
-          <a:bodyPr/>
-          <a:lstStyle/>
-          <a:p>
-            <a:r>
-              <a:rPr lang="id-ID" dirty="0"/>
-              <a:t>Arsitektur </a:t>
-            </a:r>
-            <a:r>
-              <a:rPr lang="id-ID" dirty="0" smtClean="0"/>
               <a:t>detail(4.8 Task </a:t>
             </a:r>
             <a:r>
@@ -12867,7 +12484,7 @@
 </p:sld>
 </file>
 
-<file path=ppt/slides/slide34.xml><?xml version="1.0" encoding="utf-8"?>
+<file path=ppt/slides/slide33.xml><?xml version="1.0" encoding="utf-8"?>
 <p:sld xmlns:a="http://schemas.openxmlformats.org/drawingml/2006/main" xmlns:r="http://schemas.openxmlformats.org/officeDocument/2006/relationships" xmlns:p="http://schemas.openxmlformats.org/presentationml/2006/main">
   <p:cSld>
     <p:spTree>
@@ -13246,7 +12863,7 @@
 </p:sld>
 </file>
 
-<file path=ppt/slides/slide35.xml><?xml version="1.0" encoding="utf-8"?>
+<file path=ppt/slides/slide34.xml><?xml version="1.0" encoding="utf-8"?>
 <p:sld xmlns:a="http://schemas.openxmlformats.org/drawingml/2006/main" xmlns:r="http://schemas.openxmlformats.org/officeDocument/2006/relationships" xmlns:p="http://schemas.openxmlformats.org/presentationml/2006/main">
   <p:cSld>
     <p:spTree>
@@ -13446,7 +13063,7 @@
 </p:sld>
 </file>
 
-<file path=ppt/slides/slide36.xml><?xml version="1.0" encoding="utf-8"?>
+<file path=ppt/slides/slide35.xml><?xml version="1.0" encoding="utf-8"?>
 <p:sld xmlns:a="http://schemas.openxmlformats.org/drawingml/2006/main" xmlns:r="http://schemas.openxmlformats.org/officeDocument/2006/relationships" xmlns:p="http://schemas.openxmlformats.org/presentationml/2006/main">
   <p:cSld>
     <p:spTree>
@@ -13623,7 +13240,7 @@
 </p:sld>
 </file>
 
-<file path=ppt/slides/slide37.xml><?xml version="1.0" encoding="utf-8"?>
+<file path=ppt/slides/slide36.xml><?xml version="1.0" encoding="utf-8"?>
 <p:sld xmlns:a="http://schemas.openxmlformats.org/drawingml/2006/main" xmlns:r="http://schemas.openxmlformats.org/officeDocument/2006/relationships" xmlns:p="http://schemas.openxmlformats.org/presentationml/2006/main">
   <p:cSld>
     <p:spTree>
@@ -13788,6 +13405,459 @@
 </p:sld>
 </file>
 
+<file path=ppt/slides/slide37.xml><?xml version="1.0" encoding="utf-8"?>
+<p:sld xmlns:a="http://schemas.openxmlformats.org/drawingml/2006/main" xmlns:r="http://schemas.openxmlformats.org/officeDocument/2006/relationships" xmlns:p="http://schemas.openxmlformats.org/presentationml/2006/main">
+  <p:cSld>
+    <p:spTree>
+      <p:nvGrpSpPr>
+        <p:cNvPr id="1" name=""/>
+        <p:cNvGrpSpPr/>
+        <p:nvPr/>
+      </p:nvGrpSpPr>
+      <p:grpSpPr>
+        <a:xfrm>
+          <a:off x="0" y="0"/>
+          <a:ext cx="0" cy="0"/>
+          <a:chOff x="0" y="0"/>
+          <a:chExt cx="0" cy="0"/>
+        </a:xfrm>
+      </p:grpSpPr>
+      <p:sp>
+        <p:nvSpPr>
+          <p:cNvPr id="2" name="Title 1"/>
+          <p:cNvSpPr>
+            <a:spLocks noGrp="1"/>
+          </p:cNvSpPr>
+          <p:nvPr>
+            <p:ph type="title"/>
+          </p:nvPr>
+        </p:nvSpPr>
+        <p:spPr/>
+        <p:txBody>
+          <a:bodyPr/>
+          <a:lstStyle/>
+          <a:p>
+            <a:r>
+              <a:rPr lang="id-ID" dirty="0" smtClean="0"/>
+              <a:t>Tabel </a:t>
+            </a:r>
+            <a:r>
+              <a:rPr lang="id-ID" dirty="0" err="1" smtClean="0"/>
+              <a:t>User</a:t>
+            </a:r>
+            <a:endParaRPr lang="id-ID" dirty="0"/>
+          </a:p>
+        </p:txBody>
+      </p:sp>
+      <p:sp>
+        <p:nvSpPr>
+          <p:cNvPr id="3" name="Content Placeholder 2"/>
+          <p:cNvSpPr>
+            <a:spLocks noGrp="1"/>
+          </p:cNvSpPr>
+          <p:nvPr>
+            <p:ph idx="1"/>
+          </p:nvPr>
+        </p:nvSpPr>
+        <p:spPr/>
+        <p:txBody>
+          <a:bodyPr>
+            <a:normAutofit fontScale="92500" lnSpcReduction="20000"/>
+          </a:bodyPr>
+          <a:lstStyle/>
+          <a:p>
+            <a:r>
+              <a:rPr lang="id-ID" dirty="0" err="1"/>
+              <a:t>Field</a:t>
+            </a:r>
+            <a:r>
+              <a:rPr lang="id-ID" dirty="0"/>
+              <a:t> </a:t>
+            </a:r>
+            <a:r>
+              <a:rPr lang="id-ID" dirty="0" err="1"/>
+              <a:t>id</a:t>
+            </a:r>
+            <a:r>
+              <a:rPr lang="id-ID" dirty="0"/>
+              <a:t> berfungsi sebagai identitas unik dari </a:t>
+            </a:r>
+            <a:r>
+              <a:rPr lang="id-ID" dirty="0" err="1"/>
+              <a:t>user</a:t>
+            </a:r>
+            <a:r>
+              <a:rPr lang="id-ID" dirty="0" smtClean="0"/>
+              <a:t>.</a:t>
+            </a:r>
+          </a:p>
+          <a:p>
+            <a:r>
+              <a:rPr lang="id-ID" dirty="0" err="1" smtClean="0"/>
+              <a:t>Field</a:t>
+            </a:r>
+            <a:r>
+              <a:rPr lang="id-ID" dirty="0" smtClean="0"/>
+              <a:t> </a:t>
+            </a:r>
+            <a:r>
+              <a:rPr lang="id-ID" dirty="0" err="1"/>
+              <a:t>name</a:t>
+            </a:r>
+            <a:r>
+              <a:rPr lang="id-ID" dirty="0"/>
+              <a:t> berisi nama dari </a:t>
+            </a:r>
+            <a:r>
+              <a:rPr lang="id-ID" dirty="0" err="1" smtClean="0"/>
+              <a:t>user</a:t>
+            </a:r>
+            <a:r>
+              <a:rPr lang="id-ID" dirty="0" smtClean="0"/>
+              <a:t>.</a:t>
+            </a:r>
+          </a:p>
+          <a:p>
+            <a:r>
+              <a:rPr lang="id-ID" dirty="0" err="1" smtClean="0"/>
+              <a:t>Field</a:t>
+            </a:r>
+            <a:r>
+              <a:rPr lang="id-ID" dirty="0" smtClean="0"/>
+              <a:t> </a:t>
+            </a:r>
+            <a:r>
+              <a:rPr lang="id-ID" dirty="0" err="1"/>
+              <a:t>ip_address</a:t>
+            </a:r>
+            <a:r>
+              <a:rPr lang="id-ID" dirty="0"/>
+              <a:t> berisi alamat IP dari </a:t>
+            </a:r>
+            <a:r>
+              <a:rPr lang="id-ID" dirty="0" err="1" smtClean="0"/>
+              <a:t>user</a:t>
+            </a:r>
+            <a:r>
+              <a:rPr lang="id-ID" dirty="0" smtClean="0"/>
+              <a:t>.</a:t>
+            </a:r>
+          </a:p>
+          <a:p>
+            <a:r>
+              <a:rPr lang="id-ID" dirty="0" err="1" smtClean="0"/>
+              <a:t>Field</a:t>
+            </a:r>
+            <a:r>
+              <a:rPr lang="id-ID" dirty="0" smtClean="0"/>
+              <a:t> </a:t>
+            </a:r>
+            <a:r>
+              <a:rPr lang="id-ID" dirty="0" err="1" smtClean="0"/>
+              <a:t>id_server</a:t>
+            </a:r>
+            <a:r>
+              <a:rPr lang="id-ID" dirty="0" smtClean="0"/>
+              <a:t> berfungsi sebagai </a:t>
+            </a:r>
+            <a:r>
+              <a:rPr lang="id-ID" dirty="0" err="1" smtClean="0"/>
+              <a:t>foreign</a:t>
+            </a:r>
+            <a:r>
+              <a:rPr lang="id-ID" dirty="0" smtClean="0"/>
+              <a:t> </a:t>
+            </a:r>
+            <a:r>
+              <a:rPr lang="id-ID" dirty="0" err="1" smtClean="0"/>
+              <a:t>key</a:t>
+            </a:r>
+            <a:r>
+              <a:rPr lang="id-ID" dirty="0" smtClean="0"/>
+              <a:t> pada tabel </a:t>
+            </a:r>
+            <a:r>
+              <a:rPr lang="id-ID" dirty="0" err="1" smtClean="0"/>
+              <a:t>server</a:t>
+            </a:r>
+            <a:r>
+              <a:rPr lang="id-ID" dirty="0" smtClean="0"/>
+              <a:t>. </a:t>
+            </a:r>
+            <a:r>
+              <a:rPr lang="id-ID" dirty="0" err="1" smtClean="0"/>
+              <a:t>Field</a:t>
+            </a:r>
+            <a:r>
+              <a:rPr lang="id-ID" dirty="0" smtClean="0"/>
+              <a:t> ini mendefinisikan ke </a:t>
+            </a:r>
+            <a:r>
+              <a:rPr lang="id-ID" dirty="0" err="1" smtClean="0"/>
+              <a:t>server</a:t>
+            </a:r>
+            <a:r>
+              <a:rPr lang="id-ID" dirty="0" smtClean="0"/>
+              <a:t> </a:t>
+            </a:r>
+            <a:r>
+              <a:rPr lang="id-ID" dirty="0" err="1" smtClean="0"/>
+              <a:t>manakan</a:t>
+            </a:r>
+            <a:r>
+              <a:rPr lang="id-ID" dirty="0" smtClean="0"/>
+              <a:t> terakhir </a:t>
+            </a:r>
+            <a:r>
+              <a:rPr lang="id-ID" dirty="0" err="1" smtClean="0"/>
+              <a:t>client</a:t>
+            </a:r>
+            <a:r>
+              <a:rPr lang="id-ID" dirty="0" smtClean="0"/>
+              <a:t> terhubung.</a:t>
+            </a:r>
+          </a:p>
+          <a:p>
+            <a:r>
+              <a:rPr lang="id-ID" dirty="0" err="1"/>
+              <a:t>Field</a:t>
+            </a:r>
+            <a:r>
+              <a:rPr lang="id-ID" dirty="0"/>
+              <a:t> </a:t>
+            </a:r>
+            <a:r>
+              <a:rPr lang="id-ID" dirty="0" err="1"/>
+              <a:t>password</a:t>
+            </a:r>
+            <a:r>
+              <a:rPr lang="id-ID" dirty="0"/>
+              <a:t> berisi </a:t>
+            </a:r>
+            <a:r>
+              <a:rPr lang="id-ID" dirty="0" err="1"/>
+              <a:t>password</a:t>
+            </a:r>
+            <a:r>
+              <a:rPr lang="id-ID" dirty="0"/>
+              <a:t> yang digunakan </a:t>
+            </a:r>
+            <a:r>
+              <a:rPr lang="id-ID" dirty="0" err="1"/>
+              <a:t>user</a:t>
+            </a:r>
+            <a:r>
+              <a:rPr lang="id-ID" dirty="0"/>
+              <a:t> untuk melakukan </a:t>
+            </a:r>
+            <a:r>
+              <a:rPr lang="id-ID" dirty="0" err="1"/>
+              <a:t>login</a:t>
+            </a:r>
+            <a:r>
+              <a:rPr lang="id-ID" dirty="0" smtClean="0"/>
+              <a:t>.</a:t>
+            </a:r>
+          </a:p>
+          <a:p>
+            <a:r>
+              <a:rPr lang="id-ID" dirty="0" err="1" smtClean="0"/>
+              <a:t>Field</a:t>
+            </a:r>
+            <a:r>
+              <a:rPr lang="id-ID" dirty="0" smtClean="0"/>
+              <a:t> </a:t>
+            </a:r>
+            <a:r>
+              <a:rPr lang="id-ID" dirty="0"/>
+              <a:t>status berisi penanda apakah </a:t>
+            </a:r>
+            <a:r>
+              <a:rPr lang="id-ID" dirty="0" err="1"/>
+              <a:t>user</a:t>
+            </a:r>
+            <a:r>
+              <a:rPr lang="id-ID" dirty="0"/>
+              <a:t> sedang </a:t>
+            </a:r>
+            <a:r>
+              <a:rPr lang="id-ID" dirty="0" err="1"/>
+              <a:t>online</a:t>
+            </a:r>
+            <a:r>
+              <a:rPr lang="id-ID" dirty="0"/>
+              <a:t> atau tidak. </a:t>
+            </a:r>
+            <a:endParaRPr lang="id-ID" dirty="0" smtClean="0"/>
+          </a:p>
+          <a:p>
+            <a:r>
+              <a:rPr lang="id-ID" dirty="0" err="1"/>
+              <a:t>Field</a:t>
+            </a:r>
+            <a:r>
+              <a:rPr lang="id-ID" dirty="0"/>
+              <a:t> </a:t>
+            </a:r>
+            <a:r>
+              <a:rPr lang="id-ID" dirty="0" err="1"/>
+              <a:t>public_key</a:t>
+            </a:r>
+            <a:r>
+              <a:rPr lang="id-ID" dirty="0"/>
+              <a:t> berisi </a:t>
+            </a:r>
+            <a:r>
+              <a:rPr lang="id-ID" dirty="0" err="1"/>
+              <a:t>public</a:t>
+            </a:r>
+            <a:r>
+              <a:rPr lang="id-ID" dirty="0"/>
+              <a:t> </a:t>
+            </a:r>
+            <a:r>
+              <a:rPr lang="id-ID" dirty="0" err="1"/>
+              <a:t>key</a:t>
+            </a:r>
+            <a:r>
+              <a:rPr lang="id-ID" dirty="0"/>
+              <a:t> milik </a:t>
+            </a:r>
+            <a:r>
+              <a:rPr lang="id-ID" dirty="0" err="1"/>
+              <a:t>user</a:t>
+            </a:r>
+            <a:r>
+              <a:rPr lang="id-ID" dirty="0"/>
+              <a:t> yang nantinya digunakan untuk </a:t>
+            </a:r>
+            <a:r>
+              <a:rPr lang="id-ID" dirty="0" err="1"/>
+              <a:t>mengenkripsi</a:t>
+            </a:r>
+            <a:r>
+              <a:rPr lang="id-ID" dirty="0"/>
+              <a:t> </a:t>
+            </a:r>
+            <a:r>
+              <a:rPr lang="id-ID" dirty="0" err="1" smtClean="0"/>
+              <a:t>message</a:t>
+            </a:r>
+            <a:r>
+              <a:rPr lang="id-ID" dirty="0" smtClean="0"/>
+              <a:t> jika </a:t>
+            </a:r>
+            <a:r>
+              <a:rPr lang="id-ID" dirty="0" err="1" smtClean="0"/>
+              <a:t>message</a:t>
+            </a:r>
+            <a:r>
+              <a:rPr lang="id-ID" dirty="0" smtClean="0"/>
+              <a:t> yang dikirim </a:t>
+            </a:r>
+            <a:r>
+              <a:rPr lang="id-ID" dirty="0" err="1" smtClean="0"/>
+              <a:t>kan</a:t>
+            </a:r>
+            <a:r>
+              <a:rPr lang="id-ID" dirty="0" smtClean="0"/>
+              <a:t> ditujukan kepada </a:t>
+            </a:r>
+            <a:r>
+              <a:rPr lang="id-ID" dirty="0" err="1" smtClean="0"/>
+              <a:t>user</a:t>
+            </a:r>
+            <a:r>
+              <a:rPr lang="id-ID" dirty="0" smtClean="0"/>
+              <a:t>, dan </a:t>
+            </a:r>
+            <a:r>
+              <a:rPr lang="id-ID" dirty="0" err="1" smtClean="0"/>
+              <a:t>mengdekripsi</a:t>
+            </a:r>
+            <a:r>
+              <a:rPr lang="id-ID" dirty="0" smtClean="0"/>
+              <a:t> </a:t>
+            </a:r>
+            <a:r>
+              <a:rPr lang="id-ID" dirty="0" err="1" smtClean="0"/>
+              <a:t>message</a:t>
+            </a:r>
+            <a:r>
+              <a:rPr lang="id-ID" dirty="0" smtClean="0"/>
+              <a:t> jika </a:t>
+            </a:r>
+            <a:r>
+              <a:rPr lang="id-ID" dirty="0" err="1" smtClean="0"/>
+              <a:t>message</a:t>
+            </a:r>
+            <a:r>
+              <a:rPr lang="id-ID" dirty="0" smtClean="0"/>
+              <a:t> merupakan </a:t>
+            </a:r>
+            <a:r>
+              <a:rPr lang="id-ID" dirty="0" err="1" smtClean="0"/>
+              <a:t>broadcast</a:t>
+            </a:r>
+            <a:r>
+              <a:rPr lang="id-ID" dirty="0" smtClean="0"/>
+              <a:t> dari pengirim.</a:t>
+            </a:r>
+          </a:p>
+          <a:p>
+            <a:r>
+              <a:rPr lang="id-ID" dirty="0" err="1" smtClean="0"/>
+              <a:t>User</a:t>
+            </a:r>
+            <a:r>
+              <a:rPr lang="id-ID" dirty="0" smtClean="0"/>
+              <a:t> </a:t>
+            </a:r>
+            <a:r>
+              <a:rPr lang="id-ID" dirty="0"/>
+              <a:t>dapat memiliki banyak </a:t>
+            </a:r>
+            <a:r>
+              <a:rPr lang="id-ID" dirty="0" smtClean="0"/>
+              <a:t>Group.</a:t>
+            </a:r>
+          </a:p>
+          <a:p>
+            <a:r>
+              <a:rPr lang="id-ID" dirty="0" smtClean="0"/>
+              <a:t>Tabel ini dapat memiliki banyak </a:t>
+            </a:r>
+            <a:r>
+              <a:rPr lang="id-ID" dirty="0" err="1" smtClean="0"/>
+              <a:t>chat</a:t>
+            </a:r>
+            <a:r>
+              <a:rPr lang="id-ID" dirty="0" smtClean="0"/>
+              <a:t>.</a:t>
+            </a:r>
+          </a:p>
+        </p:txBody>
+      </p:sp>
+    </p:spTree>
+    <p:extLst>
+      <p:ext uri="{BB962C8B-B14F-4D97-AF65-F5344CB8AC3E}">
+        <p14:creationId xmlns:p14="http://schemas.microsoft.com/office/powerpoint/2010/main" val="1678688300"/>
+      </p:ext>
+    </p:extLst>
+  </p:cSld>
+  <p:clrMapOvr>
+    <a:masterClrMapping/>
+  </p:clrMapOvr>
+  <p:timing>
+    <p:tnLst>
+      <p:par>
+        <p:cTn id="1" dur="indefinite" restart="never" nodeType="tmRoot"/>
+      </p:par>
+    </p:tnLst>
+  </p:timing>
+</p:sld>
+</file>
+
 <file path=ppt/slides/slide38.xml><?xml version="1.0" encoding="utf-8"?>
 <p:sld xmlns:a="http://schemas.openxmlformats.org/drawingml/2006/main" xmlns:r="http://schemas.openxmlformats.org/officeDocument/2006/relationships" xmlns:p="http://schemas.openxmlformats.org/presentationml/2006/main">
   <p:cSld>
@@ -13822,11 +13892,7 @@
           <a:p>
             <a:r>
               <a:rPr lang="id-ID" dirty="0" smtClean="0"/>
-              <a:t>Tabel </a:t>
-            </a:r>
-            <a:r>
-              <a:rPr lang="id-ID" dirty="0" err="1" smtClean="0"/>
-              <a:t>User</a:t>
+              <a:t>Tabel Server</a:t>
             </a:r>
             <a:endParaRPr lang="id-ID" dirty="0"/>
           </a:p>
@@ -13845,33 +13911,45 @@
         <p:spPr/>
         <p:txBody>
           <a:bodyPr>
-            <a:normAutofit fontScale="92500" lnSpcReduction="20000"/>
+            <a:normAutofit/>
           </a:bodyPr>
           <a:lstStyle/>
           <a:p>
             <a:r>
-              <a:rPr lang="id-ID" dirty="0" err="1"/>
-              <a:t>Field</a:t>
-            </a:r>
-            <a:r>
-              <a:rPr lang="id-ID" dirty="0"/>
-              <a:t> </a:t>
-            </a:r>
-            <a:r>
-              <a:rPr lang="id-ID" dirty="0" err="1"/>
-              <a:t>id</a:t>
-            </a:r>
-            <a:r>
-              <a:rPr lang="id-ID" dirty="0"/>
-              <a:t> berfungsi sebagai identitas unik dari </a:t>
-            </a:r>
-            <a:r>
-              <a:rPr lang="id-ID" dirty="0" err="1"/>
-              <a:t>user</a:t>
-            </a:r>
-            <a:r>
-              <a:rPr lang="id-ID" dirty="0" smtClean="0"/>
-              <a:t>.</a:t>
+              <a:rPr lang="id-ID" dirty="0" smtClean="0"/>
+              <a:t>Tabel </a:t>
+            </a:r>
+            <a:r>
+              <a:rPr lang="id-ID" dirty="0" err="1" smtClean="0"/>
+              <a:t>server</a:t>
+            </a:r>
+            <a:r>
+              <a:rPr lang="id-ID" dirty="0" smtClean="0"/>
+              <a:t> ini akan digunakan untuk konfigurasi awal </a:t>
+            </a:r>
+            <a:r>
+              <a:rPr lang="id-ID" dirty="0" err="1" smtClean="0"/>
+              <a:t>server</a:t>
+            </a:r>
+            <a:r>
+              <a:rPr lang="id-ID" dirty="0" smtClean="0"/>
+              <a:t> dalam membuat koneksi(</a:t>
+            </a:r>
+            <a:r>
+              <a:rPr lang="id-ID" dirty="0" err="1" smtClean="0"/>
+              <a:t>socket</a:t>
+            </a:r>
+            <a:r>
+              <a:rPr lang="id-ID" dirty="0" smtClean="0"/>
+              <a:t>) dengan </a:t>
+            </a:r>
+            <a:r>
+              <a:rPr lang="id-ID" dirty="0" err="1" smtClean="0"/>
+              <a:t>server</a:t>
+            </a:r>
+            <a:r>
+              <a:rPr lang="id-ID" dirty="0" smtClean="0"/>
+              <a:t> lain.</a:t>
             </a:r>
           </a:p>
           <a:p>
@@ -13884,16 +13962,86 @@
               <a:t> </a:t>
             </a:r>
             <a:r>
-              <a:rPr lang="id-ID" dirty="0" err="1"/>
-              <a:t>name</a:t>
-            </a:r>
-            <a:r>
-              <a:rPr lang="id-ID" dirty="0"/>
-              <a:t> berisi nama dari </a:t>
-            </a:r>
-            <a:r>
               <a:rPr lang="id-ID" dirty="0" err="1" smtClean="0"/>
-              <a:t>user</a:t>
+              <a:t>id</a:t>
+            </a:r>
+            <a:r>
+              <a:rPr lang="id-ID" dirty="0" smtClean="0"/>
+              <a:t> berfungsi sebagai identitas dari </a:t>
+            </a:r>
+            <a:r>
+              <a:rPr lang="id-ID" dirty="0" err="1" smtClean="0"/>
+              <a:t>server</a:t>
+            </a:r>
+            <a:r>
+              <a:rPr lang="id-ID" dirty="0" smtClean="0"/>
+              <a:t>.</a:t>
+            </a:r>
+            <a:endParaRPr lang="id-ID" dirty="0"/>
+          </a:p>
+          <a:p>
+            <a:r>
+              <a:rPr lang="id-ID" dirty="0" err="1"/>
+              <a:t>Field</a:t>
+            </a:r>
+            <a:r>
+              <a:rPr lang="id-ID" dirty="0"/>
+              <a:t> </a:t>
+            </a:r>
+            <a:r>
+              <a:rPr lang="id-ID" dirty="0" err="1"/>
+              <a:t>ip_address</a:t>
+            </a:r>
+            <a:r>
+              <a:rPr lang="id-ID" dirty="0"/>
+              <a:t> berisi alamat IP dari </a:t>
+            </a:r>
+            <a:r>
+              <a:rPr lang="id-ID" dirty="0" err="1" smtClean="0"/>
+              <a:t>server</a:t>
+            </a:r>
+            <a:r>
+              <a:rPr lang="id-ID" dirty="0" smtClean="0"/>
+              <a:t>.</a:t>
+            </a:r>
+            <a:endParaRPr lang="id-ID" dirty="0"/>
+          </a:p>
+          <a:p>
+            <a:r>
+              <a:rPr lang="id-ID" dirty="0" err="1"/>
+              <a:t>Field</a:t>
+            </a:r>
+            <a:r>
+              <a:rPr lang="id-ID" dirty="0"/>
+              <a:t> </a:t>
+            </a:r>
+            <a:r>
+              <a:rPr lang="id-ID" dirty="0" err="1" smtClean="0"/>
+              <a:t>port</a:t>
+            </a:r>
+            <a:r>
+              <a:rPr lang="id-ID" dirty="0" smtClean="0"/>
+              <a:t> berisi </a:t>
+            </a:r>
+            <a:r>
+              <a:rPr lang="id-ID" dirty="0"/>
+              <a:t>alamat </a:t>
+            </a:r>
+            <a:r>
+              <a:rPr lang="id-ID" dirty="0" err="1" smtClean="0"/>
+              <a:t>port</a:t>
+            </a:r>
+            <a:r>
+              <a:rPr lang="id-ID" dirty="0" smtClean="0"/>
+              <a:t> </a:t>
+            </a:r>
+            <a:r>
+              <a:rPr lang="id-ID" dirty="0"/>
+              <a:t>dari </a:t>
+            </a:r>
+            <a:r>
+              <a:rPr lang="id-ID" dirty="0" err="1" smtClean="0"/>
+              <a:t>server</a:t>
             </a:r>
             <a:r>
               <a:rPr lang="id-ID" dirty="0" smtClean="0"/>
@@ -13907,57 +14055,7 @@
             </a:r>
             <a:r>
               <a:rPr lang="id-ID" dirty="0" smtClean="0"/>
-              <a:t> </a:t>
-            </a:r>
-            <a:r>
-              <a:rPr lang="id-ID" dirty="0" err="1"/>
-              <a:t>ip_address</a:t>
-            </a:r>
-            <a:r>
-              <a:rPr lang="id-ID" dirty="0"/>
-              <a:t> berisi alamat IP dari </a:t>
-            </a:r>
-            <a:r>
-              <a:rPr lang="id-ID" dirty="0" err="1" smtClean="0"/>
-              <a:t>user</a:t>
-            </a:r>
-            <a:r>
-              <a:rPr lang="id-ID" dirty="0" smtClean="0"/>
-              <a:t>.</a:t>
-            </a:r>
-          </a:p>
-          <a:p>
-            <a:r>
-              <a:rPr lang="id-ID" dirty="0" err="1" smtClean="0"/>
-              <a:t>Field</a:t>
-            </a:r>
-            <a:r>
-              <a:rPr lang="id-ID" dirty="0" smtClean="0"/>
-              <a:t> </a:t>
-            </a:r>
-            <a:r>
-              <a:rPr lang="id-ID" dirty="0" err="1" smtClean="0"/>
-              <a:t>id_server</a:t>
-            </a:r>
-            <a:r>
-              <a:rPr lang="id-ID" dirty="0" smtClean="0"/>
-              <a:t> berfungsi sebagai </a:t>
-            </a:r>
-            <a:r>
-              <a:rPr lang="id-ID" dirty="0" err="1" smtClean="0"/>
-              <a:t>foreign</a:t>
-            </a:r>
-            <a:r>
-              <a:rPr lang="id-ID" dirty="0" smtClean="0"/>
-              <a:t> </a:t>
-            </a:r>
-            <a:r>
-              <a:rPr lang="id-ID" dirty="0" err="1" smtClean="0"/>
-              <a:t>key</a:t>
-            </a:r>
-            <a:r>
-              <a:rPr lang="id-ID" dirty="0" smtClean="0"/>
-              <a:t> pada tabel </a:t>
+              <a:t> status berisi dengan status </a:t>
             </a:r>
             <a:r>
               <a:rPr lang="id-ID" dirty="0" err="1" smtClean="0"/>
@@ -13965,266 +14063,40 @@
             </a:r>
             <a:r>
               <a:rPr lang="id-ID" dirty="0" smtClean="0"/>
-              <a:t>. </a:t>
+              <a:t> apakah </a:t>
             </a:r>
             <a:r>
               <a:rPr lang="id-ID" dirty="0" err="1" smtClean="0"/>
-              <a:t>Field</a:t>
-            </a:r>
-            <a:r>
-              <a:rPr lang="id-ID" dirty="0" smtClean="0"/>
-              <a:t> ini mendefinisikan ke </a:t>
+              <a:t>offline</a:t>
+            </a:r>
+            <a:r>
+              <a:rPr lang="id-ID" dirty="0" smtClean="0"/>
+              <a:t> ataukah </a:t>
             </a:r>
             <a:r>
               <a:rPr lang="id-ID" dirty="0" err="1" smtClean="0"/>
-              <a:t>server</a:t>
-            </a:r>
-            <a:r>
-              <a:rPr lang="id-ID" dirty="0" smtClean="0"/>
-              <a:t> </a:t>
-            </a:r>
-            <a:r>
-              <a:rPr lang="id-ID" dirty="0" err="1" smtClean="0"/>
-              <a:t>manakan</a:t>
-            </a:r>
-            <a:r>
-              <a:rPr lang="id-ID" dirty="0" smtClean="0"/>
-              <a:t> terakhir </a:t>
-            </a:r>
-            <a:r>
-              <a:rPr lang="id-ID" dirty="0" err="1" smtClean="0"/>
-              <a:t>client</a:t>
-            </a:r>
-            <a:r>
-              <a:rPr lang="id-ID" dirty="0" smtClean="0"/>
-              <a:t> terhubung.</a:t>
-            </a:r>
-          </a:p>
-          <a:p>
-            <a:r>
-              <a:rPr lang="id-ID" dirty="0" err="1"/>
-              <a:t>Field</a:t>
-            </a:r>
-            <a:r>
-              <a:rPr lang="id-ID" dirty="0"/>
-              <a:t> </a:t>
-            </a:r>
-            <a:r>
-              <a:rPr lang="id-ID" dirty="0" err="1"/>
-              <a:t>password</a:t>
-            </a:r>
-            <a:r>
-              <a:rPr lang="id-ID" dirty="0"/>
-              <a:t> berisi </a:t>
-            </a:r>
-            <a:r>
-              <a:rPr lang="id-ID" dirty="0" err="1"/>
-              <a:t>password</a:t>
-            </a:r>
-            <a:r>
-              <a:rPr lang="id-ID" dirty="0"/>
-              <a:t> yang digunakan </a:t>
-            </a:r>
-            <a:r>
-              <a:rPr lang="id-ID" dirty="0" err="1"/>
-              <a:t>user</a:t>
-            </a:r>
-            <a:r>
-              <a:rPr lang="id-ID" dirty="0"/>
-              <a:t> untuk melakukan </a:t>
-            </a:r>
-            <a:r>
-              <a:rPr lang="id-ID" dirty="0" err="1"/>
-              <a:t>login</a:t>
-            </a:r>
-            <a:r>
-              <a:rPr lang="id-ID" dirty="0" smtClean="0"/>
+              <a:t>online</a:t>
+            </a:r>
+            <a:r>
+              <a:rPr lang="id-ID" dirty="0"/>
               <a:t>.</a:t>
             </a:r>
           </a:p>
           <a:p>
-            <a:r>
-              <a:rPr lang="id-ID" dirty="0" err="1" smtClean="0"/>
-              <a:t>Field</a:t>
-            </a:r>
-            <a:r>
-              <a:rPr lang="id-ID" dirty="0" smtClean="0"/>
-              <a:t> </a:t>
-            </a:r>
-            <a:r>
-              <a:rPr lang="id-ID" dirty="0"/>
-              <a:t>status berisi penanda apakah </a:t>
-            </a:r>
-            <a:r>
-              <a:rPr lang="id-ID" dirty="0" err="1"/>
-              <a:t>user</a:t>
-            </a:r>
-            <a:r>
-              <a:rPr lang="id-ID" dirty="0"/>
-              <a:t> sedang </a:t>
-            </a:r>
-            <a:r>
-              <a:rPr lang="id-ID" dirty="0" err="1"/>
-              <a:t>online</a:t>
-            </a:r>
-            <a:r>
-              <a:rPr lang="id-ID" dirty="0"/>
-              <a:t> atau tidak. </a:t>
-            </a:r>
+            <a:endParaRPr lang="id-ID" dirty="0"/>
+          </a:p>
+          <a:p>
             <a:endParaRPr lang="id-ID" dirty="0" smtClean="0"/>
           </a:p>
           <a:p>
-            <a:r>
-              <a:rPr lang="id-ID" dirty="0" err="1"/>
-              <a:t>Field</a:t>
-            </a:r>
-            <a:r>
-              <a:rPr lang="id-ID" dirty="0"/>
-              <a:t> </a:t>
-            </a:r>
-            <a:r>
-              <a:rPr lang="id-ID" dirty="0" err="1"/>
-              <a:t>public_key</a:t>
-            </a:r>
-            <a:r>
-              <a:rPr lang="id-ID" dirty="0"/>
-              <a:t> berisi </a:t>
-            </a:r>
-            <a:r>
-              <a:rPr lang="id-ID" dirty="0" err="1"/>
-              <a:t>public</a:t>
-            </a:r>
-            <a:r>
-              <a:rPr lang="id-ID" dirty="0"/>
-              <a:t> </a:t>
-            </a:r>
-            <a:r>
-              <a:rPr lang="id-ID" dirty="0" err="1"/>
-              <a:t>key</a:t>
-            </a:r>
-            <a:r>
-              <a:rPr lang="id-ID" dirty="0"/>
-              <a:t> milik </a:t>
-            </a:r>
-            <a:r>
-              <a:rPr lang="id-ID" dirty="0" err="1"/>
-              <a:t>user</a:t>
-            </a:r>
-            <a:r>
-              <a:rPr lang="id-ID" dirty="0"/>
-              <a:t> yang nantinya digunakan untuk </a:t>
-            </a:r>
-            <a:r>
-              <a:rPr lang="id-ID" dirty="0" err="1"/>
-              <a:t>mengenkripsi</a:t>
-            </a:r>
-            <a:r>
-              <a:rPr lang="id-ID" dirty="0"/>
-              <a:t> </a:t>
-            </a:r>
-            <a:r>
-              <a:rPr lang="id-ID" dirty="0" err="1" smtClean="0"/>
-              <a:t>message</a:t>
-            </a:r>
-            <a:r>
-              <a:rPr lang="id-ID" dirty="0" smtClean="0"/>
-              <a:t> jika </a:t>
-            </a:r>
-            <a:r>
-              <a:rPr lang="id-ID" dirty="0" err="1" smtClean="0"/>
-              <a:t>message</a:t>
-            </a:r>
-            <a:r>
-              <a:rPr lang="id-ID" dirty="0" smtClean="0"/>
-              <a:t> yang dikirim </a:t>
-            </a:r>
-            <a:r>
-              <a:rPr lang="id-ID" dirty="0" err="1" smtClean="0"/>
-              <a:t>kan</a:t>
-            </a:r>
-            <a:r>
-              <a:rPr lang="id-ID" dirty="0" smtClean="0"/>
-              <a:t> ditujukan kepada </a:t>
-            </a:r>
-            <a:r>
-              <a:rPr lang="id-ID" dirty="0" err="1" smtClean="0"/>
-              <a:t>user</a:t>
-            </a:r>
-            <a:r>
-              <a:rPr lang="id-ID" dirty="0" smtClean="0"/>
-              <a:t>, dan </a:t>
-            </a:r>
-            <a:r>
-              <a:rPr lang="id-ID" dirty="0" err="1" smtClean="0"/>
-              <a:t>mengdekripsi</a:t>
-            </a:r>
-            <a:r>
-              <a:rPr lang="id-ID" dirty="0" smtClean="0"/>
-              <a:t> </a:t>
-            </a:r>
-            <a:r>
-              <a:rPr lang="id-ID" dirty="0" err="1" smtClean="0"/>
-              <a:t>message</a:t>
-            </a:r>
-            <a:r>
-              <a:rPr lang="id-ID" dirty="0" smtClean="0"/>
-              <a:t> jika </a:t>
-            </a:r>
-            <a:r>
-              <a:rPr lang="id-ID" dirty="0" err="1" smtClean="0"/>
-              <a:t>message</a:t>
-            </a:r>
-            <a:r>
-              <a:rPr lang="id-ID" dirty="0" smtClean="0"/>
-              <a:t> merupakan </a:t>
-            </a:r>
-            <a:r>
-              <a:rPr lang="id-ID" dirty="0" err="1" smtClean="0"/>
-              <a:t>broadcast</a:t>
-            </a:r>
-            <a:r>
-              <a:rPr lang="id-ID" dirty="0" smtClean="0"/>
-              <a:t> dari pengirim.</a:t>
-            </a:r>
-          </a:p>
-          <a:p>
-            <a:r>
-              <a:rPr lang="id-ID" dirty="0" err="1" smtClean="0"/>
-              <a:t>User</a:t>
-            </a:r>
-            <a:r>
-              <a:rPr lang="id-ID" dirty="0" smtClean="0"/>
-              <a:t> </a:t>
-            </a:r>
-            <a:r>
-              <a:rPr lang="id-ID" dirty="0"/>
-              <a:t>dapat memiliki banyak </a:t>
-            </a:r>
-            <a:r>
-              <a:rPr lang="id-ID" dirty="0" smtClean="0"/>
-              <a:t>Group.</a:t>
-            </a:r>
-          </a:p>
-          <a:p>
-            <a:r>
-              <a:rPr lang="id-ID" dirty="0" smtClean="0"/>
-              <a:t>Tabel ini dapat memiliki banyak </a:t>
-            </a:r>
-            <a:r>
-              <a:rPr lang="id-ID" dirty="0" err="1" smtClean="0"/>
-              <a:t>chat</a:t>
-            </a:r>
-            <a:r>
-              <a:rPr lang="id-ID" dirty="0" smtClean="0"/>
-              <a:t>.</a:t>
-            </a:r>
+            <a:endParaRPr lang="id-ID" dirty="0" smtClean="0"/>
           </a:p>
         </p:txBody>
       </p:sp>
     </p:spTree>
     <p:extLst>
       <p:ext uri="{BB962C8B-B14F-4D97-AF65-F5344CB8AC3E}">
-        <p14:creationId xmlns:p14="http://schemas.microsoft.com/office/powerpoint/2010/main" val="1678688300"/>
+        <p14:creationId xmlns:p14="http://schemas.microsoft.com/office/powerpoint/2010/main" val="2038851192"/>
       </p:ext>
     </p:extLst>
   </p:cSld>
@@ -14274,8 +14146,12 @@
           <a:lstStyle/>
           <a:p>
             <a:r>
-              <a:rPr lang="id-ID" dirty="0" smtClean="0"/>
-              <a:t>Tabel Server</a:t>
+              <a:rPr lang="id-ID" dirty="0"/>
+              <a:t>Tabel Chat dan </a:t>
+            </a:r>
+            <a:r>
+              <a:rPr lang="id-ID" dirty="0" err="1"/>
+              <a:t>Group_Chat</a:t>
             </a:r>
             <a:endParaRPr lang="id-ID" dirty="0"/>
           </a:p>
@@ -14299,41 +14175,103 @@
           <a:lstStyle/>
           <a:p>
             <a:r>
-              <a:rPr lang="id-ID" dirty="0" smtClean="0"/>
-              <a:t>Tabel </a:t>
+              <a:rPr lang="id-ID" dirty="0" err="1"/>
+              <a:t>Field</a:t>
+            </a:r>
+            <a:r>
+              <a:rPr lang="id-ID" dirty="0"/>
+              <a:t> </a:t>
+            </a:r>
+            <a:r>
+              <a:rPr lang="id-ID" dirty="0" err="1"/>
+              <a:t>id_sender</a:t>
+            </a:r>
+            <a:r>
+              <a:rPr lang="id-ID" dirty="0"/>
+              <a:t> berisi </a:t>
+            </a:r>
+            <a:r>
+              <a:rPr lang="id-ID" dirty="0" err="1"/>
+              <a:t>id</a:t>
+            </a:r>
+            <a:r>
+              <a:rPr lang="id-ID" dirty="0"/>
+              <a:t> dari pengirim pesan sedangkan </a:t>
+            </a:r>
+            <a:r>
+              <a:rPr lang="id-ID" dirty="0" err="1"/>
+              <a:t>id_receiver</a:t>
+            </a:r>
+            <a:r>
+              <a:rPr lang="id-ID" dirty="0"/>
+              <a:t> berisi </a:t>
+            </a:r>
+            <a:r>
+              <a:rPr lang="id-ID" dirty="0" err="1"/>
+              <a:t>id</a:t>
+            </a:r>
+            <a:r>
+              <a:rPr lang="id-ID" dirty="0"/>
+              <a:t> dari penerima pesan. </a:t>
+            </a:r>
+            <a:endParaRPr lang="id-ID" dirty="0" smtClean="0"/>
+          </a:p>
+          <a:p>
+            <a:r>
+              <a:rPr lang="id-ID" dirty="0" smtClean="0"/>
+              <a:t>Pada </a:t>
             </a:r>
             <a:r>
               <a:rPr lang="id-ID" dirty="0" err="1" smtClean="0"/>
-              <a:t>server</a:t>
-            </a:r>
-            <a:r>
-              <a:rPr lang="id-ID" dirty="0" smtClean="0"/>
-              <a:t> ini akan digunakan untuk konfigurasi awal </a:t>
+              <a:t>field</a:t>
+            </a:r>
+            <a:r>
+              <a:rPr lang="id-ID" dirty="0" smtClean="0"/>
+              <a:t> </a:t>
             </a:r>
             <a:r>
               <a:rPr lang="id-ID" dirty="0" err="1" smtClean="0"/>
-              <a:t>server</a:t>
-            </a:r>
-            <a:r>
-              <a:rPr lang="id-ID" dirty="0" smtClean="0"/>
-              <a:t> dalam membuat koneksi(</a:t>
+              <a:t>id_receiver</a:t>
+            </a:r>
+            <a:r>
+              <a:rPr lang="id-ID" dirty="0" smtClean="0"/>
+              <a:t> di tabel Chat, dapat juga didefinisikan dengan </a:t>
             </a:r>
             <a:r>
               <a:rPr lang="id-ID" dirty="0" err="1" smtClean="0"/>
-              <a:t>socket</a:t>
-            </a:r>
-            <a:r>
-              <a:rPr lang="id-ID" dirty="0" smtClean="0"/>
-              <a:t>) dengan </a:t>
+              <a:t>id</a:t>
+            </a:r>
+            <a:r>
+              <a:rPr lang="id-ID" dirty="0" smtClean="0"/>
+              <a:t> </a:t>
             </a:r>
             <a:r>
               <a:rPr lang="id-ID" dirty="0" err="1" smtClean="0"/>
-              <a:t>server</a:t>
-            </a:r>
-            <a:r>
-              <a:rPr lang="id-ID" dirty="0" smtClean="0"/>
-              <a:t> lain.</a:t>
-            </a:r>
+              <a:t>broadcast</a:t>
+            </a:r>
+            <a:r>
+              <a:rPr lang="id-ID" dirty="0" smtClean="0"/>
+              <a:t>. </a:t>
+            </a:r>
+          </a:p>
+          <a:p>
+            <a:r>
+              <a:rPr lang="id-ID" dirty="0" err="1"/>
+              <a:t>Field</a:t>
+            </a:r>
+            <a:r>
+              <a:rPr lang="id-ID" dirty="0"/>
+              <a:t> </a:t>
+            </a:r>
+            <a:r>
+              <a:rPr lang="id-ID" dirty="0" err="1"/>
+              <a:t>timestamp</a:t>
+            </a:r>
+            <a:r>
+              <a:rPr lang="id-ID" dirty="0"/>
+              <a:t> berisi waktu pesan dikirim. </a:t>
+            </a:r>
+            <a:endParaRPr lang="id-ID" dirty="0" smtClean="0"/>
           </a:p>
           <a:p>
             <a:r>
@@ -14345,16 +14283,38 @@
               <a:t> </a:t>
             </a:r>
             <a:r>
+              <a:rPr lang="id-ID" dirty="0" err="1"/>
+              <a:t>chat_message</a:t>
+            </a:r>
+            <a:r>
+              <a:rPr lang="id-ID" dirty="0"/>
+              <a:t> berisi isi pesan yang dikirimkan</a:t>
+            </a:r>
+            <a:r>
+              <a:rPr lang="id-ID" dirty="0" smtClean="0"/>
+              <a:t>.</a:t>
+            </a:r>
+          </a:p>
+          <a:p>
+            <a:r>
+              <a:rPr lang="id-ID" dirty="0"/>
+              <a:t>Tabel </a:t>
+            </a:r>
+            <a:r>
               <a:rPr lang="id-ID" dirty="0" err="1" smtClean="0"/>
-              <a:t>id</a:t>
-            </a:r>
-            <a:r>
-              <a:rPr lang="id-ID" dirty="0" smtClean="0"/>
-              <a:t> berfungsi sebagai identitas dari </a:t>
+              <a:t>chat</a:t>
+            </a:r>
+            <a:r>
+              <a:rPr lang="id-ID" dirty="0" smtClean="0"/>
+              <a:t> akan </a:t>
+            </a:r>
+            <a:r>
+              <a:rPr lang="id-ID" dirty="0"/>
+              <a:t>dimiliki oleh 1 orang </a:t>
             </a:r>
             <a:r>
               <a:rPr lang="id-ID" dirty="0" err="1" smtClean="0"/>
-              <a:t>server</a:t>
+              <a:t>user</a:t>
             </a:r>
             <a:r>
               <a:rPr lang="id-ID" dirty="0" smtClean="0"/>
@@ -14364,112 +14324,30 @@
           </a:p>
           <a:p>
             <a:r>
-              <a:rPr lang="id-ID" dirty="0" err="1"/>
-              <a:t>Field</a:t>
-            </a:r>
-            <a:r>
-              <a:rPr lang="id-ID" dirty="0"/>
+              <a:rPr lang="id-ID" dirty="0"/>
+              <a:t>Tabel </a:t>
+            </a:r>
+            <a:r>
+              <a:rPr lang="id-ID" dirty="0" err="1" smtClean="0"/>
+              <a:t>group</a:t>
+            </a:r>
+            <a:r>
+              <a:rPr lang="id-ID" dirty="0" smtClean="0"/>
               <a:t> </a:t>
             </a:r>
             <a:r>
-              <a:rPr lang="id-ID" dirty="0" err="1"/>
-              <a:t>ip_address</a:t>
-            </a:r>
-            <a:r>
-              <a:rPr lang="id-ID" dirty="0"/>
-              <a:t> berisi alamat IP dari </a:t>
+              <a:rPr lang="id-ID" dirty="0"/>
+              <a:t>akan dimiliki oleh 1 orang </a:t>
             </a:r>
             <a:r>
               <a:rPr lang="id-ID" dirty="0" err="1" smtClean="0"/>
-              <a:t>server</a:t>
+              <a:t>group</a:t>
             </a:r>
             <a:r>
               <a:rPr lang="id-ID" dirty="0" smtClean="0"/>
               <a:t>.</a:t>
             </a:r>
             <a:endParaRPr lang="id-ID" dirty="0"/>
-          </a:p>
-          <a:p>
-            <a:r>
-              <a:rPr lang="id-ID" dirty="0" err="1"/>
-              <a:t>Field</a:t>
-            </a:r>
-            <a:r>
-              <a:rPr lang="id-ID" dirty="0"/>
-              <a:t> </a:t>
-            </a:r>
-            <a:r>
-              <a:rPr lang="id-ID" dirty="0" err="1" smtClean="0"/>
-              <a:t>port</a:t>
-            </a:r>
-            <a:r>
-              <a:rPr lang="id-ID" dirty="0" smtClean="0"/>
-              <a:t> berisi </a:t>
-            </a:r>
-            <a:r>
-              <a:rPr lang="id-ID" dirty="0"/>
-              <a:t>alamat </a:t>
-            </a:r>
-            <a:r>
-              <a:rPr lang="id-ID" dirty="0" err="1" smtClean="0"/>
-              <a:t>port</a:t>
-            </a:r>
-            <a:r>
-              <a:rPr lang="id-ID" dirty="0" smtClean="0"/>
-              <a:t> </a:t>
-            </a:r>
-            <a:r>
-              <a:rPr lang="id-ID" dirty="0"/>
-              <a:t>dari </a:t>
-            </a:r>
-            <a:r>
-              <a:rPr lang="id-ID" dirty="0" err="1" smtClean="0"/>
-              <a:t>server</a:t>
-            </a:r>
-            <a:r>
-              <a:rPr lang="id-ID" dirty="0" smtClean="0"/>
-              <a:t>.</a:t>
-            </a:r>
-          </a:p>
-          <a:p>
-            <a:r>
-              <a:rPr lang="id-ID" dirty="0" err="1" smtClean="0"/>
-              <a:t>Field</a:t>
-            </a:r>
-            <a:r>
-              <a:rPr lang="id-ID" dirty="0" smtClean="0"/>
-              <a:t> status berisi dengan status </a:t>
-            </a:r>
-            <a:r>
-              <a:rPr lang="id-ID" dirty="0" err="1" smtClean="0"/>
-              <a:t>server</a:t>
-            </a:r>
-            <a:r>
-              <a:rPr lang="id-ID" dirty="0" smtClean="0"/>
-              <a:t> apakah </a:t>
-            </a:r>
-            <a:r>
-              <a:rPr lang="id-ID" dirty="0" err="1" smtClean="0"/>
-              <a:t>offline</a:t>
-            </a:r>
-            <a:r>
-              <a:rPr lang="id-ID" dirty="0" smtClean="0"/>
-              <a:t> ataukah </a:t>
-            </a:r>
-            <a:r>
-              <a:rPr lang="id-ID" dirty="0" err="1" smtClean="0"/>
-              <a:t>online</a:t>
-            </a:r>
-            <a:r>
-              <a:rPr lang="id-ID" dirty="0"/>
-              <a:t>.</a:t>
-            </a:r>
-          </a:p>
-          <a:p>
-            <a:endParaRPr lang="id-ID" dirty="0"/>
-          </a:p>
-          <a:p>
-            <a:endParaRPr lang="id-ID" dirty="0" smtClean="0"/>
           </a:p>
           <a:p>
             <a:endParaRPr lang="id-ID" dirty="0" smtClean="0"/>
@@ -14479,7 +14357,7 @@
     </p:spTree>
     <p:extLst>
       <p:ext uri="{BB962C8B-B14F-4D97-AF65-F5344CB8AC3E}">
-        <p14:creationId xmlns:p14="http://schemas.microsoft.com/office/powerpoint/2010/main" val="2038851192"/>
+        <p14:creationId xmlns:p14="http://schemas.microsoft.com/office/powerpoint/2010/main" val="1601222981"/>
       </p:ext>
     </p:extLst>
   </p:cSld>
@@ -14529,50 +14407,157 @@
           <a:lstStyle/>
           <a:p>
             <a:r>
-              <a:rPr lang="id-ID" b="1" dirty="0" smtClean="0"/>
+              <a:rPr lang="id-ID" b="1" dirty="0"/>
               <a:t>Arsitektur sistem (Gambaran Global)</a:t>
             </a:r>
             <a:endParaRPr lang="id-ID" dirty="0"/>
           </a:p>
         </p:txBody>
       </p:sp>
-      <p:pic>
-        <p:nvPicPr>
-          <p:cNvPr id="4" name="Picture 3" descr="C:\Users\Ega Prianto\Documents\MEGA\SAT\Tugas Besar\Diagram Arsitektur Total.png"/>
-          <p:cNvPicPr/>
-          <p:nvPr/>
-        </p:nvPicPr>
-        <p:blipFill>
-          <a:blip r:embed="rId2">
-            <a:extLst>
-              <a:ext uri="{28A0092B-C50C-407E-A947-70E740481C1C}">
-                <a14:useLocalDpi xmlns:a14="http://schemas.microsoft.com/office/drawing/2010/main" val="0"/>
-              </a:ext>
-            </a:extLst>
-          </a:blip>
-          <a:srcRect/>
-          <a:stretch>
-            <a:fillRect/>
-          </a:stretch>
-        </p:blipFill>
-        <p:spPr bwMode="auto">
-          <a:xfrm>
-            <a:off x="2601913" y="2142067"/>
-            <a:ext cx="6299199" cy="4042615"/>
-          </a:xfrm>
-          <a:prstGeom prst="rect">
-            <a:avLst/>
-          </a:prstGeom>
-          <a:noFill/>
-          <a:ln>
-            <a:noFill/>
-          </a:ln>
-        </p:spPr>
-      </p:pic>
+      <p:sp>
+        <p:nvSpPr>
+          <p:cNvPr id="3" name="Content Placeholder 2"/>
+          <p:cNvSpPr>
+            <a:spLocks noGrp="1"/>
+          </p:cNvSpPr>
+          <p:nvPr>
+            <p:ph idx="1"/>
+          </p:nvPr>
+        </p:nvSpPr>
+        <p:spPr/>
+        <p:txBody>
+          <a:bodyPr/>
+          <a:lstStyle/>
+          <a:p>
+            <a:pPr marL="0" indent="0">
+              <a:buNone/>
+            </a:pPr>
+            <a:r>
+              <a:rPr lang="id-ID" dirty="0"/>
+              <a:t>Pada gambar </a:t>
+            </a:r>
+            <a:r>
+              <a:rPr lang="id-ID" dirty="0" smtClean="0"/>
+              <a:t>diagram arsitektur sebelumnya, semua </a:t>
+            </a:r>
+            <a:r>
+              <a:rPr lang="id-ID" dirty="0"/>
+              <a:t>Chat Server terhubung dengan Chat Server lainnya. </a:t>
+            </a:r>
+            <a:r>
+              <a:rPr lang="id-ID" dirty="0" err="1"/>
+              <a:t>Client</a:t>
+            </a:r>
+            <a:r>
+              <a:rPr lang="id-ID" dirty="0"/>
+              <a:t> yang terhubung dengan </a:t>
+            </a:r>
+            <a:r>
+              <a:rPr lang="id-ID" dirty="0" err="1"/>
+              <a:t>suatu</a:t>
+            </a:r>
+            <a:r>
+              <a:rPr lang="id-ID" dirty="0"/>
+              <a:t> Chat Server harus dapat berkomunikasi dengan </a:t>
+            </a:r>
+            <a:r>
+              <a:rPr lang="id-ID" dirty="0" err="1"/>
+              <a:t>Client</a:t>
+            </a:r>
+            <a:r>
+              <a:rPr lang="id-ID" dirty="0"/>
+              <a:t> yang terhubung dengan Chat </a:t>
+            </a:r>
+            <a:r>
+              <a:rPr lang="id-ID" dirty="0" err="1"/>
+              <a:t>server</a:t>
+            </a:r>
+            <a:r>
+              <a:rPr lang="id-ID" dirty="0"/>
+              <a:t> yang berbeda. Server akan memberikan saran </a:t>
+            </a:r>
+            <a:r>
+              <a:rPr lang="id-ID" dirty="0" err="1"/>
+              <a:t>server</a:t>
+            </a:r>
+            <a:r>
+              <a:rPr lang="id-ID" dirty="0"/>
+              <a:t> lain ketika kepenuhan dengan metode </a:t>
+            </a:r>
+            <a:r>
+              <a:rPr lang="id-ID" dirty="0" err="1"/>
+              <a:t>round-robin</a:t>
+            </a:r>
+            <a:r>
+              <a:rPr lang="id-ID" dirty="0"/>
+              <a:t>, yaitu dengan memberikan saran </a:t>
+            </a:r>
+            <a:r>
+              <a:rPr lang="id-ID" dirty="0" err="1"/>
+              <a:t>server</a:t>
+            </a:r>
+            <a:r>
+              <a:rPr lang="id-ID" dirty="0"/>
+              <a:t> secara berurutan hingga akhirnya kembali ke </a:t>
+            </a:r>
+            <a:r>
+              <a:rPr lang="id-ID" dirty="0" err="1"/>
+              <a:t>server</a:t>
+            </a:r>
+            <a:r>
+              <a:rPr lang="id-ID" dirty="0"/>
+              <a:t> itu sendiri jika seluruh </a:t>
+            </a:r>
+            <a:r>
+              <a:rPr lang="id-ID" dirty="0" err="1"/>
+              <a:t>server</a:t>
+            </a:r>
+            <a:r>
+              <a:rPr lang="id-ID" dirty="0"/>
+              <a:t> kepenuhan</a:t>
+            </a:r>
+            <a:r>
+              <a:rPr lang="id-ID" dirty="0" smtClean="0"/>
+              <a:t>. Setiap </a:t>
+            </a:r>
+            <a:r>
+              <a:rPr lang="id-ID" dirty="0" err="1" smtClean="0"/>
+              <a:t>server</a:t>
+            </a:r>
+            <a:r>
+              <a:rPr lang="id-ID" dirty="0" smtClean="0"/>
+              <a:t> memiliki </a:t>
+            </a:r>
+            <a:r>
+              <a:rPr lang="id-ID" dirty="0" err="1" smtClean="0"/>
+              <a:t>databasenya</a:t>
+            </a:r>
+            <a:r>
+              <a:rPr lang="id-ID" dirty="0" smtClean="0"/>
+              <a:t> masing-masing dan harus memiliki isi yang sama untuk setiap </a:t>
+            </a:r>
+            <a:r>
+              <a:rPr lang="id-ID" dirty="0" err="1" smtClean="0"/>
+              <a:t>servernya</a:t>
+            </a:r>
+            <a:r>
+              <a:rPr lang="id-ID" dirty="0" smtClean="0"/>
+              <a:t>. </a:t>
+            </a:r>
+            <a:endParaRPr lang="id-ID" dirty="0"/>
+          </a:p>
+          <a:p>
+            <a:pPr marL="0" indent="0">
+              <a:buNone/>
+            </a:pPr>
+            <a:endParaRPr lang="id-ID" dirty="0"/>
+          </a:p>
+        </p:txBody>
+      </p:sp>
     </p:spTree>
     <p:extLst>
       <p:ext uri="{BB962C8B-B14F-4D97-AF65-F5344CB8AC3E}">
-        <p14:creationId xmlns:p14="http://schemas.microsoft.com/office/powerpoint/2010/main" val="1298258912"/>
+        <p14:creationId xmlns:p14="http://schemas.microsoft.com/office/powerpoint/2010/main" val="2613997224"/>
       </p:ext>
     </p:extLst>
   </p:cSld>
@@ -14590,267 +14575,6 @@
 </file>
 
 <file path=ppt/slides/slide40.xml><?xml version="1.0" encoding="utf-8"?>
-<p:sld xmlns:a="http://schemas.openxmlformats.org/drawingml/2006/main" xmlns:r="http://schemas.openxmlformats.org/officeDocument/2006/relationships" xmlns:p="http://schemas.openxmlformats.org/presentationml/2006/main">
-  <p:cSld>
-    <p:spTree>
-      <p:nvGrpSpPr>
-        <p:cNvPr id="1" name=""/>
-        <p:cNvGrpSpPr/>
-        <p:nvPr/>
-      </p:nvGrpSpPr>
-      <p:grpSpPr>
-        <a:xfrm>
-          <a:off x="0" y="0"/>
-          <a:ext cx="0" cy="0"/>
-          <a:chOff x="0" y="0"/>
-          <a:chExt cx="0" cy="0"/>
-        </a:xfrm>
-      </p:grpSpPr>
-      <p:sp>
-        <p:nvSpPr>
-          <p:cNvPr id="2" name="Title 1"/>
-          <p:cNvSpPr>
-            <a:spLocks noGrp="1"/>
-          </p:cNvSpPr>
-          <p:nvPr>
-            <p:ph type="title"/>
-          </p:nvPr>
-        </p:nvSpPr>
-        <p:spPr/>
-        <p:txBody>
-          <a:bodyPr/>
-          <a:lstStyle/>
-          <a:p>
-            <a:r>
-              <a:rPr lang="id-ID" dirty="0"/>
-              <a:t>Tabel Chat dan </a:t>
-            </a:r>
-            <a:r>
-              <a:rPr lang="id-ID" dirty="0" err="1"/>
-              <a:t>Group_Chat</a:t>
-            </a:r>
-            <a:endParaRPr lang="id-ID" dirty="0"/>
-          </a:p>
-        </p:txBody>
-      </p:sp>
-      <p:sp>
-        <p:nvSpPr>
-          <p:cNvPr id="3" name="Content Placeholder 2"/>
-          <p:cNvSpPr>
-            <a:spLocks noGrp="1"/>
-          </p:cNvSpPr>
-          <p:nvPr>
-            <p:ph idx="1"/>
-          </p:nvPr>
-        </p:nvSpPr>
-        <p:spPr/>
-        <p:txBody>
-          <a:bodyPr>
-            <a:normAutofit/>
-          </a:bodyPr>
-          <a:lstStyle/>
-          <a:p>
-            <a:r>
-              <a:rPr lang="id-ID" dirty="0" err="1"/>
-              <a:t>Field</a:t>
-            </a:r>
-            <a:r>
-              <a:rPr lang="id-ID" dirty="0"/>
-              <a:t> </a:t>
-            </a:r>
-            <a:r>
-              <a:rPr lang="id-ID" dirty="0" err="1"/>
-              <a:t>id_sender</a:t>
-            </a:r>
-            <a:r>
-              <a:rPr lang="id-ID" dirty="0"/>
-              <a:t> berisi </a:t>
-            </a:r>
-            <a:r>
-              <a:rPr lang="id-ID" dirty="0" err="1"/>
-              <a:t>id</a:t>
-            </a:r>
-            <a:r>
-              <a:rPr lang="id-ID" dirty="0"/>
-              <a:t> dari pengirim pesan sedangkan </a:t>
-            </a:r>
-            <a:r>
-              <a:rPr lang="id-ID" dirty="0" err="1"/>
-              <a:t>id_receiver</a:t>
-            </a:r>
-            <a:r>
-              <a:rPr lang="id-ID" dirty="0"/>
-              <a:t> berisi </a:t>
-            </a:r>
-            <a:r>
-              <a:rPr lang="id-ID" dirty="0" err="1"/>
-              <a:t>id</a:t>
-            </a:r>
-            <a:r>
-              <a:rPr lang="id-ID" dirty="0"/>
-              <a:t> dari penerima pesan. </a:t>
-            </a:r>
-            <a:endParaRPr lang="id-ID" dirty="0" smtClean="0"/>
-          </a:p>
-          <a:p>
-            <a:r>
-              <a:rPr lang="id-ID" dirty="0" smtClean="0"/>
-              <a:t>Pada </a:t>
-            </a:r>
-            <a:r>
-              <a:rPr lang="id-ID" dirty="0" err="1" smtClean="0"/>
-              <a:t>field</a:t>
-            </a:r>
-            <a:r>
-              <a:rPr lang="id-ID" dirty="0" smtClean="0"/>
-              <a:t> </a:t>
-            </a:r>
-            <a:r>
-              <a:rPr lang="id-ID" dirty="0" err="1" smtClean="0"/>
-              <a:t>id_receiver</a:t>
-            </a:r>
-            <a:r>
-              <a:rPr lang="id-ID" dirty="0" smtClean="0"/>
-              <a:t> di tabel Chat, dapat juga didefinisikan dengan </a:t>
-            </a:r>
-            <a:r>
-              <a:rPr lang="id-ID" dirty="0" err="1" smtClean="0"/>
-              <a:t>id</a:t>
-            </a:r>
-            <a:r>
-              <a:rPr lang="id-ID" dirty="0" smtClean="0"/>
-              <a:t> </a:t>
-            </a:r>
-            <a:r>
-              <a:rPr lang="id-ID" dirty="0" err="1" smtClean="0"/>
-              <a:t>broadcast</a:t>
-            </a:r>
-            <a:r>
-              <a:rPr lang="id-ID" dirty="0" smtClean="0"/>
-              <a:t>. </a:t>
-            </a:r>
-          </a:p>
-          <a:p>
-            <a:r>
-              <a:rPr lang="id-ID" dirty="0" err="1"/>
-              <a:t>Field</a:t>
-            </a:r>
-            <a:r>
-              <a:rPr lang="id-ID" dirty="0"/>
-              <a:t> </a:t>
-            </a:r>
-            <a:r>
-              <a:rPr lang="id-ID" dirty="0" err="1"/>
-              <a:t>timestamp</a:t>
-            </a:r>
-            <a:r>
-              <a:rPr lang="id-ID" dirty="0"/>
-              <a:t> berisi waktu pesan dikirim. </a:t>
-            </a:r>
-            <a:endParaRPr lang="id-ID" dirty="0" smtClean="0"/>
-          </a:p>
-          <a:p>
-            <a:r>
-              <a:rPr lang="id-ID" dirty="0" err="1" smtClean="0"/>
-              <a:t>Field</a:t>
-            </a:r>
-            <a:r>
-              <a:rPr lang="id-ID" dirty="0" smtClean="0"/>
-              <a:t> </a:t>
-            </a:r>
-            <a:r>
-              <a:rPr lang="id-ID" dirty="0" err="1"/>
-              <a:t>chat_message</a:t>
-            </a:r>
-            <a:r>
-              <a:rPr lang="id-ID" dirty="0"/>
-              <a:t> berisi isi pesan yang dikirimkan</a:t>
-            </a:r>
-            <a:r>
-              <a:rPr lang="id-ID" dirty="0" smtClean="0"/>
-              <a:t>.</a:t>
-            </a:r>
-          </a:p>
-          <a:p>
-            <a:r>
-              <a:rPr lang="id-ID" dirty="0"/>
-              <a:t>Tabel </a:t>
-            </a:r>
-            <a:r>
-              <a:rPr lang="id-ID" dirty="0" err="1" smtClean="0"/>
-              <a:t>chat</a:t>
-            </a:r>
-            <a:r>
-              <a:rPr lang="id-ID" dirty="0" smtClean="0"/>
-              <a:t> akan </a:t>
-            </a:r>
-            <a:r>
-              <a:rPr lang="id-ID" dirty="0"/>
-              <a:t>dimiliki oleh 1 orang </a:t>
-            </a:r>
-            <a:r>
-              <a:rPr lang="id-ID" dirty="0" err="1" smtClean="0"/>
-              <a:t>user</a:t>
-            </a:r>
-            <a:r>
-              <a:rPr lang="id-ID" dirty="0" smtClean="0"/>
-              <a:t>.</a:t>
-            </a:r>
-            <a:endParaRPr lang="id-ID" dirty="0"/>
-          </a:p>
-          <a:p>
-            <a:r>
-              <a:rPr lang="id-ID" dirty="0"/>
-              <a:t>Tabel </a:t>
-            </a:r>
-            <a:r>
-              <a:rPr lang="id-ID" dirty="0" err="1" smtClean="0"/>
-              <a:t>group</a:t>
-            </a:r>
-            <a:r>
-              <a:rPr lang="id-ID" dirty="0" smtClean="0"/>
-              <a:t> </a:t>
-            </a:r>
-            <a:r>
-              <a:rPr lang="id-ID" dirty="0"/>
-              <a:t>akan dimiliki oleh 1 orang </a:t>
-            </a:r>
-            <a:r>
-              <a:rPr lang="id-ID" dirty="0" err="1" smtClean="0"/>
-              <a:t>group</a:t>
-            </a:r>
-            <a:r>
-              <a:rPr lang="id-ID" dirty="0" smtClean="0"/>
-              <a:t>.</a:t>
-            </a:r>
-            <a:endParaRPr lang="id-ID" dirty="0"/>
-          </a:p>
-          <a:p>
-            <a:endParaRPr lang="id-ID" dirty="0" smtClean="0"/>
-          </a:p>
-        </p:txBody>
-      </p:sp>
-    </p:spTree>
-    <p:extLst>
-      <p:ext uri="{BB962C8B-B14F-4D97-AF65-F5344CB8AC3E}">
-        <p14:creationId xmlns:p14="http://schemas.microsoft.com/office/powerpoint/2010/main" val="1601222981"/>
-      </p:ext>
-    </p:extLst>
-  </p:cSld>
-  <p:clrMapOvr>
-    <a:masterClrMapping/>
-  </p:clrMapOvr>
-  <p:timing>
-    <p:tnLst>
-      <p:par>
-        <p:cTn id="1" dur="indefinite" restart="never" nodeType="tmRoot"/>
-      </p:par>
-    </p:tnLst>
-  </p:timing>
-</p:sld>
-</file>
-
-<file path=ppt/slides/slide41.xml><?xml version="1.0" encoding="utf-8"?>
 <p:sld xmlns:a="http://schemas.openxmlformats.org/drawingml/2006/main" xmlns:r="http://schemas.openxmlformats.org/officeDocument/2006/relationships" xmlns:p="http://schemas.openxmlformats.org/presentationml/2006/main">
   <p:cSld>
     <p:spTree>
@@ -15062,10 +14786,10 @@
           <a:lstStyle/>
           <a:p>
             <a:r>
-              <a:rPr lang="id-ID" b="1" dirty="0"/>
-              <a:t>Arsitektur sistem (Gambaran Global)</a:t>
-            </a:r>
-            <a:endParaRPr lang="id-ID" dirty="0"/>
+              <a:rPr lang="id-ID" b="1" dirty="0" smtClean="0"/>
+              <a:t>Arsitektur sistem (Protokol komunikasi)</a:t>
+            </a:r>
+            <a:endParaRPr lang="id-ID" b="1" dirty="0"/>
           </a:p>
         </p:txBody>
       </p:sp>
@@ -15081,138 +14805,125 @@
         </p:nvSpPr>
         <p:spPr/>
         <p:txBody>
-          <a:bodyPr/>
+          <a:bodyPr>
+            <a:normAutofit/>
+          </a:bodyPr>
           <a:lstStyle/>
           <a:p>
-            <a:pPr marL="0" indent="0">
-              <a:buNone/>
-            </a:pPr>
-            <a:r>
-              <a:rPr lang="id-ID" dirty="0"/>
-              <a:t>Pada gambar </a:t>
-            </a:r>
-            <a:r>
-              <a:rPr lang="id-ID" dirty="0" smtClean="0"/>
-              <a:t>diagram arsitektur sebelumnya, semua </a:t>
-            </a:r>
-            <a:r>
-              <a:rPr lang="id-ID" dirty="0"/>
-              <a:t>Chat Server terhubung dengan Chat Server lainnya. </a:t>
-            </a:r>
-            <a:r>
-              <a:rPr lang="id-ID" dirty="0" err="1"/>
-              <a:t>Client</a:t>
-            </a:r>
-            <a:r>
-              <a:rPr lang="id-ID" dirty="0"/>
-              <a:t> yang terhubung dengan </a:t>
-            </a:r>
-            <a:r>
-              <a:rPr lang="id-ID" dirty="0" err="1"/>
-              <a:t>suatu</a:t>
-            </a:r>
-            <a:r>
-              <a:rPr lang="id-ID" dirty="0"/>
-              <a:t> Chat Server harus dapat berkomunikasi dengan </a:t>
-            </a:r>
-            <a:r>
-              <a:rPr lang="id-ID" dirty="0" err="1"/>
-              <a:t>Client</a:t>
-            </a:r>
-            <a:r>
-              <a:rPr lang="id-ID" dirty="0"/>
-              <a:t> yang terhubung dengan Chat </a:t>
-            </a:r>
-            <a:r>
-              <a:rPr lang="id-ID" dirty="0" err="1"/>
-              <a:t>server</a:t>
-            </a:r>
-            <a:r>
-              <a:rPr lang="id-ID" dirty="0"/>
-              <a:t> yang berbeda. Server akan memberikan saran </a:t>
-            </a:r>
-            <a:r>
-              <a:rPr lang="id-ID" dirty="0" err="1"/>
-              <a:t>server</a:t>
-            </a:r>
-            <a:r>
-              <a:rPr lang="id-ID" dirty="0"/>
-              <a:t> lain ketika kepenuhan dengan metode </a:t>
-            </a:r>
-            <a:r>
-              <a:rPr lang="id-ID" dirty="0" err="1"/>
-              <a:t>round-robin</a:t>
-            </a:r>
-            <a:r>
-              <a:rPr lang="id-ID" dirty="0"/>
-              <a:t>, yaitu dengan memberikan saran </a:t>
-            </a:r>
-            <a:r>
-              <a:rPr lang="id-ID" dirty="0" err="1"/>
-              <a:t>server</a:t>
-            </a:r>
-            <a:r>
-              <a:rPr lang="id-ID" dirty="0"/>
-              <a:t> secara berurutan hingga akhirnya kembali ke </a:t>
-            </a:r>
-            <a:r>
-              <a:rPr lang="id-ID" dirty="0" err="1"/>
-              <a:t>server</a:t>
-            </a:r>
-            <a:r>
-              <a:rPr lang="id-ID" dirty="0"/>
-              <a:t> itu sendiri jika seluruh </a:t>
-            </a:r>
-            <a:r>
-              <a:rPr lang="id-ID" dirty="0" err="1"/>
-              <a:t>server</a:t>
-            </a:r>
-            <a:r>
-              <a:rPr lang="id-ID" dirty="0"/>
-              <a:t> kepenuhan</a:t>
-            </a:r>
-            <a:r>
-              <a:rPr lang="id-ID" dirty="0" smtClean="0"/>
-              <a:t>. Setiap </a:t>
-            </a:r>
-            <a:r>
-              <a:rPr lang="id-ID" dirty="0" err="1" smtClean="0"/>
-              <a:t>server</a:t>
-            </a:r>
-            <a:r>
-              <a:rPr lang="id-ID" dirty="0" smtClean="0"/>
-              <a:t> memiliki </a:t>
-            </a:r>
-            <a:r>
-              <a:rPr lang="id-ID" dirty="0" err="1" smtClean="0"/>
-              <a:t>databasenya</a:t>
-            </a:r>
-            <a:r>
-              <a:rPr lang="id-ID" dirty="0" smtClean="0"/>
-              <a:t> masing-masing dan harus memiliki isi yang sama untuk setiap </a:t>
-            </a:r>
-            <a:r>
-              <a:rPr lang="id-ID" dirty="0" err="1" smtClean="0"/>
-              <a:t>servernya</a:t>
-            </a:r>
-            <a:r>
-              <a:rPr lang="id-ID" dirty="0" smtClean="0"/>
+            <a:r>
+              <a:rPr lang="id-ID" sz="2800" dirty="0"/>
+              <a:t>Data yang akan dikirimkan akan berupa </a:t>
+            </a:r>
+            <a:r>
+              <a:rPr lang="id-ID" sz="2800" dirty="0" err="1"/>
+              <a:t>string</a:t>
+            </a:r>
+            <a:r>
+              <a:rPr lang="id-ID" sz="2800" dirty="0"/>
               <a:t>. </a:t>
             </a:r>
-            <a:endParaRPr lang="id-ID" dirty="0"/>
-          </a:p>
-          <a:p>
-            <a:pPr marL="0" indent="0">
-              <a:buNone/>
-            </a:pPr>
-            <a:endParaRPr lang="id-ID" dirty="0"/>
+            <a:r>
+              <a:rPr lang="id-ID" sz="2800" dirty="0" err="1"/>
+              <a:t>String</a:t>
+            </a:r>
+            <a:r>
+              <a:rPr lang="id-ID" sz="2800" dirty="0"/>
+              <a:t> tersebut akan memiliki karakter </a:t>
+            </a:r>
+            <a:r>
+              <a:rPr lang="id-ID" sz="2800" dirty="0" err="1"/>
+              <a:t>semicolon</a:t>
+            </a:r>
+            <a:r>
+              <a:rPr lang="id-ID" sz="2800" dirty="0"/>
+              <a:t>(;) sebagai </a:t>
+            </a:r>
+            <a:r>
+              <a:rPr lang="id-ID" sz="2800" dirty="0" err="1"/>
+              <a:t>separator</a:t>
+            </a:r>
+            <a:r>
+              <a:rPr lang="id-ID" sz="2800" dirty="0"/>
+              <a:t>. </a:t>
+            </a:r>
+            <a:r>
+              <a:rPr lang="id-ID" sz="2800" dirty="0" err="1"/>
+              <a:t>String</a:t>
+            </a:r>
+            <a:r>
+              <a:rPr lang="id-ID" sz="2800" dirty="0"/>
+              <a:t> data tersebut akan berformat sebagai berikut:</a:t>
+            </a:r>
+          </a:p>
+          <a:p>
+            <a:r>
+              <a:rPr lang="id-ID" sz="2800" dirty="0"/>
+              <a:t>{</a:t>
+            </a:r>
+            <a:r>
+              <a:rPr lang="id-ID" sz="2800" dirty="0" err="1"/>
+              <a:t>command</a:t>
+            </a:r>
+            <a:r>
+              <a:rPr lang="id-ID" sz="2800" dirty="0"/>
+              <a:t>};{</a:t>
+            </a:r>
+            <a:r>
+              <a:rPr lang="id-ID" sz="2800" dirty="0" err="1"/>
+              <a:t>server_load</a:t>
+            </a:r>
+            <a:r>
+              <a:rPr lang="id-ID" sz="2800" dirty="0"/>
+              <a:t>};{</a:t>
+            </a:r>
+            <a:r>
+              <a:rPr lang="id-ID" sz="2800" dirty="0" err="1"/>
+              <a:t>source_type</a:t>
+            </a:r>
+            <a:r>
+              <a:rPr lang="id-ID" sz="2800" dirty="0"/>
+              <a:t>};{</a:t>
+            </a:r>
+            <a:r>
+              <a:rPr lang="id-ID" sz="2800" dirty="0" err="1"/>
+              <a:t>body_data</a:t>
+            </a:r>
+            <a:r>
+              <a:rPr lang="id-ID" sz="2800" dirty="0" smtClean="0"/>
+              <a:t>}</a:t>
+            </a:r>
+          </a:p>
+          <a:p>
+            <a:r>
+              <a:rPr lang="id-ID" sz="2800" dirty="0"/>
+              <a:t>Bagian-bagian tersebut </a:t>
+            </a:r>
+            <a:r>
+              <a:rPr lang="id-ID" sz="2800" dirty="0" smtClean="0"/>
+              <a:t>akan dijelaskan pada </a:t>
+            </a:r>
+            <a:r>
+              <a:rPr lang="id-ID" sz="2800" dirty="0" err="1" smtClean="0"/>
+              <a:t>slide</a:t>
+            </a:r>
+            <a:r>
+              <a:rPr lang="id-ID" sz="2800" dirty="0" smtClean="0"/>
+              <a:t> berikutnya.</a:t>
+            </a:r>
+            <a:endParaRPr lang="id-ID" sz="2800" dirty="0"/>
+          </a:p>
+          <a:p>
+            <a:endParaRPr lang="id-ID" sz="2800" dirty="0"/>
+          </a:p>
+          <a:p>
+            <a:endParaRPr lang="id-ID" sz="2800" dirty="0"/>
           </a:p>
         </p:txBody>
       </p:sp>
     </p:spTree>
     <p:extLst>
       <p:ext uri="{BB962C8B-B14F-4D97-AF65-F5344CB8AC3E}">
-        <p14:creationId xmlns:p14="http://schemas.microsoft.com/office/powerpoint/2010/main" val="2613997224"/>
+        <p14:creationId xmlns:p14="http://schemas.microsoft.com/office/powerpoint/2010/main" val="1335769359"/>
       </p:ext>
     </p:extLst>
   </p:cSld>
@@ -15262,10 +14973,18 @@
           <a:lstStyle/>
           <a:p>
             <a:r>
+              <a:rPr lang="id-ID" b="1" dirty="0"/>
+              <a:t>Arsitektur sistem </a:t>
+            </a:r>
+            <a:r>
               <a:rPr lang="id-ID" b="1" dirty="0" smtClean="0"/>
-              <a:t>Arsitektur sistem (Protokol komunikasi)</a:t>
-            </a:r>
-            <a:endParaRPr lang="id-ID" b="1" dirty="0"/>
+              <a:t>(bagian-bagian Protokol </a:t>
+            </a:r>
+            <a:r>
+              <a:rPr lang="id-ID" b="1" dirty="0"/>
+              <a:t>komunikasi)</a:t>
+            </a:r>
+            <a:endParaRPr lang="id-ID" dirty="0"/>
           </a:p>
         </p:txBody>
       </p:sp>
@@ -15286,52 +15005,7 @@
           </a:bodyPr>
           <a:lstStyle/>
           <a:p>
-            <a:r>
-              <a:rPr lang="id-ID" sz="2800" dirty="0"/>
-              <a:t>Data yang akan dikirimkan akan berupa </a:t>
-            </a:r>
-            <a:r>
-              <a:rPr lang="id-ID" sz="2800" dirty="0" err="1"/>
-              <a:t>string</a:t>
-            </a:r>
-            <a:r>
-              <a:rPr lang="id-ID" sz="2800" dirty="0"/>
-              <a:t>. </a:t>
-            </a:r>
-            <a:r>
-              <a:rPr lang="id-ID" sz="2800" dirty="0" err="1"/>
-              <a:t>String</a:t>
-            </a:r>
-            <a:r>
-              <a:rPr lang="id-ID" sz="2800" dirty="0"/>
-              <a:t> tersebut akan memiliki karakter </a:t>
-            </a:r>
-            <a:r>
-              <a:rPr lang="id-ID" sz="2800" dirty="0" err="1"/>
-              <a:t>semicolon</a:t>
-            </a:r>
-            <a:r>
-              <a:rPr lang="id-ID" sz="2800" dirty="0"/>
-              <a:t>(;) sebagai </a:t>
-            </a:r>
-            <a:r>
-              <a:rPr lang="id-ID" sz="2800" dirty="0" err="1"/>
-              <a:t>separator</a:t>
-            </a:r>
-            <a:r>
-              <a:rPr lang="id-ID" sz="2800" dirty="0"/>
-              <a:t>. </a:t>
-            </a:r>
-            <a:r>
-              <a:rPr lang="id-ID" sz="2800" dirty="0" err="1"/>
-              <a:t>String</a:t>
-            </a:r>
-            <a:r>
-              <a:rPr lang="id-ID" sz="2800" dirty="0"/>
-              <a:t> data tersebut akan berformat sebagai berikut:</a:t>
-            </a:r>
-          </a:p>
-          <a:p>
+            <a:pPr lvl="0"/>
             <a:r>
               <a:rPr lang="id-ID" sz="2800" dirty="0"/>
               <a:t>{</a:t>
@@ -15342,54 +15016,56 @@
             </a:r>
             <a:r>
               <a:rPr lang="id-ID" sz="2800" dirty="0"/>
-              <a:t>};{</a:t>
+              <a:t>} akan mendefinisikan jenis perintah apa yang di minta </a:t>
             </a:r>
             <a:r>
               <a:rPr lang="id-ID" sz="2800" dirty="0" err="1"/>
-              <a:t>server_load</a:t>
+              <a:t>client</a:t>
             </a:r>
             <a:r>
               <a:rPr lang="id-ID" sz="2800" dirty="0"/>
-              <a:t>};{</a:t>
+              <a:t>. Perintah-perintah yang dimaksud adalah seperti </a:t>
             </a:r>
             <a:r>
               <a:rPr lang="id-ID" sz="2800" dirty="0" err="1"/>
-              <a:t>source_type</a:t>
+              <a:t>chatSend</a:t>
             </a:r>
             <a:r>
               <a:rPr lang="id-ID" sz="2800" dirty="0"/>
-              <a:t>};{</a:t>
+              <a:t>, register, </a:t>
             </a:r>
             <a:r>
               <a:rPr lang="id-ID" sz="2800" dirty="0" err="1"/>
-              <a:t>body_data</a:t>
+              <a:t>createGroup</a:t>
+            </a:r>
+            <a:r>
+              <a:rPr lang="id-ID" sz="2800" dirty="0"/>
+              <a:t>, dan lain-lain. Command ini akan direpresentasikan dengan </a:t>
             </a:r>
             <a:r>
               <a:rPr lang="id-ID" sz="2800" dirty="0" smtClean="0"/>
-              <a:t>}</a:t>
-            </a:r>
-          </a:p>
-          <a:p>
+              <a:t>String. </a:t>
+            </a:r>
             <a:r>
               <a:rPr lang="id-ID" sz="2800" dirty="0"/>
-              <a:t>Bagian-bagian tersebut </a:t>
+              <a:t>Misalkan chatSend direpresentasikan dengan </a:t>
             </a:r>
             <a:r>
               <a:rPr lang="id-ID" sz="2800" dirty="0" smtClean="0"/>
-              <a:t>akan dijelaskan pada </a:t>
-            </a:r>
-            <a:r>
-              <a:rPr lang="id-ID" sz="2800" dirty="0" err="1" smtClean="0"/>
-              <a:t>slide</a:t>
+              <a:t>chatSend, </a:t>
+            </a:r>
+            <a:r>
+              <a:rPr lang="id-ID" sz="2800" dirty="0"/>
+              <a:t>dan register direpresentasikan dengan </a:t>
             </a:r>
             <a:r>
               <a:rPr lang="id-ID" sz="2800" dirty="0" smtClean="0"/>
-              <a:t> berikutnya.</a:t>
-            </a:r>
-            <a:endParaRPr lang="id-ID" sz="2800" dirty="0"/>
-          </a:p>
-          <a:p>
-            <a:endParaRPr lang="id-ID" sz="2800" dirty="0"/>
+              <a:t>register, </a:t>
+            </a:r>
+            <a:r>
+              <a:rPr lang="id-ID" sz="2800" dirty="0"/>
+              <a:t>dan lain-lain. </a:t>
+            </a:r>
           </a:p>
           <a:p>
             <a:endParaRPr lang="id-ID" sz="2800" dirty="0"/>
@@ -15399,7 +15075,7 @@
     </p:spTree>
     <p:extLst>
       <p:ext uri="{BB962C8B-B14F-4D97-AF65-F5344CB8AC3E}">
-        <p14:creationId xmlns:p14="http://schemas.microsoft.com/office/powerpoint/2010/main" val="1335769359"/>
+        <p14:creationId xmlns:p14="http://schemas.microsoft.com/office/powerpoint/2010/main" val="3277115741"/>
       </p:ext>
     </p:extLst>
   </p:cSld>
@@ -15488,11 +15164,33 @@
             </a:r>
             <a:r>
               <a:rPr lang="id-ID" sz="2800" dirty="0" err="1"/>
-              <a:t>command</a:t>
-            </a:r>
+              <a:t>server_load</a:t>
+            </a:r>
+            <a:r>
+              <a:rPr lang="id-ID" sz="2800" dirty="0" smtClean="0"/>
+              <a:t>} Bagian ini akan mendefinisikan seberapa besar </a:t>
+            </a:r>
+            <a:r>
+              <a:rPr lang="id-ID" sz="2800" dirty="0" err="1" smtClean="0"/>
+              <a:t>server</a:t>
+            </a:r>
+            <a:r>
+              <a:rPr lang="id-ID" sz="2800" dirty="0" smtClean="0"/>
+              <a:t> pengirim sedang memproses.</a:t>
+            </a:r>
+          </a:p>
+          <a:p>
             <a:r>
               <a:rPr lang="id-ID" sz="2800" dirty="0"/>
-              <a:t>} akan mendefinisikan jenis perintah apa yang di minta </a:t>
+              <a:t>{</a:t>
+            </a:r>
+            <a:r>
+              <a:rPr lang="id-ID" sz="2800" dirty="0" err="1"/>
+              <a:t>source_type</a:t>
+            </a:r>
+            <a:r>
+              <a:rPr lang="id-ID" sz="2800" dirty="0"/>
+              <a:t>} akan mendefinisikan sumber paket itu dikirimkan. Sumber-sumber yang dimaksud adalah sumber dari </a:t>
             </a:r>
             <a:r>
               <a:rPr lang="id-ID" sz="2800" dirty="0" err="1"/>
@@ -15500,50 +15198,24 @@
             </a:r>
             <a:r>
               <a:rPr lang="id-ID" sz="2800" dirty="0"/>
-              <a:t>. Perintah-perintah yang dimaksud adalah seperti </a:t>
+              <a:t> atau dari </a:t>
             </a:r>
             <a:r>
               <a:rPr lang="id-ID" sz="2800" dirty="0" err="1"/>
-              <a:t>chatSend</a:t>
+              <a:t>server</a:t>
             </a:r>
             <a:r>
               <a:rPr lang="id-ID" sz="2800" dirty="0"/>
-              <a:t>, register, </a:t>
-            </a:r>
-            <a:r>
-              <a:rPr lang="id-ID" sz="2800" dirty="0" err="1"/>
-              <a:t>createGroup</a:t>
-            </a:r>
-            <a:r>
-              <a:rPr lang="id-ID" sz="2800" dirty="0"/>
-              <a:t>, dan lain-lain. </a:t>
-            </a:r>
-            <a:r>
-              <a:rPr lang="id-ID" sz="2800" dirty="0" err="1"/>
-              <a:t>Command</a:t>
-            </a:r>
-            <a:r>
-              <a:rPr lang="id-ID" sz="2800" dirty="0"/>
-              <a:t> ini akan direpresentasikan dengan </a:t>
-            </a:r>
-            <a:r>
-              <a:rPr lang="id-ID" sz="2800" dirty="0" err="1"/>
-              <a:t>integer</a:t>
-            </a:r>
-            <a:r>
-              <a:rPr lang="id-ID" sz="2800" dirty="0"/>
-              <a:t>. Misalkan </a:t>
-            </a:r>
-            <a:r>
-              <a:rPr lang="id-ID" sz="2800" dirty="0" err="1"/>
-              <a:t>chatSend</a:t>
-            </a:r>
-            <a:r>
-              <a:rPr lang="id-ID" sz="2800" dirty="0"/>
-              <a:t> direpresentasikan dengan angka 1, dan register direpresentasikan dengan angka 2, dan lain-lain. </a:t>
-            </a:r>
-          </a:p>
-          <a:p>
+              <a:t>. Seperti pada bagian {command}, bagian ini juga akan direpresentasikan dengan </a:t>
+            </a:r>
+            <a:r>
+              <a:rPr lang="id-ID" sz="2800" dirty="0" smtClean="0"/>
+              <a:t>String.</a:t>
+            </a:r>
+            <a:endParaRPr lang="id-ID" sz="2800" dirty="0"/>
+          </a:p>
+          <a:p>
+            <a:pPr lvl="0"/>
             <a:endParaRPr lang="id-ID" sz="2800" dirty="0"/>
           </a:p>
         </p:txBody>
@@ -15551,7 +15223,7 @@
     </p:spTree>
     <p:extLst>
       <p:ext uri="{BB962C8B-B14F-4D97-AF65-F5344CB8AC3E}">
-        <p14:creationId xmlns:p14="http://schemas.microsoft.com/office/powerpoint/2010/main" val="3277115741"/>
+        <p14:creationId xmlns:p14="http://schemas.microsoft.com/office/powerpoint/2010/main" val="1181158986"/>
       </p:ext>
     </p:extLst>
   </p:cSld>
@@ -15635,82 +15307,53 @@
           <a:p>
             <a:pPr lvl="0"/>
             <a:r>
+              <a:rPr lang="id-ID" sz="2800" dirty="0" smtClean="0"/>
+              <a:t>{</a:t>
+            </a:r>
+            <a:r>
+              <a:rPr lang="id-ID" sz="2800" dirty="0" err="1" smtClean="0"/>
+              <a:t>body_data</a:t>
+            </a:r>
+            <a:r>
               <a:rPr lang="id-ID" sz="2800" dirty="0"/>
-              <a:t>{</a:t>
+              <a:t>} akan mendefinisikan data-data yang dikirimkan. Data yang dikirimkan akan bervariasi, bergantung pada jenis perintah. Format data ini menggunakan </a:t>
             </a:r>
             <a:r>
               <a:rPr lang="id-ID" sz="2800" dirty="0" err="1"/>
-              <a:t>server_load</a:t>
+              <a:t>String</a:t>
+            </a:r>
+            <a:r>
+              <a:rPr lang="id-ID" sz="2800" dirty="0"/>
+              <a:t> mirip seperti format paket, yaitu dengan menggunakan </a:t>
+            </a:r>
+            <a:r>
+              <a:rPr lang="id-ID" sz="2800" dirty="0" err="1"/>
+              <a:t>semicolon</a:t>
+            </a:r>
+            <a:r>
+              <a:rPr lang="id-ID" sz="2800" dirty="0"/>
+              <a:t>(;) sebagai </a:t>
+            </a:r>
+            <a:r>
+              <a:rPr lang="id-ID" sz="2800" dirty="0" err="1"/>
+              <a:t>separator</a:t>
+            </a:r>
+            <a:r>
+              <a:rPr lang="id-ID" sz="2800" dirty="0"/>
+              <a:t>. </a:t>
             </a:r>
             <a:r>
               <a:rPr lang="id-ID" sz="2800" dirty="0" smtClean="0"/>
-              <a:t>} Bagian ini akan mendefinisikan seberapa besar </a:t>
+              <a:t>Pada </a:t>
             </a:r>
             <a:r>
               <a:rPr lang="id-ID" sz="2800" dirty="0" err="1" smtClean="0"/>
-              <a:t>server</a:t>
+              <a:t>slide</a:t>
             </a:r>
             <a:r>
               <a:rPr lang="id-ID" sz="2800" dirty="0" smtClean="0"/>
-              <a:t> pengirim sedang memproses.</a:t>
-            </a:r>
-          </a:p>
-          <a:p>
-            <a:r>
-              <a:rPr lang="id-ID" sz="2800" dirty="0"/>
-              <a:t>{</a:t>
-            </a:r>
-            <a:r>
-              <a:rPr lang="id-ID" sz="2800" dirty="0" err="1"/>
-              <a:t>source_type</a:t>
-            </a:r>
-            <a:r>
-              <a:rPr lang="id-ID" sz="2800" dirty="0"/>
-              <a:t>} akan mendefinisikan sumber paket itu dikirimkan. Sumber-sumber yang dimaksud adalah sumber dari </a:t>
-            </a:r>
-            <a:r>
-              <a:rPr lang="id-ID" sz="2800" dirty="0" err="1"/>
-              <a:t>client</a:t>
-            </a:r>
-            <a:r>
-              <a:rPr lang="id-ID" sz="2800" dirty="0"/>
-              <a:t> atau dari </a:t>
-            </a:r>
-            <a:r>
-              <a:rPr lang="id-ID" sz="2800" dirty="0" err="1"/>
-              <a:t>server</a:t>
-            </a:r>
-            <a:r>
-              <a:rPr lang="id-ID" sz="2800" dirty="0"/>
-              <a:t>. Seperti pada bagian {</a:t>
-            </a:r>
-            <a:r>
-              <a:rPr lang="id-ID" sz="2800" dirty="0" err="1"/>
-              <a:t>command</a:t>
-            </a:r>
-            <a:r>
-              <a:rPr lang="id-ID" sz="2800" dirty="0"/>
-              <a:t>}, bagian ini juga akan direpresentasikan dengan angka. 1 berarti </a:t>
-            </a:r>
-            <a:r>
-              <a:rPr lang="id-ID" sz="2800" dirty="0" err="1"/>
-              <a:t>client</a:t>
-            </a:r>
-            <a:r>
-              <a:rPr lang="id-ID" sz="2800" dirty="0"/>
-              <a:t> dan 2 berarti </a:t>
-            </a:r>
-            <a:r>
-              <a:rPr lang="id-ID" sz="2800" dirty="0" err="1"/>
-              <a:t>server</a:t>
-            </a:r>
-            <a:r>
-              <a:rPr lang="id-ID" sz="2800" dirty="0"/>
-              <a:t>.</a:t>
-            </a:r>
-          </a:p>
-          <a:p>
-            <a:pPr lvl="0"/>
+              <a:t> selanjutnya akan lebih dijelaskan format dari bagian ini.</a:t>
+            </a:r>
             <a:endParaRPr lang="id-ID" sz="2800" dirty="0"/>
           </a:p>
         </p:txBody>
@@ -15718,7 +15361,7 @@
     </p:spTree>
     <p:extLst>
       <p:ext uri="{BB962C8B-B14F-4D97-AF65-F5344CB8AC3E}">
-        <p14:creationId xmlns:p14="http://schemas.microsoft.com/office/powerpoint/2010/main" val="1181158986"/>
+        <p14:creationId xmlns:p14="http://schemas.microsoft.com/office/powerpoint/2010/main" val="3436837662"/>
       </p:ext>
     </p:extLst>
   </p:cSld>
@@ -15769,15 +15412,15 @@
           <a:p>
             <a:r>
               <a:rPr lang="id-ID" b="1" dirty="0"/>
-              <a:t>Arsitektur sistem </a:t>
+              <a:t>Arsitektur sistem (bagian-bagian </a:t>
+            </a:r>
+            <a:r>
+              <a:rPr lang="id-ID" b="1" dirty="0" err="1" smtClean="0"/>
+              <a:t>body</a:t>
             </a:r>
             <a:r>
               <a:rPr lang="id-ID" b="1" dirty="0" smtClean="0"/>
-              <a:t>(bagian-bagian Protokol </a:t>
-            </a:r>
-            <a:r>
-              <a:rPr lang="id-ID" b="1" dirty="0"/>
-              <a:t>komunikasi)</a:t>
+              <a:t> data)</a:t>
             </a:r>
             <a:endParaRPr lang="id-ID" dirty="0"/>
           </a:p>
@@ -15796,67 +15439,393 @@
         <p:spPr/>
         <p:txBody>
           <a:bodyPr>
-            <a:normAutofit/>
+            <a:noAutofit/>
           </a:bodyPr>
           <a:lstStyle/>
           <a:p>
-            <a:pPr lvl="0"/>
-            <a:r>
-              <a:rPr lang="id-ID" sz="2800" dirty="0" smtClean="0"/>
+            <a:pPr lvl="1"/>
+            <a:r>
+              <a:rPr lang="id-ID" sz="1400" dirty="0" err="1"/>
+              <a:t>ChatSend</a:t>
+            </a:r>
+            <a:endParaRPr lang="id-ID" sz="1400" dirty="0"/>
+          </a:p>
+          <a:p>
+            <a:pPr lvl="2"/>
+            <a:r>
+              <a:rPr lang="id-ID" dirty="0"/>
               <a:t>{</a:t>
             </a:r>
             <a:r>
-              <a:rPr lang="id-ID" sz="2800" dirty="0" err="1" smtClean="0"/>
-              <a:t>body_data</a:t>
-            </a:r>
-            <a:r>
-              <a:rPr lang="id-ID" sz="2800" dirty="0"/>
-              <a:t>} akan mendefinisikan data-data yang dikirimkan. Data yang dikirimkan akan bervariasi, bergantung pada jenis perintah. Format data ini menggunakan </a:t>
-            </a:r>
-            <a:r>
-              <a:rPr lang="id-ID" sz="2800" dirty="0" err="1"/>
-              <a:t>String</a:t>
-            </a:r>
-            <a:r>
-              <a:rPr lang="id-ID" sz="2800" dirty="0"/>
-              <a:t> mirip seperti format paket, yaitu dengan menggunakan </a:t>
-            </a:r>
-            <a:r>
-              <a:rPr lang="id-ID" sz="2800" dirty="0" err="1"/>
-              <a:t>semicolon</a:t>
-            </a:r>
-            <a:r>
-              <a:rPr lang="id-ID" sz="2800" dirty="0"/>
-              <a:t>(;) sebagai </a:t>
-            </a:r>
-            <a:r>
-              <a:rPr lang="id-ID" sz="2800" dirty="0" err="1"/>
-              <a:t>separator</a:t>
-            </a:r>
-            <a:r>
-              <a:rPr lang="id-ID" sz="2800" dirty="0"/>
-              <a:t>. </a:t>
-            </a:r>
-            <a:r>
-              <a:rPr lang="id-ID" sz="2800" dirty="0" smtClean="0"/>
-              <a:t>Pada </a:t>
-            </a:r>
-            <a:r>
-              <a:rPr lang="id-ID" sz="2800" dirty="0" err="1" smtClean="0"/>
-              <a:t>slide</a:t>
-            </a:r>
-            <a:r>
-              <a:rPr lang="id-ID" sz="2800" dirty="0" smtClean="0"/>
-              <a:t> selanjutnya akan lebih dijelaskan format dari bagian ini.</a:t>
-            </a:r>
-            <a:endParaRPr lang="id-ID" sz="2800" dirty="0"/>
+              <a:rPr lang="id-ID" dirty="0" err="1"/>
+              <a:t>type_chat</a:t>
+            </a:r>
+            <a:r>
+              <a:rPr lang="id-ID" dirty="0"/>
+              <a:t>};{</a:t>
+            </a:r>
+            <a:r>
+              <a:rPr lang="id-ID" dirty="0" err="1"/>
+              <a:t>id_pengirim</a:t>
+            </a:r>
+            <a:r>
+              <a:rPr lang="id-ID" dirty="0"/>
+              <a:t>};{</a:t>
+            </a:r>
+            <a:r>
+              <a:rPr lang="id-ID" dirty="0" err="1"/>
+              <a:t>id_penerima</a:t>
+            </a:r>
+            <a:r>
+              <a:rPr lang="id-ID" dirty="0"/>
+              <a:t>};{</a:t>
+            </a:r>
+            <a:r>
+              <a:rPr lang="id-ID" dirty="0" err="1"/>
+              <a:t>group_public_key</a:t>
+            </a:r>
+            <a:r>
+              <a:rPr lang="id-ID" dirty="0"/>
+              <a:t>};{</a:t>
+            </a:r>
+            <a:r>
+              <a:rPr lang="id-ID" dirty="0" err="1"/>
+              <a:t>chat</a:t>
+            </a:r>
+            <a:r>
+              <a:rPr lang="id-ID" dirty="0" smtClean="0"/>
+              <a:t>};{</a:t>
+            </a:r>
+            <a:r>
+              <a:rPr lang="id-ID" dirty="0" err="1" smtClean="0"/>
+              <a:t>timestamp</a:t>
+            </a:r>
+            <a:r>
+              <a:rPr lang="id-ID" dirty="0" smtClean="0"/>
+              <a:t>}</a:t>
+            </a:r>
+            <a:endParaRPr lang="id-ID" dirty="0"/>
+          </a:p>
+          <a:p>
+            <a:pPr lvl="2"/>
+            <a:r>
+              <a:rPr lang="id-ID" dirty="0"/>
+              <a:t>Pada bagian {</a:t>
+            </a:r>
+            <a:r>
+              <a:rPr lang="id-ID" dirty="0" err="1"/>
+              <a:t>type_chat</a:t>
+            </a:r>
+            <a:r>
+              <a:rPr lang="id-ID" dirty="0"/>
+              <a:t>} akan mendefinisikan apakah </a:t>
+            </a:r>
+            <a:r>
+              <a:rPr lang="id-ID" dirty="0" err="1"/>
+              <a:t>chat</a:t>
+            </a:r>
+            <a:r>
+              <a:rPr lang="id-ID" dirty="0"/>
+              <a:t> yang dikirim merupakan </a:t>
+            </a:r>
+            <a:r>
+              <a:rPr lang="id-ID" dirty="0" err="1"/>
+              <a:t>chat</a:t>
+            </a:r>
+            <a:r>
+              <a:rPr lang="id-ID" dirty="0"/>
+              <a:t> </a:t>
+            </a:r>
+            <a:r>
+              <a:rPr lang="id-ID" dirty="0" err="1"/>
+              <a:t>group</a:t>
+            </a:r>
+            <a:r>
+              <a:rPr lang="id-ID" dirty="0"/>
+              <a:t>, </a:t>
+            </a:r>
+            <a:r>
+              <a:rPr lang="id-ID" dirty="0" err="1"/>
+              <a:t>chat</a:t>
+            </a:r>
+            <a:r>
+              <a:rPr lang="id-ID" dirty="0"/>
+              <a:t> pribadi, atau </a:t>
+            </a:r>
+            <a:r>
+              <a:rPr lang="id-ID" dirty="0" err="1"/>
+              <a:t>broadcast</a:t>
+            </a:r>
+            <a:r>
+              <a:rPr lang="id-ID" dirty="0"/>
+              <a:t>. {</a:t>
+            </a:r>
+            <a:r>
+              <a:rPr lang="id-ID" dirty="0" err="1"/>
+              <a:t>id_penerima</a:t>
+            </a:r>
+            <a:r>
+              <a:rPr lang="id-ID" dirty="0"/>
+              <a:t>} dapat berupa </a:t>
+            </a:r>
+            <a:r>
+              <a:rPr lang="id-ID" dirty="0" err="1"/>
+              <a:t>id</a:t>
+            </a:r>
+            <a:r>
+              <a:rPr lang="id-ID" dirty="0"/>
+              <a:t> </a:t>
+            </a:r>
+            <a:r>
+              <a:rPr lang="id-ID" dirty="0" err="1"/>
+              <a:t>user</a:t>
+            </a:r>
+            <a:r>
+              <a:rPr lang="id-ID" dirty="0"/>
+              <a:t> atau </a:t>
+            </a:r>
+            <a:r>
+              <a:rPr lang="id-ID" dirty="0" err="1"/>
+              <a:t>id</a:t>
+            </a:r>
+            <a:r>
+              <a:rPr lang="id-ID" dirty="0"/>
+              <a:t> </a:t>
+            </a:r>
+            <a:r>
+              <a:rPr lang="id-ID" dirty="0" err="1"/>
+              <a:t>group</a:t>
+            </a:r>
+            <a:r>
+              <a:rPr lang="id-ID" dirty="0"/>
+              <a:t>. Pada bagian {</a:t>
+            </a:r>
+            <a:r>
+              <a:rPr lang="id-ID" dirty="0" err="1"/>
+              <a:t>chat</a:t>
+            </a:r>
+            <a:r>
+              <a:rPr lang="id-ID" dirty="0"/>
+              <a:t>} akan </a:t>
+            </a:r>
+            <a:r>
+              <a:rPr lang="id-ID" dirty="0" err="1"/>
+              <a:t>terenkripsi</a:t>
+            </a:r>
+            <a:r>
+              <a:rPr lang="id-ID" dirty="0"/>
+              <a:t> sehingga tidak dapat di baca ketika sedang dikirimkan melalui jaringan. Bagian {</a:t>
+            </a:r>
+            <a:r>
+              <a:rPr lang="id-ID" dirty="0" err="1"/>
+              <a:t>group_public_key</a:t>
+            </a:r>
+            <a:r>
+              <a:rPr lang="id-ID" dirty="0"/>
+              <a:t>} tidak selalu ada. Bagian {</a:t>
+            </a:r>
+            <a:r>
+              <a:rPr lang="id-ID" dirty="0" err="1"/>
+              <a:t>group_public_key</a:t>
+            </a:r>
+            <a:r>
+              <a:rPr lang="id-ID" dirty="0"/>
+              <a:t>} hanya akan ada ketika </a:t>
+            </a:r>
+            <a:r>
+              <a:rPr lang="id-ID" dirty="0" err="1"/>
+              <a:t>client</a:t>
+            </a:r>
+            <a:r>
+              <a:rPr lang="id-ID" dirty="0"/>
+              <a:t> baru pertama kali mengirimkan pesan kepada </a:t>
+            </a:r>
+            <a:r>
+              <a:rPr lang="id-ID" dirty="0" err="1"/>
+              <a:t>group</a:t>
+            </a:r>
+            <a:r>
+              <a:rPr lang="id-ID" dirty="0" smtClean="0"/>
+              <a:t>. {</a:t>
+            </a:r>
+            <a:r>
+              <a:rPr lang="id-ID" dirty="0" err="1" smtClean="0"/>
+              <a:t>timestamp</a:t>
+            </a:r>
+            <a:r>
+              <a:rPr lang="id-ID" dirty="0" smtClean="0"/>
+              <a:t>} merepresentasikan waktu dikirim.</a:t>
+            </a:r>
+          </a:p>
+          <a:p>
+            <a:pPr lvl="1"/>
+            <a:r>
+              <a:rPr lang="id-ID" sz="1400" dirty="0" err="1"/>
+              <a:t>CreateGroup</a:t>
+            </a:r>
+            <a:endParaRPr lang="id-ID" sz="1400" dirty="0"/>
+          </a:p>
+          <a:p>
+            <a:pPr lvl="2"/>
+            <a:r>
+              <a:rPr lang="id-ID" dirty="0"/>
+              <a:t>{</a:t>
+            </a:r>
+            <a:r>
+              <a:rPr lang="id-ID" dirty="0" err="1" smtClean="0"/>
+              <a:t>id_group</a:t>
+            </a:r>
+            <a:r>
+              <a:rPr lang="id-ID" dirty="0"/>
+              <a:t>};{nama</a:t>
+            </a:r>
+            <a:r>
+              <a:rPr lang="id-ID" dirty="0" smtClean="0"/>
+              <a:t>}</a:t>
+            </a:r>
+          </a:p>
+          <a:p>
+            <a:pPr lvl="2"/>
+            <a:r>
+              <a:rPr lang="id-ID" dirty="0" smtClean="0"/>
+              <a:t>Format pesan ini akan digunakan ketika </a:t>
+            </a:r>
+            <a:r>
+              <a:rPr lang="id-ID" dirty="0" err="1" smtClean="0"/>
+              <a:t>client</a:t>
+            </a:r>
+            <a:r>
+              <a:rPr lang="id-ID" dirty="0" smtClean="0"/>
+              <a:t> hendak membuat </a:t>
+            </a:r>
+            <a:r>
+              <a:rPr lang="id-ID" dirty="0" err="1" smtClean="0"/>
+              <a:t>suatu</a:t>
+            </a:r>
+            <a:r>
+              <a:rPr lang="id-ID" dirty="0" smtClean="0"/>
+              <a:t> </a:t>
+            </a:r>
+            <a:r>
+              <a:rPr lang="id-ID" dirty="0" err="1" smtClean="0"/>
+              <a:t>group</a:t>
+            </a:r>
+            <a:r>
+              <a:rPr lang="id-ID" dirty="0" smtClean="0"/>
+              <a:t> ataupun </a:t>
+            </a:r>
+            <a:r>
+              <a:rPr lang="id-ID" dirty="0" err="1" smtClean="0"/>
+              <a:t>pempropagasian</a:t>
+            </a:r>
+            <a:r>
+              <a:rPr lang="id-ID" dirty="0" smtClean="0"/>
+              <a:t> </a:t>
+            </a:r>
+            <a:r>
+              <a:rPr lang="id-ID" dirty="0" err="1" smtClean="0"/>
+              <a:t>server</a:t>
+            </a:r>
+            <a:r>
+              <a:rPr lang="id-ID" dirty="0" smtClean="0"/>
+              <a:t>.</a:t>
+            </a:r>
+          </a:p>
+          <a:p>
+            <a:pPr lvl="1"/>
+            <a:r>
+              <a:rPr lang="id-ID" sz="1400" dirty="0" smtClean="0"/>
+              <a:t>Key</a:t>
+            </a:r>
+          </a:p>
+          <a:p>
+            <a:pPr lvl="2"/>
+            <a:r>
+              <a:rPr lang="id-ID" dirty="0" smtClean="0"/>
+              <a:t>{</a:t>
+            </a:r>
+            <a:r>
+              <a:rPr lang="id-ID" dirty="0" err="1" smtClean="0"/>
+              <a:t>public_key</a:t>
+            </a:r>
+            <a:r>
+              <a:rPr lang="id-ID" dirty="0" smtClean="0"/>
+              <a:t>}</a:t>
+            </a:r>
+          </a:p>
+          <a:p>
+            <a:pPr lvl="2"/>
+            <a:r>
+              <a:rPr lang="id-ID" dirty="0" smtClean="0"/>
+              <a:t>Format ini digunakan ketika ada yang meminta </a:t>
+            </a:r>
+            <a:r>
+              <a:rPr lang="id-ID" dirty="0" err="1" smtClean="0"/>
+              <a:t>public</a:t>
+            </a:r>
+            <a:r>
+              <a:rPr lang="id-ID" dirty="0" smtClean="0"/>
+              <a:t> </a:t>
+            </a:r>
+            <a:r>
+              <a:rPr lang="id-ID" dirty="0" err="1" smtClean="0"/>
+              <a:t>key</a:t>
+            </a:r>
+            <a:r>
+              <a:rPr lang="id-ID" dirty="0" smtClean="0"/>
+              <a:t> dari </a:t>
+            </a:r>
+            <a:r>
+              <a:rPr lang="id-ID" dirty="0" err="1" smtClean="0"/>
+              <a:t>server</a:t>
+            </a:r>
+            <a:r>
+              <a:rPr lang="id-ID" dirty="0" smtClean="0"/>
+              <a:t>.</a:t>
+            </a:r>
+          </a:p>
+          <a:p>
+            <a:pPr lvl="1"/>
+            <a:r>
+              <a:rPr lang="id-ID" sz="1400" dirty="0" err="1" smtClean="0"/>
+              <a:t>LoginResponse</a:t>
+            </a:r>
+            <a:endParaRPr lang="id-ID" sz="1400" dirty="0" smtClean="0"/>
+          </a:p>
+          <a:p>
+            <a:pPr lvl="2"/>
+            <a:r>
+              <a:rPr lang="id-ID" dirty="0" smtClean="0"/>
+              <a:t>{</a:t>
+            </a:r>
+            <a:r>
+              <a:rPr lang="id-ID" dirty="0" err="1" smtClean="0"/>
+              <a:t>response</a:t>
+            </a:r>
+            <a:r>
+              <a:rPr lang="id-ID" dirty="0" smtClean="0"/>
+              <a:t>};{</a:t>
+            </a:r>
+            <a:r>
+              <a:rPr lang="id-ID" dirty="0" err="1" smtClean="0"/>
+              <a:t>username</a:t>
+            </a:r>
+            <a:r>
+              <a:rPr lang="id-ID" dirty="0" smtClean="0"/>
+              <a:t>}</a:t>
+            </a:r>
+            <a:endParaRPr lang="id-ID" dirty="0" smtClean="0"/>
+          </a:p>
+          <a:p>
+            <a:pPr lvl="3"/>
+            <a:endParaRPr lang="id-ID" sz="1400" dirty="0"/>
           </a:p>
         </p:txBody>
       </p:sp>
     </p:spTree>
     <p:extLst>
       <p:ext uri="{BB962C8B-B14F-4D97-AF65-F5344CB8AC3E}">
-        <p14:creationId xmlns:p14="http://schemas.microsoft.com/office/powerpoint/2010/main" val="3436837662"/>
+        <p14:creationId xmlns:p14="http://schemas.microsoft.com/office/powerpoint/2010/main" val="3523864549"/>
       </p:ext>
     </p:extLst>
   </p:cSld>

--- a/Arsitektur Sistem Aplikasi Chat.pptx
+++ b/Arsitektur Sistem Aplikasi Chat.pptx
@@ -381,7 +381,7 @@
             <a:fld id="{B61BEF0D-F0BB-DE4B-95CE-6DB70DBA9567}" type="datetimeFigureOut">
               <a:rPr lang="en-US" dirty="0"/>
               <a:pPr/>
-              <a:t>11/6/2016</a:t>
+              <a:t>11/7/2016</a:t>
             </a:fld>
             <a:endParaRPr lang="en-US" dirty="0"/>
           </a:p>
@@ -712,7 +712,7 @@
             <a:fld id="{B61BEF0D-F0BB-DE4B-95CE-6DB70DBA9567}" type="datetimeFigureOut">
               <a:rPr lang="en-US" dirty="0"/>
               <a:pPr/>
-              <a:t>11/6/2016</a:t>
+              <a:t>11/7/2016</a:t>
             </a:fld>
             <a:endParaRPr lang="en-US" dirty="0"/>
           </a:p>
@@ -987,7 +987,7 @@
             <a:fld id="{B61BEF0D-F0BB-DE4B-95CE-6DB70DBA9567}" type="datetimeFigureOut">
               <a:rPr lang="en-US" dirty="0"/>
               <a:pPr/>
-              <a:t>11/6/2016</a:t>
+              <a:t>11/7/2016</a:t>
             </a:fld>
             <a:endParaRPr lang="en-US" dirty="0"/>
           </a:p>
@@ -1552,7 +1552,7 @@
             <a:fld id="{B61BEF0D-F0BB-DE4B-95CE-6DB70DBA9567}" type="datetimeFigureOut">
               <a:rPr lang="en-US" dirty="0"/>
               <a:pPr/>
-              <a:t>11/6/2016</a:t>
+              <a:t>11/7/2016</a:t>
             </a:fld>
             <a:endParaRPr lang="en-US" dirty="0"/>
           </a:p>
@@ -1827,7 +1827,7 @@
             <a:fld id="{B61BEF0D-F0BB-DE4B-95CE-6DB70DBA9567}" type="datetimeFigureOut">
               <a:rPr lang="en-US" dirty="0"/>
               <a:pPr/>
-              <a:t>11/6/2016</a:t>
+              <a:t>11/7/2016</a:t>
             </a:fld>
             <a:endParaRPr lang="en-US" dirty="0"/>
           </a:p>
@@ -2386,7 +2386,7 @@
             <a:fld id="{B61BEF0D-F0BB-DE4B-95CE-6DB70DBA9567}" type="datetimeFigureOut">
               <a:rPr lang="en-US" dirty="0"/>
               <a:pPr/>
-              <a:t>11/6/2016</a:t>
+              <a:t>11/7/2016</a:t>
             </a:fld>
             <a:endParaRPr lang="en-US" dirty="0"/>
           </a:p>
@@ -2710,7 +2710,7 @@
             <a:fld id="{B61BEF0D-F0BB-DE4B-95CE-6DB70DBA9567}" type="datetimeFigureOut">
               <a:rPr lang="en-US" dirty="0"/>
               <a:pPr/>
-              <a:t>11/6/2016</a:t>
+              <a:t>11/7/2016</a:t>
             </a:fld>
             <a:endParaRPr lang="en-US" dirty="0"/>
           </a:p>
@@ -2884,7 +2884,7 @@
             <a:fld id="{B61BEF0D-F0BB-DE4B-95CE-6DB70DBA9567}" type="datetimeFigureOut">
               <a:rPr lang="en-US" dirty="0"/>
               <a:pPr/>
-              <a:t>11/6/2016</a:t>
+              <a:t>11/7/2016</a:t>
             </a:fld>
             <a:endParaRPr lang="en-US" dirty="0"/>
           </a:p>
@@ -3119,7 +3119,7 @@
             <a:fld id="{B61BEF0D-F0BB-DE4B-95CE-6DB70DBA9567}" type="datetimeFigureOut">
               <a:rPr lang="en-US" dirty="0"/>
               <a:pPr/>
-              <a:t>11/6/2016</a:t>
+              <a:t>11/7/2016</a:t>
             </a:fld>
             <a:endParaRPr lang="en-US" dirty="0"/>
           </a:p>
@@ -3316,7 +3316,7 @@
             <a:fld id="{B61BEF0D-F0BB-DE4B-95CE-6DB70DBA9567}" type="datetimeFigureOut">
               <a:rPr lang="en-US" dirty="0"/>
               <a:pPr/>
-              <a:t>11/6/2016</a:t>
+              <a:t>11/7/2016</a:t>
             </a:fld>
             <a:endParaRPr lang="en-US" dirty="0"/>
           </a:p>
@@ -3589,7 +3589,7 @@
             <a:fld id="{B61BEF0D-F0BB-DE4B-95CE-6DB70DBA9567}" type="datetimeFigureOut">
               <a:rPr lang="en-US" dirty="0"/>
               <a:pPr/>
-              <a:t>11/6/2016</a:t>
+              <a:t>11/7/2016</a:t>
             </a:fld>
             <a:endParaRPr lang="en-US" dirty="0"/>
           </a:p>
@@ -3852,7 +3852,7 @@
             <a:fld id="{B61BEF0D-F0BB-DE4B-95CE-6DB70DBA9567}" type="datetimeFigureOut">
               <a:rPr lang="en-US" dirty="0"/>
               <a:pPr/>
-              <a:t>11/6/2016</a:t>
+              <a:t>11/7/2016</a:t>
             </a:fld>
             <a:endParaRPr lang="en-US" dirty="0"/>
           </a:p>
@@ -4223,7 +4223,7 @@
             <a:fld id="{B61BEF0D-F0BB-DE4B-95CE-6DB70DBA9567}" type="datetimeFigureOut">
               <a:rPr lang="en-US" dirty="0"/>
               <a:pPr/>
-              <a:t>11/6/2016</a:t>
+              <a:t>11/7/2016</a:t>
             </a:fld>
             <a:endParaRPr lang="en-US" dirty="0"/>
           </a:p>
@@ -4368,7 +4368,7 @@
             <a:fld id="{B61BEF0D-F0BB-DE4B-95CE-6DB70DBA9567}" type="datetimeFigureOut">
               <a:rPr lang="en-US" dirty="0"/>
               <a:pPr/>
-              <a:t>11/6/2016</a:t>
+              <a:t>11/7/2016</a:t>
             </a:fld>
             <a:endParaRPr lang="en-US" dirty="0"/>
           </a:p>
@@ -4490,7 +4490,7 @@
             <a:fld id="{B61BEF0D-F0BB-DE4B-95CE-6DB70DBA9567}" type="datetimeFigureOut">
               <a:rPr lang="en-US" dirty="0"/>
               <a:pPr/>
-              <a:t>11/6/2016</a:t>
+              <a:t>11/7/2016</a:t>
             </a:fld>
             <a:endParaRPr lang="en-US" dirty="0"/>
           </a:p>
@@ -4772,7 +4772,7 @@
             <a:fld id="{B61BEF0D-F0BB-DE4B-95CE-6DB70DBA9567}" type="datetimeFigureOut">
               <a:rPr lang="en-US" dirty="0"/>
               <a:pPr/>
-              <a:t>11/6/2016</a:t>
+              <a:t>11/7/2016</a:t>
             </a:fld>
             <a:endParaRPr lang="en-US" dirty="0"/>
           </a:p>
@@ -5093,7 +5093,7 @@
             <a:fld id="{B61BEF0D-F0BB-DE4B-95CE-6DB70DBA9567}" type="datetimeFigureOut">
               <a:rPr lang="en-US" dirty="0"/>
               <a:pPr/>
-              <a:t>11/6/2016</a:t>
+              <a:t>11/7/2016</a:t>
             </a:fld>
             <a:endParaRPr lang="en-US" dirty="0"/>
           </a:p>
@@ -5304,7 +5304,7 @@
             <a:fld id="{B61BEF0D-F0BB-DE4B-95CE-6DB70DBA9567}" type="datetimeFigureOut">
               <a:rPr lang="en-US" dirty="0"/>
               <a:pPr/>
-              <a:t>11/6/2016</a:t>
+              <a:t>11/7/2016</a:t>
             </a:fld>
             <a:endParaRPr lang="en-US" dirty="0"/>
           </a:p>
@@ -6569,7 +6569,6 @@
               <a:rPr lang="id-ID" dirty="0" smtClean="0"/>
               <a:t>}</a:t>
             </a:r>
-            <a:endParaRPr lang="id-ID" dirty="0" smtClean="0"/>
           </a:p>
           <a:p>
             <a:pPr lvl="2"/>
@@ -6645,7 +6644,6 @@
               <a:rPr lang="id-ID" dirty="0" smtClean="0"/>
               <a:t>};{nama}</a:t>
             </a:r>
-            <a:endParaRPr lang="id-ID" dirty="0" smtClean="0"/>
           </a:p>
           <a:p>
             <a:pPr lvl="2"/>
@@ -9978,7 +9976,7 @@
               <a:buNone/>
             </a:pPr>
             <a:r>
-              <a:rPr lang="id-ID" smtClean="0"/>
+              <a:rPr lang="id-ID" dirty="0" smtClean="0"/>
               <a:t>start;</a:t>
             </a:r>
           </a:p>
@@ -9988,7 +9986,7 @@
               <a:buNone/>
             </a:pPr>
             <a:r>
-              <a:rPr lang="id-ID" smtClean="0"/>
+              <a:rPr lang="id-ID" dirty="0" smtClean="0"/>
               <a:t>Membuka informasi paket yang diterima;</a:t>
             </a:r>
           </a:p>
@@ -9998,8 +9996,36 @@
               <a:buNone/>
             </a:pPr>
             <a:r>
-              <a:rPr lang="id-ID" smtClean="0"/>
-              <a:t>if(Chatnya merupakan chat group){</a:t>
+              <a:rPr lang="id-ID" dirty="0" err="1" smtClean="0"/>
+              <a:t>if</a:t>
+            </a:r>
+            <a:r>
+              <a:rPr lang="id-ID" dirty="0" smtClean="0"/>
+              <a:t>(</a:t>
+            </a:r>
+            <a:r>
+              <a:rPr lang="id-ID" dirty="0" err="1" smtClean="0"/>
+              <a:t>Chatnya</a:t>
+            </a:r>
+            <a:r>
+              <a:rPr lang="id-ID" dirty="0" smtClean="0"/>
+              <a:t> merupakan </a:t>
+            </a:r>
+            <a:r>
+              <a:rPr lang="id-ID" dirty="0" err="1" smtClean="0"/>
+              <a:t>chat</a:t>
+            </a:r>
+            <a:r>
+              <a:rPr lang="id-ID" dirty="0" smtClean="0"/>
+              <a:t> </a:t>
+            </a:r>
+            <a:r>
+              <a:rPr lang="id-ID" dirty="0" err="1" smtClean="0"/>
+              <a:t>group</a:t>
+            </a:r>
+            <a:r>
+              <a:rPr lang="id-ID" dirty="0" smtClean="0"/>
+              <a:t>){</a:t>
             </a:r>
           </a:p>
           <a:p>
@@ -10008,8 +10034,24 @@
               <a:buNone/>
             </a:pPr>
             <a:r>
-              <a:rPr lang="id-ID" smtClean="0"/>
-              <a:t>  memasukkan data-data dalam paket ke tabel Chat_Group pada database;</a:t>
+              <a:rPr lang="id-ID" dirty="0" smtClean="0"/>
+              <a:t>  memasukkan data-data dalam paket ke tabel </a:t>
+            </a:r>
+            <a:r>
+              <a:rPr lang="id-ID" dirty="0" err="1" smtClean="0"/>
+              <a:t>Chat_Group</a:t>
+            </a:r>
+            <a:r>
+              <a:rPr lang="id-ID" dirty="0" smtClean="0"/>
+              <a:t> pada </a:t>
+            </a:r>
+            <a:r>
+              <a:rPr lang="id-ID" dirty="0" err="1" smtClean="0"/>
+              <a:t>database</a:t>
+            </a:r>
+            <a:r>
+              <a:rPr lang="id-ID" dirty="0" smtClean="0"/>
+              <a:t>;</a:t>
             </a:r>
           </a:p>
           <a:p>
@@ -10018,8 +10060,24 @@
               <a:buNone/>
             </a:pPr>
             <a:r>
-              <a:rPr lang="id-ID" smtClean="0"/>
-              <a:t>  mengirimkan pesan pada client yang terhubung, online dan termasuk dalam anggota grup;</a:t>
+              <a:rPr lang="id-ID" dirty="0" smtClean="0"/>
+              <a:t>  mengirimkan pesan pada </a:t>
+            </a:r>
+            <a:r>
+              <a:rPr lang="id-ID" dirty="0" err="1" smtClean="0"/>
+              <a:t>client</a:t>
+            </a:r>
+            <a:r>
+              <a:rPr lang="id-ID" dirty="0" smtClean="0"/>
+              <a:t> yang terhubung, </a:t>
+            </a:r>
+            <a:r>
+              <a:rPr lang="id-ID" dirty="0" err="1" smtClean="0"/>
+              <a:t>online</a:t>
+            </a:r>
+            <a:r>
+              <a:rPr lang="id-ID" dirty="0" smtClean="0"/>
+              <a:t> dan termasuk dalam anggota grup;</a:t>
             </a:r>
           </a:p>
           <a:p>
@@ -10028,8 +10086,24 @@
               <a:buNone/>
             </a:pPr>
             <a:r>
-              <a:rPr lang="id-ID" smtClean="0"/>
-              <a:t>  if(paket diterima dari client){</a:t>
+              <a:rPr lang="id-ID" dirty="0" smtClean="0"/>
+              <a:t>  </a:t>
+            </a:r>
+            <a:r>
+              <a:rPr lang="id-ID" dirty="0" err="1" smtClean="0"/>
+              <a:t>if</a:t>
+            </a:r>
+            <a:r>
+              <a:rPr lang="id-ID" dirty="0" smtClean="0"/>
+              <a:t>(paket diterima dari </a:t>
+            </a:r>
+            <a:r>
+              <a:rPr lang="id-ID" dirty="0" err="1" smtClean="0"/>
+              <a:t>client</a:t>
+            </a:r>
+            <a:r>
+              <a:rPr lang="id-ID" dirty="0" smtClean="0"/>
+              <a:t>){</a:t>
             </a:r>
           </a:p>
           <a:p>
@@ -10038,8 +10112,16 @@
               <a:buNone/>
             </a:pPr>
             <a:r>
-              <a:rPr lang="id-ID" smtClean="0"/>
-              <a:t>    kirim ke server lainnya;</a:t>
+              <a:rPr lang="id-ID" dirty="0" smtClean="0"/>
+              <a:t>    kirim ke </a:t>
+            </a:r>
+            <a:r>
+              <a:rPr lang="id-ID" dirty="0" err="1" smtClean="0"/>
+              <a:t>server</a:t>
+            </a:r>
+            <a:r>
+              <a:rPr lang="id-ID" dirty="0" smtClean="0"/>
+              <a:t> lainnya;</a:t>
             </a:r>
           </a:p>
           <a:p>
@@ -10048,7 +10130,7 @@
               <a:buNone/>
             </a:pPr>
             <a:r>
-              <a:rPr lang="id-ID" smtClean="0"/>
+              <a:rPr lang="id-ID" dirty="0" smtClean="0"/>
               <a:t>  }</a:t>
             </a:r>
           </a:p>
@@ -10058,7 +10140,7 @@
               <a:buNone/>
             </a:pPr>
             <a:r>
-              <a:rPr lang="id-ID" smtClean="0"/>
+              <a:rPr lang="id-ID" dirty="0" smtClean="0"/>
               <a:t>}</a:t>
             </a:r>
             <a:endParaRPr lang="id-ID" dirty="0"/>
@@ -15814,7 +15896,6 @@
               <a:rPr lang="id-ID" dirty="0" smtClean="0"/>
               <a:t>}</a:t>
             </a:r>
-            <a:endParaRPr lang="id-ID" dirty="0" smtClean="0"/>
           </a:p>
           <a:p>
             <a:pPr lvl="3"/>
